--- a/docs/cryptoFinanceZone.pptx
+++ b/docs/cryptoFinanceZone.pptx
@@ -6,19 +6,20 @@
     <p:sldMasterId id="2147483661" r:id="rId3"/>
     <p:sldMasterId id="2147483674" r:id="rId4"/>
     <p:sldMasterId id="2147483687" r:id="rId5"/>
+    <p:sldMasterId id="2147483700" r:id="rId6"/>
   </p:sldMasterIdLst>
   <p:sldIdLst>
-    <p:sldId id="256" r:id="rId6"/>
-    <p:sldId id="257" r:id="rId7"/>
-    <p:sldId id="258" r:id="rId8"/>
-    <p:sldId id="259" r:id="rId9"/>
-    <p:sldId id="260" r:id="rId10"/>
-    <p:sldId id="261" r:id="rId11"/>
-    <p:sldId id="262" r:id="rId12"/>
-    <p:sldId id="263" r:id="rId13"/>
-    <p:sldId id="264" r:id="rId14"/>
-    <p:sldId id="265" r:id="rId15"/>
-    <p:sldId id="266" r:id="rId16"/>
+    <p:sldId id="256" r:id="rId7"/>
+    <p:sldId id="257" r:id="rId8"/>
+    <p:sldId id="258" r:id="rId9"/>
+    <p:sldId id="259" r:id="rId10"/>
+    <p:sldId id="260" r:id="rId11"/>
+    <p:sldId id="261" r:id="rId12"/>
+    <p:sldId id="262" r:id="rId13"/>
+    <p:sldId id="263" r:id="rId14"/>
+    <p:sldId id="264" r:id="rId15"/>
+    <p:sldId id="265" r:id="rId16"/>
+    <p:sldId id="266" r:id="rId17"/>
   </p:sldIdLst>
   <p:sldSz cx="10080625" cy="5670550"/>
   <p:notesSz cx="7559675" cy="10691813"/>
@@ -76,7 +77,7 @@
         <p:txBody>
           <a:bodyPr/>
           <a:p>
-            <a:fld id="{13417EDC-6319-432F-AACD-20D142117F64}" type="slidenum">
+            <a:fld id="{F7DF8CBA-EBD7-4324-A5EB-30E5F6996D52}" type="slidenum">
               <a:t>&lt;#&gt;</a:t>
             </a:fld>
           </a:p>
@@ -264,7 +265,7 @@
         <p:txBody>
           <a:bodyPr/>
           <a:p>
-            <a:fld id="{78EDC519-49FB-48B9-A78B-2CD67D1E1640}" type="slidenum">
+            <a:fld id="{5BA57CB4-94CE-421B-B81F-29E0A732BCCB}" type="slidenum">
               <a:t>&lt;#&gt;</a:t>
             </a:fld>
           </a:p>
@@ -520,7 +521,7 @@
         <p:txBody>
           <a:bodyPr/>
           <a:p>
-            <a:fld id="{0A45261C-E7B6-4F1E-88FB-956271F267F0}" type="slidenum">
+            <a:fld id="{DBB2DB33-98AA-4A34-914C-65BEB428C0C7}" type="slidenum">
               <a:t>&lt;#&gt;</a:t>
             </a:fld>
           </a:p>
@@ -844,7 +845,7 @@
         <p:txBody>
           <a:bodyPr/>
           <a:p>
-            <a:fld id="{F048C004-FF2E-40BC-9146-AB00F990BD80}" type="slidenum">
+            <a:fld id="{567D9E3F-A434-48F8-9A37-07F91579E306}" type="slidenum">
               <a:t>&lt;#&gt;</a:t>
             </a:fld>
           </a:p>
@@ -927,30 +928,9 @@
         <p:txBody>
           <a:bodyPr/>
           <a:p>
-            <a:fld id="{FA7ADC02-72FB-4A36-8F70-05E5140F1F65}" type="slidenum">
+            <a:fld id="{11A0FB65-F92E-473D-BCD1-A16BF4274786}" type="slidenum">
               <a:t>&lt;#&gt;</a:t>
             </a:fld>
-          </a:p>
-        </p:txBody>
-      </p:sp>
-      <p:sp>
-        <p:nvSpPr>
-          <p:cNvPr id="4" name="PlaceHolder 3"/>
-          <p:cNvSpPr>
-            <a:spLocks noGrp="1"/>
-          </p:cNvSpPr>
-          <p:nvPr>
-            <p:ph type="dt" idx="6"/>
-          </p:nvPr>
-        </p:nvSpPr>
-        <p:spPr/>
-        <p:txBody>
-          <a:bodyPr/>
-          <a:p>
-            <a:r>
-              <a:rPr lang="en-IN"/>
-              <a:t/>
-            </a:r>
           </a:p>
         </p:txBody>
       </p:sp>
@@ -978,7 +958,7 @@
       </p:grpSpPr>
       <p:sp>
         <p:nvSpPr>
-          <p:cNvPr id="67" name="PlaceHolder 1"/>
+          <p:cNvPr id="66" name="PlaceHolder 1"/>
           <p:cNvSpPr>
             <a:spLocks noGrp="1"/>
           </p:cNvSpPr>
@@ -1015,7 +995,7 @@
       </p:sp>
       <p:sp>
         <p:nvSpPr>
-          <p:cNvPr id="68" name="PlaceHolder 2"/>
+          <p:cNvPr id="67" name="PlaceHolder 2"/>
           <p:cNvSpPr>
             <a:spLocks noGrp="1"/>
           </p:cNvSpPr>
@@ -1084,30 +1064,9 @@
         <p:txBody>
           <a:bodyPr/>
           <a:p>
-            <a:fld id="{A86BCB37-ECD7-48ED-AA4F-5A0F2898E36D}" type="slidenum">
+            <a:fld id="{3635FFC9-2608-4430-A24F-CDDD2C82F8AC}" type="slidenum">
               <a:t>&lt;#&gt;</a:t>
             </a:fld>
-          </a:p>
-        </p:txBody>
-      </p:sp>
-      <p:sp>
-        <p:nvSpPr>
-          <p:cNvPr id="6" name="PlaceHolder 5"/>
-          <p:cNvSpPr>
-            <a:spLocks noGrp="1"/>
-          </p:cNvSpPr>
-          <p:nvPr>
-            <p:ph type="dt" idx="6"/>
-          </p:nvPr>
-        </p:nvSpPr>
-        <p:spPr/>
-        <p:txBody>
-          <a:bodyPr/>
-          <a:p>
-            <a:r>
-              <a:rPr lang="en-IN"/>
-              <a:t/>
-            </a:r>
           </a:p>
         </p:txBody>
       </p:sp>
@@ -1135,7 +1094,7 @@
       </p:grpSpPr>
       <p:sp>
         <p:nvSpPr>
-          <p:cNvPr id="69" name="PlaceHolder 1"/>
+          <p:cNvPr id="68" name="PlaceHolder 1"/>
           <p:cNvSpPr>
             <a:spLocks noGrp="1"/>
           </p:cNvSpPr>
@@ -1172,7 +1131,7 @@
       </p:sp>
       <p:sp>
         <p:nvSpPr>
-          <p:cNvPr id="70" name="PlaceHolder 2"/>
+          <p:cNvPr id="69" name="PlaceHolder 2"/>
           <p:cNvSpPr>
             <a:spLocks noGrp="1"/>
           </p:cNvSpPr>
@@ -1238,30 +1197,9 @@
         <p:txBody>
           <a:bodyPr/>
           <a:p>
-            <a:fld id="{0DFD1118-F88C-4FB7-B1FA-6BDCD5E6C0D4}" type="slidenum">
+            <a:fld id="{DE0657CD-EC36-4E8B-A5E7-AC2CC6032C1F}" type="slidenum">
               <a:t>&lt;#&gt;</a:t>
             </a:fld>
-          </a:p>
-        </p:txBody>
-      </p:sp>
-      <p:sp>
-        <p:nvSpPr>
-          <p:cNvPr id="6" name="PlaceHolder 5"/>
-          <p:cNvSpPr>
-            <a:spLocks noGrp="1"/>
-          </p:cNvSpPr>
-          <p:nvPr>
-            <p:ph type="dt" idx="6"/>
-          </p:nvPr>
-        </p:nvSpPr>
-        <p:spPr/>
-        <p:txBody>
-          <a:bodyPr/>
-          <a:p>
-            <a:r>
-              <a:rPr lang="en-IN"/>
-              <a:t/>
-            </a:r>
           </a:p>
         </p:txBody>
       </p:sp>
@@ -1289,7 +1227,7 @@
       </p:grpSpPr>
       <p:sp>
         <p:nvSpPr>
-          <p:cNvPr id="71" name="PlaceHolder 1"/>
+          <p:cNvPr id="70" name="PlaceHolder 1"/>
           <p:cNvSpPr>
             <a:spLocks noGrp="1"/>
           </p:cNvSpPr>
@@ -1326,7 +1264,7 @@
       </p:sp>
       <p:sp>
         <p:nvSpPr>
-          <p:cNvPr id="72" name="PlaceHolder 2"/>
+          <p:cNvPr id="71" name="PlaceHolder 2"/>
           <p:cNvSpPr>
             <a:spLocks noGrp="1"/>
           </p:cNvSpPr>
@@ -1360,7 +1298,7 @@
       </p:sp>
       <p:sp>
         <p:nvSpPr>
-          <p:cNvPr id="73" name="PlaceHolder 3"/>
+          <p:cNvPr id="72" name="PlaceHolder 3"/>
           <p:cNvSpPr>
             <a:spLocks noGrp="1"/>
           </p:cNvSpPr>
@@ -1426,30 +1364,9 @@
         <p:txBody>
           <a:bodyPr/>
           <a:p>
-            <a:fld id="{0DE1724D-361B-481B-AFCA-400F820E111A}" type="slidenum">
+            <a:fld id="{259D0FB7-A41B-4AE6-AE3B-2E85322A1F7F}" type="slidenum">
               <a:t>&lt;#&gt;</a:t>
             </a:fld>
-          </a:p>
-        </p:txBody>
-      </p:sp>
-      <p:sp>
-        <p:nvSpPr>
-          <p:cNvPr id="7" name="PlaceHolder 6"/>
-          <p:cNvSpPr>
-            <a:spLocks noGrp="1"/>
-          </p:cNvSpPr>
-          <p:nvPr>
-            <p:ph type="dt" idx="6"/>
-          </p:nvPr>
-        </p:nvSpPr>
-        <p:spPr/>
-        <p:txBody>
-          <a:bodyPr/>
-          <a:p>
-            <a:r>
-              <a:rPr lang="en-IN"/>
-              <a:t/>
-            </a:r>
           </a:p>
         </p:txBody>
       </p:sp>
@@ -1477,7 +1394,7 @@
       </p:grpSpPr>
       <p:sp>
         <p:nvSpPr>
-          <p:cNvPr id="74" name="PlaceHolder 1"/>
+          <p:cNvPr id="73" name="PlaceHolder 1"/>
           <p:cNvSpPr>
             <a:spLocks noGrp="1"/>
           </p:cNvSpPr>
@@ -1546,30 +1463,9 @@
         <p:txBody>
           <a:bodyPr/>
           <a:p>
-            <a:fld id="{C37F532A-0633-4A2C-A51B-18F64E34112F}" type="slidenum">
+            <a:fld id="{3689D0F3-9C0D-4AFA-B475-950CC291161F}" type="slidenum">
               <a:t>&lt;#&gt;</a:t>
             </a:fld>
-          </a:p>
-        </p:txBody>
-      </p:sp>
-      <p:sp>
-        <p:nvSpPr>
-          <p:cNvPr id="5" name="PlaceHolder 4"/>
-          <p:cNvSpPr>
-            <a:spLocks noGrp="1"/>
-          </p:cNvSpPr>
-          <p:nvPr>
-            <p:ph type="dt" idx="6"/>
-          </p:nvPr>
-        </p:nvSpPr>
-        <p:spPr/>
-        <p:txBody>
-          <a:bodyPr/>
-          <a:p>
-            <a:r>
-              <a:rPr lang="en-IN"/>
-              <a:t/>
-            </a:r>
           </a:p>
         </p:txBody>
       </p:sp>
@@ -1597,7 +1493,7 @@
       </p:grpSpPr>
       <p:sp>
         <p:nvSpPr>
-          <p:cNvPr id="75" name="PlaceHolder 1"/>
+          <p:cNvPr id="74" name="PlaceHolder 1"/>
           <p:cNvSpPr>
             <a:spLocks noGrp="1"/>
           </p:cNvSpPr>
@@ -1666,30 +1562,9 @@
         <p:txBody>
           <a:bodyPr/>
           <a:p>
-            <a:fld id="{BA5B34D1-5772-41E1-AD58-A2A37EE955E0}" type="slidenum">
+            <a:fld id="{5FEFEA39-1A18-409A-AF4B-2603673220AC}" type="slidenum">
               <a:t>&lt;#&gt;</a:t>
             </a:fld>
-          </a:p>
-        </p:txBody>
-      </p:sp>
-      <p:sp>
-        <p:nvSpPr>
-          <p:cNvPr id="5" name="PlaceHolder 4"/>
-          <p:cNvSpPr>
-            <a:spLocks noGrp="1"/>
-          </p:cNvSpPr>
-          <p:nvPr>
-            <p:ph type="dt" idx="6"/>
-          </p:nvPr>
-        </p:nvSpPr>
-        <p:spPr/>
-        <p:txBody>
-          <a:bodyPr/>
-          <a:p>
-            <a:r>
-              <a:rPr lang="en-IN"/>
-              <a:t/>
-            </a:r>
           </a:p>
         </p:txBody>
       </p:sp>
@@ -1717,7 +1592,7 @@
       </p:grpSpPr>
       <p:sp>
         <p:nvSpPr>
-          <p:cNvPr id="76" name="PlaceHolder 1"/>
+          <p:cNvPr id="75" name="PlaceHolder 1"/>
           <p:cNvSpPr>
             <a:spLocks noGrp="1"/>
           </p:cNvSpPr>
@@ -1754,7 +1629,7 @@
       </p:sp>
       <p:sp>
         <p:nvSpPr>
-          <p:cNvPr id="77" name="PlaceHolder 2"/>
+          <p:cNvPr id="76" name="PlaceHolder 2"/>
           <p:cNvSpPr>
             <a:spLocks noGrp="1"/>
           </p:cNvSpPr>
@@ -1788,7 +1663,7 @@
       </p:sp>
       <p:sp>
         <p:nvSpPr>
-          <p:cNvPr id="78" name="PlaceHolder 3"/>
+          <p:cNvPr id="77" name="PlaceHolder 3"/>
           <p:cNvSpPr>
             <a:spLocks noGrp="1"/>
           </p:cNvSpPr>
@@ -1822,7 +1697,7 @@
       </p:sp>
       <p:sp>
         <p:nvSpPr>
-          <p:cNvPr id="79" name="PlaceHolder 4"/>
+          <p:cNvPr id="78" name="PlaceHolder 4"/>
           <p:cNvSpPr>
             <a:spLocks noGrp="1"/>
           </p:cNvSpPr>
@@ -1888,30 +1763,9 @@
         <p:txBody>
           <a:bodyPr/>
           <a:p>
-            <a:fld id="{D49121CA-E3B6-451C-9943-B25D360C9552}" type="slidenum">
+            <a:fld id="{AB0289B0-A51D-4B78-BBB9-9369E8CC1460}" type="slidenum">
               <a:t>&lt;#&gt;</a:t>
             </a:fld>
-          </a:p>
-        </p:txBody>
-      </p:sp>
-      <p:sp>
-        <p:nvSpPr>
-          <p:cNvPr id="8" name="PlaceHolder 7"/>
-          <p:cNvSpPr>
-            <a:spLocks noGrp="1"/>
-          </p:cNvSpPr>
-          <p:nvPr>
-            <p:ph type="dt" idx="6"/>
-          </p:nvPr>
-        </p:nvSpPr>
-        <p:spPr/>
-        <p:txBody>
-          <a:bodyPr/>
-          <a:p>
-            <a:r>
-              <a:rPr lang="en-IN"/>
-              <a:t/>
-            </a:r>
           </a:p>
         </p:txBody>
       </p:sp>
@@ -2045,7 +1899,7 @@
         <p:txBody>
           <a:bodyPr/>
           <a:p>
-            <a:fld id="{778FF97F-DC94-49E8-9CF7-A3413010A826}" type="slidenum">
+            <a:fld id="{19EFB942-F7F7-425F-B58A-B2DD7AB0D2EE}" type="slidenum">
               <a:t>&lt;#&gt;</a:t>
             </a:fld>
           </a:p>
@@ -2096,7 +1950,7 @@
       </p:grpSpPr>
       <p:sp>
         <p:nvSpPr>
-          <p:cNvPr id="80" name="PlaceHolder 1"/>
+          <p:cNvPr id="79" name="PlaceHolder 1"/>
           <p:cNvSpPr>
             <a:spLocks noGrp="1"/>
           </p:cNvSpPr>
@@ -2133,7 +1987,7 @@
       </p:sp>
       <p:sp>
         <p:nvSpPr>
-          <p:cNvPr id="81" name="PlaceHolder 2"/>
+          <p:cNvPr id="80" name="PlaceHolder 2"/>
           <p:cNvSpPr>
             <a:spLocks noGrp="1"/>
           </p:cNvSpPr>
@@ -2167,7 +2021,7 @@
       </p:sp>
       <p:sp>
         <p:nvSpPr>
-          <p:cNvPr id="82" name="PlaceHolder 3"/>
+          <p:cNvPr id="81" name="PlaceHolder 3"/>
           <p:cNvSpPr>
             <a:spLocks noGrp="1"/>
           </p:cNvSpPr>
@@ -2201,7 +2055,7 @@
       </p:sp>
       <p:sp>
         <p:nvSpPr>
-          <p:cNvPr id="83" name="PlaceHolder 4"/>
+          <p:cNvPr id="82" name="PlaceHolder 4"/>
           <p:cNvSpPr>
             <a:spLocks noGrp="1"/>
           </p:cNvSpPr>
@@ -2267,30 +2121,9 @@
         <p:txBody>
           <a:bodyPr/>
           <a:p>
-            <a:fld id="{8776EF52-0FA6-47FD-BE0C-2A3062380630}" type="slidenum">
+            <a:fld id="{DD96601A-3C18-45F4-86C3-23EF94A2631C}" type="slidenum">
               <a:t>&lt;#&gt;</a:t>
             </a:fld>
-          </a:p>
-        </p:txBody>
-      </p:sp>
-      <p:sp>
-        <p:nvSpPr>
-          <p:cNvPr id="8" name="PlaceHolder 7"/>
-          <p:cNvSpPr>
-            <a:spLocks noGrp="1"/>
-          </p:cNvSpPr>
-          <p:nvPr>
-            <p:ph type="dt" idx="6"/>
-          </p:nvPr>
-        </p:nvSpPr>
-        <p:spPr/>
-        <p:txBody>
-          <a:bodyPr/>
-          <a:p>
-            <a:r>
-              <a:rPr lang="en-IN"/>
-              <a:t/>
-            </a:r>
           </a:p>
         </p:txBody>
       </p:sp>
@@ -2318,7 +2151,7 @@
       </p:grpSpPr>
       <p:sp>
         <p:nvSpPr>
-          <p:cNvPr id="84" name="PlaceHolder 1"/>
+          <p:cNvPr id="83" name="PlaceHolder 1"/>
           <p:cNvSpPr>
             <a:spLocks noGrp="1"/>
           </p:cNvSpPr>
@@ -2355,7 +2188,7 @@
       </p:sp>
       <p:sp>
         <p:nvSpPr>
-          <p:cNvPr id="85" name="PlaceHolder 2"/>
+          <p:cNvPr id="84" name="PlaceHolder 2"/>
           <p:cNvSpPr>
             <a:spLocks noGrp="1"/>
           </p:cNvSpPr>
@@ -2389,7 +2222,7 @@
       </p:sp>
       <p:sp>
         <p:nvSpPr>
-          <p:cNvPr id="86" name="PlaceHolder 3"/>
+          <p:cNvPr id="85" name="PlaceHolder 3"/>
           <p:cNvSpPr>
             <a:spLocks noGrp="1"/>
           </p:cNvSpPr>
@@ -2423,7 +2256,7 @@
       </p:sp>
       <p:sp>
         <p:nvSpPr>
-          <p:cNvPr id="87" name="PlaceHolder 4"/>
+          <p:cNvPr id="86" name="PlaceHolder 4"/>
           <p:cNvSpPr>
             <a:spLocks noGrp="1"/>
           </p:cNvSpPr>
@@ -2489,30 +2322,9 @@
         <p:txBody>
           <a:bodyPr/>
           <a:p>
-            <a:fld id="{5B06D3B1-4566-4A5F-B255-E3FF0BACDCB9}" type="slidenum">
+            <a:fld id="{F6FC52E1-928D-4768-842C-6D99BEDD597E}" type="slidenum">
               <a:t>&lt;#&gt;</a:t>
             </a:fld>
-          </a:p>
-        </p:txBody>
-      </p:sp>
-      <p:sp>
-        <p:nvSpPr>
-          <p:cNvPr id="8" name="PlaceHolder 7"/>
-          <p:cNvSpPr>
-            <a:spLocks noGrp="1"/>
-          </p:cNvSpPr>
-          <p:nvPr>
-            <p:ph type="dt" idx="6"/>
-          </p:nvPr>
-        </p:nvSpPr>
-        <p:spPr/>
-        <p:txBody>
-          <a:bodyPr/>
-          <a:p>
-            <a:r>
-              <a:rPr lang="en-IN"/>
-              <a:t/>
-            </a:r>
           </a:p>
         </p:txBody>
       </p:sp>
@@ -2540,7 +2352,7 @@
       </p:grpSpPr>
       <p:sp>
         <p:nvSpPr>
-          <p:cNvPr id="88" name="PlaceHolder 1"/>
+          <p:cNvPr id="87" name="PlaceHolder 1"/>
           <p:cNvSpPr>
             <a:spLocks noGrp="1"/>
           </p:cNvSpPr>
@@ -2577,7 +2389,7 @@
       </p:sp>
       <p:sp>
         <p:nvSpPr>
-          <p:cNvPr id="89" name="PlaceHolder 2"/>
+          <p:cNvPr id="88" name="PlaceHolder 2"/>
           <p:cNvSpPr>
             <a:spLocks noGrp="1"/>
           </p:cNvSpPr>
@@ -2611,7 +2423,7 @@
       </p:sp>
       <p:sp>
         <p:nvSpPr>
-          <p:cNvPr id="90" name="PlaceHolder 3"/>
+          <p:cNvPr id="89" name="PlaceHolder 3"/>
           <p:cNvSpPr>
             <a:spLocks noGrp="1"/>
           </p:cNvSpPr>
@@ -2677,30 +2489,9 @@
         <p:txBody>
           <a:bodyPr/>
           <a:p>
-            <a:fld id="{C3825D5F-BA34-46D8-A4FF-65A44F364F63}" type="slidenum">
+            <a:fld id="{4BCE1557-E98F-4916-9FCC-11ED896B4190}" type="slidenum">
               <a:t>&lt;#&gt;</a:t>
             </a:fld>
-          </a:p>
-        </p:txBody>
-      </p:sp>
-      <p:sp>
-        <p:nvSpPr>
-          <p:cNvPr id="7" name="PlaceHolder 6"/>
-          <p:cNvSpPr>
-            <a:spLocks noGrp="1"/>
-          </p:cNvSpPr>
-          <p:nvPr>
-            <p:ph type="dt" idx="6"/>
-          </p:nvPr>
-        </p:nvSpPr>
-        <p:spPr/>
-        <p:txBody>
-          <a:bodyPr/>
-          <a:p>
-            <a:r>
-              <a:rPr lang="en-IN"/>
-              <a:t/>
-            </a:r>
           </a:p>
         </p:txBody>
       </p:sp>
@@ -2728,7 +2519,7 @@
       </p:grpSpPr>
       <p:sp>
         <p:nvSpPr>
-          <p:cNvPr id="91" name="PlaceHolder 1"/>
+          <p:cNvPr id="90" name="PlaceHolder 1"/>
           <p:cNvSpPr>
             <a:spLocks noGrp="1"/>
           </p:cNvSpPr>
@@ -2765,7 +2556,7 @@
       </p:sp>
       <p:sp>
         <p:nvSpPr>
-          <p:cNvPr id="92" name="PlaceHolder 2"/>
+          <p:cNvPr id="91" name="PlaceHolder 2"/>
           <p:cNvSpPr>
             <a:spLocks noGrp="1"/>
           </p:cNvSpPr>
@@ -2799,7 +2590,7 @@
       </p:sp>
       <p:sp>
         <p:nvSpPr>
-          <p:cNvPr id="93" name="PlaceHolder 3"/>
+          <p:cNvPr id="92" name="PlaceHolder 3"/>
           <p:cNvSpPr>
             <a:spLocks noGrp="1"/>
           </p:cNvSpPr>
@@ -2833,7 +2624,7 @@
       </p:sp>
       <p:sp>
         <p:nvSpPr>
-          <p:cNvPr id="94" name="PlaceHolder 4"/>
+          <p:cNvPr id="93" name="PlaceHolder 4"/>
           <p:cNvSpPr>
             <a:spLocks noGrp="1"/>
           </p:cNvSpPr>
@@ -2867,7 +2658,7 @@
       </p:sp>
       <p:sp>
         <p:nvSpPr>
-          <p:cNvPr id="95" name="PlaceHolder 5"/>
+          <p:cNvPr id="94" name="PlaceHolder 5"/>
           <p:cNvSpPr>
             <a:spLocks noGrp="1"/>
           </p:cNvSpPr>
@@ -2933,30 +2724,9 @@
         <p:txBody>
           <a:bodyPr/>
           <a:p>
-            <a:fld id="{9B159061-8956-4944-AC94-FFCAA2FB2752}" type="slidenum">
+            <a:fld id="{78029EB8-3270-4F09-A8BD-01D318A54E12}" type="slidenum">
               <a:t>&lt;#&gt;</a:t>
             </a:fld>
-          </a:p>
-        </p:txBody>
-      </p:sp>
-      <p:sp>
-        <p:nvSpPr>
-          <p:cNvPr id="9" name="PlaceHolder 8"/>
-          <p:cNvSpPr>
-            <a:spLocks noGrp="1"/>
-          </p:cNvSpPr>
-          <p:nvPr>
-            <p:ph type="dt" idx="6"/>
-          </p:nvPr>
-        </p:nvSpPr>
-        <p:spPr/>
-        <p:txBody>
-          <a:bodyPr/>
-          <a:p>
-            <a:r>
-              <a:rPr lang="en-IN"/>
-              <a:t/>
-            </a:r>
           </a:p>
         </p:txBody>
       </p:sp>
@@ -2984,7 +2754,7 @@
       </p:grpSpPr>
       <p:sp>
         <p:nvSpPr>
-          <p:cNvPr id="96" name="PlaceHolder 1"/>
+          <p:cNvPr id="95" name="PlaceHolder 1"/>
           <p:cNvSpPr>
             <a:spLocks noGrp="1"/>
           </p:cNvSpPr>
@@ -3021,7 +2791,7 @@
       </p:sp>
       <p:sp>
         <p:nvSpPr>
-          <p:cNvPr id="97" name="PlaceHolder 2"/>
+          <p:cNvPr id="96" name="PlaceHolder 2"/>
           <p:cNvSpPr>
             <a:spLocks noGrp="1"/>
           </p:cNvSpPr>
@@ -3055,7 +2825,7 @@
       </p:sp>
       <p:sp>
         <p:nvSpPr>
-          <p:cNvPr id="98" name="PlaceHolder 3"/>
+          <p:cNvPr id="97" name="PlaceHolder 3"/>
           <p:cNvSpPr>
             <a:spLocks noGrp="1"/>
           </p:cNvSpPr>
@@ -3089,7 +2859,7 @@
       </p:sp>
       <p:sp>
         <p:nvSpPr>
-          <p:cNvPr id="99" name="PlaceHolder 4"/>
+          <p:cNvPr id="98" name="PlaceHolder 4"/>
           <p:cNvSpPr>
             <a:spLocks noGrp="1"/>
           </p:cNvSpPr>
@@ -3123,7 +2893,7 @@
       </p:sp>
       <p:sp>
         <p:nvSpPr>
-          <p:cNvPr id="100" name="PlaceHolder 5"/>
+          <p:cNvPr id="99" name="PlaceHolder 5"/>
           <p:cNvSpPr>
             <a:spLocks noGrp="1"/>
           </p:cNvSpPr>
@@ -3157,7 +2927,7 @@
       </p:sp>
       <p:sp>
         <p:nvSpPr>
-          <p:cNvPr id="101" name="PlaceHolder 6"/>
+          <p:cNvPr id="100" name="PlaceHolder 6"/>
           <p:cNvSpPr>
             <a:spLocks noGrp="1"/>
           </p:cNvSpPr>
@@ -3191,7 +2961,7 @@
       </p:sp>
       <p:sp>
         <p:nvSpPr>
-          <p:cNvPr id="102" name="PlaceHolder 7"/>
+          <p:cNvPr id="101" name="PlaceHolder 7"/>
           <p:cNvSpPr>
             <a:spLocks noGrp="1"/>
           </p:cNvSpPr>
@@ -3257,30 +3027,9 @@
         <p:txBody>
           <a:bodyPr/>
           <a:p>
-            <a:fld id="{7EBBE478-416F-4DD6-B9C0-CE297C1A0094}" type="slidenum">
+            <a:fld id="{A343B479-977C-49F5-9414-5BB79D9F165A}" type="slidenum">
               <a:t>&lt;#&gt;</a:t>
             </a:fld>
-          </a:p>
-        </p:txBody>
-      </p:sp>
-      <p:sp>
-        <p:nvSpPr>
-          <p:cNvPr id="11" name="PlaceHolder 10"/>
-          <p:cNvSpPr>
-            <a:spLocks noGrp="1"/>
-          </p:cNvSpPr>
-          <p:nvPr>
-            <p:ph type="dt" idx="6"/>
-          </p:nvPr>
-        </p:nvSpPr>
-        <p:spPr/>
-        <p:txBody>
-          <a:bodyPr/>
-          <a:p>
-            <a:r>
-              <a:rPr lang="en-IN"/>
-              <a:t/>
-            </a:r>
           </a:p>
         </p:txBody>
       </p:sp>
@@ -3313,7 +3062,7 @@
             <a:spLocks noGrp="1"/>
           </p:cNvSpPr>
           <p:nvPr>
-            <p:ph type="ftr" idx="7"/>
+            <p:ph type="ftr" idx="6"/>
           </p:nvPr>
         </p:nvSpPr>
         <p:spPr/>
@@ -3333,37 +3082,16 @@
             <a:spLocks noGrp="1"/>
           </p:cNvSpPr>
           <p:nvPr>
-            <p:ph type="sldNum" idx="8"/>
+            <p:ph type="sldNum" idx="7"/>
           </p:nvPr>
         </p:nvSpPr>
         <p:spPr/>
         <p:txBody>
           <a:bodyPr/>
           <a:p>
-            <a:fld id="{84B55254-4E05-40BB-8076-A429F1D1A6A4}" type="slidenum">
+            <a:fld id="{79802541-7D58-44DB-98BF-2D1C25D11817}" type="slidenum">
               <a:t>&lt;#&gt;</a:t>
             </a:fld>
-          </a:p>
-        </p:txBody>
-      </p:sp>
-      <p:sp>
-        <p:nvSpPr>
-          <p:cNvPr id="4" name="PlaceHolder 3"/>
-          <p:cNvSpPr>
-            <a:spLocks noGrp="1"/>
-          </p:cNvSpPr>
-          <p:nvPr>
-            <p:ph type="dt" idx="9"/>
-          </p:nvPr>
-        </p:nvSpPr>
-        <p:spPr/>
-        <p:txBody>
-          <a:bodyPr/>
-          <a:p>
-            <a:r>
-              <a:rPr lang="en-IN"/>
-              <a:t/>
-            </a:r>
           </a:p>
         </p:txBody>
       </p:sp>
@@ -3391,7 +3119,7 @@
       </p:grpSpPr>
       <p:sp>
         <p:nvSpPr>
-          <p:cNvPr id="117" name="PlaceHolder 1"/>
+          <p:cNvPr id="115" name="PlaceHolder 1"/>
           <p:cNvSpPr>
             <a:spLocks noGrp="1"/>
           </p:cNvSpPr>
@@ -3428,7 +3156,7 @@
       </p:sp>
       <p:sp>
         <p:nvSpPr>
-          <p:cNvPr id="118" name="PlaceHolder 2"/>
+          <p:cNvPr id="116" name="PlaceHolder 2"/>
           <p:cNvSpPr>
             <a:spLocks noGrp="1"/>
           </p:cNvSpPr>
@@ -3470,7 +3198,7 @@
             <a:spLocks noGrp="1"/>
           </p:cNvSpPr>
           <p:nvPr>
-            <p:ph type="ftr" idx="7"/>
+            <p:ph type="ftr" idx="6"/>
           </p:nvPr>
         </p:nvSpPr>
         <p:spPr/>
@@ -3490,37 +3218,16 @@
             <a:spLocks noGrp="1"/>
           </p:cNvSpPr>
           <p:nvPr>
-            <p:ph type="sldNum" idx="8"/>
+            <p:ph type="sldNum" idx="7"/>
           </p:nvPr>
         </p:nvSpPr>
         <p:spPr/>
         <p:txBody>
           <a:bodyPr/>
           <a:p>
-            <a:fld id="{FE1B9CC5-E79A-4A06-B0DB-4AEA258A7B4C}" type="slidenum">
+            <a:fld id="{0B685C30-D830-493A-8A4A-25AA900FD3B7}" type="slidenum">
               <a:t>&lt;#&gt;</a:t>
             </a:fld>
-          </a:p>
-        </p:txBody>
-      </p:sp>
-      <p:sp>
-        <p:nvSpPr>
-          <p:cNvPr id="6" name="PlaceHolder 5"/>
-          <p:cNvSpPr>
-            <a:spLocks noGrp="1"/>
-          </p:cNvSpPr>
-          <p:nvPr>
-            <p:ph type="dt" idx="9"/>
-          </p:nvPr>
-        </p:nvSpPr>
-        <p:spPr/>
-        <p:txBody>
-          <a:bodyPr/>
-          <a:p>
-            <a:r>
-              <a:rPr lang="en-IN"/>
-              <a:t/>
-            </a:r>
           </a:p>
         </p:txBody>
       </p:sp>
@@ -3548,7 +3255,7 @@
       </p:grpSpPr>
       <p:sp>
         <p:nvSpPr>
-          <p:cNvPr id="119" name="PlaceHolder 1"/>
+          <p:cNvPr id="117" name="PlaceHolder 1"/>
           <p:cNvSpPr>
             <a:spLocks noGrp="1"/>
           </p:cNvSpPr>
@@ -3585,7 +3292,7 @@
       </p:sp>
       <p:sp>
         <p:nvSpPr>
-          <p:cNvPr id="120" name="PlaceHolder 2"/>
+          <p:cNvPr id="118" name="PlaceHolder 2"/>
           <p:cNvSpPr>
             <a:spLocks noGrp="1"/>
           </p:cNvSpPr>
@@ -3624,7 +3331,7 @@
             <a:spLocks noGrp="1"/>
           </p:cNvSpPr>
           <p:nvPr>
-            <p:ph type="ftr" idx="7"/>
+            <p:ph type="ftr" idx="6"/>
           </p:nvPr>
         </p:nvSpPr>
         <p:spPr/>
@@ -3644,37 +3351,16 @@
             <a:spLocks noGrp="1"/>
           </p:cNvSpPr>
           <p:nvPr>
-            <p:ph type="sldNum" idx="8"/>
+            <p:ph type="sldNum" idx="7"/>
           </p:nvPr>
         </p:nvSpPr>
         <p:spPr/>
         <p:txBody>
           <a:bodyPr/>
           <a:p>
-            <a:fld id="{5560D028-D99A-4D5A-8363-6546CB2CD9A2}" type="slidenum">
+            <a:fld id="{196AC80E-E856-4EB8-804D-7B22F433646D}" type="slidenum">
               <a:t>&lt;#&gt;</a:t>
             </a:fld>
-          </a:p>
-        </p:txBody>
-      </p:sp>
-      <p:sp>
-        <p:nvSpPr>
-          <p:cNvPr id="6" name="PlaceHolder 5"/>
-          <p:cNvSpPr>
-            <a:spLocks noGrp="1"/>
-          </p:cNvSpPr>
-          <p:nvPr>
-            <p:ph type="dt" idx="9"/>
-          </p:nvPr>
-        </p:nvSpPr>
-        <p:spPr/>
-        <p:txBody>
-          <a:bodyPr/>
-          <a:p>
-            <a:r>
-              <a:rPr lang="en-IN"/>
-              <a:t/>
-            </a:r>
           </a:p>
         </p:txBody>
       </p:sp>
@@ -3702,7 +3388,7 @@
       </p:grpSpPr>
       <p:sp>
         <p:nvSpPr>
-          <p:cNvPr id="121" name="PlaceHolder 1"/>
+          <p:cNvPr id="119" name="PlaceHolder 1"/>
           <p:cNvSpPr>
             <a:spLocks noGrp="1"/>
           </p:cNvSpPr>
@@ -3739,7 +3425,7 @@
       </p:sp>
       <p:sp>
         <p:nvSpPr>
-          <p:cNvPr id="122" name="PlaceHolder 2"/>
+          <p:cNvPr id="120" name="PlaceHolder 2"/>
           <p:cNvSpPr>
             <a:spLocks noGrp="1"/>
           </p:cNvSpPr>
@@ -3773,7 +3459,7 @@
       </p:sp>
       <p:sp>
         <p:nvSpPr>
-          <p:cNvPr id="123" name="PlaceHolder 3"/>
+          <p:cNvPr id="121" name="PlaceHolder 3"/>
           <p:cNvSpPr>
             <a:spLocks noGrp="1"/>
           </p:cNvSpPr>
@@ -3812,7 +3498,7 @@
             <a:spLocks noGrp="1"/>
           </p:cNvSpPr>
           <p:nvPr>
-            <p:ph type="ftr" idx="7"/>
+            <p:ph type="ftr" idx="6"/>
           </p:nvPr>
         </p:nvSpPr>
         <p:spPr/>
@@ -3832,37 +3518,16 @@
             <a:spLocks noGrp="1"/>
           </p:cNvSpPr>
           <p:nvPr>
-            <p:ph type="sldNum" idx="8"/>
+            <p:ph type="sldNum" idx="7"/>
           </p:nvPr>
         </p:nvSpPr>
         <p:spPr/>
         <p:txBody>
           <a:bodyPr/>
           <a:p>
-            <a:fld id="{D362A953-8EEF-454F-8F7C-C678EF5C74F7}" type="slidenum">
+            <a:fld id="{79F1DA5D-0E9D-4C0F-BBC4-0CA14728A131}" type="slidenum">
               <a:t>&lt;#&gt;</a:t>
             </a:fld>
-          </a:p>
-        </p:txBody>
-      </p:sp>
-      <p:sp>
-        <p:nvSpPr>
-          <p:cNvPr id="7" name="PlaceHolder 6"/>
-          <p:cNvSpPr>
-            <a:spLocks noGrp="1"/>
-          </p:cNvSpPr>
-          <p:nvPr>
-            <p:ph type="dt" idx="9"/>
-          </p:nvPr>
-        </p:nvSpPr>
-        <p:spPr/>
-        <p:txBody>
-          <a:bodyPr/>
-          <a:p>
-            <a:r>
-              <a:rPr lang="en-IN"/>
-              <a:t/>
-            </a:r>
           </a:p>
         </p:txBody>
       </p:sp>
@@ -3890,7 +3555,7 @@
       </p:grpSpPr>
       <p:sp>
         <p:nvSpPr>
-          <p:cNvPr id="124" name="PlaceHolder 1"/>
+          <p:cNvPr id="122" name="PlaceHolder 1"/>
           <p:cNvSpPr>
             <a:spLocks noGrp="1"/>
           </p:cNvSpPr>
@@ -3932,7 +3597,7 @@
             <a:spLocks noGrp="1"/>
           </p:cNvSpPr>
           <p:nvPr>
-            <p:ph type="ftr" idx="7"/>
+            <p:ph type="ftr" idx="6"/>
           </p:nvPr>
         </p:nvSpPr>
         <p:spPr/>
@@ -3952,37 +3617,16 @@
             <a:spLocks noGrp="1"/>
           </p:cNvSpPr>
           <p:nvPr>
-            <p:ph type="sldNum" idx="8"/>
+            <p:ph type="sldNum" idx="7"/>
           </p:nvPr>
         </p:nvSpPr>
         <p:spPr/>
         <p:txBody>
           <a:bodyPr/>
           <a:p>
-            <a:fld id="{7E1AF4F3-6A8F-45FB-8713-E086EB9CD8D6}" type="slidenum">
+            <a:fld id="{8C8BF7AC-B5C9-4615-8278-7AD2F8C347F1}" type="slidenum">
               <a:t>&lt;#&gt;</a:t>
             </a:fld>
-          </a:p>
-        </p:txBody>
-      </p:sp>
-      <p:sp>
-        <p:nvSpPr>
-          <p:cNvPr id="5" name="PlaceHolder 4"/>
-          <p:cNvSpPr>
-            <a:spLocks noGrp="1"/>
-          </p:cNvSpPr>
-          <p:nvPr>
-            <p:ph type="dt" idx="9"/>
-          </p:nvPr>
-        </p:nvSpPr>
-        <p:spPr/>
-        <p:txBody>
-          <a:bodyPr/>
-          <a:p>
-            <a:r>
-              <a:rPr lang="en-IN"/>
-              <a:t/>
-            </a:r>
           </a:p>
         </p:txBody>
       </p:sp>
@@ -4113,7 +3757,7 @@
         <p:txBody>
           <a:bodyPr/>
           <a:p>
-            <a:fld id="{18FDD245-4757-465B-AE7B-8945AEBC5F81}" type="slidenum">
+            <a:fld id="{1B5C1D7D-D93F-40F7-8438-D16D913B960F}" type="slidenum">
               <a:t>&lt;#&gt;</a:t>
             </a:fld>
           </a:p>
@@ -4164,7 +3808,7 @@
       </p:grpSpPr>
       <p:sp>
         <p:nvSpPr>
-          <p:cNvPr id="125" name="PlaceHolder 1"/>
+          <p:cNvPr id="123" name="PlaceHolder 1"/>
           <p:cNvSpPr>
             <a:spLocks noGrp="1"/>
           </p:cNvSpPr>
@@ -4206,7 +3850,7 @@
             <a:spLocks noGrp="1"/>
           </p:cNvSpPr>
           <p:nvPr>
-            <p:ph type="ftr" idx="7"/>
+            <p:ph type="ftr" idx="6"/>
           </p:nvPr>
         </p:nvSpPr>
         <p:spPr/>
@@ -4226,37 +3870,16 @@
             <a:spLocks noGrp="1"/>
           </p:cNvSpPr>
           <p:nvPr>
-            <p:ph type="sldNum" idx="8"/>
+            <p:ph type="sldNum" idx="7"/>
           </p:nvPr>
         </p:nvSpPr>
         <p:spPr/>
         <p:txBody>
           <a:bodyPr/>
           <a:p>
-            <a:fld id="{9422DB83-8A4C-404D-9E69-4159D2C71F1F}" type="slidenum">
+            <a:fld id="{A35CAC29-4278-4C7F-96B2-081E46CE4AAA}" type="slidenum">
               <a:t>&lt;#&gt;</a:t>
             </a:fld>
-          </a:p>
-        </p:txBody>
-      </p:sp>
-      <p:sp>
-        <p:nvSpPr>
-          <p:cNvPr id="5" name="PlaceHolder 4"/>
-          <p:cNvSpPr>
-            <a:spLocks noGrp="1"/>
-          </p:cNvSpPr>
-          <p:nvPr>
-            <p:ph type="dt" idx="9"/>
-          </p:nvPr>
-        </p:nvSpPr>
-        <p:spPr/>
-        <p:txBody>
-          <a:bodyPr/>
-          <a:p>
-            <a:r>
-              <a:rPr lang="en-IN"/>
-              <a:t/>
-            </a:r>
           </a:p>
         </p:txBody>
       </p:sp>
@@ -4284,7 +3907,7 @@
       </p:grpSpPr>
       <p:sp>
         <p:nvSpPr>
-          <p:cNvPr id="126" name="PlaceHolder 1"/>
+          <p:cNvPr id="124" name="PlaceHolder 1"/>
           <p:cNvSpPr>
             <a:spLocks noGrp="1"/>
           </p:cNvSpPr>
@@ -4321,7 +3944,7 @@
       </p:sp>
       <p:sp>
         <p:nvSpPr>
-          <p:cNvPr id="127" name="PlaceHolder 2"/>
+          <p:cNvPr id="125" name="PlaceHolder 2"/>
           <p:cNvSpPr>
             <a:spLocks noGrp="1"/>
           </p:cNvSpPr>
@@ -4355,7 +3978,7 @@
       </p:sp>
       <p:sp>
         <p:nvSpPr>
-          <p:cNvPr id="128" name="PlaceHolder 3"/>
+          <p:cNvPr id="126" name="PlaceHolder 3"/>
           <p:cNvSpPr>
             <a:spLocks noGrp="1"/>
           </p:cNvSpPr>
@@ -4389,7 +4012,7 @@
       </p:sp>
       <p:sp>
         <p:nvSpPr>
-          <p:cNvPr id="129" name="PlaceHolder 4"/>
+          <p:cNvPr id="127" name="PlaceHolder 4"/>
           <p:cNvSpPr>
             <a:spLocks noGrp="1"/>
           </p:cNvSpPr>
@@ -4428,7 +4051,7 @@
             <a:spLocks noGrp="1"/>
           </p:cNvSpPr>
           <p:nvPr>
-            <p:ph type="ftr" idx="7"/>
+            <p:ph type="ftr" idx="6"/>
           </p:nvPr>
         </p:nvSpPr>
         <p:spPr/>
@@ -4448,37 +4071,16 @@
             <a:spLocks noGrp="1"/>
           </p:cNvSpPr>
           <p:nvPr>
-            <p:ph type="sldNum" idx="8"/>
+            <p:ph type="sldNum" idx="7"/>
           </p:nvPr>
         </p:nvSpPr>
         <p:spPr/>
         <p:txBody>
           <a:bodyPr/>
           <a:p>
-            <a:fld id="{CE5697A9-1681-4E41-BAB6-1AA22DCAB59F}" type="slidenum">
+            <a:fld id="{07A945BA-2ADB-4013-B0DB-0D46C235B2F0}" type="slidenum">
               <a:t>&lt;#&gt;</a:t>
             </a:fld>
-          </a:p>
-        </p:txBody>
-      </p:sp>
-      <p:sp>
-        <p:nvSpPr>
-          <p:cNvPr id="8" name="PlaceHolder 7"/>
-          <p:cNvSpPr>
-            <a:spLocks noGrp="1"/>
-          </p:cNvSpPr>
-          <p:nvPr>
-            <p:ph type="dt" idx="9"/>
-          </p:nvPr>
-        </p:nvSpPr>
-        <p:spPr/>
-        <p:txBody>
-          <a:bodyPr/>
-          <a:p>
-            <a:r>
-              <a:rPr lang="en-IN"/>
-              <a:t/>
-            </a:r>
           </a:p>
         </p:txBody>
       </p:sp>
@@ -4506,7 +4108,7 @@
       </p:grpSpPr>
       <p:sp>
         <p:nvSpPr>
-          <p:cNvPr id="130" name="PlaceHolder 1"/>
+          <p:cNvPr id="128" name="PlaceHolder 1"/>
           <p:cNvSpPr>
             <a:spLocks noGrp="1"/>
           </p:cNvSpPr>
@@ -4543,7 +4145,7 @@
       </p:sp>
       <p:sp>
         <p:nvSpPr>
-          <p:cNvPr id="131" name="PlaceHolder 2"/>
+          <p:cNvPr id="129" name="PlaceHolder 2"/>
           <p:cNvSpPr>
             <a:spLocks noGrp="1"/>
           </p:cNvSpPr>
@@ -4577,7 +4179,7 @@
       </p:sp>
       <p:sp>
         <p:nvSpPr>
-          <p:cNvPr id="132" name="PlaceHolder 3"/>
+          <p:cNvPr id="130" name="PlaceHolder 3"/>
           <p:cNvSpPr>
             <a:spLocks noGrp="1"/>
           </p:cNvSpPr>
@@ -4611,7 +4213,7 @@
       </p:sp>
       <p:sp>
         <p:nvSpPr>
-          <p:cNvPr id="133" name="PlaceHolder 4"/>
+          <p:cNvPr id="131" name="PlaceHolder 4"/>
           <p:cNvSpPr>
             <a:spLocks noGrp="1"/>
           </p:cNvSpPr>
@@ -4650,7 +4252,7 @@
             <a:spLocks noGrp="1"/>
           </p:cNvSpPr>
           <p:nvPr>
-            <p:ph type="ftr" idx="7"/>
+            <p:ph type="ftr" idx="6"/>
           </p:nvPr>
         </p:nvSpPr>
         <p:spPr/>
@@ -4670,37 +4272,16 @@
             <a:spLocks noGrp="1"/>
           </p:cNvSpPr>
           <p:nvPr>
-            <p:ph type="sldNum" idx="8"/>
+            <p:ph type="sldNum" idx="7"/>
           </p:nvPr>
         </p:nvSpPr>
         <p:spPr/>
         <p:txBody>
           <a:bodyPr/>
           <a:p>
-            <a:fld id="{9EB1E69E-CB2A-4B77-ACA2-6249C6BEF0B6}" type="slidenum">
+            <a:fld id="{F371941B-3395-44FF-9DBD-040DC8369747}" type="slidenum">
               <a:t>&lt;#&gt;</a:t>
             </a:fld>
-          </a:p>
-        </p:txBody>
-      </p:sp>
-      <p:sp>
-        <p:nvSpPr>
-          <p:cNvPr id="8" name="PlaceHolder 7"/>
-          <p:cNvSpPr>
-            <a:spLocks noGrp="1"/>
-          </p:cNvSpPr>
-          <p:nvPr>
-            <p:ph type="dt" idx="9"/>
-          </p:nvPr>
-        </p:nvSpPr>
-        <p:spPr/>
-        <p:txBody>
-          <a:bodyPr/>
-          <a:p>
-            <a:r>
-              <a:rPr lang="en-IN"/>
-              <a:t/>
-            </a:r>
           </a:p>
         </p:txBody>
       </p:sp>
@@ -4728,7 +4309,7 @@
       </p:grpSpPr>
       <p:sp>
         <p:nvSpPr>
-          <p:cNvPr id="134" name="PlaceHolder 1"/>
+          <p:cNvPr id="132" name="PlaceHolder 1"/>
           <p:cNvSpPr>
             <a:spLocks noGrp="1"/>
           </p:cNvSpPr>
@@ -4765,7 +4346,7 @@
       </p:sp>
       <p:sp>
         <p:nvSpPr>
-          <p:cNvPr id="135" name="PlaceHolder 2"/>
+          <p:cNvPr id="133" name="PlaceHolder 2"/>
           <p:cNvSpPr>
             <a:spLocks noGrp="1"/>
           </p:cNvSpPr>
@@ -4799,7 +4380,7 @@
       </p:sp>
       <p:sp>
         <p:nvSpPr>
-          <p:cNvPr id="136" name="PlaceHolder 3"/>
+          <p:cNvPr id="134" name="PlaceHolder 3"/>
           <p:cNvSpPr>
             <a:spLocks noGrp="1"/>
           </p:cNvSpPr>
@@ -4833,7 +4414,7 @@
       </p:sp>
       <p:sp>
         <p:nvSpPr>
-          <p:cNvPr id="137" name="PlaceHolder 4"/>
+          <p:cNvPr id="135" name="PlaceHolder 4"/>
           <p:cNvSpPr>
             <a:spLocks noGrp="1"/>
           </p:cNvSpPr>
@@ -4872,7 +4453,7 @@
             <a:spLocks noGrp="1"/>
           </p:cNvSpPr>
           <p:nvPr>
-            <p:ph type="ftr" idx="7"/>
+            <p:ph type="ftr" idx="6"/>
           </p:nvPr>
         </p:nvSpPr>
         <p:spPr/>
@@ -4892,37 +4473,16 @@
             <a:spLocks noGrp="1"/>
           </p:cNvSpPr>
           <p:nvPr>
-            <p:ph type="sldNum" idx="8"/>
+            <p:ph type="sldNum" idx="7"/>
           </p:nvPr>
         </p:nvSpPr>
         <p:spPr/>
         <p:txBody>
           <a:bodyPr/>
           <a:p>
-            <a:fld id="{F1D48155-59F3-4DD9-9D50-B9312463C932}" type="slidenum">
+            <a:fld id="{64A0693A-91FE-464B-B031-1B0BCDFFB819}" type="slidenum">
               <a:t>&lt;#&gt;</a:t>
             </a:fld>
-          </a:p>
-        </p:txBody>
-      </p:sp>
-      <p:sp>
-        <p:nvSpPr>
-          <p:cNvPr id="8" name="PlaceHolder 7"/>
-          <p:cNvSpPr>
-            <a:spLocks noGrp="1"/>
-          </p:cNvSpPr>
-          <p:nvPr>
-            <p:ph type="dt" idx="9"/>
-          </p:nvPr>
-        </p:nvSpPr>
-        <p:spPr/>
-        <p:txBody>
-          <a:bodyPr/>
-          <a:p>
-            <a:r>
-              <a:rPr lang="en-IN"/>
-              <a:t/>
-            </a:r>
           </a:p>
         </p:txBody>
       </p:sp>
@@ -4950,7 +4510,7 @@
       </p:grpSpPr>
       <p:sp>
         <p:nvSpPr>
-          <p:cNvPr id="138" name="PlaceHolder 1"/>
+          <p:cNvPr id="136" name="PlaceHolder 1"/>
           <p:cNvSpPr>
             <a:spLocks noGrp="1"/>
           </p:cNvSpPr>
@@ -4987,7 +4547,7 @@
       </p:sp>
       <p:sp>
         <p:nvSpPr>
-          <p:cNvPr id="139" name="PlaceHolder 2"/>
+          <p:cNvPr id="137" name="PlaceHolder 2"/>
           <p:cNvSpPr>
             <a:spLocks noGrp="1"/>
           </p:cNvSpPr>
@@ -5021,7 +4581,7 @@
       </p:sp>
       <p:sp>
         <p:nvSpPr>
-          <p:cNvPr id="140" name="PlaceHolder 3"/>
+          <p:cNvPr id="138" name="PlaceHolder 3"/>
           <p:cNvSpPr>
             <a:spLocks noGrp="1"/>
           </p:cNvSpPr>
@@ -5060,7 +4620,7 @@
             <a:spLocks noGrp="1"/>
           </p:cNvSpPr>
           <p:nvPr>
-            <p:ph type="ftr" idx="7"/>
+            <p:ph type="ftr" idx="6"/>
           </p:nvPr>
         </p:nvSpPr>
         <p:spPr/>
@@ -5080,37 +4640,16 @@
             <a:spLocks noGrp="1"/>
           </p:cNvSpPr>
           <p:nvPr>
-            <p:ph type="sldNum" idx="8"/>
+            <p:ph type="sldNum" idx="7"/>
           </p:nvPr>
         </p:nvSpPr>
         <p:spPr/>
         <p:txBody>
           <a:bodyPr/>
           <a:p>
-            <a:fld id="{D96BF2AA-1D34-448C-8496-E7007D2922E5}" type="slidenum">
+            <a:fld id="{2BBCE82B-F129-4ECC-8741-78B2E8C6E142}" type="slidenum">
               <a:t>&lt;#&gt;</a:t>
             </a:fld>
-          </a:p>
-        </p:txBody>
-      </p:sp>
-      <p:sp>
-        <p:nvSpPr>
-          <p:cNvPr id="7" name="PlaceHolder 6"/>
-          <p:cNvSpPr>
-            <a:spLocks noGrp="1"/>
-          </p:cNvSpPr>
-          <p:nvPr>
-            <p:ph type="dt" idx="9"/>
-          </p:nvPr>
-        </p:nvSpPr>
-        <p:spPr/>
-        <p:txBody>
-          <a:bodyPr/>
-          <a:p>
-            <a:r>
-              <a:rPr lang="en-IN"/>
-              <a:t/>
-            </a:r>
           </a:p>
         </p:txBody>
       </p:sp>
@@ -5138,7 +4677,7 @@
       </p:grpSpPr>
       <p:sp>
         <p:nvSpPr>
-          <p:cNvPr id="141" name="PlaceHolder 1"/>
+          <p:cNvPr id="139" name="PlaceHolder 1"/>
           <p:cNvSpPr>
             <a:spLocks noGrp="1"/>
           </p:cNvSpPr>
@@ -5175,7 +4714,7 @@
       </p:sp>
       <p:sp>
         <p:nvSpPr>
-          <p:cNvPr id="142" name="PlaceHolder 2"/>
+          <p:cNvPr id="140" name="PlaceHolder 2"/>
           <p:cNvSpPr>
             <a:spLocks noGrp="1"/>
           </p:cNvSpPr>
@@ -5209,7 +4748,7 @@
       </p:sp>
       <p:sp>
         <p:nvSpPr>
-          <p:cNvPr id="143" name="PlaceHolder 3"/>
+          <p:cNvPr id="141" name="PlaceHolder 3"/>
           <p:cNvSpPr>
             <a:spLocks noGrp="1"/>
           </p:cNvSpPr>
@@ -5243,7 +4782,7 @@
       </p:sp>
       <p:sp>
         <p:nvSpPr>
-          <p:cNvPr id="144" name="PlaceHolder 4"/>
+          <p:cNvPr id="142" name="PlaceHolder 4"/>
           <p:cNvSpPr>
             <a:spLocks noGrp="1"/>
           </p:cNvSpPr>
@@ -5277,7 +4816,7 @@
       </p:sp>
       <p:sp>
         <p:nvSpPr>
-          <p:cNvPr id="145" name="PlaceHolder 5"/>
+          <p:cNvPr id="143" name="PlaceHolder 5"/>
           <p:cNvSpPr>
             <a:spLocks noGrp="1"/>
           </p:cNvSpPr>
@@ -5316,7 +4855,7 @@
             <a:spLocks noGrp="1"/>
           </p:cNvSpPr>
           <p:nvPr>
-            <p:ph type="ftr" idx="7"/>
+            <p:ph type="ftr" idx="6"/>
           </p:nvPr>
         </p:nvSpPr>
         <p:spPr/>
@@ -5336,37 +4875,16 @@
             <a:spLocks noGrp="1"/>
           </p:cNvSpPr>
           <p:nvPr>
-            <p:ph type="sldNum" idx="8"/>
+            <p:ph type="sldNum" idx="7"/>
           </p:nvPr>
         </p:nvSpPr>
         <p:spPr/>
         <p:txBody>
           <a:bodyPr/>
           <a:p>
-            <a:fld id="{B6366FBC-5403-4B35-9AAE-6C674A61FA5C}" type="slidenum">
+            <a:fld id="{E9A2D9F1-D6BF-4AA2-AC74-B95A79EDF5FF}" type="slidenum">
               <a:t>&lt;#&gt;</a:t>
             </a:fld>
-          </a:p>
-        </p:txBody>
-      </p:sp>
-      <p:sp>
-        <p:nvSpPr>
-          <p:cNvPr id="9" name="PlaceHolder 8"/>
-          <p:cNvSpPr>
-            <a:spLocks noGrp="1"/>
-          </p:cNvSpPr>
-          <p:nvPr>
-            <p:ph type="dt" idx="9"/>
-          </p:nvPr>
-        </p:nvSpPr>
-        <p:spPr/>
-        <p:txBody>
-          <a:bodyPr/>
-          <a:p>
-            <a:r>
-              <a:rPr lang="en-IN"/>
-              <a:t/>
-            </a:r>
           </a:p>
         </p:txBody>
       </p:sp>
@@ -5394,7 +4912,7 @@
       </p:grpSpPr>
       <p:sp>
         <p:nvSpPr>
-          <p:cNvPr id="146" name="PlaceHolder 1"/>
+          <p:cNvPr id="144" name="PlaceHolder 1"/>
           <p:cNvSpPr>
             <a:spLocks noGrp="1"/>
           </p:cNvSpPr>
@@ -5431,7 +4949,7 @@
       </p:sp>
       <p:sp>
         <p:nvSpPr>
-          <p:cNvPr id="147" name="PlaceHolder 2"/>
+          <p:cNvPr id="145" name="PlaceHolder 2"/>
           <p:cNvSpPr>
             <a:spLocks noGrp="1"/>
           </p:cNvSpPr>
@@ -5465,7 +4983,7 @@
       </p:sp>
       <p:sp>
         <p:nvSpPr>
-          <p:cNvPr id="148" name="PlaceHolder 3"/>
+          <p:cNvPr id="146" name="PlaceHolder 3"/>
           <p:cNvSpPr>
             <a:spLocks noGrp="1"/>
           </p:cNvSpPr>
@@ -5499,7 +5017,7 @@
       </p:sp>
       <p:sp>
         <p:nvSpPr>
-          <p:cNvPr id="149" name="PlaceHolder 4"/>
+          <p:cNvPr id="147" name="PlaceHolder 4"/>
           <p:cNvSpPr>
             <a:spLocks noGrp="1"/>
           </p:cNvSpPr>
@@ -5533,7 +5051,7 @@
       </p:sp>
       <p:sp>
         <p:nvSpPr>
-          <p:cNvPr id="150" name="PlaceHolder 5"/>
+          <p:cNvPr id="148" name="PlaceHolder 5"/>
           <p:cNvSpPr>
             <a:spLocks noGrp="1"/>
           </p:cNvSpPr>
@@ -5567,7 +5085,7 @@
       </p:sp>
       <p:sp>
         <p:nvSpPr>
-          <p:cNvPr id="151" name="PlaceHolder 6"/>
+          <p:cNvPr id="149" name="PlaceHolder 6"/>
           <p:cNvSpPr>
             <a:spLocks noGrp="1"/>
           </p:cNvSpPr>
@@ -5601,7 +5119,7 @@
       </p:sp>
       <p:sp>
         <p:nvSpPr>
-          <p:cNvPr id="152" name="PlaceHolder 7"/>
+          <p:cNvPr id="150" name="PlaceHolder 7"/>
           <p:cNvSpPr>
             <a:spLocks noGrp="1"/>
           </p:cNvSpPr>
@@ -5640,7 +5158,7 @@
             <a:spLocks noGrp="1"/>
           </p:cNvSpPr>
           <p:nvPr>
-            <p:ph type="ftr" idx="7"/>
+            <p:ph type="ftr" idx="6"/>
           </p:nvPr>
         </p:nvSpPr>
         <p:spPr/>
@@ -5660,37 +5178,16 @@
             <a:spLocks noGrp="1"/>
           </p:cNvSpPr>
           <p:nvPr>
-            <p:ph type="sldNum" idx="8"/>
+            <p:ph type="sldNum" idx="7"/>
           </p:nvPr>
         </p:nvSpPr>
         <p:spPr/>
         <p:txBody>
           <a:bodyPr/>
           <a:p>
-            <a:fld id="{B4AD7748-57C9-490E-BE9D-95701D872706}" type="slidenum">
+            <a:fld id="{F2A113D4-6A36-4E9F-8658-51E7E73A2EF4}" type="slidenum">
               <a:t>&lt;#&gt;</a:t>
             </a:fld>
-          </a:p>
-        </p:txBody>
-      </p:sp>
-      <p:sp>
-        <p:nvSpPr>
-          <p:cNvPr id="11" name="PlaceHolder 10"/>
-          <p:cNvSpPr>
-            <a:spLocks noGrp="1"/>
-          </p:cNvSpPr>
-          <p:nvPr>
-            <p:ph type="dt" idx="9"/>
-          </p:nvPr>
-        </p:nvSpPr>
-        <p:spPr/>
-        <p:txBody>
-          <a:bodyPr/>
-          <a:p>
-            <a:r>
-              <a:rPr lang="en-IN"/>
-              <a:t/>
-            </a:r>
           </a:p>
         </p:txBody>
       </p:sp>
@@ -5723,7 +5220,7 @@
             <a:spLocks noGrp="1"/>
           </p:cNvSpPr>
           <p:nvPr>
-            <p:ph type="ftr" idx="10"/>
+            <p:ph type="ftr" idx="8"/>
           </p:nvPr>
         </p:nvSpPr>
         <p:spPr/>
@@ -5743,14 +5240,14 @@
             <a:spLocks noGrp="1"/>
           </p:cNvSpPr>
           <p:nvPr>
-            <p:ph type="sldNum" idx="11"/>
+            <p:ph type="sldNum" idx="9"/>
           </p:nvPr>
         </p:nvSpPr>
         <p:spPr/>
         <p:txBody>
           <a:bodyPr/>
           <a:p>
-            <a:fld id="{8B4F3B6E-377C-4D6A-A103-41B47399AF74}" type="slidenum">
+            <a:fld id="{94B1276A-D8AF-45EE-B99C-B54E196A461F}" type="slidenum">
               <a:t>&lt;#&gt;</a:t>
             </a:fld>
           </a:p>
@@ -5763,7 +5260,7 @@
             <a:spLocks noGrp="1"/>
           </p:cNvSpPr>
           <p:nvPr>
-            <p:ph type="dt" idx="12"/>
+            <p:ph type="dt" idx="10"/>
           </p:nvPr>
         </p:nvSpPr>
         <p:spPr/>
@@ -5801,7 +5298,7 @@
       </p:grpSpPr>
       <p:sp>
         <p:nvSpPr>
-          <p:cNvPr id="167" name="PlaceHolder 1"/>
+          <p:cNvPr id="165" name="PlaceHolder 1"/>
           <p:cNvSpPr>
             <a:spLocks noGrp="1"/>
           </p:cNvSpPr>
@@ -5838,7 +5335,7 @@
       </p:sp>
       <p:sp>
         <p:nvSpPr>
-          <p:cNvPr id="168" name="PlaceHolder 2"/>
+          <p:cNvPr id="166" name="PlaceHolder 2"/>
           <p:cNvSpPr>
             <a:spLocks noGrp="1"/>
           </p:cNvSpPr>
@@ -5880,7 +5377,7 @@
             <a:spLocks noGrp="1"/>
           </p:cNvSpPr>
           <p:nvPr>
-            <p:ph type="ftr" idx="10"/>
+            <p:ph type="ftr" idx="8"/>
           </p:nvPr>
         </p:nvSpPr>
         <p:spPr/>
@@ -5900,14 +5397,14 @@
             <a:spLocks noGrp="1"/>
           </p:cNvSpPr>
           <p:nvPr>
-            <p:ph type="sldNum" idx="11"/>
+            <p:ph type="sldNum" idx="9"/>
           </p:nvPr>
         </p:nvSpPr>
         <p:spPr/>
         <p:txBody>
           <a:bodyPr/>
           <a:p>
-            <a:fld id="{65C9BD15-9069-4867-95AE-8EC6A3E94A2C}" type="slidenum">
+            <a:fld id="{648F6F08-2812-41EC-9B19-764F997C32BF}" type="slidenum">
               <a:t>&lt;#&gt;</a:t>
             </a:fld>
           </a:p>
@@ -5920,7 +5417,7 @@
             <a:spLocks noGrp="1"/>
           </p:cNvSpPr>
           <p:nvPr>
-            <p:ph type="dt" idx="12"/>
+            <p:ph type="dt" idx="10"/>
           </p:nvPr>
         </p:nvSpPr>
         <p:spPr/>
@@ -5958,7 +5455,7 @@
       </p:grpSpPr>
       <p:sp>
         <p:nvSpPr>
-          <p:cNvPr id="169" name="PlaceHolder 1"/>
+          <p:cNvPr id="167" name="PlaceHolder 1"/>
           <p:cNvSpPr>
             <a:spLocks noGrp="1"/>
           </p:cNvSpPr>
@@ -5995,7 +5492,7 @@
       </p:sp>
       <p:sp>
         <p:nvSpPr>
-          <p:cNvPr id="170" name="PlaceHolder 2"/>
+          <p:cNvPr id="168" name="PlaceHolder 2"/>
           <p:cNvSpPr>
             <a:spLocks noGrp="1"/>
           </p:cNvSpPr>
@@ -6034,7 +5531,7 @@
             <a:spLocks noGrp="1"/>
           </p:cNvSpPr>
           <p:nvPr>
-            <p:ph type="ftr" idx="10"/>
+            <p:ph type="ftr" idx="8"/>
           </p:nvPr>
         </p:nvSpPr>
         <p:spPr/>
@@ -6054,14 +5551,14 @@
             <a:spLocks noGrp="1"/>
           </p:cNvSpPr>
           <p:nvPr>
-            <p:ph type="sldNum" idx="11"/>
+            <p:ph type="sldNum" idx="9"/>
           </p:nvPr>
         </p:nvSpPr>
         <p:spPr/>
         <p:txBody>
           <a:bodyPr/>
           <a:p>
-            <a:fld id="{CF076919-B1F6-4092-8C60-9C69D0CCF3A4}" type="slidenum">
+            <a:fld id="{E5CB0050-D2F0-45BB-B1F1-8621235ACBE5}" type="slidenum">
               <a:t>&lt;#&gt;</a:t>
             </a:fld>
           </a:p>
@@ -6074,7 +5571,7 @@
             <a:spLocks noGrp="1"/>
           </p:cNvSpPr>
           <p:nvPr>
-            <p:ph type="dt" idx="12"/>
+            <p:ph type="dt" idx="10"/>
           </p:nvPr>
         </p:nvSpPr>
         <p:spPr/>
@@ -6249,7 +5746,7 @@
         <p:txBody>
           <a:bodyPr/>
           <a:p>
-            <a:fld id="{E6D67351-1E5F-4B85-A220-1905A8B131EE}" type="slidenum">
+            <a:fld id="{EC169C59-76BE-4D79-9795-06D4C66814C8}" type="slidenum">
               <a:t>&lt;#&gt;</a:t>
             </a:fld>
           </a:p>
@@ -6300,7 +5797,7 @@
       </p:grpSpPr>
       <p:sp>
         <p:nvSpPr>
-          <p:cNvPr id="171" name="PlaceHolder 1"/>
+          <p:cNvPr id="169" name="PlaceHolder 1"/>
           <p:cNvSpPr>
             <a:spLocks noGrp="1"/>
           </p:cNvSpPr>
@@ -6337,7 +5834,7 @@
       </p:sp>
       <p:sp>
         <p:nvSpPr>
-          <p:cNvPr id="172" name="PlaceHolder 2"/>
+          <p:cNvPr id="170" name="PlaceHolder 2"/>
           <p:cNvSpPr>
             <a:spLocks noGrp="1"/>
           </p:cNvSpPr>
@@ -6371,7 +5868,7 @@
       </p:sp>
       <p:sp>
         <p:nvSpPr>
-          <p:cNvPr id="173" name="PlaceHolder 3"/>
+          <p:cNvPr id="171" name="PlaceHolder 3"/>
           <p:cNvSpPr>
             <a:spLocks noGrp="1"/>
           </p:cNvSpPr>
@@ -6410,7 +5907,7 @@
             <a:spLocks noGrp="1"/>
           </p:cNvSpPr>
           <p:nvPr>
-            <p:ph type="ftr" idx="10"/>
+            <p:ph type="ftr" idx="8"/>
           </p:nvPr>
         </p:nvSpPr>
         <p:spPr/>
@@ -6430,14 +5927,14 @@
             <a:spLocks noGrp="1"/>
           </p:cNvSpPr>
           <p:nvPr>
-            <p:ph type="sldNum" idx="11"/>
+            <p:ph type="sldNum" idx="9"/>
           </p:nvPr>
         </p:nvSpPr>
         <p:spPr/>
         <p:txBody>
           <a:bodyPr/>
           <a:p>
-            <a:fld id="{44854150-940E-4804-9B5E-02298C183D50}" type="slidenum">
+            <a:fld id="{B7B5EF8D-C0B9-49C4-B3F3-0CF5BD401BD3}" type="slidenum">
               <a:t>&lt;#&gt;</a:t>
             </a:fld>
           </a:p>
@@ -6450,7 +5947,7 @@
             <a:spLocks noGrp="1"/>
           </p:cNvSpPr>
           <p:nvPr>
-            <p:ph type="dt" idx="12"/>
+            <p:ph type="dt" idx="10"/>
           </p:nvPr>
         </p:nvSpPr>
         <p:spPr/>
@@ -6488,7 +5985,7 @@
       </p:grpSpPr>
       <p:sp>
         <p:nvSpPr>
-          <p:cNvPr id="174" name="PlaceHolder 1"/>
+          <p:cNvPr id="172" name="PlaceHolder 1"/>
           <p:cNvSpPr>
             <a:spLocks noGrp="1"/>
           </p:cNvSpPr>
@@ -6530,7 +6027,7 @@
             <a:spLocks noGrp="1"/>
           </p:cNvSpPr>
           <p:nvPr>
-            <p:ph type="ftr" idx="10"/>
+            <p:ph type="ftr" idx="8"/>
           </p:nvPr>
         </p:nvSpPr>
         <p:spPr/>
@@ -6550,14 +6047,14 @@
             <a:spLocks noGrp="1"/>
           </p:cNvSpPr>
           <p:nvPr>
-            <p:ph type="sldNum" idx="11"/>
+            <p:ph type="sldNum" idx="9"/>
           </p:nvPr>
         </p:nvSpPr>
         <p:spPr/>
         <p:txBody>
           <a:bodyPr/>
           <a:p>
-            <a:fld id="{2542D491-0927-438A-BB8F-99F9257DB441}" type="slidenum">
+            <a:fld id="{9E403A5F-1A00-45FD-AE60-2F2DF9483556}" type="slidenum">
               <a:t>&lt;#&gt;</a:t>
             </a:fld>
           </a:p>
@@ -6570,7 +6067,7 @@
             <a:spLocks noGrp="1"/>
           </p:cNvSpPr>
           <p:nvPr>
-            <p:ph type="dt" idx="12"/>
+            <p:ph type="dt" idx="10"/>
           </p:nvPr>
         </p:nvSpPr>
         <p:spPr/>
@@ -6608,7 +6105,7 @@
       </p:grpSpPr>
       <p:sp>
         <p:nvSpPr>
-          <p:cNvPr id="175" name="PlaceHolder 1"/>
+          <p:cNvPr id="173" name="PlaceHolder 1"/>
           <p:cNvSpPr>
             <a:spLocks noGrp="1"/>
           </p:cNvSpPr>
@@ -6650,7 +6147,7 @@
             <a:spLocks noGrp="1"/>
           </p:cNvSpPr>
           <p:nvPr>
-            <p:ph type="ftr" idx="10"/>
+            <p:ph type="ftr" idx="8"/>
           </p:nvPr>
         </p:nvSpPr>
         <p:spPr/>
@@ -6670,14 +6167,14 @@
             <a:spLocks noGrp="1"/>
           </p:cNvSpPr>
           <p:nvPr>
-            <p:ph type="sldNum" idx="11"/>
+            <p:ph type="sldNum" idx="9"/>
           </p:nvPr>
         </p:nvSpPr>
         <p:spPr/>
         <p:txBody>
           <a:bodyPr/>
           <a:p>
-            <a:fld id="{F1F235F1-19E6-4684-92B4-F2B0AF10FAB0}" type="slidenum">
+            <a:fld id="{1C50F95C-FA6F-423B-8F20-29A696E3B32B}" type="slidenum">
               <a:t>&lt;#&gt;</a:t>
             </a:fld>
           </a:p>
@@ -6690,7 +6187,7 @@
             <a:spLocks noGrp="1"/>
           </p:cNvSpPr>
           <p:nvPr>
-            <p:ph type="dt" idx="12"/>
+            <p:ph type="dt" idx="10"/>
           </p:nvPr>
         </p:nvSpPr>
         <p:spPr/>
@@ -6728,7 +6225,7 @@
       </p:grpSpPr>
       <p:sp>
         <p:nvSpPr>
-          <p:cNvPr id="176" name="PlaceHolder 1"/>
+          <p:cNvPr id="174" name="PlaceHolder 1"/>
           <p:cNvSpPr>
             <a:spLocks noGrp="1"/>
           </p:cNvSpPr>
@@ -6765,7 +6262,7 @@
       </p:sp>
       <p:sp>
         <p:nvSpPr>
-          <p:cNvPr id="177" name="PlaceHolder 2"/>
+          <p:cNvPr id="175" name="PlaceHolder 2"/>
           <p:cNvSpPr>
             <a:spLocks noGrp="1"/>
           </p:cNvSpPr>
@@ -6799,7 +6296,7 @@
       </p:sp>
       <p:sp>
         <p:nvSpPr>
-          <p:cNvPr id="178" name="PlaceHolder 3"/>
+          <p:cNvPr id="176" name="PlaceHolder 3"/>
           <p:cNvSpPr>
             <a:spLocks noGrp="1"/>
           </p:cNvSpPr>
@@ -6833,7 +6330,7 @@
       </p:sp>
       <p:sp>
         <p:nvSpPr>
-          <p:cNvPr id="179" name="PlaceHolder 4"/>
+          <p:cNvPr id="177" name="PlaceHolder 4"/>
           <p:cNvSpPr>
             <a:spLocks noGrp="1"/>
           </p:cNvSpPr>
@@ -6872,7 +6369,7 @@
             <a:spLocks noGrp="1"/>
           </p:cNvSpPr>
           <p:nvPr>
-            <p:ph type="ftr" idx="10"/>
+            <p:ph type="ftr" idx="8"/>
           </p:nvPr>
         </p:nvSpPr>
         <p:spPr/>
@@ -6892,14 +6389,14 @@
             <a:spLocks noGrp="1"/>
           </p:cNvSpPr>
           <p:nvPr>
-            <p:ph type="sldNum" idx="11"/>
+            <p:ph type="sldNum" idx="9"/>
           </p:nvPr>
         </p:nvSpPr>
         <p:spPr/>
         <p:txBody>
           <a:bodyPr/>
           <a:p>
-            <a:fld id="{28A54083-B1A3-4F23-B4EB-55F39632F6CE}" type="slidenum">
+            <a:fld id="{FF75B495-8A8A-430D-8541-7FD352475014}" type="slidenum">
               <a:t>&lt;#&gt;</a:t>
             </a:fld>
           </a:p>
@@ -6912,7 +6409,7 @@
             <a:spLocks noGrp="1"/>
           </p:cNvSpPr>
           <p:nvPr>
-            <p:ph type="dt" idx="12"/>
+            <p:ph type="dt" idx="10"/>
           </p:nvPr>
         </p:nvSpPr>
         <p:spPr/>
@@ -6950,7 +6447,7 @@
       </p:grpSpPr>
       <p:sp>
         <p:nvSpPr>
-          <p:cNvPr id="180" name="PlaceHolder 1"/>
+          <p:cNvPr id="178" name="PlaceHolder 1"/>
           <p:cNvSpPr>
             <a:spLocks noGrp="1"/>
           </p:cNvSpPr>
@@ -6987,7 +6484,7 @@
       </p:sp>
       <p:sp>
         <p:nvSpPr>
-          <p:cNvPr id="181" name="PlaceHolder 2"/>
+          <p:cNvPr id="179" name="PlaceHolder 2"/>
           <p:cNvSpPr>
             <a:spLocks noGrp="1"/>
           </p:cNvSpPr>
@@ -7021,7 +6518,7 @@
       </p:sp>
       <p:sp>
         <p:nvSpPr>
-          <p:cNvPr id="182" name="PlaceHolder 3"/>
+          <p:cNvPr id="180" name="PlaceHolder 3"/>
           <p:cNvSpPr>
             <a:spLocks noGrp="1"/>
           </p:cNvSpPr>
@@ -7055,7 +6552,7 @@
       </p:sp>
       <p:sp>
         <p:nvSpPr>
-          <p:cNvPr id="183" name="PlaceHolder 4"/>
+          <p:cNvPr id="181" name="PlaceHolder 4"/>
           <p:cNvSpPr>
             <a:spLocks noGrp="1"/>
           </p:cNvSpPr>
@@ -7094,7 +6591,7 @@
             <a:spLocks noGrp="1"/>
           </p:cNvSpPr>
           <p:nvPr>
-            <p:ph type="ftr" idx="10"/>
+            <p:ph type="ftr" idx="8"/>
           </p:nvPr>
         </p:nvSpPr>
         <p:spPr/>
@@ -7114,14 +6611,14 @@
             <a:spLocks noGrp="1"/>
           </p:cNvSpPr>
           <p:nvPr>
-            <p:ph type="sldNum" idx="11"/>
+            <p:ph type="sldNum" idx="9"/>
           </p:nvPr>
         </p:nvSpPr>
         <p:spPr/>
         <p:txBody>
           <a:bodyPr/>
           <a:p>
-            <a:fld id="{160FEC20-B193-446D-B920-D9BAF76DD563}" type="slidenum">
+            <a:fld id="{04E2E8A3-4DC4-4D6D-8A0F-15A535A7D205}" type="slidenum">
               <a:t>&lt;#&gt;</a:t>
             </a:fld>
           </a:p>
@@ -7134,7 +6631,7 @@
             <a:spLocks noGrp="1"/>
           </p:cNvSpPr>
           <p:nvPr>
-            <p:ph type="dt" idx="12"/>
+            <p:ph type="dt" idx="10"/>
           </p:nvPr>
         </p:nvSpPr>
         <p:spPr/>
@@ -7172,7 +6669,7 @@
       </p:grpSpPr>
       <p:sp>
         <p:nvSpPr>
-          <p:cNvPr id="184" name="PlaceHolder 1"/>
+          <p:cNvPr id="182" name="PlaceHolder 1"/>
           <p:cNvSpPr>
             <a:spLocks noGrp="1"/>
           </p:cNvSpPr>
@@ -7209,7 +6706,7 @@
       </p:sp>
       <p:sp>
         <p:nvSpPr>
-          <p:cNvPr id="185" name="PlaceHolder 2"/>
+          <p:cNvPr id="183" name="PlaceHolder 2"/>
           <p:cNvSpPr>
             <a:spLocks noGrp="1"/>
           </p:cNvSpPr>
@@ -7243,7 +6740,7 @@
       </p:sp>
       <p:sp>
         <p:nvSpPr>
-          <p:cNvPr id="186" name="PlaceHolder 3"/>
+          <p:cNvPr id="184" name="PlaceHolder 3"/>
           <p:cNvSpPr>
             <a:spLocks noGrp="1"/>
           </p:cNvSpPr>
@@ -7277,7 +6774,7 @@
       </p:sp>
       <p:sp>
         <p:nvSpPr>
-          <p:cNvPr id="187" name="PlaceHolder 4"/>
+          <p:cNvPr id="185" name="PlaceHolder 4"/>
           <p:cNvSpPr>
             <a:spLocks noGrp="1"/>
           </p:cNvSpPr>
@@ -7316,7 +6813,7 @@
             <a:spLocks noGrp="1"/>
           </p:cNvSpPr>
           <p:nvPr>
-            <p:ph type="ftr" idx="10"/>
+            <p:ph type="ftr" idx="8"/>
           </p:nvPr>
         </p:nvSpPr>
         <p:spPr/>
@@ -7336,14 +6833,14 @@
             <a:spLocks noGrp="1"/>
           </p:cNvSpPr>
           <p:nvPr>
-            <p:ph type="sldNum" idx="11"/>
+            <p:ph type="sldNum" idx="9"/>
           </p:nvPr>
         </p:nvSpPr>
         <p:spPr/>
         <p:txBody>
           <a:bodyPr/>
           <a:p>
-            <a:fld id="{B48B5D23-AA43-4BB1-82B5-3CBECC64F3E7}" type="slidenum">
+            <a:fld id="{C82BD7A9-8728-4E8F-A84F-683E941785AC}" type="slidenum">
               <a:t>&lt;#&gt;</a:t>
             </a:fld>
           </a:p>
@@ -7356,7 +6853,7 @@
             <a:spLocks noGrp="1"/>
           </p:cNvSpPr>
           <p:nvPr>
-            <p:ph type="dt" idx="12"/>
+            <p:ph type="dt" idx="10"/>
           </p:nvPr>
         </p:nvSpPr>
         <p:spPr/>
@@ -7394,7 +6891,7 @@
       </p:grpSpPr>
       <p:sp>
         <p:nvSpPr>
-          <p:cNvPr id="188" name="PlaceHolder 1"/>
+          <p:cNvPr id="186" name="PlaceHolder 1"/>
           <p:cNvSpPr>
             <a:spLocks noGrp="1"/>
           </p:cNvSpPr>
@@ -7431,7 +6928,7 @@
       </p:sp>
       <p:sp>
         <p:nvSpPr>
-          <p:cNvPr id="189" name="PlaceHolder 2"/>
+          <p:cNvPr id="187" name="PlaceHolder 2"/>
           <p:cNvSpPr>
             <a:spLocks noGrp="1"/>
           </p:cNvSpPr>
@@ -7465,7 +6962,7 @@
       </p:sp>
       <p:sp>
         <p:nvSpPr>
-          <p:cNvPr id="190" name="PlaceHolder 3"/>
+          <p:cNvPr id="188" name="PlaceHolder 3"/>
           <p:cNvSpPr>
             <a:spLocks noGrp="1"/>
           </p:cNvSpPr>
@@ -7504,7 +7001,7 @@
             <a:spLocks noGrp="1"/>
           </p:cNvSpPr>
           <p:nvPr>
-            <p:ph type="ftr" idx="10"/>
+            <p:ph type="ftr" idx="8"/>
           </p:nvPr>
         </p:nvSpPr>
         <p:spPr/>
@@ -7524,14 +7021,14 @@
             <a:spLocks noGrp="1"/>
           </p:cNvSpPr>
           <p:nvPr>
-            <p:ph type="sldNum" idx="11"/>
+            <p:ph type="sldNum" idx="9"/>
           </p:nvPr>
         </p:nvSpPr>
         <p:spPr/>
         <p:txBody>
           <a:bodyPr/>
           <a:p>
-            <a:fld id="{5A96963E-68F7-4230-8386-C50E654A8330}" type="slidenum">
+            <a:fld id="{ACE6A6DC-A206-47D0-B5EC-9E6128EDAEFD}" type="slidenum">
               <a:t>&lt;#&gt;</a:t>
             </a:fld>
           </a:p>
@@ -7544,7 +7041,7 @@
             <a:spLocks noGrp="1"/>
           </p:cNvSpPr>
           <p:nvPr>
-            <p:ph type="dt" idx="12"/>
+            <p:ph type="dt" idx="10"/>
           </p:nvPr>
         </p:nvSpPr>
         <p:spPr/>
@@ -7582,7 +7079,7 @@
       </p:grpSpPr>
       <p:sp>
         <p:nvSpPr>
-          <p:cNvPr id="191" name="PlaceHolder 1"/>
+          <p:cNvPr id="189" name="PlaceHolder 1"/>
           <p:cNvSpPr>
             <a:spLocks noGrp="1"/>
           </p:cNvSpPr>
@@ -7619,7 +7116,7 @@
       </p:sp>
       <p:sp>
         <p:nvSpPr>
-          <p:cNvPr id="192" name="PlaceHolder 2"/>
+          <p:cNvPr id="190" name="PlaceHolder 2"/>
           <p:cNvSpPr>
             <a:spLocks noGrp="1"/>
           </p:cNvSpPr>
@@ -7653,7 +7150,7 @@
       </p:sp>
       <p:sp>
         <p:nvSpPr>
-          <p:cNvPr id="193" name="PlaceHolder 3"/>
+          <p:cNvPr id="191" name="PlaceHolder 3"/>
           <p:cNvSpPr>
             <a:spLocks noGrp="1"/>
           </p:cNvSpPr>
@@ -7687,7 +7184,7 @@
       </p:sp>
       <p:sp>
         <p:nvSpPr>
-          <p:cNvPr id="194" name="PlaceHolder 4"/>
+          <p:cNvPr id="192" name="PlaceHolder 4"/>
           <p:cNvSpPr>
             <a:spLocks noGrp="1"/>
           </p:cNvSpPr>
@@ -7721,7 +7218,7 @@
       </p:sp>
       <p:sp>
         <p:nvSpPr>
-          <p:cNvPr id="195" name="PlaceHolder 5"/>
+          <p:cNvPr id="193" name="PlaceHolder 5"/>
           <p:cNvSpPr>
             <a:spLocks noGrp="1"/>
           </p:cNvSpPr>
@@ -7760,7 +7257,7 @@
             <a:spLocks noGrp="1"/>
           </p:cNvSpPr>
           <p:nvPr>
-            <p:ph type="ftr" idx="10"/>
+            <p:ph type="ftr" idx="8"/>
           </p:nvPr>
         </p:nvSpPr>
         <p:spPr/>
@@ -7780,14 +7277,14 @@
             <a:spLocks noGrp="1"/>
           </p:cNvSpPr>
           <p:nvPr>
-            <p:ph type="sldNum" idx="11"/>
+            <p:ph type="sldNum" idx="9"/>
           </p:nvPr>
         </p:nvSpPr>
         <p:spPr/>
         <p:txBody>
           <a:bodyPr/>
           <a:p>
-            <a:fld id="{BD6B1C84-30CF-461A-9BE9-F80451EE6029}" type="slidenum">
+            <a:fld id="{39226401-DA3D-47EF-90D3-2C09B5DDEC73}" type="slidenum">
               <a:t>&lt;#&gt;</a:t>
             </a:fld>
           </a:p>
@@ -7800,7 +7297,7 @@
             <a:spLocks noGrp="1"/>
           </p:cNvSpPr>
           <p:nvPr>
-            <p:ph type="dt" idx="12"/>
+            <p:ph type="dt" idx="10"/>
           </p:nvPr>
         </p:nvSpPr>
         <p:spPr/>
@@ -7838,7 +7335,7 @@
       </p:grpSpPr>
       <p:sp>
         <p:nvSpPr>
-          <p:cNvPr id="196" name="PlaceHolder 1"/>
+          <p:cNvPr id="194" name="PlaceHolder 1"/>
           <p:cNvSpPr>
             <a:spLocks noGrp="1"/>
           </p:cNvSpPr>
@@ -7875,7 +7372,7 @@
       </p:sp>
       <p:sp>
         <p:nvSpPr>
-          <p:cNvPr id="197" name="PlaceHolder 2"/>
+          <p:cNvPr id="195" name="PlaceHolder 2"/>
           <p:cNvSpPr>
             <a:spLocks noGrp="1"/>
           </p:cNvSpPr>
@@ -7909,7 +7406,7 @@
       </p:sp>
       <p:sp>
         <p:nvSpPr>
-          <p:cNvPr id="198" name="PlaceHolder 3"/>
+          <p:cNvPr id="196" name="PlaceHolder 3"/>
           <p:cNvSpPr>
             <a:spLocks noGrp="1"/>
           </p:cNvSpPr>
@@ -7943,7 +7440,7 @@
       </p:sp>
       <p:sp>
         <p:nvSpPr>
-          <p:cNvPr id="199" name="PlaceHolder 4"/>
+          <p:cNvPr id="197" name="PlaceHolder 4"/>
           <p:cNvSpPr>
             <a:spLocks noGrp="1"/>
           </p:cNvSpPr>
@@ -7977,7 +7474,7 @@
       </p:sp>
       <p:sp>
         <p:nvSpPr>
-          <p:cNvPr id="200" name="PlaceHolder 5"/>
+          <p:cNvPr id="198" name="PlaceHolder 5"/>
           <p:cNvSpPr>
             <a:spLocks noGrp="1"/>
           </p:cNvSpPr>
@@ -8011,7 +7508,7 @@
       </p:sp>
       <p:sp>
         <p:nvSpPr>
-          <p:cNvPr id="201" name="PlaceHolder 6"/>
+          <p:cNvPr id="199" name="PlaceHolder 6"/>
           <p:cNvSpPr>
             <a:spLocks noGrp="1"/>
           </p:cNvSpPr>
@@ -8045,7 +7542,7 @@
       </p:sp>
       <p:sp>
         <p:nvSpPr>
-          <p:cNvPr id="202" name="PlaceHolder 7"/>
+          <p:cNvPr id="200" name="PlaceHolder 7"/>
           <p:cNvSpPr>
             <a:spLocks noGrp="1"/>
           </p:cNvSpPr>
@@ -8084,7 +7581,7 @@
             <a:spLocks noGrp="1"/>
           </p:cNvSpPr>
           <p:nvPr>
-            <p:ph type="ftr" idx="10"/>
+            <p:ph type="ftr" idx="8"/>
           </p:nvPr>
         </p:nvSpPr>
         <p:spPr/>
@@ -8104,14 +7601,14 @@
             <a:spLocks noGrp="1"/>
           </p:cNvSpPr>
           <p:nvPr>
-            <p:ph type="sldNum" idx="11"/>
+            <p:ph type="sldNum" idx="9"/>
           </p:nvPr>
         </p:nvSpPr>
         <p:spPr/>
         <p:txBody>
           <a:bodyPr/>
           <a:p>
-            <a:fld id="{AE1533FF-C517-4D1F-8F8D-9452E4B16F16}" type="slidenum">
+            <a:fld id="{FFB51C95-40A8-4DC1-B774-86279C321940}" type="slidenum">
               <a:t>&lt;#&gt;</a:t>
             </a:fld>
           </a:p>
@@ -8124,7 +7621,7 @@
             <a:spLocks noGrp="1"/>
           </p:cNvSpPr>
           <p:nvPr>
-            <p:ph type="dt" idx="12"/>
+            <p:ph type="dt" idx="10"/>
           </p:nvPr>
         </p:nvSpPr>
         <p:spPr/>
@@ -8135,6 +7632,68 @@
               <a:rPr lang="en-IN"/>
               <a:t/>
             </a:r>
+          </a:p>
+        </p:txBody>
+      </p:sp>
+    </p:spTree>
+  </p:cSld>
+</p:sldLayout>
+</file>
+
+<file path=ppt/slideLayouts/slideLayout49.xml><?xml version="1.0" encoding="utf-8"?>
+<p:sldLayout xmlns:a="http://schemas.openxmlformats.org/drawingml/2006/main" xmlns:p="http://schemas.openxmlformats.org/presentationml/2006/main" xmlns:r="http://schemas.openxmlformats.org/officeDocument/2006/relationships" xmlns:p14="http://schemas.microsoft.com/office/powerpoint/2010/main" xmlns:p15="http://schemas.microsoft.com/office/powerpoint/2012/main" xmlns:mc="http://schemas.openxmlformats.org/markup-compatibility/2006" type="blank" preserve="1">
+  <p:cSld name="Blank Slide">
+    <p:spTree>
+      <p:nvGrpSpPr>
+        <p:cNvPr id="1" name=""/>
+        <p:cNvGrpSpPr/>
+        <p:nvPr/>
+      </p:nvGrpSpPr>
+      <p:grpSpPr>
+        <a:xfrm>
+          <a:off x="0" y="0"/>
+          <a:ext cx="0" cy="0"/>
+          <a:chOff x="0" y="0"/>
+          <a:chExt cx="0" cy="0"/>
+        </a:xfrm>
+      </p:grpSpPr>
+      <p:sp>
+        <p:nvSpPr>
+          <p:cNvPr id="2" name="PlaceHolder 1"/>
+          <p:cNvSpPr>
+            <a:spLocks noGrp="1"/>
+          </p:cNvSpPr>
+          <p:nvPr>
+            <p:ph type="ftr" idx="11"/>
+          </p:nvPr>
+        </p:nvSpPr>
+        <p:spPr/>
+        <p:txBody>
+          <a:bodyPr/>
+          <a:p>
+            <a:r>
+              <a:t>Footer</a:t>
+            </a:r>
+          </a:p>
+        </p:txBody>
+      </p:sp>
+      <p:sp>
+        <p:nvSpPr>
+          <p:cNvPr id="3" name="PlaceHolder 2"/>
+          <p:cNvSpPr>
+            <a:spLocks noGrp="1"/>
+          </p:cNvSpPr>
+          <p:nvPr>
+            <p:ph type="sldNum" idx="12"/>
+          </p:nvPr>
+        </p:nvSpPr>
+        <p:spPr/>
+        <p:txBody>
+          <a:bodyPr/>
+          <a:p>
+            <a:fld id="{190B04A4-55B4-41F2-BC1B-EE5CED03E351}" type="slidenum">
+              <a:t>&lt;#&gt;</a:t>
+            </a:fld>
           </a:p>
         </p:txBody>
       </p:sp>
@@ -8231,7 +7790,7 @@
         <p:txBody>
           <a:bodyPr/>
           <a:p>
-            <a:fld id="{17C9F78E-A4E7-48B1-9942-EDC64C88FF7D}" type="slidenum">
+            <a:fld id="{13AC6E0C-3B76-4825-BB2A-4B695CDD046A}" type="slidenum">
               <a:t>&lt;#&gt;</a:t>
             </a:fld>
           </a:p>
@@ -8255,6 +7814,1645 @@
               <a:rPr lang="en-IN"/>
               <a:t/>
             </a:r>
+          </a:p>
+        </p:txBody>
+      </p:sp>
+    </p:spTree>
+  </p:cSld>
+</p:sldLayout>
+</file>
+
+<file path=ppt/slideLayouts/slideLayout50.xml><?xml version="1.0" encoding="utf-8"?>
+<p:sldLayout xmlns:a="http://schemas.openxmlformats.org/drawingml/2006/main" xmlns:p="http://schemas.openxmlformats.org/presentationml/2006/main" xmlns:r="http://schemas.openxmlformats.org/officeDocument/2006/relationships" xmlns:p14="http://schemas.microsoft.com/office/powerpoint/2010/main" xmlns:p15="http://schemas.microsoft.com/office/powerpoint/2012/main" xmlns:mc="http://schemas.openxmlformats.org/markup-compatibility/2006" type="tx" preserve="1">
+  <p:cSld name="Title Slide">
+    <p:spTree>
+      <p:nvGrpSpPr>
+        <p:cNvPr id="1" name=""/>
+        <p:cNvGrpSpPr/>
+        <p:nvPr/>
+      </p:nvGrpSpPr>
+      <p:grpSpPr>
+        <a:xfrm>
+          <a:off x="0" y="0"/>
+          <a:ext cx="0" cy="0"/>
+          <a:chOff x="0" y="0"/>
+          <a:chExt cx="0" cy="0"/>
+        </a:xfrm>
+      </p:grpSpPr>
+      <p:sp>
+        <p:nvSpPr>
+          <p:cNvPr id="214" name="PlaceHolder 1"/>
+          <p:cNvSpPr>
+            <a:spLocks noGrp="1"/>
+          </p:cNvSpPr>
+          <p:nvPr>
+            <p:ph type="title"/>
+          </p:nvPr>
+        </p:nvSpPr>
+        <p:spPr>
+          <a:xfrm>
+            <a:off x="504000" y="226080"/>
+            <a:ext cx="9071640" cy="946080"/>
+          </a:xfrm>
+          <a:prstGeom prst="rect">
+            <a:avLst/>
+          </a:prstGeom>
+          <a:noFill/>
+          <a:ln w="0">
+            <a:noFill/>
+          </a:ln>
+        </p:spPr>
+        <p:txBody>
+          <a:bodyPr lIns="0" rIns="0" tIns="0" bIns="0" anchor="ctr">
+            <a:noAutofit/>
+          </a:bodyPr>
+          <a:p>
+            <a:pPr algn="ctr">
+              <a:buNone/>
+            </a:pPr>
+            <a:endParaRPr b="0" lang="en-IN" sz="4400" spc="-1" strike="noStrike">
+              <a:latin typeface="Arial"/>
+            </a:endParaRPr>
+          </a:p>
+        </p:txBody>
+      </p:sp>
+      <p:sp>
+        <p:nvSpPr>
+          <p:cNvPr id="215" name="PlaceHolder 2"/>
+          <p:cNvSpPr>
+            <a:spLocks noGrp="1"/>
+          </p:cNvSpPr>
+          <p:nvPr>
+            <p:ph type="subTitle"/>
+          </p:nvPr>
+        </p:nvSpPr>
+        <p:spPr>
+          <a:xfrm>
+            <a:off x="504000" y="1326600"/>
+            <a:ext cx="9072000" cy="3288600"/>
+          </a:xfrm>
+          <a:prstGeom prst="rect">
+            <a:avLst/>
+          </a:prstGeom>
+          <a:noFill/>
+          <a:ln w="0">
+            <a:noFill/>
+          </a:ln>
+        </p:spPr>
+        <p:txBody>
+          <a:bodyPr lIns="0" rIns="0" tIns="0" bIns="0" anchor="ctr">
+            <a:noAutofit/>
+          </a:bodyPr>
+          <a:p>
+            <a:pPr algn="ctr">
+              <a:buNone/>
+            </a:pPr>
+            <a:endParaRPr b="0" lang="en-IN" sz="3200" spc="-1" strike="noStrike">
+              <a:latin typeface="Arial"/>
+            </a:endParaRPr>
+          </a:p>
+        </p:txBody>
+      </p:sp>
+      <p:sp>
+        <p:nvSpPr>
+          <p:cNvPr id="4" name="PlaceHolder 3"/>
+          <p:cNvSpPr>
+            <a:spLocks noGrp="1"/>
+          </p:cNvSpPr>
+          <p:nvPr>
+            <p:ph type="ftr" idx="11"/>
+          </p:nvPr>
+        </p:nvSpPr>
+        <p:spPr/>
+        <p:txBody>
+          <a:bodyPr/>
+          <a:p>
+            <a:r>
+              <a:t>Footer</a:t>
+            </a:r>
+          </a:p>
+        </p:txBody>
+      </p:sp>
+      <p:sp>
+        <p:nvSpPr>
+          <p:cNvPr id="5" name="PlaceHolder 4"/>
+          <p:cNvSpPr>
+            <a:spLocks noGrp="1"/>
+          </p:cNvSpPr>
+          <p:nvPr>
+            <p:ph type="sldNum" idx="12"/>
+          </p:nvPr>
+        </p:nvSpPr>
+        <p:spPr/>
+        <p:txBody>
+          <a:bodyPr/>
+          <a:p>
+            <a:fld id="{1C294BB7-957F-4D60-A057-F99116E8FF61}" type="slidenum">
+              <a:t>&lt;#&gt;</a:t>
+            </a:fld>
+          </a:p>
+        </p:txBody>
+      </p:sp>
+    </p:spTree>
+  </p:cSld>
+</p:sldLayout>
+</file>
+
+<file path=ppt/slideLayouts/slideLayout51.xml><?xml version="1.0" encoding="utf-8"?>
+<p:sldLayout xmlns:a="http://schemas.openxmlformats.org/drawingml/2006/main" xmlns:p="http://schemas.openxmlformats.org/presentationml/2006/main" xmlns:r="http://schemas.openxmlformats.org/officeDocument/2006/relationships" xmlns:p14="http://schemas.microsoft.com/office/powerpoint/2010/main" xmlns:p15="http://schemas.microsoft.com/office/powerpoint/2012/main" xmlns:mc="http://schemas.openxmlformats.org/markup-compatibility/2006" type="obj" preserve="1">
+  <p:cSld name="Title, Content">
+    <p:spTree>
+      <p:nvGrpSpPr>
+        <p:cNvPr id="1" name=""/>
+        <p:cNvGrpSpPr/>
+        <p:nvPr/>
+      </p:nvGrpSpPr>
+      <p:grpSpPr>
+        <a:xfrm>
+          <a:off x="0" y="0"/>
+          <a:ext cx="0" cy="0"/>
+          <a:chOff x="0" y="0"/>
+          <a:chExt cx="0" cy="0"/>
+        </a:xfrm>
+      </p:grpSpPr>
+      <p:sp>
+        <p:nvSpPr>
+          <p:cNvPr id="216" name="PlaceHolder 1"/>
+          <p:cNvSpPr>
+            <a:spLocks noGrp="1"/>
+          </p:cNvSpPr>
+          <p:nvPr>
+            <p:ph type="title"/>
+          </p:nvPr>
+        </p:nvSpPr>
+        <p:spPr>
+          <a:xfrm>
+            <a:off x="504000" y="226080"/>
+            <a:ext cx="9071640" cy="946080"/>
+          </a:xfrm>
+          <a:prstGeom prst="rect">
+            <a:avLst/>
+          </a:prstGeom>
+          <a:noFill/>
+          <a:ln w="0">
+            <a:noFill/>
+          </a:ln>
+        </p:spPr>
+        <p:txBody>
+          <a:bodyPr lIns="0" rIns="0" tIns="0" bIns="0" anchor="ctr">
+            <a:noAutofit/>
+          </a:bodyPr>
+          <a:p>
+            <a:pPr algn="ctr">
+              <a:buNone/>
+            </a:pPr>
+            <a:endParaRPr b="0" lang="en-IN" sz="4400" spc="-1" strike="noStrike">
+              <a:latin typeface="Arial"/>
+            </a:endParaRPr>
+          </a:p>
+        </p:txBody>
+      </p:sp>
+      <p:sp>
+        <p:nvSpPr>
+          <p:cNvPr id="217" name="PlaceHolder 2"/>
+          <p:cNvSpPr>
+            <a:spLocks noGrp="1"/>
+          </p:cNvSpPr>
+          <p:nvPr>
+            <p:ph/>
+          </p:nvPr>
+        </p:nvSpPr>
+        <p:spPr>
+          <a:xfrm>
+            <a:off x="504000" y="1326600"/>
+            <a:ext cx="9072000" cy="3288600"/>
+          </a:xfrm>
+          <a:prstGeom prst="rect">
+            <a:avLst/>
+          </a:prstGeom>
+          <a:noFill/>
+          <a:ln w="0">
+            <a:noFill/>
+          </a:ln>
+        </p:spPr>
+        <p:txBody>
+          <a:bodyPr lIns="0" rIns="0" tIns="0" bIns="0" anchor="t">
+            <a:normAutofit/>
+          </a:bodyPr>
+          <a:p>
+            <a:endParaRPr b="0" lang="en-IN" sz="3200" spc="-1" strike="noStrike">
+              <a:latin typeface="Arial"/>
+            </a:endParaRPr>
+          </a:p>
+        </p:txBody>
+      </p:sp>
+      <p:sp>
+        <p:nvSpPr>
+          <p:cNvPr id="4" name="PlaceHolder 3"/>
+          <p:cNvSpPr>
+            <a:spLocks noGrp="1"/>
+          </p:cNvSpPr>
+          <p:nvPr>
+            <p:ph type="ftr" idx="11"/>
+          </p:nvPr>
+        </p:nvSpPr>
+        <p:spPr/>
+        <p:txBody>
+          <a:bodyPr/>
+          <a:p>
+            <a:r>
+              <a:t>Footer</a:t>
+            </a:r>
+          </a:p>
+        </p:txBody>
+      </p:sp>
+      <p:sp>
+        <p:nvSpPr>
+          <p:cNvPr id="5" name="PlaceHolder 4"/>
+          <p:cNvSpPr>
+            <a:spLocks noGrp="1"/>
+          </p:cNvSpPr>
+          <p:nvPr>
+            <p:ph type="sldNum" idx="12"/>
+          </p:nvPr>
+        </p:nvSpPr>
+        <p:spPr/>
+        <p:txBody>
+          <a:bodyPr/>
+          <a:p>
+            <a:fld id="{371AD3ED-C94F-4AE6-A7F7-8045C1DE02B7}" type="slidenum">
+              <a:t>&lt;#&gt;</a:t>
+            </a:fld>
+          </a:p>
+        </p:txBody>
+      </p:sp>
+    </p:spTree>
+  </p:cSld>
+</p:sldLayout>
+</file>
+
+<file path=ppt/slideLayouts/slideLayout52.xml><?xml version="1.0" encoding="utf-8"?>
+<p:sldLayout xmlns:a="http://schemas.openxmlformats.org/drawingml/2006/main" xmlns:p="http://schemas.openxmlformats.org/presentationml/2006/main" xmlns:r="http://schemas.openxmlformats.org/officeDocument/2006/relationships" xmlns:p14="http://schemas.microsoft.com/office/powerpoint/2010/main" xmlns:p15="http://schemas.microsoft.com/office/powerpoint/2012/main" xmlns:mc="http://schemas.openxmlformats.org/markup-compatibility/2006" type="twoObj" preserve="1">
+  <p:cSld name="Title, 2 Content">
+    <p:spTree>
+      <p:nvGrpSpPr>
+        <p:cNvPr id="1" name=""/>
+        <p:cNvGrpSpPr/>
+        <p:nvPr/>
+      </p:nvGrpSpPr>
+      <p:grpSpPr>
+        <a:xfrm>
+          <a:off x="0" y="0"/>
+          <a:ext cx="0" cy="0"/>
+          <a:chOff x="0" y="0"/>
+          <a:chExt cx="0" cy="0"/>
+        </a:xfrm>
+      </p:grpSpPr>
+      <p:sp>
+        <p:nvSpPr>
+          <p:cNvPr id="218" name="PlaceHolder 1"/>
+          <p:cNvSpPr>
+            <a:spLocks noGrp="1"/>
+          </p:cNvSpPr>
+          <p:nvPr>
+            <p:ph type="title"/>
+          </p:nvPr>
+        </p:nvSpPr>
+        <p:spPr>
+          <a:xfrm>
+            <a:off x="504000" y="226080"/>
+            <a:ext cx="9071640" cy="946080"/>
+          </a:xfrm>
+          <a:prstGeom prst="rect">
+            <a:avLst/>
+          </a:prstGeom>
+          <a:noFill/>
+          <a:ln w="0">
+            <a:noFill/>
+          </a:ln>
+        </p:spPr>
+        <p:txBody>
+          <a:bodyPr lIns="0" rIns="0" tIns="0" bIns="0" anchor="ctr">
+            <a:noAutofit/>
+          </a:bodyPr>
+          <a:p>
+            <a:pPr algn="ctr">
+              <a:buNone/>
+            </a:pPr>
+            <a:endParaRPr b="0" lang="en-IN" sz="4400" spc="-1" strike="noStrike">
+              <a:latin typeface="Arial"/>
+            </a:endParaRPr>
+          </a:p>
+        </p:txBody>
+      </p:sp>
+      <p:sp>
+        <p:nvSpPr>
+          <p:cNvPr id="219" name="PlaceHolder 2"/>
+          <p:cNvSpPr>
+            <a:spLocks noGrp="1"/>
+          </p:cNvSpPr>
+          <p:nvPr>
+            <p:ph/>
+          </p:nvPr>
+        </p:nvSpPr>
+        <p:spPr>
+          <a:xfrm>
+            <a:off x="504000" y="1326600"/>
+            <a:ext cx="4426920" cy="3288600"/>
+          </a:xfrm>
+          <a:prstGeom prst="rect">
+            <a:avLst/>
+          </a:prstGeom>
+          <a:noFill/>
+          <a:ln w="0">
+            <a:noFill/>
+          </a:ln>
+        </p:spPr>
+        <p:txBody>
+          <a:bodyPr lIns="0" rIns="0" tIns="0" bIns="0" anchor="t">
+            <a:normAutofit/>
+          </a:bodyPr>
+          <a:p>
+            <a:endParaRPr b="0" lang="en-IN" sz="3200" spc="-1" strike="noStrike">
+              <a:latin typeface="Arial"/>
+            </a:endParaRPr>
+          </a:p>
+        </p:txBody>
+      </p:sp>
+      <p:sp>
+        <p:nvSpPr>
+          <p:cNvPr id="220" name="PlaceHolder 3"/>
+          <p:cNvSpPr>
+            <a:spLocks noGrp="1"/>
+          </p:cNvSpPr>
+          <p:nvPr>
+            <p:ph/>
+          </p:nvPr>
+        </p:nvSpPr>
+        <p:spPr>
+          <a:xfrm>
+            <a:off x="5152680" y="1326600"/>
+            <a:ext cx="4426920" cy="3288600"/>
+          </a:xfrm>
+          <a:prstGeom prst="rect">
+            <a:avLst/>
+          </a:prstGeom>
+          <a:noFill/>
+          <a:ln w="0">
+            <a:noFill/>
+          </a:ln>
+        </p:spPr>
+        <p:txBody>
+          <a:bodyPr lIns="0" rIns="0" tIns="0" bIns="0" anchor="t">
+            <a:normAutofit/>
+          </a:bodyPr>
+          <a:p>
+            <a:endParaRPr b="0" lang="en-IN" sz="3200" spc="-1" strike="noStrike">
+              <a:latin typeface="Arial"/>
+            </a:endParaRPr>
+          </a:p>
+        </p:txBody>
+      </p:sp>
+      <p:sp>
+        <p:nvSpPr>
+          <p:cNvPr id="5" name="PlaceHolder 4"/>
+          <p:cNvSpPr>
+            <a:spLocks noGrp="1"/>
+          </p:cNvSpPr>
+          <p:nvPr>
+            <p:ph type="ftr" idx="11"/>
+          </p:nvPr>
+        </p:nvSpPr>
+        <p:spPr/>
+        <p:txBody>
+          <a:bodyPr/>
+          <a:p>
+            <a:r>
+              <a:t>Footer</a:t>
+            </a:r>
+          </a:p>
+        </p:txBody>
+      </p:sp>
+      <p:sp>
+        <p:nvSpPr>
+          <p:cNvPr id="6" name="PlaceHolder 5"/>
+          <p:cNvSpPr>
+            <a:spLocks noGrp="1"/>
+          </p:cNvSpPr>
+          <p:nvPr>
+            <p:ph type="sldNum" idx="12"/>
+          </p:nvPr>
+        </p:nvSpPr>
+        <p:spPr/>
+        <p:txBody>
+          <a:bodyPr/>
+          <a:p>
+            <a:fld id="{6A8D795C-29B8-4C80-8D9F-721CA6F63845}" type="slidenum">
+              <a:t>&lt;#&gt;</a:t>
+            </a:fld>
+          </a:p>
+        </p:txBody>
+      </p:sp>
+    </p:spTree>
+  </p:cSld>
+</p:sldLayout>
+</file>
+
+<file path=ppt/slideLayouts/slideLayout53.xml><?xml version="1.0" encoding="utf-8"?>
+<p:sldLayout xmlns:a="http://schemas.openxmlformats.org/drawingml/2006/main" xmlns:p="http://schemas.openxmlformats.org/presentationml/2006/main" xmlns:r="http://schemas.openxmlformats.org/officeDocument/2006/relationships" xmlns:p14="http://schemas.microsoft.com/office/powerpoint/2010/main" xmlns:p15="http://schemas.microsoft.com/office/powerpoint/2012/main" xmlns:mc="http://schemas.openxmlformats.org/markup-compatibility/2006" type="titleOnly" preserve="1">
+  <p:cSld name="Title Only">
+    <p:spTree>
+      <p:nvGrpSpPr>
+        <p:cNvPr id="1" name=""/>
+        <p:cNvGrpSpPr/>
+        <p:nvPr/>
+      </p:nvGrpSpPr>
+      <p:grpSpPr>
+        <a:xfrm>
+          <a:off x="0" y="0"/>
+          <a:ext cx="0" cy="0"/>
+          <a:chOff x="0" y="0"/>
+          <a:chExt cx="0" cy="0"/>
+        </a:xfrm>
+      </p:grpSpPr>
+      <p:sp>
+        <p:nvSpPr>
+          <p:cNvPr id="221" name="PlaceHolder 1"/>
+          <p:cNvSpPr>
+            <a:spLocks noGrp="1"/>
+          </p:cNvSpPr>
+          <p:nvPr>
+            <p:ph type="title"/>
+          </p:nvPr>
+        </p:nvSpPr>
+        <p:spPr>
+          <a:xfrm>
+            <a:off x="504000" y="226080"/>
+            <a:ext cx="9071640" cy="946080"/>
+          </a:xfrm>
+          <a:prstGeom prst="rect">
+            <a:avLst/>
+          </a:prstGeom>
+          <a:noFill/>
+          <a:ln w="0">
+            <a:noFill/>
+          </a:ln>
+        </p:spPr>
+        <p:txBody>
+          <a:bodyPr lIns="0" rIns="0" tIns="0" bIns="0" anchor="ctr">
+            <a:noAutofit/>
+          </a:bodyPr>
+          <a:p>
+            <a:pPr algn="ctr">
+              <a:buNone/>
+            </a:pPr>
+            <a:endParaRPr b="0" lang="en-IN" sz="4400" spc="-1" strike="noStrike">
+              <a:latin typeface="Arial"/>
+            </a:endParaRPr>
+          </a:p>
+        </p:txBody>
+      </p:sp>
+      <p:sp>
+        <p:nvSpPr>
+          <p:cNvPr id="3" name="PlaceHolder 2"/>
+          <p:cNvSpPr>
+            <a:spLocks noGrp="1"/>
+          </p:cNvSpPr>
+          <p:nvPr>
+            <p:ph type="ftr" idx="11"/>
+          </p:nvPr>
+        </p:nvSpPr>
+        <p:spPr/>
+        <p:txBody>
+          <a:bodyPr/>
+          <a:p>
+            <a:r>
+              <a:t>Footer</a:t>
+            </a:r>
+          </a:p>
+        </p:txBody>
+      </p:sp>
+      <p:sp>
+        <p:nvSpPr>
+          <p:cNvPr id="4" name="PlaceHolder 3"/>
+          <p:cNvSpPr>
+            <a:spLocks noGrp="1"/>
+          </p:cNvSpPr>
+          <p:nvPr>
+            <p:ph type="sldNum" idx="12"/>
+          </p:nvPr>
+        </p:nvSpPr>
+        <p:spPr/>
+        <p:txBody>
+          <a:bodyPr/>
+          <a:p>
+            <a:fld id="{37E68656-905F-48CC-8C5D-FCB79D02A1FF}" type="slidenum">
+              <a:t>&lt;#&gt;</a:t>
+            </a:fld>
+          </a:p>
+        </p:txBody>
+      </p:sp>
+    </p:spTree>
+  </p:cSld>
+</p:sldLayout>
+</file>
+
+<file path=ppt/slideLayouts/slideLayout54.xml><?xml version="1.0" encoding="utf-8"?>
+<p:sldLayout xmlns:a="http://schemas.openxmlformats.org/drawingml/2006/main" xmlns:p="http://schemas.openxmlformats.org/presentationml/2006/main" xmlns:r="http://schemas.openxmlformats.org/officeDocument/2006/relationships" xmlns:p14="http://schemas.microsoft.com/office/powerpoint/2010/main" xmlns:p15="http://schemas.microsoft.com/office/powerpoint/2012/main" xmlns:mc="http://schemas.openxmlformats.org/markup-compatibility/2006" type="objOnly" preserve="1">
+  <p:cSld name="Centered Text">
+    <p:spTree>
+      <p:nvGrpSpPr>
+        <p:cNvPr id="1" name=""/>
+        <p:cNvGrpSpPr/>
+        <p:nvPr/>
+      </p:nvGrpSpPr>
+      <p:grpSpPr>
+        <a:xfrm>
+          <a:off x="0" y="0"/>
+          <a:ext cx="0" cy="0"/>
+          <a:chOff x="0" y="0"/>
+          <a:chExt cx="0" cy="0"/>
+        </a:xfrm>
+      </p:grpSpPr>
+      <p:sp>
+        <p:nvSpPr>
+          <p:cNvPr id="222" name="PlaceHolder 1"/>
+          <p:cNvSpPr>
+            <a:spLocks noGrp="1"/>
+          </p:cNvSpPr>
+          <p:nvPr>
+            <p:ph type="subTitle"/>
+          </p:nvPr>
+        </p:nvSpPr>
+        <p:spPr>
+          <a:xfrm>
+            <a:off x="504000" y="226080"/>
+            <a:ext cx="9071640" cy="4386600"/>
+          </a:xfrm>
+          <a:prstGeom prst="rect">
+            <a:avLst/>
+          </a:prstGeom>
+          <a:noFill/>
+          <a:ln w="0">
+            <a:noFill/>
+          </a:ln>
+        </p:spPr>
+        <p:txBody>
+          <a:bodyPr lIns="0" rIns="0" tIns="0" bIns="0" anchor="ctr">
+            <a:noAutofit/>
+          </a:bodyPr>
+          <a:p>
+            <a:pPr algn="ctr">
+              <a:buNone/>
+            </a:pPr>
+            <a:endParaRPr b="0" lang="en-IN" sz="3200" spc="-1" strike="noStrike">
+              <a:latin typeface="Arial"/>
+            </a:endParaRPr>
+          </a:p>
+        </p:txBody>
+      </p:sp>
+      <p:sp>
+        <p:nvSpPr>
+          <p:cNvPr id="3" name="PlaceHolder 2"/>
+          <p:cNvSpPr>
+            <a:spLocks noGrp="1"/>
+          </p:cNvSpPr>
+          <p:nvPr>
+            <p:ph type="ftr" idx="11"/>
+          </p:nvPr>
+        </p:nvSpPr>
+        <p:spPr/>
+        <p:txBody>
+          <a:bodyPr/>
+          <a:p>
+            <a:r>
+              <a:t>Footer</a:t>
+            </a:r>
+          </a:p>
+        </p:txBody>
+      </p:sp>
+      <p:sp>
+        <p:nvSpPr>
+          <p:cNvPr id="4" name="PlaceHolder 3"/>
+          <p:cNvSpPr>
+            <a:spLocks noGrp="1"/>
+          </p:cNvSpPr>
+          <p:nvPr>
+            <p:ph type="sldNum" idx="12"/>
+          </p:nvPr>
+        </p:nvSpPr>
+        <p:spPr/>
+        <p:txBody>
+          <a:bodyPr/>
+          <a:p>
+            <a:fld id="{66AE7476-128F-4B56-9008-EC461D644ADB}" type="slidenum">
+              <a:t>&lt;#&gt;</a:t>
+            </a:fld>
+          </a:p>
+        </p:txBody>
+      </p:sp>
+    </p:spTree>
+  </p:cSld>
+</p:sldLayout>
+</file>
+
+<file path=ppt/slideLayouts/slideLayout55.xml><?xml version="1.0" encoding="utf-8"?>
+<p:sldLayout xmlns:a="http://schemas.openxmlformats.org/drawingml/2006/main" xmlns:p="http://schemas.openxmlformats.org/presentationml/2006/main" xmlns:r="http://schemas.openxmlformats.org/officeDocument/2006/relationships" xmlns:p14="http://schemas.microsoft.com/office/powerpoint/2010/main" xmlns:p15="http://schemas.microsoft.com/office/powerpoint/2012/main" xmlns:mc="http://schemas.openxmlformats.org/markup-compatibility/2006" type="twoObjAndObj" preserve="1">
+  <p:cSld name="Title, 2 Content and Content">
+    <p:spTree>
+      <p:nvGrpSpPr>
+        <p:cNvPr id="1" name=""/>
+        <p:cNvGrpSpPr/>
+        <p:nvPr/>
+      </p:nvGrpSpPr>
+      <p:grpSpPr>
+        <a:xfrm>
+          <a:off x="0" y="0"/>
+          <a:ext cx="0" cy="0"/>
+          <a:chOff x="0" y="0"/>
+          <a:chExt cx="0" cy="0"/>
+        </a:xfrm>
+      </p:grpSpPr>
+      <p:sp>
+        <p:nvSpPr>
+          <p:cNvPr id="223" name="PlaceHolder 1"/>
+          <p:cNvSpPr>
+            <a:spLocks noGrp="1"/>
+          </p:cNvSpPr>
+          <p:nvPr>
+            <p:ph type="title"/>
+          </p:nvPr>
+        </p:nvSpPr>
+        <p:spPr>
+          <a:xfrm>
+            <a:off x="504000" y="226080"/>
+            <a:ext cx="9071640" cy="946080"/>
+          </a:xfrm>
+          <a:prstGeom prst="rect">
+            <a:avLst/>
+          </a:prstGeom>
+          <a:noFill/>
+          <a:ln w="0">
+            <a:noFill/>
+          </a:ln>
+        </p:spPr>
+        <p:txBody>
+          <a:bodyPr lIns="0" rIns="0" tIns="0" bIns="0" anchor="ctr">
+            <a:noAutofit/>
+          </a:bodyPr>
+          <a:p>
+            <a:pPr algn="ctr">
+              <a:buNone/>
+            </a:pPr>
+            <a:endParaRPr b="0" lang="en-IN" sz="4400" spc="-1" strike="noStrike">
+              <a:latin typeface="Arial"/>
+            </a:endParaRPr>
+          </a:p>
+        </p:txBody>
+      </p:sp>
+      <p:sp>
+        <p:nvSpPr>
+          <p:cNvPr id="224" name="PlaceHolder 2"/>
+          <p:cNvSpPr>
+            <a:spLocks noGrp="1"/>
+          </p:cNvSpPr>
+          <p:nvPr>
+            <p:ph/>
+          </p:nvPr>
+        </p:nvSpPr>
+        <p:spPr>
+          <a:xfrm>
+            <a:off x="504000" y="1326600"/>
+            <a:ext cx="4426920" cy="1568520"/>
+          </a:xfrm>
+          <a:prstGeom prst="rect">
+            <a:avLst/>
+          </a:prstGeom>
+          <a:noFill/>
+          <a:ln w="0">
+            <a:noFill/>
+          </a:ln>
+        </p:spPr>
+        <p:txBody>
+          <a:bodyPr lIns="0" rIns="0" tIns="0" bIns="0" anchor="t">
+            <a:normAutofit/>
+          </a:bodyPr>
+          <a:p>
+            <a:endParaRPr b="0" lang="en-IN" sz="3200" spc="-1" strike="noStrike">
+              <a:latin typeface="Arial"/>
+            </a:endParaRPr>
+          </a:p>
+        </p:txBody>
+      </p:sp>
+      <p:sp>
+        <p:nvSpPr>
+          <p:cNvPr id="225" name="PlaceHolder 3"/>
+          <p:cNvSpPr>
+            <a:spLocks noGrp="1"/>
+          </p:cNvSpPr>
+          <p:nvPr>
+            <p:ph/>
+          </p:nvPr>
+        </p:nvSpPr>
+        <p:spPr>
+          <a:xfrm>
+            <a:off x="5152680" y="1326600"/>
+            <a:ext cx="4426920" cy="3288600"/>
+          </a:xfrm>
+          <a:prstGeom prst="rect">
+            <a:avLst/>
+          </a:prstGeom>
+          <a:noFill/>
+          <a:ln w="0">
+            <a:noFill/>
+          </a:ln>
+        </p:spPr>
+        <p:txBody>
+          <a:bodyPr lIns="0" rIns="0" tIns="0" bIns="0" anchor="t">
+            <a:normAutofit/>
+          </a:bodyPr>
+          <a:p>
+            <a:endParaRPr b="0" lang="en-IN" sz="3200" spc="-1" strike="noStrike">
+              <a:latin typeface="Arial"/>
+            </a:endParaRPr>
+          </a:p>
+        </p:txBody>
+      </p:sp>
+      <p:sp>
+        <p:nvSpPr>
+          <p:cNvPr id="226" name="PlaceHolder 4"/>
+          <p:cNvSpPr>
+            <a:spLocks noGrp="1"/>
+          </p:cNvSpPr>
+          <p:nvPr>
+            <p:ph/>
+          </p:nvPr>
+        </p:nvSpPr>
+        <p:spPr>
+          <a:xfrm>
+            <a:off x="504000" y="3044520"/>
+            <a:ext cx="4426920" cy="1568520"/>
+          </a:xfrm>
+          <a:prstGeom prst="rect">
+            <a:avLst/>
+          </a:prstGeom>
+          <a:noFill/>
+          <a:ln w="0">
+            <a:noFill/>
+          </a:ln>
+        </p:spPr>
+        <p:txBody>
+          <a:bodyPr lIns="0" rIns="0" tIns="0" bIns="0" anchor="t">
+            <a:normAutofit/>
+          </a:bodyPr>
+          <a:p>
+            <a:endParaRPr b="0" lang="en-IN" sz="3200" spc="-1" strike="noStrike">
+              <a:latin typeface="Arial"/>
+            </a:endParaRPr>
+          </a:p>
+        </p:txBody>
+      </p:sp>
+      <p:sp>
+        <p:nvSpPr>
+          <p:cNvPr id="6" name="PlaceHolder 5"/>
+          <p:cNvSpPr>
+            <a:spLocks noGrp="1"/>
+          </p:cNvSpPr>
+          <p:nvPr>
+            <p:ph type="ftr" idx="11"/>
+          </p:nvPr>
+        </p:nvSpPr>
+        <p:spPr/>
+        <p:txBody>
+          <a:bodyPr/>
+          <a:p>
+            <a:r>
+              <a:t>Footer</a:t>
+            </a:r>
+          </a:p>
+        </p:txBody>
+      </p:sp>
+      <p:sp>
+        <p:nvSpPr>
+          <p:cNvPr id="7" name="PlaceHolder 6"/>
+          <p:cNvSpPr>
+            <a:spLocks noGrp="1"/>
+          </p:cNvSpPr>
+          <p:nvPr>
+            <p:ph type="sldNum" idx="12"/>
+          </p:nvPr>
+        </p:nvSpPr>
+        <p:spPr/>
+        <p:txBody>
+          <a:bodyPr/>
+          <a:p>
+            <a:fld id="{7788B2F3-F73D-412F-BA79-11BBB12CC103}" type="slidenum">
+              <a:t>&lt;#&gt;</a:t>
+            </a:fld>
+          </a:p>
+        </p:txBody>
+      </p:sp>
+    </p:spTree>
+  </p:cSld>
+</p:sldLayout>
+</file>
+
+<file path=ppt/slideLayouts/slideLayout56.xml><?xml version="1.0" encoding="utf-8"?>
+<p:sldLayout xmlns:a="http://schemas.openxmlformats.org/drawingml/2006/main" xmlns:p="http://schemas.openxmlformats.org/presentationml/2006/main" xmlns:r="http://schemas.openxmlformats.org/officeDocument/2006/relationships" xmlns:p14="http://schemas.microsoft.com/office/powerpoint/2010/main" xmlns:p15="http://schemas.microsoft.com/office/powerpoint/2012/main" xmlns:mc="http://schemas.openxmlformats.org/markup-compatibility/2006" type="objAndTwoObj" preserve="1">
+  <p:cSld name="Title Content and 2 Content">
+    <p:spTree>
+      <p:nvGrpSpPr>
+        <p:cNvPr id="1" name=""/>
+        <p:cNvGrpSpPr/>
+        <p:nvPr/>
+      </p:nvGrpSpPr>
+      <p:grpSpPr>
+        <a:xfrm>
+          <a:off x="0" y="0"/>
+          <a:ext cx="0" cy="0"/>
+          <a:chOff x="0" y="0"/>
+          <a:chExt cx="0" cy="0"/>
+        </a:xfrm>
+      </p:grpSpPr>
+      <p:sp>
+        <p:nvSpPr>
+          <p:cNvPr id="227" name="PlaceHolder 1"/>
+          <p:cNvSpPr>
+            <a:spLocks noGrp="1"/>
+          </p:cNvSpPr>
+          <p:nvPr>
+            <p:ph type="title"/>
+          </p:nvPr>
+        </p:nvSpPr>
+        <p:spPr>
+          <a:xfrm>
+            <a:off x="504000" y="226080"/>
+            <a:ext cx="9071640" cy="946080"/>
+          </a:xfrm>
+          <a:prstGeom prst="rect">
+            <a:avLst/>
+          </a:prstGeom>
+          <a:noFill/>
+          <a:ln w="0">
+            <a:noFill/>
+          </a:ln>
+        </p:spPr>
+        <p:txBody>
+          <a:bodyPr lIns="0" rIns="0" tIns="0" bIns="0" anchor="ctr">
+            <a:noAutofit/>
+          </a:bodyPr>
+          <a:p>
+            <a:pPr algn="ctr">
+              <a:buNone/>
+            </a:pPr>
+            <a:endParaRPr b="0" lang="en-IN" sz="4400" spc="-1" strike="noStrike">
+              <a:latin typeface="Arial"/>
+            </a:endParaRPr>
+          </a:p>
+        </p:txBody>
+      </p:sp>
+      <p:sp>
+        <p:nvSpPr>
+          <p:cNvPr id="228" name="PlaceHolder 2"/>
+          <p:cNvSpPr>
+            <a:spLocks noGrp="1"/>
+          </p:cNvSpPr>
+          <p:nvPr>
+            <p:ph/>
+          </p:nvPr>
+        </p:nvSpPr>
+        <p:spPr>
+          <a:xfrm>
+            <a:off x="504000" y="1326600"/>
+            <a:ext cx="4426920" cy="3288600"/>
+          </a:xfrm>
+          <a:prstGeom prst="rect">
+            <a:avLst/>
+          </a:prstGeom>
+          <a:noFill/>
+          <a:ln w="0">
+            <a:noFill/>
+          </a:ln>
+        </p:spPr>
+        <p:txBody>
+          <a:bodyPr lIns="0" rIns="0" tIns="0" bIns="0" anchor="t">
+            <a:normAutofit/>
+          </a:bodyPr>
+          <a:p>
+            <a:endParaRPr b="0" lang="en-IN" sz="3200" spc="-1" strike="noStrike">
+              <a:latin typeface="Arial"/>
+            </a:endParaRPr>
+          </a:p>
+        </p:txBody>
+      </p:sp>
+      <p:sp>
+        <p:nvSpPr>
+          <p:cNvPr id="229" name="PlaceHolder 3"/>
+          <p:cNvSpPr>
+            <a:spLocks noGrp="1"/>
+          </p:cNvSpPr>
+          <p:nvPr>
+            <p:ph/>
+          </p:nvPr>
+        </p:nvSpPr>
+        <p:spPr>
+          <a:xfrm>
+            <a:off x="5152680" y="1326600"/>
+            <a:ext cx="4426920" cy="1568520"/>
+          </a:xfrm>
+          <a:prstGeom prst="rect">
+            <a:avLst/>
+          </a:prstGeom>
+          <a:noFill/>
+          <a:ln w="0">
+            <a:noFill/>
+          </a:ln>
+        </p:spPr>
+        <p:txBody>
+          <a:bodyPr lIns="0" rIns="0" tIns="0" bIns="0" anchor="t">
+            <a:normAutofit/>
+          </a:bodyPr>
+          <a:p>
+            <a:endParaRPr b="0" lang="en-IN" sz="3200" spc="-1" strike="noStrike">
+              <a:latin typeface="Arial"/>
+            </a:endParaRPr>
+          </a:p>
+        </p:txBody>
+      </p:sp>
+      <p:sp>
+        <p:nvSpPr>
+          <p:cNvPr id="230" name="PlaceHolder 4"/>
+          <p:cNvSpPr>
+            <a:spLocks noGrp="1"/>
+          </p:cNvSpPr>
+          <p:nvPr>
+            <p:ph/>
+          </p:nvPr>
+        </p:nvSpPr>
+        <p:spPr>
+          <a:xfrm>
+            <a:off x="5152680" y="3044520"/>
+            <a:ext cx="4426920" cy="1568520"/>
+          </a:xfrm>
+          <a:prstGeom prst="rect">
+            <a:avLst/>
+          </a:prstGeom>
+          <a:noFill/>
+          <a:ln w="0">
+            <a:noFill/>
+          </a:ln>
+        </p:spPr>
+        <p:txBody>
+          <a:bodyPr lIns="0" rIns="0" tIns="0" bIns="0" anchor="t">
+            <a:normAutofit/>
+          </a:bodyPr>
+          <a:p>
+            <a:endParaRPr b="0" lang="en-IN" sz="3200" spc="-1" strike="noStrike">
+              <a:latin typeface="Arial"/>
+            </a:endParaRPr>
+          </a:p>
+        </p:txBody>
+      </p:sp>
+      <p:sp>
+        <p:nvSpPr>
+          <p:cNvPr id="6" name="PlaceHolder 5"/>
+          <p:cNvSpPr>
+            <a:spLocks noGrp="1"/>
+          </p:cNvSpPr>
+          <p:nvPr>
+            <p:ph type="ftr" idx="11"/>
+          </p:nvPr>
+        </p:nvSpPr>
+        <p:spPr/>
+        <p:txBody>
+          <a:bodyPr/>
+          <a:p>
+            <a:r>
+              <a:t>Footer</a:t>
+            </a:r>
+          </a:p>
+        </p:txBody>
+      </p:sp>
+      <p:sp>
+        <p:nvSpPr>
+          <p:cNvPr id="7" name="PlaceHolder 6"/>
+          <p:cNvSpPr>
+            <a:spLocks noGrp="1"/>
+          </p:cNvSpPr>
+          <p:nvPr>
+            <p:ph type="sldNum" idx="12"/>
+          </p:nvPr>
+        </p:nvSpPr>
+        <p:spPr/>
+        <p:txBody>
+          <a:bodyPr/>
+          <a:p>
+            <a:fld id="{A55CA4A9-942E-4B92-AB87-8E075A6FE9B4}" type="slidenum">
+              <a:t>&lt;#&gt;</a:t>
+            </a:fld>
+          </a:p>
+        </p:txBody>
+      </p:sp>
+    </p:spTree>
+  </p:cSld>
+</p:sldLayout>
+</file>
+
+<file path=ppt/slideLayouts/slideLayout57.xml><?xml version="1.0" encoding="utf-8"?>
+<p:sldLayout xmlns:a="http://schemas.openxmlformats.org/drawingml/2006/main" xmlns:p="http://schemas.openxmlformats.org/presentationml/2006/main" xmlns:r="http://schemas.openxmlformats.org/officeDocument/2006/relationships" xmlns:p14="http://schemas.microsoft.com/office/powerpoint/2010/main" xmlns:p15="http://schemas.microsoft.com/office/powerpoint/2012/main" xmlns:mc="http://schemas.openxmlformats.org/markup-compatibility/2006" type="twoObjOverTx" preserve="1">
+  <p:cSld name="Title, 2 Content over Content">
+    <p:spTree>
+      <p:nvGrpSpPr>
+        <p:cNvPr id="1" name=""/>
+        <p:cNvGrpSpPr/>
+        <p:nvPr/>
+      </p:nvGrpSpPr>
+      <p:grpSpPr>
+        <a:xfrm>
+          <a:off x="0" y="0"/>
+          <a:ext cx="0" cy="0"/>
+          <a:chOff x="0" y="0"/>
+          <a:chExt cx="0" cy="0"/>
+        </a:xfrm>
+      </p:grpSpPr>
+      <p:sp>
+        <p:nvSpPr>
+          <p:cNvPr id="231" name="PlaceHolder 1"/>
+          <p:cNvSpPr>
+            <a:spLocks noGrp="1"/>
+          </p:cNvSpPr>
+          <p:nvPr>
+            <p:ph type="title"/>
+          </p:nvPr>
+        </p:nvSpPr>
+        <p:spPr>
+          <a:xfrm>
+            <a:off x="504000" y="226080"/>
+            <a:ext cx="9071640" cy="946080"/>
+          </a:xfrm>
+          <a:prstGeom prst="rect">
+            <a:avLst/>
+          </a:prstGeom>
+          <a:noFill/>
+          <a:ln w="0">
+            <a:noFill/>
+          </a:ln>
+        </p:spPr>
+        <p:txBody>
+          <a:bodyPr lIns="0" rIns="0" tIns="0" bIns="0" anchor="ctr">
+            <a:noAutofit/>
+          </a:bodyPr>
+          <a:p>
+            <a:pPr algn="ctr">
+              <a:buNone/>
+            </a:pPr>
+            <a:endParaRPr b="0" lang="en-IN" sz="4400" spc="-1" strike="noStrike">
+              <a:latin typeface="Arial"/>
+            </a:endParaRPr>
+          </a:p>
+        </p:txBody>
+      </p:sp>
+      <p:sp>
+        <p:nvSpPr>
+          <p:cNvPr id="232" name="PlaceHolder 2"/>
+          <p:cNvSpPr>
+            <a:spLocks noGrp="1"/>
+          </p:cNvSpPr>
+          <p:nvPr>
+            <p:ph/>
+          </p:nvPr>
+        </p:nvSpPr>
+        <p:spPr>
+          <a:xfrm>
+            <a:off x="504000" y="1326600"/>
+            <a:ext cx="4426920" cy="1568520"/>
+          </a:xfrm>
+          <a:prstGeom prst="rect">
+            <a:avLst/>
+          </a:prstGeom>
+          <a:noFill/>
+          <a:ln w="0">
+            <a:noFill/>
+          </a:ln>
+        </p:spPr>
+        <p:txBody>
+          <a:bodyPr lIns="0" rIns="0" tIns="0" bIns="0" anchor="t">
+            <a:normAutofit/>
+          </a:bodyPr>
+          <a:p>
+            <a:endParaRPr b="0" lang="en-IN" sz="3200" spc="-1" strike="noStrike">
+              <a:latin typeface="Arial"/>
+            </a:endParaRPr>
+          </a:p>
+        </p:txBody>
+      </p:sp>
+      <p:sp>
+        <p:nvSpPr>
+          <p:cNvPr id="233" name="PlaceHolder 3"/>
+          <p:cNvSpPr>
+            <a:spLocks noGrp="1"/>
+          </p:cNvSpPr>
+          <p:nvPr>
+            <p:ph/>
+          </p:nvPr>
+        </p:nvSpPr>
+        <p:spPr>
+          <a:xfrm>
+            <a:off x="5152680" y="1326600"/>
+            <a:ext cx="4426920" cy="1568520"/>
+          </a:xfrm>
+          <a:prstGeom prst="rect">
+            <a:avLst/>
+          </a:prstGeom>
+          <a:noFill/>
+          <a:ln w="0">
+            <a:noFill/>
+          </a:ln>
+        </p:spPr>
+        <p:txBody>
+          <a:bodyPr lIns="0" rIns="0" tIns="0" bIns="0" anchor="t">
+            <a:normAutofit/>
+          </a:bodyPr>
+          <a:p>
+            <a:endParaRPr b="0" lang="en-IN" sz="3200" spc="-1" strike="noStrike">
+              <a:latin typeface="Arial"/>
+            </a:endParaRPr>
+          </a:p>
+        </p:txBody>
+      </p:sp>
+      <p:sp>
+        <p:nvSpPr>
+          <p:cNvPr id="234" name="PlaceHolder 4"/>
+          <p:cNvSpPr>
+            <a:spLocks noGrp="1"/>
+          </p:cNvSpPr>
+          <p:nvPr>
+            <p:ph/>
+          </p:nvPr>
+        </p:nvSpPr>
+        <p:spPr>
+          <a:xfrm>
+            <a:off x="504000" y="3044520"/>
+            <a:ext cx="9072000" cy="1568520"/>
+          </a:xfrm>
+          <a:prstGeom prst="rect">
+            <a:avLst/>
+          </a:prstGeom>
+          <a:noFill/>
+          <a:ln w="0">
+            <a:noFill/>
+          </a:ln>
+        </p:spPr>
+        <p:txBody>
+          <a:bodyPr lIns="0" rIns="0" tIns="0" bIns="0" anchor="t">
+            <a:normAutofit/>
+          </a:bodyPr>
+          <a:p>
+            <a:endParaRPr b="0" lang="en-IN" sz="3200" spc="-1" strike="noStrike">
+              <a:latin typeface="Arial"/>
+            </a:endParaRPr>
+          </a:p>
+        </p:txBody>
+      </p:sp>
+      <p:sp>
+        <p:nvSpPr>
+          <p:cNvPr id="6" name="PlaceHolder 5"/>
+          <p:cNvSpPr>
+            <a:spLocks noGrp="1"/>
+          </p:cNvSpPr>
+          <p:nvPr>
+            <p:ph type="ftr" idx="11"/>
+          </p:nvPr>
+        </p:nvSpPr>
+        <p:spPr/>
+        <p:txBody>
+          <a:bodyPr/>
+          <a:p>
+            <a:r>
+              <a:t>Footer</a:t>
+            </a:r>
+          </a:p>
+        </p:txBody>
+      </p:sp>
+      <p:sp>
+        <p:nvSpPr>
+          <p:cNvPr id="7" name="PlaceHolder 6"/>
+          <p:cNvSpPr>
+            <a:spLocks noGrp="1"/>
+          </p:cNvSpPr>
+          <p:nvPr>
+            <p:ph type="sldNum" idx="12"/>
+          </p:nvPr>
+        </p:nvSpPr>
+        <p:spPr/>
+        <p:txBody>
+          <a:bodyPr/>
+          <a:p>
+            <a:fld id="{E67D3F6B-B6B7-4188-84AA-3CF3841B7D05}" type="slidenum">
+              <a:t>&lt;#&gt;</a:t>
+            </a:fld>
+          </a:p>
+        </p:txBody>
+      </p:sp>
+    </p:spTree>
+  </p:cSld>
+</p:sldLayout>
+</file>
+
+<file path=ppt/slideLayouts/slideLayout58.xml><?xml version="1.0" encoding="utf-8"?>
+<p:sldLayout xmlns:a="http://schemas.openxmlformats.org/drawingml/2006/main" xmlns:p="http://schemas.openxmlformats.org/presentationml/2006/main" xmlns:r="http://schemas.openxmlformats.org/officeDocument/2006/relationships" xmlns:p14="http://schemas.microsoft.com/office/powerpoint/2010/main" xmlns:p15="http://schemas.microsoft.com/office/powerpoint/2012/main" xmlns:mc="http://schemas.openxmlformats.org/markup-compatibility/2006" type="objOverTx" preserve="1">
+  <p:cSld name="Title, Content over Content">
+    <p:spTree>
+      <p:nvGrpSpPr>
+        <p:cNvPr id="1" name=""/>
+        <p:cNvGrpSpPr/>
+        <p:nvPr/>
+      </p:nvGrpSpPr>
+      <p:grpSpPr>
+        <a:xfrm>
+          <a:off x="0" y="0"/>
+          <a:ext cx="0" cy="0"/>
+          <a:chOff x="0" y="0"/>
+          <a:chExt cx="0" cy="0"/>
+        </a:xfrm>
+      </p:grpSpPr>
+      <p:sp>
+        <p:nvSpPr>
+          <p:cNvPr id="235" name="PlaceHolder 1"/>
+          <p:cNvSpPr>
+            <a:spLocks noGrp="1"/>
+          </p:cNvSpPr>
+          <p:nvPr>
+            <p:ph type="title"/>
+          </p:nvPr>
+        </p:nvSpPr>
+        <p:spPr>
+          <a:xfrm>
+            <a:off x="504000" y="226080"/>
+            <a:ext cx="9071640" cy="946080"/>
+          </a:xfrm>
+          <a:prstGeom prst="rect">
+            <a:avLst/>
+          </a:prstGeom>
+          <a:noFill/>
+          <a:ln w="0">
+            <a:noFill/>
+          </a:ln>
+        </p:spPr>
+        <p:txBody>
+          <a:bodyPr lIns="0" rIns="0" tIns="0" bIns="0" anchor="ctr">
+            <a:noAutofit/>
+          </a:bodyPr>
+          <a:p>
+            <a:pPr algn="ctr">
+              <a:buNone/>
+            </a:pPr>
+            <a:endParaRPr b="0" lang="en-IN" sz="4400" spc="-1" strike="noStrike">
+              <a:latin typeface="Arial"/>
+            </a:endParaRPr>
+          </a:p>
+        </p:txBody>
+      </p:sp>
+      <p:sp>
+        <p:nvSpPr>
+          <p:cNvPr id="236" name="PlaceHolder 2"/>
+          <p:cNvSpPr>
+            <a:spLocks noGrp="1"/>
+          </p:cNvSpPr>
+          <p:nvPr>
+            <p:ph/>
+          </p:nvPr>
+        </p:nvSpPr>
+        <p:spPr>
+          <a:xfrm>
+            <a:off x="504000" y="1326600"/>
+            <a:ext cx="9072000" cy="1568520"/>
+          </a:xfrm>
+          <a:prstGeom prst="rect">
+            <a:avLst/>
+          </a:prstGeom>
+          <a:noFill/>
+          <a:ln w="0">
+            <a:noFill/>
+          </a:ln>
+        </p:spPr>
+        <p:txBody>
+          <a:bodyPr lIns="0" rIns="0" tIns="0" bIns="0" anchor="t">
+            <a:normAutofit/>
+          </a:bodyPr>
+          <a:p>
+            <a:endParaRPr b="0" lang="en-IN" sz="3200" spc="-1" strike="noStrike">
+              <a:latin typeface="Arial"/>
+            </a:endParaRPr>
+          </a:p>
+        </p:txBody>
+      </p:sp>
+      <p:sp>
+        <p:nvSpPr>
+          <p:cNvPr id="237" name="PlaceHolder 3"/>
+          <p:cNvSpPr>
+            <a:spLocks noGrp="1"/>
+          </p:cNvSpPr>
+          <p:nvPr>
+            <p:ph/>
+          </p:nvPr>
+        </p:nvSpPr>
+        <p:spPr>
+          <a:xfrm>
+            <a:off x="504000" y="3044520"/>
+            <a:ext cx="9072000" cy="1568520"/>
+          </a:xfrm>
+          <a:prstGeom prst="rect">
+            <a:avLst/>
+          </a:prstGeom>
+          <a:noFill/>
+          <a:ln w="0">
+            <a:noFill/>
+          </a:ln>
+        </p:spPr>
+        <p:txBody>
+          <a:bodyPr lIns="0" rIns="0" tIns="0" bIns="0" anchor="t">
+            <a:normAutofit/>
+          </a:bodyPr>
+          <a:p>
+            <a:endParaRPr b="0" lang="en-IN" sz="3200" spc="-1" strike="noStrike">
+              <a:latin typeface="Arial"/>
+            </a:endParaRPr>
+          </a:p>
+        </p:txBody>
+      </p:sp>
+      <p:sp>
+        <p:nvSpPr>
+          <p:cNvPr id="5" name="PlaceHolder 4"/>
+          <p:cNvSpPr>
+            <a:spLocks noGrp="1"/>
+          </p:cNvSpPr>
+          <p:nvPr>
+            <p:ph type="ftr" idx="11"/>
+          </p:nvPr>
+        </p:nvSpPr>
+        <p:spPr/>
+        <p:txBody>
+          <a:bodyPr/>
+          <a:p>
+            <a:r>
+              <a:t>Footer</a:t>
+            </a:r>
+          </a:p>
+        </p:txBody>
+      </p:sp>
+      <p:sp>
+        <p:nvSpPr>
+          <p:cNvPr id="6" name="PlaceHolder 5"/>
+          <p:cNvSpPr>
+            <a:spLocks noGrp="1"/>
+          </p:cNvSpPr>
+          <p:nvPr>
+            <p:ph type="sldNum" idx="12"/>
+          </p:nvPr>
+        </p:nvSpPr>
+        <p:spPr/>
+        <p:txBody>
+          <a:bodyPr/>
+          <a:p>
+            <a:fld id="{BC00E614-7A61-457D-BA32-DE17B349582C}" type="slidenum">
+              <a:t>&lt;#&gt;</a:t>
+            </a:fld>
+          </a:p>
+        </p:txBody>
+      </p:sp>
+    </p:spTree>
+  </p:cSld>
+</p:sldLayout>
+</file>
+
+<file path=ppt/slideLayouts/slideLayout59.xml><?xml version="1.0" encoding="utf-8"?>
+<p:sldLayout xmlns:a="http://schemas.openxmlformats.org/drawingml/2006/main" xmlns:p="http://schemas.openxmlformats.org/presentationml/2006/main" xmlns:r="http://schemas.openxmlformats.org/officeDocument/2006/relationships" xmlns:p14="http://schemas.microsoft.com/office/powerpoint/2010/main" xmlns:p15="http://schemas.microsoft.com/office/powerpoint/2012/main" xmlns:mc="http://schemas.openxmlformats.org/markup-compatibility/2006" type="fourObj" preserve="1">
+  <p:cSld name="Title, 4 Content">
+    <p:spTree>
+      <p:nvGrpSpPr>
+        <p:cNvPr id="1" name=""/>
+        <p:cNvGrpSpPr/>
+        <p:nvPr/>
+      </p:nvGrpSpPr>
+      <p:grpSpPr>
+        <a:xfrm>
+          <a:off x="0" y="0"/>
+          <a:ext cx="0" cy="0"/>
+          <a:chOff x="0" y="0"/>
+          <a:chExt cx="0" cy="0"/>
+        </a:xfrm>
+      </p:grpSpPr>
+      <p:sp>
+        <p:nvSpPr>
+          <p:cNvPr id="238" name="PlaceHolder 1"/>
+          <p:cNvSpPr>
+            <a:spLocks noGrp="1"/>
+          </p:cNvSpPr>
+          <p:nvPr>
+            <p:ph type="title"/>
+          </p:nvPr>
+        </p:nvSpPr>
+        <p:spPr>
+          <a:xfrm>
+            <a:off x="504000" y="226080"/>
+            <a:ext cx="9071640" cy="946080"/>
+          </a:xfrm>
+          <a:prstGeom prst="rect">
+            <a:avLst/>
+          </a:prstGeom>
+          <a:noFill/>
+          <a:ln w="0">
+            <a:noFill/>
+          </a:ln>
+        </p:spPr>
+        <p:txBody>
+          <a:bodyPr lIns="0" rIns="0" tIns="0" bIns="0" anchor="ctr">
+            <a:noAutofit/>
+          </a:bodyPr>
+          <a:p>
+            <a:pPr algn="ctr">
+              <a:buNone/>
+            </a:pPr>
+            <a:endParaRPr b="0" lang="en-IN" sz="4400" spc="-1" strike="noStrike">
+              <a:latin typeface="Arial"/>
+            </a:endParaRPr>
+          </a:p>
+        </p:txBody>
+      </p:sp>
+      <p:sp>
+        <p:nvSpPr>
+          <p:cNvPr id="239" name="PlaceHolder 2"/>
+          <p:cNvSpPr>
+            <a:spLocks noGrp="1"/>
+          </p:cNvSpPr>
+          <p:nvPr>
+            <p:ph/>
+          </p:nvPr>
+        </p:nvSpPr>
+        <p:spPr>
+          <a:xfrm>
+            <a:off x="504000" y="1326600"/>
+            <a:ext cx="4426920" cy="1568520"/>
+          </a:xfrm>
+          <a:prstGeom prst="rect">
+            <a:avLst/>
+          </a:prstGeom>
+          <a:noFill/>
+          <a:ln w="0">
+            <a:noFill/>
+          </a:ln>
+        </p:spPr>
+        <p:txBody>
+          <a:bodyPr lIns="0" rIns="0" tIns="0" bIns="0" anchor="t">
+            <a:normAutofit/>
+          </a:bodyPr>
+          <a:p>
+            <a:endParaRPr b="0" lang="en-IN" sz="3200" spc="-1" strike="noStrike">
+              <a:latin typeface="Arial"/>
+            </a:endParaRPr>
+          </a:p>
+        </p:txBody>
+      </p:sp>
+      <p:sp>
+        <p:nvSpPr>
+          <p:cNvPr id="240" name="PlaceHolder 3"/>
+          <p:cNvSpPr>
+            <a:spLocks noGrp="1"/>
+          </p:cNvSpPr>
+          <p:nvPr>
+            <p:ph/>
+          </p:nvPr>
+        </p:nvSpPr>
+        <p:spPr>
+          <a:xfrm>
+            <a:off x="5152680" y="1326600"/>
+            <a:ext cx="4426920" cy="1568520"/>
+          </a:xfrm>
+          <a:prstGeom prst="rect">
+            <a:avLst/>
+          </a:prstGeom>
+          <a:noFill/>
+          <a:ln w="0">
+            <a:noFill/>
+          </a:ln>
+        </p:spPr>
+        <p:txBody>
+          <a:bodyPr lIns="0" rIns="0" tIns="0" bIns="0" anchor="t">
+            <a:normAutofit/>
+          </a:bodyPr>
+          <a:p>
+            <a:endParaRPr b="0" lang="en-IN" sz="3200" spc="-1" strike="noStrike">
+              <a:latin typeface="Arial"/>
+            </a:endParaRPr>
+          </a:p>
+        </p:txBody>
+      </p:sp>
+      <p:sp>
+        <p:nvSpPr>
+          <p:cNvPr id="241" name="PlaceHolder 4"/>
+          <p:cNvSpPr>
+            <a:spLocks noGrp="1"/>
+          </p:cNvSpPr>
+          <p:nvPr>
+            <p:ph/>
+          </p:nvPr>
+        </p:nvSpPr>
+        <p:spPr>
+          <a:xfrm>
+            <a:off x="504000" y="3044520"/>
+            <a:ext cx="4426920" cy="1568520"/>
+          </a:xfrm>
+          <a:prstGeom prst="rect">
+            <a:avLst/>
+          </a:prstGeom>
+          <a:noFill/>
+          <a:ln w="0">
+            <a:noFill/>
+          </a:ln>
+        </p:spPr>
+        <p:txBody>
+          <a:bodyPr lIns="0" rIns="0" tIns="0" bIns="0" anchor="t">
+            <a:normAutofit/>
+          </a:bodyPr>
+          <a:p>
+            <a:endParaRPr b="0" lang="en-IN" sz="3200" spc="-1" strike="noStrike">
+              <a:latin typeface="Arial"/>
+            </a:endParaRPr>
+          </a:p>
+        </p:txBody>
+      </p:sp>
+      <p:sp>
+        <p:nvSpPr>
+          <p:cNvPr id="242" name="PlaceHolder 5"/>
+          <p:cNvSpPr>
+            <a:spLocks noGrp="1"/>
+          </p:cNvSpPr>
+          <p:nvPr>
+            <p:ph/>
+          </p:nvPr>
+        </p:nvSpPr>
+        <p:spPr>
+          <a:xfrm>
+            <a:off x="5152680" y="3044520"/>
+            <a:ext cx="4426920" cy="1568520"/>
+          </a:xfrm>
+          <a:prstGeom prst="rect">
+            <a:avLst/>
+          </a:prstGeom>
+          <a:noFill/>
+          <a:ln w="0">
+            <a:noFill/>
+          </a:ln>
+        </p:spPr>
+        <p:txBody>
+          <a:bodyPr lIns="0" rIns="0" tIns="0" bIns="0" anchor="t">
+            <a:normAutofit/>
+          </a:bodyPr>
+          <a:p>
+            <a:endParaRPr b="0" lang="en-IN" sz="3200" spc="-1" strike="noStrike">
+              <a:latin typeface="Arial"/>
+            </a:endParaRPr>
+          </a:p>
+        </p:txBody>
+      </p:sp>
+      <p:sp>
+        <p:nvSpPr>
+          <p:cNvPr id="7" name="PlaceHolder 6"/>
+          <p:cNvSpPr>
+            <a:spLocks noGrp="1"/>
+          </p:cNvSpPr>
+          <p:nvPr>
+            <p:ph type="ftr" idx="11"/>
+          </p:nvPr>
+        </p:nvSpPr>
+        <p:spPr/>
+        <p:txBody>
+          <a:bodyPr/>
+          <a:p>
+            <a:r>
+              <a:t>Footer</a:t>
+            </a:r>
+          </a:p>
+        </p:txBody>
+      </p:sp>
+      <p:sp>
+        <p:nvSpPr>
+          <p:cNvPr id="8" name="PlaceHolder 7"/>
+          <p:cNvSpPr>
+            <a:spLocks noGrp="1"/>
+          </p:cNvSpPr>
+          <p:nvPr>
+            <p:ph type="sldNum" idx="12"/>
+          </p:nvPr>
+        </p:nvSpPr>
+        <p:spPr/>
+        <p:txBody>
+          <a:bodyPr/>
+          <a:p>
+            <a:fld id="{D64950B9-8F9D-4325-8E2E-968BFDFD8378}" type="slidenum">
+              <a:t>&lt;#&gt;</a:t>
+            </a:fld>
           </a:p>
         </p:txBody>
       </p:sp>
@@ -8351,7 +9549,7 @@
         <p:txBody>
           <a:bodyPr/>
           <a:p>
-            <a:fld id="{43642633-6FE5-4B35-A232-B6DF792F117F}" type="slidenum">
+            <a:fld id="{BC002E31-8A1F-455F-80C9-44F6C7CBBD91}" type="slidenum">
               <a:t>&lt;#&gt;</a:t>
             </a:fld>
           </a:p>
@@ -8375,6 +9573,309 @@
               <a:rPr lang="en-IN"/>
               <a:t/>
             </a:r>
+          </a:p>
+        </p:txBody>
+      </p:sp>
+    </p:spTree>
+  </p:cSld>
+</p:sldLayout>
+</file>
+
+<file path=ppt/slideLayouts/slideLayout60.xml><?xml version="1.0" encoding="utf-8"?>
+<p:sldLayout xmlns:a="http://schemas.openxmlformats.org/drawingml/2006/main" xmlns:p="http://schemas.openxmlformats.org/presentationml/2006/main" xmlns:r="http://schemas.openxmlformats.org/officeDocument/2006/relationships" xmlns:p14="http://schemas.microsoft.com/office/powerpoint/2010/main" xmlns:p15="http://schemas.microsoft.com/office/powerpoint/2012/main" xmlns:mc="http://schemas.openxmlformats.org/markup-compatibility/2006" type="blank" preserve="1">
+  <p:cSld name="Title, 6 Content">
+    <p:spTree>
+      <p:nvGrpSpPr>
+        <p:cNvPr id="1" name=""/>
+        <p:cNvGrpSpPr/>
+        <p:nvPr/>
+      </p:nvGrpSpPr>
+      <p:grpSpPr>
+        <a:xfrm>
+          <a:off x="0" y="0"/>
+          <a:ext cx="0" cy="0"/>
+          <a:chOff x="0" y="0"/>
+          <a:chExt cx="0" cy="0"/>
+        </a:xfrm>
+      </p:grpSpPr>
+      <p:sp>
+        <p:nvSpPr>
+          <p:cNvPr id="243" name="PlaceHolder 1"/>
+          <p:cNvSpPr>
+            <a:spLocks noGrp="1"/>
+          </p:cNvSpPr>
+          <p:nvPr>
+            <p:ph type="title"/>
+          </p:nvPr>
+        </p:nvSpPr>
+        <p:spPr>
+          <a:xfrm>
+            <a:off x="504000" y="226080"/>
+            <a:ext cx="9071640" cy="946080"/>
+          </a:xfrm>
+          <a:prstGeom prst="rect">
+            <a:avLst/>
+          </a:prstGeom>
+          <a:noFill/>
+          <a:ln w="0">
+            <a:noFill/>
+          </a:ln>
+        </p:spPr>
+        <p:txBody>
+          <a:bodyPr lIns="0" rIns="0" tIns="0" bIns="0" anchor="ctr">
+            <a:noAutofit/>
+          </a:bodyPr>
+          <a:p>
+            <a:pPr algn="ctr">
+              <a:buNone/>
+            </a:pPr>
+            <a:endParaRPr b="0" lang="en-IN" sz="4400" spc="-1" strike="noStrike">
+              <a:latin typeface="Arial"/>
+            </a:endParaRPr>
+          </a:p>
+        </p:txBody>
+      </p:sp>
+      <p:sp>
+        <p:nvSpPr>
+          <p:cNvPr id="244" name="PlaceHolder 2"/>
+          <p:cNvSpPr>
+            <a:spLocks noGrp="1"/>
+          </p:cNvSpPr>
+          <p:nvPr>
+            <p:ph/>
+          </p:nvPr>
+        </p:nvSpPr>
+        <p:spPr>
+          <a:xfrm>
+            <a:off x="504000" y="1326600"/>
+            <a:ext cx="2921040" cy="1568520"/>
+          </a:xfrm>
+          <a:prstGeom prst="rect">
+            <a:avLst/>
+          </a:prstGeom>
+          <a:noFill/>
+          <a:ln w="0">
+            <a:noFill/>
+          </a:ln>
+        </p:spPr>
+        <p:txBody>
+          <a:bodyPr lIns="0" rIns="0" tIns="0" bIns="0" anchor="t">
+            <a:normAutofit/>
+          </a:bodyPr>
+          <a:p>
+            <a:endParaRPr b="0" lang="en-IN" sz="3200" spc="-1" strike="noStrike">
+              <a:latin typeface="Arial"/>
+            </a:endParaRPr>
+          </a:p>
+        </p:txBody>
+      </p:sp>
+      <p:sp>
+        <p:nvSpPr>
+          <p:cNvPr id="245" name="PlaceHolder 3"/>
+          <p:cNvSpPr>
+            <a:spLocks noGrp="1"/>
+          </p:cNvSpPr>
+          <p:nvPr>
+            <p:ph/>
+          </p:nvPr>
+        </p:nvSpPr>
+        <p:spPr>
+          <a:xfrm>
+            <a:off x="3571560" y="1326600"/>
+            <a:ext cx="2921040" cy="1568520"/>
+          </a:xfrm>
+          <a:prstGeom prst="rect">
+            <a:avLst/>
+          </a:prstGeom>
+          <a:noFill/>
+          <a:ln w="0">
+            <a:noFill/>
+          </a:ln>
+        </p:spPr>
+        <p:txBody>
+          <a:bodyPr lIns="0" rIns="0" tIns="0" bIns="0" anchor="t">
+            <a:normAutofit/>
+          </a:bodyPr>
+          <a:p>
+            <a:endParaRPr b="0" lang="en-IN" sz="3200" spc="-1" strike="noStrike">
+              <a:latin typeface="Arial"/>
+            </a:endParaRPr>
+          </a:p>
+        </p:txBody>
+      </p:sp>
+      <p:sp>
+        <p:nvSpPr>
+          <p:cNvPr id="246" name="PlaceHolder 4"/>
+          <p:cNvSpPr>
+            <a:spLocks noGrp="1"/>
+          </p:cNvSpPr>
+          <p:nvPr>
+            <p:ph/>
+          </p:nvPr>
+        </p:nvSpPr>
+        <p:spPr>
+          <a:xfrm>
+            <a:off x="6639120" y="1326600"/>
+            <a:ext cx="2921040" cy="1568520"/>
+          </a:xfrm>
+          <a:prstGeom prst="rect">
+            <a:avLst/>
+          </a:prstGeom>
+          <a:noFill/>
+          <a:ln w="0">
+            <a:noFill/>
+          </a:ln>
+        </p:spPr>
+        <p:txBody>
+          <a:bodyPr lIns="0" rIns="0" tIns="0" bIns="0" anchor="t">
+            <a:normAutofit/>
+          </a:bodyPr>
+          <a:p>
+            <a:endParaRPr b="0" lang="en-IN" sz="3200" spc="-1" strike="noStrike">
+              <a:latin typeface="Arial"/>
+            </a:endParaRPr>
+          </a:p>
+        </p:txBody>
+      </p:sp>
+      <p:sp>
+        <p:nvSpPr>
+          <p:cNvPr id="247" name="PlaceHolder 5"/>
+          <p:cNvSpPr>
+            <a:spLocks noGrp="1"/>
+          </p:cNvSpPr>
+          <p:nvPr>
+            <p:ph/>
+          </p:nvPr>
+        </p:nvSpPr>
+        <p:spPr>
+          <a:xfrm>
+            <a:off x="504000" y="3044520"/>
+            <a:ext cx="2921040" cy="1568520"/>
+          </a:xfrm>
+          <a:prstGeom prst="rect">
+            <a:avLst/>
+          </a:prstGeom>
+          <a:noFill/>
+          <a:ln w="0">
+            <a:noFill/>
+          </a:ln>
+        </p:spPr>
+        <p:txBody>
+          <a:bodyPr lIns="0" rIns="0" tIns="0" bIns="0" anchor="t">
+            <a:normAutofit/>
+          </a:bodyPr>
+          <a:p>
+            <a:endParaRPr b="0" lang="en-IN" sz="3200" spc="-1" strike="noStrike">
+              <a:latin typeface="Arial"/>
+            </a:endParaRPr>
+          </a:p>
+        </p:txBody>
+      </p:sp>
+      <p:sp>
+        <p:nvSpPr>
+          <p:cNvPr id="248" name="PlaceHolder 6"/>
+          <p:cNvSpPr>
+            <a:spLocks noGrp="1"/>
+          </p:cNvSpPr>
+          <p:nvPr>
+            <p:ph/>
+          </p:nvPr>
+        </p:nvSpPr>
+        <p:spPr>
+          <a:xfrm>
+            <a:off x="3571560" y="3044520"/>
+            <a:ext cx="2921040" cy="1568520"/>
+          </a:xfrm>
+          <a:prstGeom prst="rect">
+            <a:avLst/>
+          </a:prstGeom>
+          <a:noFill/>
+          <a:ln w="0">
+            <a:noFill/>
+          </a:ln>
+        </p:spPr>
+        <p:txBody>
+          <a:bodyPr lIns="0" rIns="0" tIns="0" bIns="0" anchor="t">
+            <a:normAutofit/>
+          </a:bodyPr>
+          <a:p>
+            <a:endParaRPr b="0" lang="en-IN" sz="3200" spc="-1" strike="noStrike">
+              <a:latin typeface="Arial"/>
+            </a:endParaRPr>
+          </a:p>
+        </p:txBody>
+      </p:sp>
+      <p:sp>
+        <p:nvSpPr>
+          <p:cNvPr id="249" name="PlaceHolder 7"/>
+          <p:cNvSpPr>
+            <a:spLocks noGrp="1"/>
+          </p:cNvSpPr>
+          <p:nvPr>
+            <p:ph/>
+          </p:nvPr>
+        </p:nvSpPr>
+        <p:spPr>
+          <a:xfrm>
+            <a:off x="6639120" y="3044520"/>
+            <a:ext cx="2921040" cy="1568520"/>
+          </a:xfrm>
+          <a:prstGeom prst="rect">
+            <a:avLst/>
+          </a:prstGeom>
+          <a:noFill/>
+          <a:ln w="0">
+            <a:noFill/>
+          </a:ln>
+        </p:spPr>
+        <p:txBody>
+          <a:bodyPr lIns="0" rIns="0" tIns="0" bIns="0" anchor="t">
+            <a:normAutofit/>
+          </a:bodyPr>
+          <a:p>
+            <a:endParaRPr b="0" lang="en-IN" sz="3200" spc="-1" strike="noStrike">
+              <a:latin typeface="Arial"/>
+            </a:endParaRPr>
+          </a:p>
+        </p:txBody>
+      </p:sp>
+      <p:sp>
+        <p:nvSpPr>
+          <p:cNvPr id="9" name="PlaceHolder 8"/>
+          <p:cNvSpPr>
+            <a:spLocks noGrp="1"/>
+          </p:cNvSpPr>
+          <p:nvPr>
+            <p:ph type="ftr" idx="11"/>
+          </p:nvPr>
+        </p:nvSpPr>
+        <p:spPr/>
+        <p:txBody>
+          <a:bodyPr/>
+          <a:p>
+            <a:r>
+              <a:t>Footer</a:t>
+            </a:r>
+          </a:p>
+        </p:txBody>
+      </p:sp>
+      <p:sp>
+        <p:nvSpPr>
+          <p:cNvPr id="10" name="PlaceHolder 9"/>
+          <p:cNvSpPr>
+            <a:spLocks noGrp="1"/>
+          </p:cNvSpPr>
+          <p:nvPr>
+            <p:ph type="sldNum" idx="12"/>
+          </p:nvPr>
+        </p:nvSpPr>
+        <p:spPr/>
+        <p:txBody>
+          <a:bodyPr/>
+          <a:p>
+            <a:fld id="{B8DF3397-E2F7-407C-9A64-87A23F6B623C}" type="slidenum">
+              <a:t>&lt;#&gt;</a:t>
+            </a:fld>
           </a:p>
         </p:txBody>
       </p:sp>
@@ -8573,7 +10074,7 @@
         <p:txBody>
           <a:bodyPr/>
           <a:p>
-            <a:fld id="{FB79C173-D31C-4958-906B-AC25294D48BC}" type="slidenum">
+            <a:fld id="{BAF9FCD8-B345-41BD-A4CE-4C5BA31D6755}" type="slidenum">
               <a:t>&lt;#&gt;</a:t>
             </a:fld>
           </a:p>
@@ -8795,7 +10296,7 @@
         <p:txBody>
           <a:bodyPr/>
           <a:p>
-            <a:fld id="{0B43A2E4-CAB1-4F5A-ADB7-A095A3AB94F3}" type="slidenum">
+            <a:fld id="{881CB9A9-4C2B-40CC-B3FF-6D98C8F29B3E}" type="slidenum">
               <a:t>&lt;#&gt;</a:t>
             </a:fld>
           </a:p>
@@ -9017,7 +10518,7 @@
         <p:txBody>
           <a:bodyPr/>
           <a:p>
-            <a:fld id="{4BEE5A31-7A51-4198-B14C-F0E89C96BCC8}" type="slidenum">
+            <a:fld id="{C59B2C2A-3D78-4E9E-A30A-83D9B6A0A350}" type="slidenum">
               <a:t>&lt;#&gt;</a:t>
             </a:fld>
           </a:p>
@@ -9543,7 +11044,7 @@
               </a:lnSpc>
               <a:buNone/>
             </a:pPr>
-            <a:fld id="{F7A08EA9-DD4E-4790-A0CB-43CA608B4D80}" type="slidenum">
+            <a:fld id="{EB97500F-D635-44EB-A632-25E79E13ECEE}" type="slidenum">
               <a:rPr b="0" lang="en-US" sz="1400" spc="-1" strike="noStrike">
                 <a:solidFill>
                   <a:srgbClr val="ffffff"/>
@@ -10067,7 +11568,7 @@
               </a:lnSpc>
               <a:buNone/>
             </a:pPr>
-            <a:fld id="{23B1C9DC-F761-4EB2-AA20-D82FCC347954}" type="slidenum">
+            <a:fld id="{746EEA56-64AA-488F-AE4B-9E290220F30D}" type="slidenum">
               <a:rPr b="0" lang="en-US" sz="1400" spc="-1" strike="noStrike">
                 <a:solidFill>
                   <a:srgbClr val="000000"/>
@@ -10305,7 +11806,7 @@
               </a:lnSpc>
               <a:buNone/>
             </a:pPr>
-            <a:fld id="{19B20A97-F27A-43CA-BB41-73DBC86A7C89}" type="slidenum">
+            <a:fld id="{78BCA919-2A30-4F5F-8D24-45A1A93794F2}" type="slidenum">
               <a:rPr b="0" lang="en-US" sz="1400" spc="-1" strike="noStrike">
                 <a:latin typeface="Arial"/>
               </a:rPr>
@@ -10324,53 +11825,6 @@
             <a:spLocks noGrp="1"/>
           </p:cNvSpPr>
           <p:nvPr>
-            <p:ph type="dt" idx="6"/>
-          </p:nvPr>
-        </p:nvSpPr>
-        <p:spPr>
-          <a:xfrm>
-            <a:off x="180000" y="5130000"/>
-            <a:ext cx="2338920" cy="391320"/>
-          </a:xfrm>
-          <a:prstGeom prst="rect">
-            <a:avLst/>
-          </a:prstGeom>
-          <a:noFill/>
-          <a:ln w="0">
-            <a:noFill/>
-          </a:ln>
-        </p:spPr>
-        <p:txBody>
-          <a:bodyPr lIns="0" rIns="0" tIns="0" bIns="0" anchor="b">
-            <a:noAutofit/>
-          </a:bodyPr>
-          <a:lstStyle>
-            <a:lvl1pPr>
-              <a:defRPr b="0" lang="en-IN" sz="1400" spc="-1" strike="noStrike">
-                <a:latin typeface="Times New Roman"/>
-              </a:defRPr>
-            </a:lvl1pPr>
-          </a:lstStyle>
-          <a:p>
-            <a:r>
-              <a:rPr b="0" lang="en-IN" sz="1400" spc="-1" strike="noStrike">
-                <a:latin typeface="Times New Roman"/>
-              </a:rPr>
-              <a:t>&lt;date/time&gt;</a:t>
-            </a:r>
-            <a:endParaRPr b="0" lang="en-IN" sz="1400" spc="-1" strike="noStrike">
-              <a:latin typeface="Times New Roman"/>
-            </a:endParaRPr>
-          </a:p>
-        </p:txBody>
-      </p:sp>
-      <p:sp>
-        <p:nvSpPr>
-          <p:cNvPr id="65" name="PlaceHolder 4"/>
-          <p:cNvSpPr>
-            <a:spLocks noGrp="1"/>
-          </p:cNvSpPr>
-          <p:nvPr>
             <p:ph type="title"/>
           </p:nvPr>
         </p:nvSpPr>
@@ -10409,7 +11863,7 @@
       </p:sp>
       <p:sp>
         <p:nvSpPr>
-          <p:cNvPr id="66" name="PlaceHolder 5"/>
+          <p:cNvPr id="65" name="PlaceHolder 4"/>
           <p:cNvSpPr>
             <a:spLocks noGrp="1"/>
           </p:cNvSpPr>
@@ -10629,7 +12083,7 @@
       </p:grpSpPr>
       <p:sp>
         <p:nvSpPr>
-          <p:cNvPr id="103" name=""/>
+          <p:cNvPr id="102" name=""/>
           <p:cNvSpPr/>
           <p:nvPr/>
         </p:nvSpPr>
@@ -10665,7 +12119,7 @@
       </p:sp>
       <p:sp>
         <p:nvSpPr>
-          <p:cNvPr id="104" name=""/>
+          <p:cNvPr id="103" name=""/>
           <p:cNvSpPr/>
           <p:nvPr/>
         </p:nvSpPr>
@@ -10712,7 +12166,7 @@
       </p:sp>
       <p:sp>
         <p:nvSpPr>
-          <p:cNvPr id="105" name=""/>
+          <p:cNvPr id="104" name=""/>
           <p:cNvSpPr/>
           <p:nvPr/>
         </p:nvSpPr>
@@ -10740,7 +12194,7 @@
       </p:sp>
       <p:sp>
         <p:nvSpPr>
-          <p:cNvPr id="106" name=""/>
+          <p:cNvPr id="105" name=""/>
           <p:cNvSpPr/>
           <p:nvPr/>
         </p:nvSpPr>
@@ -10792,7 +12246,7 @@
       </p:sp>
       <p:sp>
         <p:nvSpPr>
-          <p:cNvPr id="107" name=""/>
+          <p:cNvPr id="106" name=""/>
           <p:cNvSpPr/>
           <p:nvPr/>
         </p:nvSpPr>
@@ -10826,7 +12280,7 @@
               </a:lnSpc>
               <a:buNone/>
             </a:pPr>
-            <a:fld id="{C21C2D0C-0405-4E74-ABBD-968E7E11D71F}" type="slidenum">
+            <a:fld id="{15BEEC3C-9982-447D-AA4D-66CA5F61B7E2}" type="slidenum">
               <a:rPr b="0" lang="en-US" sz="1400" spc="-1" strike="noStrike">
                 <a:solidFill>
                   <a:srgbClr val="000000"/>
@@ -10844,7 +12298,7 @@
       </p:sp>
       <p:sp>
         <p:nvSpPr>
-          <p:cNvPr id="108" name=""/>
+          <p:cNvPr id="107" name=""/>
           <p:cNvSpPr/>
           <p:nvPr/>
         </p:nvSpPr>
@@ -10874,7 +12328,7 @@
       </p:sp>
       <p:sp>
         <p:nvSpPr>
-          <p:cNvPr id="109" name=""/>
+          <p:cNvPr id="108" name=""/>
           <p:cNvSpPr/>
           <p:nvPr/>
         </p:nvSpPr>
@@ -10904,7 +12358,7 @@
       </p:sp>
       <p:sp>
         <p:nvSpPr>
-          <p:cNvPr id="110" name=""/>
+          <p:cNvPr id="109" name=""/>
           <p:cNvSpPr/>
           <p:nvPr/>
         </p:nvSpPr>
@@ -10934,7 +12388,7 @@
       </p:sp>
       <p:sp>
         <p:nvSpPr>
-          <p:cNvPr id="111" name=""/>
+          <p:cNvPr id="110" name=""/>
           <p:cNvSpPr/>
           <p:nvPr/>
         </p:nvSpPr>
@@ -10964,12 +12418,12 @@
       </p:sp>
       <p:sp>
         <p:nvSpPr>
-          <p:cNvPr id="112" name="PlaceHolder 1"/>
-          <p:cNvSpPr>
-            <a:spLocks noGrp="1"/>
-          </p:cNvSpPr>
-          <p:nvPr>
-            <p:ph type="ftr" idx="7"/>
+          <p:cNvPr id="111" name="PlaceHolder 1"/>
+          <p:cNvSpPr>
+            <a:spLocks noGrp="1"/>
+          </p:cNvSpPr>
+          <p:nvPr>
+            <p:ph type="ftr" idx="6"/>
           </p:nvPr>
         </p:nvSpPr>
         <p:spPr>
@@ -11021,12 +12475,12 @@
       </p:sp>
       <p:sp>
         <p:nvSpPr>
-          <p:cNvPr id="113" name="PlaceHolder 2"/>
-          <p:cNvSpPr>
-            <a:spLocks noGrp="1"/>
-          </p:cNvSpPr>
-          <p:nvPr>
-            <p:ph type="sldNum" idx="8"/>
+          <p:cNvPr id="112" name="PlaceHolder 2"/>
+          <p:cNvSpPr>
+            <a:spLocks noGrp="1"/>
+          </p:cNvSpPr>
+          <p:nvPr>
+            <p:ph type="sldNum" idx="7"/>
           </p:nvPr>
         </p:nvSpPr>
         <p:spPr>
@@ -11064,7 +12518,7 @@
               </a:lnSpc>
               <a:buNone/>
             </a:pPr>
-            <a:fld id="{D73B9008-0606-414D-9260-D95811B6A32F}" type="slidenum">
+            <a:fld id="{E4947BCE-EB76-4339-84A7-E1C6D054CB4C}" type="slidenum">
               <a:rPr b="0" lang="en-US" sz="1400" spc="-1" strike="noStrike">
                 <a:latin typeface="Arial"/>
               </a:rPr>
@@ -11078,54 +12532,7 @@
       </p:sp>
       <p:sp>
         <p:nvSpPr>
-          <p:cNvPr id="114" name="PlaceHolder 3"/>
-          <p:cNvSpPr>
-            <a:spLocks noGrp="1"/>
-          </p:cNvSpPr>
-          <p:nvPr>
-            <p:ph type="dt" idx="9"/>
-          </p:nvPr>
-        </p:nvSpPr>
-        <p:spPr>
-          <a:xfrm>
-            <a:off x="180000" y="5130000"/>
-            <a:ext cx="2338920" cy="391320"/>
-          </a:xfrm>
-          <a:prstGeom prst="rect">
-            <a:avLst/>
-          </a:prstGeom>
-          <a:noFill/>
-          <a:ln w="0">
-            <a:noFill/>
-          </a:ln>
-        </p:spPr>
-        <p:txBody>
-          <a:bodyPr lIns="0" rIns="0" tIns="0" bIns="0" anchor="b">
-            <a:noAutofit/>
-          </a:bodyPr>
-          <a:lstStyle>
-            <a:lvl1pPr>
-              <a:defRPr b="0" lang="en-IN" sz="1400" spc="-1" strike="noStrike">
-                <a:latin typeface="Times New Roman"/>
-              </a:defRPr>
-            </a:lvl1pPr>
-          </a:lstStyle>
-          <a:p>
-            <a:r>
-              <a:rPr b="0" lang="en-IN" sz="1400" spc="-1" strike="noStrike">
-                <a:latin typeface="Times New Roman"/>
-              </a:rPr>
-              <a:t>&lt;date/time&gt;</a:t>
-            </a:r>
-            <a:endParaRPr b="0" lang="en-IN" sz="1400" spc="-1" strike="noStrike">
-              <a:latin typeface="Times New Roman"/>
-            </a:endParaRPr>
-          </a:p>
-        </p:txBody>
-      </p:sp>
-      <p:sp>
-        <p:nvSpPr>
-          <p:cNvPr id="115" name="PlaceHolder 4"/>
+          <p:cNvPr id="113" name="PlaceHolder 3"/>
           <p:cNvSpPr>
             <a:spLocks noGrp="1"/>
           </p:cNvSpPr>
@@ -11168,7 +12575,7 @@
       </p:sp>
       <p:sp>
         <p:nvSpPr>
-          <p:cNvPr id="116" name="PlaceHolder 5"/>
+          <p:cNvPr id="114" name="PlaceHolder 4"/>
           <p:cNvSpPr>
             <a:spLocks noGrp="1"/>
           </p:cNvSpPr>
@@ -11388,7 +12795,7 @@
       </p:grpSpPr>
       <p:sp>
         <p:nvSpPr>
-          <p:cNvPr id="153" name=""/>
+          <p:cNvPr id="151" name=""/>
           <p:cNvSpPr/>
           <p:nvPr/>
         </p:nvSpPr>
@@ -11424,7 +12831,7 @@
       </p:sp>
       <p:sp>
         <p:nvSpPr>
-          <p:cNvPr id="154" name=""/>
+          <p:cNvPr id="152" name=""/>
           <p:cNvSpPr/>
           <p:nvPr/>
         </p:nvSpPr>
@@ -11471,7 +12878,7 @@
       </p:sp>
       <p:sp>
         <p:nvSpPr>
-          <p:cNvPr id="155" name=""/>
+          <p:cNvPr id="153" name=""/>
           <p:cNvSpPr/>
           <p:nvPr/>
         </p:nvSpPr>
@@ -11499,7 +12906,7 @@
       </p:sp>
       <p:sp>
         <p:nvSpPr>
-          <p:cNvPr id="156" name=""/>
+          <p:cNvPr id="154" name=""/>
           <p:cNvSpPr/>
           <p:nvPr/>
         </p:nvSpPr>
@@ -11551,7 +12958,7 @@
       </p:sp>
       <p:sp>
         <p:nvSpPr>
-          <p:cNvPr id="157" name=""/>
+          <p:cNvPr id="155" name=""/>
           <p:cNvSpPr/>
           <p:nvPr/>
         </p:nvSpPr>
@@ -11585,7 +12992,7 @@
               </a:lnSpc>
               <a:buNone/>
             </a:pPr>
-            <a:fld id="{3B2F022A-7F42-44E4-837D-838A14CCE837}" type="slidenum">
+            <a:fld id="{A52B4606-3319-40AC-B18C-B03A97AD4B03}" type="slidenum">
               <a:rPr b="0" lang="en-US" sz="1400" spc="-1" strike="noStrike">
                 <a:solidFill>
                   <a:srgbClr val="000000"/>
@@ -11603,7 +13010,7 @@
       </p:sp>
       <p:sp>
         <p:nvSpPr>
-          <p:cNvPr id="158" name=""/>
+          <p:cNvPr id="156" name=""/>
           <p:cNvSpPr/>
           <p:nvPr/>
         </p:nvSpPr>
@@ -11633,7 +13040,7 @@
       </p:sp>
       <p:sp>
         <p:nvSpPr>
-          <p:cNvPr id="159" name=""/>
+          <p:cNvPr id="157" name=""/>
           <p:cNvSpPr/>
           <p:nvPr/>
         </p:nvSpPr>
@@ -11663,7 +13070,7 @@
       </p:sp>
       <p:sp>
         <p:nvSpPr>
-          <p:cNvPr id="160" name=""/>
+          <p:cNvPr id="158" name=""/>
           <p:cNvSpPr/>
           <p:nvPr/>
         </p:nvSpPr>
@@ -11693,7 +13100,7 @@
       </p:sp>
       <p:sp>
         <p:nvSpPr>
-          <p:cNvPr id="161" name=""/>
+          <p:cNvPr id="159" name=""/>
           <p:cNvSpPr/>
           <p:nvPr/>
         </p:nvSpPr>
@@ -11723,7 +13130,7 @@
       </p:sp>
       <p:sp>
         <p:nvSpPr>
-          <p:cNvPr id="162" name="PlaceHolder 1"/>
+          <p:cNvPr id="160" name="PlaceHolder 1"/>
           <p:cNvSpPr>
             <a:spLocks noGrp="1"/>
           </p:cNvSpPr>
@@ -11763,12 +13170,12 @@
       </p:sp>
       <p:sp>
         <p:nvSpPr>
-          <p:cNvPr id="163" name="PlaceHolder 2"/>
-          <p:cNvSpPr>
-            <a:spLocks noGrp="1"/>
-          </p:cNvSpPr>
-          <p:nvPr>
-            <p:ph type="ftr" idx="10"/>
+          <p:cNvPr id="161" name="PlaceHolder 2"/>
+          <p:cNvSpPr>
+            <a:spLocks noGrp="1"/>
+          </p:cNvSpPr>
+          <p:nvPr>
+            <p:ph type="ftr" idx="8"/>
           </p:nvPr>
         </p:nvSpPr>
         <p:spPr>
@@ -11820,12 +13227,12 @@
       </p:sp>
       <p:sp>
         <p:nvSpPr>
-          <p:cNvPr id="164" name="PlaceHolder 3"/>
-          <p:cNvSpPr>
-            <a:spLocks noGrp="1"/>
-          </p:cNvSpPr>
-          <p:nvPr>
-            <p:ph type="sldNum" idx="11"/>
+          <p:cNvPr id="162" name="PlaceHolder 3"/>
+          <p:cNvSpPr>
+            <a:spLocks noGrp="1"/>
+          </p:cNvSpPr>
+          <p:nvPr>
+            <p:ph type="sldNum" idx="9"/>
           </p:nvPr>
         </p:nvSpPr>
         <p:spPr>
@@ -11863,7 +13270,7 @@
               </a:lnSpc>
               <a:buNone/>
             </a:pPr>
-            <a:fld id="{53B96940-4A2F-4156-BA74-5F4FC78A3D68}" type="slidenum">
+            <a:fld id="{09D87180-E87C-4B6E-86F8-811C0B88083B}" type="slidenum">
               <a:rPr b="0" lang="en-US" sz="1400" spc="-1" strike="noStrike">
                 <a:latin typeface="Arial"/>
               </a:rPr>
@@ -11877,12 +13284,12 @@
       </p:sp>
       <p:sp>
         <p:nvSpPr>
-          <p:cNvPr id="165" name="PlaceHolder 4"/>
-          <p:cNvSpPr>
-            <a:spLocks noGrp="1"/>
-          </p:cNvSpPr>
-          <p:nvPr>
-            <p:ph type="dt" idx="12"/>
+          <p:cNvPr id="163" name="PlaceHolder 4"/>
+          <p:cNvSpPr>
+            <a:spLocks noGrp="1"/>
+          </p:cNvSpPr>
+          <p:nvPr>
+            <p:ph type="dt" idx="10"/>
           </p:nvPr>
         </p:nvSpPr>
         <p:spPr>
@@ -11924,7 +13331,7 @@
       </p:sp>
       <p:sp>
         <p:nvSpPr>
-          <p:cNvPr id="166" name="PlaceHolder 5"/>
+          <p:cNvPr id="164" name="PlaceHolder 5"/>
           <p:cNvSpPr>
             <a:spLocks noGrp="1"/>
           </p:cNvSpPr>
@@ -12121,6 +13528,692 @@
     <p:sldLayoutId id="2147483697" r:id="rId11"/>
     <p:sldLayoutId id="2147483698" r:id="rId12"/>
     <p:sldLayoutId id="2147483699" r:id="rId13"/>
+  </p:sldLayoutIdLst>
+</p:sldMaster>
+</file>
+
+<file path=ppt/slideMasters/slideMaster5.xml><?xml version="1.0" encoding="utf-8"?>
+<p:sldMaster xmlns:a="http://schemas.openxmlformats.org/drawingml/2006/main" xmlns:p="http://schemas.openxmlformats.org/presentationml/2006/main" xmlns:r="http://schemas.openxmlformats.org/officeDocument/2006/relationships" xmlns:p14="http://schemas.microsoft.com/office/powerpoint/2010/main" xmlns:p15="http://schemas.microsoft.com/office/powerpoint/2012/main" xmlns:mc="http://schemas.openxmlformats.org/markup-compatibility/2006">
+  <p:cSld>
+    <p:spTree>
+      <p:nvGrpSpPr>
+        <p:cNvPr id="1" name=""/>
+        <p:cNvGrpSpPr/>
+        <p:nvPr/>
+      </p:nvGrpSpPr>
+      <p:grpSpPr>
+        <a:xfrm>
+          <a:off x="0" y="0"/>
+          <a:ext cx="0" cy="0"/>
+          <a:chOff x="0" y="0"/>
+          <a:chExt cx="0" cy="0"/>
+        </a:xfrm>
+      </p:grpSpPr>
+      <p:sp>
+        <p:nvSpPr>
+          <p:cNvPr id="201" name=""/>
+          <p:cNvSpPr/>
+          <p:nvPr/>
+        </p:nvSpPr>
+        <p:spPr>
+          <a:xfrm>
+            <a:off x="0" y="360"/>
+            <a:ext cx="10078920" cy="5668560"/>
+          </a:xfrm>
+          <a:prstGeom prst="rect">
+            <a:avLst/>
+          </a:prstGeom>
+          <a:gradFill rotWithShape="0">
+            <a:gsLst>
+              <a:gs pos="30000">
+                <a:srgbClr val="000032"/>
+              </a:gs>
+              <a:gs pos="100000">
+                <a:srgbClr val="f60063"/>
+              </a:gs>
+            </a:gsLst>
+            <a:lin ang="4200000"/>
+          </a:gradFill>
+          <a:ln w="0">
+            <a:noFill/>
+          </a:ln>
+        </p:spPr>
+        <p:style>
+          <a:lnRef idx="0"/>
+          <a:fillRef idx="0"/>
+          <a:effectRef idx="0"/>
+          <a:fontRef idx="minor"/>
+        </p:style>
+      </p:sp>
+      <p:sp>
+        <p:nvSpPr>
+          <p:cNvPr id="202" name=""/>
+          <p:cNvSpPr/>
+          <p:nvPr/>
+        </p:nvSpPr>
+        <p:spPr>
+          <a:xfrm flipH="1">
+            <a:off x="-3960" y="0"/>
+            <a:ext cx="10079280" cy="5669280"/>
+          </a:xfrm>
+          <a:prstGeom prst="rect">
+            <a:avLst/>
+          </a:prstGeom>
+          <a:gradFill rotWithShape="0">
+            <a:gsLst>
+              <a:gs pos="0">
+                <a:srgbClr val="ffffff">
+                  <a:alpha val="90196"/>
+                </a:srgbClr>
+              </a:gs>
+              <a:gs pos="75000">
+                <a:srgbClr val="ffffff">
+                  <a:alpha val="20000"/>
+                </a:srgbClr>
+              </a:gs>
+              <a:gs pos="100000">
+                <a:srgbClr val="ffffff">
+                  <a:alpha val="20000"/>
+                </a:srgbClr>
+              </a:gs>
+            </a:gsLst>
+            <a:path path="circle">
+              <a:fillToRect l="50000" t="85000" r="50000" b="15000"/>
+            </a:path>
+          </a:gradFill>
+          <a:ln w="0">
+            <a:noFill/>
+          </a:ln>
+        </p:spPr>
+        <p:style>
+          <a:lnRef idx="0"/>
+          <a:fillRef idx="0"/>
+          <a:effectRef idx="0"/>
+          <a:fontRef idx="minor"/>
+        </p:style>
+      </p:sp>
+      <p:sp>
+        <p:nvSpPr>
+          <p:cNvPr id="203" name=""/>
+          <p:cNvSpPr/>
+          <p:nvPr/>
+        </p:nvSpPr>
+        <p:spPr>
+          <a:xfrm>
+            <a:off x="0" y="1260360"/>
+            <a:ext cx="10258920" cy="4498560"/>
+          </a:xfrm>
+          <a:prstGeom prst="rect">
+            <a:avLst/>
+          </a:prstGeom>
+          <a:solidFill>
+            <a:srgbClr val="ffffff"/>
+          </a:solidFill>
+          <a:ln w="0">
+            <a:noFill/>
+          </a:ln>
+        </p:spPr>
+        <p:style>
+          <a:lnRef idx="0"/>
+          <a:fillRef idx="0"/>
+          <a:effectRef idx="0"/>
+          <a:fontRef idx="minor"/>
+        </p:style>
+      </p:sp>
+      <p:sp>
+        <p:nvSpPr>
+          <p:cNvPr id="204" name=""/>
+          <p:cNvSpPr/>
+          <p:nvPr/>
+        </p:nvSpPr>
+        <p:spPr>
+          <a:xfrm>
+            <a:off x="180360" y="5130360"/>
+            <a:ext cx="2338920" cy="391320"/>
+          </a:xfrm>
+          <a:prstGeom prst="rect">
+            <a:avLst/>
+          </a:prstGeom>
+          <a:noFill/>
+          <a:ln w="0">
+            <a:noFill/>
+          </a:ln>
+        </p:spPr>
+        <p:style>
+          <a:lnRef idx="0"/>
+          <a:fillRef idx="0"/>
+          <a:effectRef idx="0"/>
+          <a:fontRef idx="minor"/>
+        </p:style>
+      </p:sp>
+      <p:sp>
+        <p:nvSpPr>
+          <p:cNvPr id="205" name=""/>
+          <p:cNvSpPr/>
+          <p:nvPr/>
+        </p:nvSpPr>
+        <p:spPr>
+          <a:xfrm>
+            <a:off x="7560360" y="5130360"/>
+            <a:ext cx="2338920" cy="391320"/>
+          </a:xfrm>
+          <a:prstGeom prst="rect">
+            <a:avLst/>
+          </a:prstGeom>
+          <a:noFill/>
+          <a:ln w="0">
+            <a:noFill/>
+          </a:ln>
+        </p:spPr>
+        <p:style>
+          <a:lnRef idx="0"/>
+          <a:fillRef idx="0"/>
+          <a:effectRef idx="0"/>
+          <a:fontRef idx="minor"/>
+        </p:style>
+        <p:txBody>
+          <a:bodyPr lIns="0" rIns="0" tIns="0" bIns="0" anchor="b">
+            <a:noAutofit/>
+          </a:bodyPr>
+          <a:p>
+            <a:pPr algn="r">
+              <a:lnSpc>
+                <a:spcPct val="100000"/>
+              </a:lnSpc>
+              <a:buNone/>
+            </a:pPr>
+            <a:fld id="{2B97D9EB-C6F8-4737-8787-6C2EC8D91B42}" type="slidenum">
+              <a:rPr b="0" lang="en-US" sz="1400" spc="-1" strike="noStrike">
+                <a:solidFill>
+                  <a:srgbClr val="000000"/>
+                </a:solidFill>
+                <a:latin typeface="Arial"/>
+                <a:ea typeface="DejaVu Sans"/>
+              </a:rPr>
+              <a:t>&lt;number&gt;</a:t>
+            </a:fld>
+            <a:endParaRPr b="0" lang="en-IN" sz="1400" spc="-1" strike="noStrike">
+              <a:latin typeface="Arial"/>
+            </a:endParaRPr>
+          </a:p>
+        </p:txBody>
+      </p:sp>
+      <p:sp>
+        <p:nvSpPr>
+          <p:cNvPr id="206" name=""/>
+          <p:cNvSpPr/>
+          <p:nvPr/>
+        </p:nvSpPr>
+        <p:spPr>
+          <a:xfrm>
+            <a:off x="1440360" y="1080360"/>
+            <a:ext cx="1438920" cy="1258920"/>
+          </a:xfrm>
+          <a:prstGeom prst="ellipse">
+            <a:avLst/>
+          </a:prstGeom>
+          <a:solidFill>
+            <a:srgbClr val="ffffff">
+              <a:alpha val="30000"/>
+            </a:srgbClr>
+          </a:solidFill>
+          <a:ln w="0">
+            <a:noFill/>
+          </a:ln>
+        </p:spPr>
+        <p:style>
+          <a:lnRef idx="0"/>
+          <a:fillRef idx="0"/>
+          <a:effectRef idx="0"/>
+          <a:fontRef idx="minor"/>
+        </p:style>
+      </p:sp>
+      <p:sp>
+        <p:nvSpPr>
+          <p:cNvPr id="207" name=""/>
+          <p:cNvSpPr/>
+          <p:nvPr/>
+        </p:nvSpPr>
+        <p:spPr>
+          <a:xfrm>
+            <a:off x="7380360" y="3960360"/>
+            <a:ext cx="1438920" cy="1258920"/>
+          </a:xfrm>
+          <a:prstGeom prst="ellipse">
+            <a:avLst/>
+          </a:prstGeom>
+          <a:solidFill>
+            <a:srgbClr val="ffffff">
+              <a:alpha val="30000"/>
+            </a:srgbClr>
+          </a:solidFill>
+          <a:ln w="0">
+            <a:noFill/>
+          </a:ln>
+        </p:spPr>
+        <p:style>
+          <a:lnRef idx="0"/>
+          <a:fillRef idx="0"/>
+          <a:effectRef idx="0"/>
+          <a:fontRef idx="minor"/>
+        </p:style>
+      </p:sp>
+      <p:sp>
+        <p:nvSpPr>
+          <p:cNvPr id="208" name=""/>
+          <p:cNvSpPr/>
+          <p:nvPr/>
+        </p:nvSpPr>
+        <p:spPr>
+          <a:xfrm>
+            <a:off x="540360" y="1080360"/>
+            <a:ext cx="718920" cy="718920"/>
+          </a:xfrm>
+          <a:prstGeom prst="ellipse">
+            <a:avLst/>
+          </a:prstGeom>
+          <a:solidFill>
+            <a:srgbClr val="ffffff">
+              <a:alpha val="20000"/>
+            </a:srgbClr>
+          </a:solidFill>
+          <a:ln w="0">
+            <a:noFill/>
+          </a:ln>
+        </p:spPr>
+        <p:style>
+          <a:lnRef idx="0"/>
+          <a:fillRef idx="0"/>
+          <a:effectRef idx="0"/>
+          <a:fontRef idx="minor"/>
+        </p:style>
+      </p:sp>
+      <p:sp>
+        <p:nvSpPr>
+          <p:cNvPr id="209" name=""/>
+          <p:cNvSpPr/>
+          <p:nvPr/>
+        </p:nvSpPr>
+        <p:spPr>
+          <a:xfrm>
+            <a:off x="360" y="1260360"/>
+            <a:ext cx="718920" cy="718920"/>
+          </a:xfrm>
+          <a:prstGeom prst="ellipse">
+            <a:avLst/>
+          </a:prstGeom>
+          <a:solidFill>
+            <a:srgbClr val="ffffff">
+              <a:alpha val="10000"/>
+            </a:srgbClr>
+          </a:solidFill>
+          <a:ln w="0">
+            <a:noFill/>
+          </a:ln>
+        </p:spPr>
+        <p:style>
+          <a:lnRef idx="0"/>
+          <a:fillRef idx="0"/>
+          <a:effectRef idx="0"/>
+          <a:fontRef idx="minor"/>
+        </p:style>
+      </p:sp>
+      <p:sp>
+        <p:nvSpPr>
+          <p:cNvPr id="210" name="PlaceHolder 1"/>
+          <p:cNvSpPr>
+            <a:spLocks noGrp="1"/>
+          </p:cNvSpPr>
+          <p:nvPr>
+            <p:ph type="ftr" idx="11"/>
+          </p:nvPr>
+        </p:nvSpPr>
+        <p:spPr>
+          <a:xfrm>
+            <a:off x="3420000" y="5130000"/>
+            <a:ext cx="3238920" cy="391320"/>
+          </a:xfrm>
+          <a:prstGeom prst="rect">
+            <a:avLst/>
+          </a:prstGeom>
+          <a:noFill/>
+          <a:ln w="0">
+            <a:noFill/>
+          </a:ln>
+        </p:spPr>
+        <p:txBody>
+          <a:bodyPr lIns="0" rIns="0" tIns="0" bIns="0" anchor="b">
+            <a:noAutofit/>
+          </a:bodyPr>
+          <a:lstStyle>
+            <a:lvl1pPr algn="ctr">
+              <a:lnSpc>
+                <a:spcPct val="100000"/>
+              </a:lnSpc>
+              <a:buNone/>
+              <a:defRPr b="0" lang="en-US" sz="1400" spc="-1" strike="noStrike">
+                <a:latin typeface="Arial"/>
+              </a:defRPr>
+            </a:lvl1pPr>
+          </a:lstStyle>
+          <a:p>
+            <a:pPr algn="ctr">
+              <a:lnSpc>
+                <a:spcPct val="100000"/>
+              </a:lnSpc>
+              <a:buNone/>
+            </a:pPr>
+            <a:r>
+              <a:rPr b="0" lang="en-US" sz="1400" spc="-1" strike="noStrike">
+                <a:latin typeface="Arial"/>
+              </a:rPr>
+              <a:t>&lt;footer&gt;</a:t>
+            </a:r>
+            <a:endParaRPr b="0" lang="en-IN" sz="1400" spc="-1" strike="noStrike">
+              <a:latin typeface="Times New Roman"/>
+            </a:endParaRPr>
+          </a:p>
+        </p:txBody>
+      </p:sp>
+      <p:sp>
+        <p:nvSpPr>
+          <p:cNvPr id="211" name="PlaceHolder 2"/>
+          <p:cNvSpPr>
+            <a:spLocks noGrp="1"/>
+          </p:cNvSpPr>
+          <p:nvPr>
+            <p:ph type="sldNum" idx="12"/>
+          </p:nvPr>
+        </p:nvSpPr>
+        <p:spPr>
+          <a:xfrm>
+            <a:off x="7560000" y="5130000"/>
+            <a:ext cx="2338920" cy="391320"/>
+          </a:xfrm>
+          <a:prstGeom prst="rect">
+            <a:avLst/>
+          </a:prstGeom>
+          <a:noFill/>
+          <a:ln w="0">
+            <a:noFill/>
+          </a:ln>
+        </p:spPr>
+        <p:txBody>
+          <a:bodyPr lIns="0" rIns="0" tIns="0" bIns="0" anchor="b">
+            <a:noAutofit/>
+          </a:bodyPr>
+          <a:lstStyle>
+            <a:lvl1pPr algn="r">
+              <a:lnSpc>
+                <a:spcPct val="100000"/>
+              </a:lnSpc>
+              <a:buNone/>
+              <a:defRPr b="0" lang="en-US" sz="1400" spc="-1" strike="noStrike">
+                <a:latin typeface="Arial"/>
+              </a:defRPr>
+            </a:lvl1pPr>
+          </a:lstStyle>
+          <a:p>
+            <a:pPr algn="r">
+              <a:lnSpc>
+                <a:spcPct val="100000"/>
+              </a:lnSpc>
+              <a:buNone/>
+            </a:pPr>
+            <a:fld id="{82A3EB03-1DBF-4BF0-BC2F-F5612FDF6F99}" type="slidenum">
+              <a:rPr b="0" lang="en-US" sz="1400" spc="-1" strike="noStrike">
+                <a:latin typeface="Arial"/>
+              </a:rPr>
+              <a:t>&lt;number&gt;</a:t>
+            </a:fld>
+            <a:endParaRPr b="0" lang="en-IN" sz="1400" spc="-1" strike="noStrike">
+              <a:latin typeface="Times New Roman"/>
+            </a:endParaRPr>
+          </a:p>
+        </p:txBody>
+      </p:sp>
+      <p:sp>
+        <p:nvSpPr>
+          <p:cNvPr id="212" name="PlaceHolder 3"/>
+          <p:cNvSpPr>
+            <a:spLocks noGrp="1"/>
+          </p:cNvSpPr>
+          <p:nvPr>
+            <p:ph type="title"/>
+          </p:nvPr>
+        </p:nvSpPr>
+        <p:spPr>
+          <a:xfrm>
+            <a:off x="504000" y="226080"/>
+            <a:ext cx="9072000" cy="946440"/>
+          </a:xfrm>
+          <a:prstGeom prst="rect">
+            <a:avLst/>
+          </a:prstGeom>
+          <a:noFill/>
+          <a:ln w="0">
+            <a:noFill/>
+          </a:ln>
+        </p:spPr>
+        <p:txBody>
+          <a:bodyPr lIns="0" rIns="0" tIns="0" bIns="0" anchor="ctr">
+            <a:noAutofit/>
+          </a:bodyPr>
+          <a:p>
+            <a:pPr algn="ctr">
+              <a:buNone/>
+            </a:pPr>
+            <a:r>
+              <a:rPr b="0" lang="en-IN" sz="4400" spc="-1" strike="noStrike">
+                <a:latin typeface="Arial"/>
+              </a:rPr>
+              <a:t>Click to edit the title text format</a:t>
+            </a:r>
+            <a:endParaRPr b="0" lang="en-IN" sz="4400" spc="-1" strike="noStrike">
+              <a:latin typeface="Arial"/>
+            </a:endParaRPr>
+          </a:p>
+        </p:txBody>
+      </p:sp>
+      <p:sp>
+        <p:nvSpPr>
+          <p:cNvPr id="213" name="PlaceHolder 4"/>
+          <p:cNvSpPr>
+            <a:spLocks noGrp="1"/>
+          </p:cNvSpPr>
+          <p:nvPr>
+            <p:ph type="body"/>
+          </p:nvPr>
+        </p:nvSpPr>
+        <p:spPr>
+          <a:xfrm>
+            <a:off x="504000" y="1326600"/>
+            <a:ext cx="9072000" cy="3288600"/>
+          </a:xfrm>
+          <a:prstGeom prst="rect">
+            <a:avLst/>
+          </a:prstGeom>
+          <a:noFill/>
+          <a:ln w="0">
+            <a:noFill/>
+          </a:ln>
+        </p:spPr>
+        <p:txBody>
+          <a:bodyPr lIns="0" rIns="0" tIns="0" bIns="0" anchor="t">
+            <a:normAutofit/>
+          </a:bodyPr>
+          <a:p>
+            <a:pPr marL="432000" indent="-324000">
+              <a:spcBef>
+                <a:spcPts val="1417"/>
+              </a:spcBef>
+              <a:buClr>
+                <a:srgbClr val="000000"/>
+              </a:buClr>
+              <a:buSzPct val="45000"/>
+              <a:buFont typeface="Wingdings" charset="2"/>
+              <a:buChar char=""/>
+            </a:pPr>
+            <a:r>
+              <a:rPr b="0" lang="en-IN" sz="3200" spc="-1" strike="noStrike">
+                <a:latin typeface="Arial"/>
+              </a:rPr>
+              <a:t>Click to edit the outline text format</a:t>
+            </a:r>
+            <a:endParaRPr b="0" lang="en-IN" sz="3200" spc="-1" strike="noStrike">
+              <a:latin typeface="Arial"/>
+            </a:endParaRPr>
+          </a:p>
+          <a:p>
+            <a:pPr lvl="1" marL="864000" indent="-324000">
+              <a:spcBef>
+                <a:spcPts val="1134"/>
+              </a:spcBef>
+              <a:buClr>
+                <a:srgbClr val="000000"/>
+              </a:buClr>
+              <a:buSzPct val="75000"/>
+              <a:buFont typeface="Symbol" charset="2"/>
+              <a:buChar char=""/>
+            </a:pPr>
+            <a:r>
+              <a:rPr b="0" lang="en-IN" sz="2800" spc="-1" strike="noStrike">
+                <a:latin typeface="Arial"/>
+              </a:rPr>
+              <a:t>Second Outline Level</a:t>
+            </a:r>
+            <a:endParaRPr b="0" lang="en-IN" sz="2800" spc="-1" strike="noStrike">
+              <a:latin typeface="Arial"/>
+            </a:endParaRPr>
+          </a:p>
+          <a:p>
+            <a:pPr lvl="2" marL="1296000" indent="-288000">
+              <a:spcBef>
+                <a:spcPts val="850"/>
+              </a:spcBef>
+              <a:buClr>
+                <a:srgbClr val="000000"/>
+              </a:buClr>
+              <a:buSzPct val="45000"/>
+              <a:buFont typeface="Wingdings" charset="2"/>
+              <a:buChar char=""/>
+            </a:pPr>
+            <a:r>
+              <a:rPr b="0" lang="en-IN" sz="2400" spc="-1" strike="noStrike">
+                <a:latin typeface="Arial"/>
+              </a:rPr>
+              <a:t>Third Outline Level</a:t>
+            </a:r>
+            <a:endParaRPr b="0" lang="en-IN" sz="2400" spc="-1" strike="noStrike">
+              <a:latin typeface="Arial"/>
+            </a:endParaRPr>
+          </a:p>
+          <a:p>
+            <a:pPr lvl="3" marL="1728000" indent="-216000">
+              <a:spcBef>
+                <a:spcPts val="567"/>
+              </a:spcBef>
+              <a:buClr>
+                <a:srgbClr val="000000"/>
+              </a:buClr>
+              <a:buSzPct val="75000"/>
+              <a:buFont typeface="Symbol" charset="2"/>
+              <a:buChar char=""/>
+            </a:pPr>
+            <a:r>
+              <a:rPr b="0" lang="en-IN" sz="2000" spc="-1" strike="noStrike">
+                <a:latin typeface="Arial"/>
+              </a:rPr>
+              <a:t>Fourth Outline Level</a:t>
+            </a:r>
+            <a:endParaRPr b="0" lang="en-IN" sz="2000" spc="-1" strike="noStrike">
+              <a:latin typeface="Arial"/>
+            </a:endParaRPr>
+          </a:p>
+          <a:p>
+            <a:pPr lvl="4" marL="2160000" indent="-216000">
+              <a:spcBef>
+                <a:spcPts val="283"/>
+              </a:spcBef>
+              <a:buClr>
+                <a:srgbClr val="000000"/>
+              </a:buClr>
+              <a:buSzPct val="45000"/>
+              <a:buFont typeface="Wingdings" charset="2"/>
+              <a:buChar char=""/>
+            </a:pPr>
+            <a:r>
+              <a:rPr b="0" lang="en-IN" sz="2000" spc="-1" strike="noStrike">
+                <a:latin typeface="Arial"/>
+              </a:rPr>
+              <a:t>Fifth Outline Level</a:t>
+            </a:r>
+            <a:endParaRPr b="0" lang="en-IN" sz="2000" spc="-1" strike="noStrike">
+              <a:latin typeface="Arial"/>
+            </a:endParaRPr>
+          </a:p>
+          <a:p>
+            <a:pPr lvl="5" marL="2592000" indent="-216000">
+              <a:spcBef>
+                <a:spcPts val="283"/>
+              </a:spcBef>
+              <a:buClr>
+                <a:srgbClr val="000000"/>
+              </a:buClr>
+              <a:buSzPct val="45000"/>
+              <a:buFont typeface="Wingdings" charset="2"/>
+              <a:buChar char=""/>
+            </a:pPr>
+            <a:r>
+              <a:rPr b="0" lang="en-IN" sz="2000" spc="-1" strike="noStrike">
+                <a:latin typeface="Arial"/>
+              </a:rPr>
+              <a:t>Sixth Outline Level</a:t>
+            </a:r>
+            <a:endParaRPr b="0" lang="en-IN" sz="2000" spc="-1" strike="noStrike">
+              <a:latin typeface="Arial"/>
+            </a:endParaRPr>
+          </a:p>
+          <a:p>
+            <a:pPr lvl="6" marL="3024000" indent="-216000">
+              <a:spcBef>
+                <a:spcPts val="283"/>
+              </a:spcBef>
+              <a:buClr>
+                <a:srgbClr val="000000"/>
+              </a:buClr>
+              <a:buSzPct val="45000"/>
+              <a:buFont typeface="Wingdings" charset="2"/>
+              <a:buChar char=""/>
+            </a:pPr>
+            <a:r>
+              <a:rPr b="0" lang="en-IN" sz="2000" spc="-1" strike="noStrike">
+                <a:latin typeface="Arial"/>
+              </a:rPr>
+              <a:t>Seventh Outline Level</a:t>
+            </a:r>
+            <a:endParaRPr b="0" lang="en-IN" sz="2000" spc="-1" strike="noStrike">
+              <a:latin typeface="Arial"/>
+            </a:endParaRPr>
+          </a:p>
+        </p:txBody>
+      </p:sp>
+    </p:spTree>
+  </p:cSld>
+  <p:clrMap bg1="lt1" bg2="lt2" tx1="dk1" tx2="dk2" accent1="accent1" accent2="accent2" accent3="accent3" accent4="accent4" accent5="accent5" accent6="accent6" hlink="hlink" folHlink="folHlink"/>
+  <p:sldLayoutIdLst>
+    <p:sldLayoutId id="2147483701" r:id="rId2"/>
+    <p:sldLayoutId id="2147483702" r:id="rId3"/>
+    <p:sldLayoutId id="2147483703" r:id="rId4"/>
+    <p:sldLayoutId id="2147483704" r:id="rId5"/>
+    <p:sldLayoutId id="2147483705" r:id="rId6"/>
+    <p:sldLayoutId id="2147483706" r:id="rId7"/>
+    <p:sldLayoutId id="2147483707" r:id="rId8"/>
+    <p:sldLayoutId id="2147483708" r:id="rId9"/>
+    <p:sldLayoutId id="2147483709" r:id="rId10"/>
+    <p:sldLayoutId id="2147483710" r:id="rId11"/>
+    <p:sldLayoutId id="2147483711" r:id="rId12"/>
+    <p:sldLayoutId id="2147483712" r:id="rId13"/>
   </p:sldLayoutIdLst>
 </p:sldMaster>
 </file>
@@ -12144,7 +14237,7 @@
       </p:grpSpPr>
       <p:sp>
         <p:nvSpPr>
-          <p:cNvPr id="203" name="PlaceHolder 1"/>
+          <p:cNvPr id="250" name="PlaceHolder 1"/>
           <p:cNvSpPr>
             <a:spLocks noGrp="1"/>
           </p:cNvSpPr>
@@ -12193,7 +14286,7 @@
       </p:sp>
       <p:pic>
         <p:nvPicPr>
-          <p:cNvPr id="204" name="" descr=""/>
+          <p:cNvPr id="251" name="" descr=""/>
           <p:cNvPicPr/>
           <p:nvPr/>
         </p:nvPicPr>
@@ -12248,7 +14341,7 @@
       </p:grpSpPr>
       <p:sp>
         <p:nvSpPr>
-          <p:cNvPr id="221" name="PlaceHolder 1"/>
+          <p:cNvPr id="268" name="PlaceHolder 1"/>
           <p:cNvSpPr>
             <a:spLocks noGrp="1"/>
           </p:cNvSpPr>
@@ -12297,7 +14390,7 @@
       </p:sp>
       <p:sp>
         <p:nvSpPr>
-          <p:cNvPr id="222" name="PlaceHolder 2"/>
+          <p:cNvPr id="269" name="PlaceHolder 2"/>
           <p:cNvSpPr>
             <a:spLocks noGrp="1"/>
           </p:cNvSpPr>
@@ -12446,7 +14539,7 @@
       </p:sp>
       <p:pic>
         <p:nvPicPr>
-          <p:cNvPr id="223" name="" descr=""/>
+          <p:cNvPr id="270" name="" descr=""/>
           <p:cNvPicPr/>
           <p:nvPr/>
         </p:nvPicPr>
@@ -12469,7 +14562,7 @@
       </p:pic>
       <p:pic>
         <p:nvPicPr>
-          <p:cNvPr id="224" name="" descr=""/>
+          <p:cNvPr id="271" name="" descr=""/>
           <p:cNvPicPr/>
           <p:nvPr/>
         </p:nvPicPr>
@@ -12522,7 +14615,7 @@
       </p:grpSpPr>
       <p:sp>
         <p:nvSpPr>
-          <p:cNvPr id="225" name="PlaceHolder 1"/>
+          <p:cNvPr id="272" name="PlaceHolder 1"/>
           <p:cNvSpPr>
             <a:spLocks noGrp="1"/>
           </p:cNvSpPr>
@@ -12559,7 +14652,7 @@
       </p:sp>
       <p:sp>
         <p:nvSpPr>
-          <p:cNvPr id="226" name="PlaceHolder 2"/>
+          <p:cNvPr id="273" name="PlaceHolder 2"/>
           <p:cNvSpPr>
             <a:spLocks noGrp="1"/>
           </p:cNvSpPr>
@@ -12635,7 +14728,7 @@
       </p:grpSpPr>
       <p:sp>
         <p:nvSpPr>
-          <p:cNvPr id="205" name="PlaceHolder 1"/>
+          <p:cNvPr id="252" name="PlaceHolder 1"/>
           <p:cNvSpPr>
             <a:spLocks noGrp="1"/>
           </p:cNvSpPr>
@@ -12684,7 +14777,7 @@
       </p:sp>
       <p:sp>
         <p:nvSpPr>
-          <p:cNvPr id="206" name="PlaceHolder 2"/>
+          <p:cNvPr id="253" name="PlaceHolder 2"/>
           <p:cNvSpPr>
             <a:spLocks noGrp="1"/>
           </p:cNvSpPr>
@@ -12875,7 +14968,7 @@
       </p:grpSpPr>
       <p:sp>
         <p:nvSpPr>
-          <p:cNvPr id="207" name="PlaceHolder 1"/>
+          <p:cNvPr id="254" name="PlaceHolder 1"/>
           <p:cNvSpPr>
             <a:spLocks noGrp="1"/>
           </p:cNvSpPr>
@@ -12924,7 +15017,7 @@
       </p:sp>
       <p:sp>
         <p:nvSpPr>
-          <p:cNvPr id="208" name="PlaceHolder 2"/>
+          <p:cNvPr id="255" name="PlaceHolder 2"/>
           <p:cNvSpPr>
             <a:spLocks noGrp="1"/>
           </p:cNvSpPr>
@@ -12976,7 +15069,25 @@
               <a:rPr b="0" lang="en-US" sz="2200" spc="-1" strike="noStrike">
                 <a:latin typeface="Arial"/>
               </a:rPr>
-              <a:t> The tax treatment of cryptocurrency payments can be complex and varies by country. Companies need to ensure they are compliant with local tax laws, which can be a significant administrative burden.</a:t>
+              <a:t> The tax treatment of cryptocurrency payments can </a:t>
+            </a:r>
+            <a:r>
+              <a:rPr b="0" lang="en-US" sz="2200" spc="-1" strike="noStrike">
+                <a:latin typeface="Arial"/>
+              </a:rPr>
+              <a:t>be complex and varies by country. Companies need to ensure they are </a:t>
+            </a:r>
+            <a:r>
+              <a:rPr b="0" lang="en-US" sz="2200" spc="-1" strike="noStrike">
+                <a:latin typeface="Arial"/>
+              </a:rPr>
+              <a:t>compliant with local tax laws, which can be a significant administrative </a:t>
+            </a:r>
+            <a:r>
+              <a:rPr b="0" lang="en-US" sz="2200" spc="-1" strike="noStrike">
+                <a:latin typeface="Arial"/>
+              </a:rPr>
+              <a:t>burden.</a:t>
             </a:r>
             <a:endParaRPr b="0" lang="en-IN" sz="2200" spc="-1" strike="noStrike">
               <a:latin typeface="Arial"/>
@@ -13009,7 +15120,19 @@
               <a:rPr b="0" lang="en-US" sz="2200" spc="-1" strike="noStrike">
                 <a:latin typeface="Arial"/>
               </a:rPr>
-              <a:t>While blockchain technology is generally secure, the risk of hacking and fraud still exists. Companies need to implement robust security measures to protect their crypto assets </a:t>
+              <a:t>While blockchain technology is generally secure, </a:t>
+            </a:r>
+            <a:r>
+              <a:rPr b="0" lang="en-US" sz="2200" spc="-1" strike="noStrike">
+                <a:latin typeface="Arial"/>
+              </a:rPr>
+              <a:t>the risk of hacking and fraud still exists. Companies need to implement </a:t>
+            </a:r>
+            <a:r>
+              <a:rPr b="0" lang="en-US" sz="2200" spc="-1" strike="noStrike">
+                <a:latin typeface="Arial"/>
+              </a:rPr>
+              <a:t>robust security measures to protect their crypto assets </a:t>
             </a:r>
             <a:endParaRPr b="0" lang="en-IN" sz="2200" spc="-1" strike="noStrike">
               <a:latin typeface="Arial"/>
@@ -13049,7 +15172,7 @@
       </p:grpSpPr>
       <p:sp>
         <p:nvSpPr>
-          <p:cNvPr id="209" name="PlaceHolder 1"/>
+          <p:cNvPr id="256" name="PlaceHolder 1"/>
           <p:cNvSpPr>
             <a:spLocks noGrp="1"/>
           </p:cNvSpPr>
@@ -13098,7 +15221,7 @@
       </p:sp>
       <p:sp>
         <p:nvSpPr>
-          <p:cNvPr id="210" name="PlaceHolder 2"/>
+          <p:cNvPr id="257" name="PlaceHolder 2"/>
           <p:cNvSpPr>
             <a:spLocks noGrp="1"/>
           </p:cNvSpPr>
@@ -13298,7 +15421,7 @@
       </p:grpSpPr>
       <p:sp>
         <p:nvSpPr>
-          <p:cNvPr id="211" name="PlaceHolder 1"/>
+          <p:cNvPr id="258" name="PlaceHolder 1"/>
           <p:cNvSpPr>
             <a:spLocks noGrp="1"/>
           </p:cNvSpPr>
@@ -13347,7 +15470,7 @@
       </p:sp>
       <p:sp>
         <p:nvSpPr>
-          <p:cNvPr id="212" name="PlaceHolder 2"/>
+          <p:cNvPr id="259" name="PlaceHolder 2"/>
           <p:cNvSpPr>
             <a:spLocks noGrp="1"/>
           </p:cNvSpPr>
@@ -13456,7 +15579,7 @@
       </p:grpSpPr>
       <p:sp>
         <p:nvSpPr>
-          <p:cNvPr id="213" name="PlaceHolder 1"/>
+          <p:cNvPr id="260" name="PlaceHolder 1"/>
           <p:cNvSpPr>
             <a:spLocks noGrp="1"/>
           </p:cNvSpPr>
@@ -13505,7 +15628,7 @@
       </p:sp>
       <p:sp>
         <p:nvSpPr>
-          <p:cNvPr id="214" name="PlaceHolder 2"/>
+          <p:cNvPr id="261" name="PlaceHolder 2"/>
           <p:cNvSpPr>
             <a:spLocks noGrp="1"/>
           </p:cNvSpPr>
@@ -13574,7 +15697,13 @@
               <a:rPr b="0" lang="en-US" sz="2400" spc="-1" strike="noStrike">
                 <a:latin typeface="Arial"/>
               </a:rPr>
-              <a:t>Secure and reliable by verifying employees using zk (zero knowledge) proof submission</a:t>
+              <a:t>Secure and reliable by verifying employees using zk (zero knowledge) proof </a:t>
+            </a:r>
+            <a:r>
+              <a:rPr b="0" lang="en-US" sz="2400" spc="-1" strike="noStrike">
+                <a:latin typeface="Arial"/>
+              </a:rPr>
+              <a:t>submission</a:t>
             </a:r>
             <a:endParaRPr b="0" lang="en-IN" sz="2400" spc="-1" strike="noStrike">
               <a:latin typeface="Arial"/>
@@ -13674,7 +15803,13 @@
               <a:rPr b="0" lang="en-US" sz="2400" spc="-1" strike="noStrike">
                 <a:latin typeface="Arial"/>
               </a:rPr>
-              <a:t>Ability to automate complete workflow starting from employee on boarding to the point they start receiving payments</a:t>
+              <a:t>Ability to automate complete workflow starting from employee on boarding to the </a:t>
+            </a:r>
+            <a:r>
+              <a:rPr b="0" lang="en-US" sz="2400" spc="-1" strike="noStrike">
+                <a:latin typeface="Arial"/>
+              </a:rPr>
+              <a:t>point they start receiving payments</a:t>
             </a:r>
             <a:endParaRPr b="0" lang="en-IN" sz="2400" spc="-1" strike="noStrike">
               <a:latin typeface="Arial"/>
@@ -13714,7 +15849,7 @@
       </p:grpSpPr>
       <p:sp>
         <p:nvSpPr>
-          <p:cNvPr id="215" name="PlaceHolder 1"/>
+          <p:cNvPr id="262" name="PlaceHolder 1"/>
           <p:cNvSpPr>
             <a:spLocks noGrp="1"/>
           </p:cNvSpPr>
@@ -13763,7 +15898,7 @@
       </p:sp>
       <p:sp>
         <p:nvSpPr>
-          <p:cNvPr id="216" name="PlaceHolder 2"/>
+          <p:cNvPr id="263" name="PlaceHolder 2"/>
           <p:cNvSpPr>
             <a:spLocks noGrp="1"/>
           </p:cNvSpPr>
@@ -13911,7 +16046,7 @@
       </p:grpSpPr>
       <p:sp>
         <p:nvSpPr>
-          <p:cNvPr id="217" name="PlaceHolder 1"/>
+          <p:cNvPr id="264" name="PlaceHolder 1"/>
           <p:cNvSpPr>
             <a:spLocks noGrp="1"/>
           </p:cNvSpPr>
@@ -13960,12 +16095,12 @@
       </p:sp>
       <p:sp>
         <p:nvSpPr>
-          <p:cNvPr id="218" name="PlaceHolder 2"/>
-          <p:cNvSpPr>
-            <a:spLocks noGrp="1"/>
-          </p:cNvSpPr>
-          <p:nvPr>
-            <p:ph type="subTitle"/>
+          <p:cNvPr id="265" name="PlaceHolder 2"/>
+          <p:cNvSpPr>
+            <a:spLocks noGrp="1"/>
+          </p:cNvSpPr>
+          <p:nvPr>
+            <p:ph/>
           </p:nvPr>
         </p:nvSpPr>
         <p:spPr>
@@ -13982,11 +16117,14 @@
           </a:ln>
         </p:spPr>
         <p:txBody>
-          <a:bodyPr lIns="0" rIns="0" tIns="0" bIns="0" anchor="ctr">
-            <a:noAutofit/>
+          <a:bodyPr lIns="0" rIns="0" tIns="0" bIns="0" anchor="t">
+            <a:normAutofit/>
           </a:bodyPr>
           <a:p>
             <a:pPr marL="216000" indent="-216000">
+              <a:spcBef>
+                <a:spcPts val="1417"/>
+              </a:spcBef>
               <a:buClr>
                 <a:srgbClr val="000000"/>
               </a:buClr>
@@ -13998,7 +16136,7 @@
               <a:rPr b="0" lang="en-IN" sz="2400" spc="-1" strike="noStrike">
                 <a:latin typeface="Arial"/>
               </a:rPr>
-              <a:t>CryptoFinanceZone generates revenue through subscription fees for premium features, transaction fees on payroll and airdrop services, and partnerships with other Web3 projects. </a:t>
+              <a:t>CryptoFinanceZone generates revenue through subscription fees for premium features, transaction fees on payroll and airdrop services, and partnerships with other Web3 projects.</a:t>
             </a:r>
             <a:endParaRPr b="0" lang="en-IN" sz="2400" spc="-1" strike="noStrike">
               <a:latin typeface="Arial"/>
@@ -14006,6 +16144,9 @@
           </a:p>
           <a:p>
             <a:pPr marL="216000" indent="-216000">
+              <a:spcBef>
+                <a:spcPts val="1417"/>
+              </a:spcBef>
               <a:buClr>
                 <a:srgbClr val="000000"/>
               </a:buClr>
@@ -14025,6 +16166,9 @@
           </a:p>
           <a:p>
             <a:pPr marL="216000" indent="-216000">
+              <a:spcBef>
+                <a:spcPts val="1417"/>
+              </a:spcBef>
               <a:buClr>
                 <a:srgbClr val="000000"/>
               </a:buClr>
@@ -14038,6 +16182,22 @@
               </a:rPr>
               <a:t>The platform’s scalability and integration capabilities further enhance its appeal, driving long-term adoption and profitability.</a:t>
             </a:r>
+            <a:endParaRPr b="0" lang="en-IN" sz="2400" spc="-1" strike="noStrike">
+              <a:latin typeface="Arial"/>
+            </a:endParaRPr>
+          </a:p>
+          <a:p>
+            <a:pPr marL="432000" indent="-324000">
+              <a:spcBef>
+                <a:spcPts val="1417"/>
+              </a:spcBef>
+              <a:buClr>
+                <a:srgbClr val="000000"/>
+              </a:buClr>
+              <a:buSzPct val="45000"/>
+              <a:buFont typeface="Wingdings" charset="2"/>
+              <a:buChar char=""/>
+            </a:pPr>
             <a:endParaRPr b="0" lang="en-IN" sz="2400" spc="-1" strike="noStrike">
               <a:latin typeface="Arial"/>
             </a:endParaRPr>
@@ -14076,7 +16236,7 @@
       </p:grpSpPr>
       <p:sp>
         <p:nvSpPr>
-          <p:cNvPr id="219" name="PlaceHolder 1"/>
+          <p:cNvPr id="266" name="PlaceHolder 1"/>
           <p:cNvSpPr>
             <a:spLocks noGrp="1"/>
           </p:cNvSpPr>
@@ -14125,7 +16285,7 @@
       </p:sp>
       <p:sp>
         <p:nvSpPr>
-          <p:cNvPr id="220" name="PlaceHolder 2"/>
+          <p:cNvPr id="267" name="PlaceHolder 2"/>
           <p:cNvSpPr>
             <a:spLocks noGrp="1"/>
           </p:cNvSpPr>
@@ -14166,19 +16326,7 @@
               <a:rPr b="0" lang="en-IN" sz="2400" spc="-1" strike="noStrike">
                 <a:latin typeface="Arial"/>
               </a:rPr>
-              <a:t>Nov 2024: Finalize core features (payroll, token vesting, </a:t>
-            </a:r>
-            <a:r>
-              <a:rPr b="0" lang="en-IN" sz="2400" spc="-1" strike="noStrike">
-                <a:latin typeface="Arial"/>
-              </a:rPr>
-              <a:t>airdrops, token locking). Conduct internal testing and gather </a:t>
-            </a:r>
-            <a:r>
-              <a:rPr b="0" lang="en-IN" sz="2400" spc="-1" strike="noStrike">
-                <a:latin typeface="Arial"/>
-              </a:rPr>
-              <a:t>feedback.</a:t>
+              <a:t>Nov 2024: Finalize core features (payroll, token vesting, airdrops, token locking). Conduct internal testing and gather feedback.</a:t>
             </a:r>
             <a:endParaRPr b="0" lang="en-IN" sz="2400" spc="-1" strike="noStrike">
               <a:latin typeface="Arial"/>
@@ -14200,13 +16348,7 @@
               <a:rPr b="0" lang="en-IN" sz="2400" spc="-1" strike="noStrike">
                 <a:latin typeface="Arial"/>
               </a:rPr>
-              <a:t>Dec 2024: Launch beta version. Onboard initial users and </a:t>
-            </a:r>
-            <a:r>
-              <a:rPr b="0" lang="en-IN" sz="2400" spc="-1" strike="noStrike">
-                <a:latin typeface="Arial"/>
-              </a:rPr>
-              <a:t>partners. </a:t>
+              <a:t>Dec 2024: Launch beta version. Onboard initial users and partners. </a:t>
             </a:r>
             <a:endParaRPr b="0" lang="en-IN" sz="2400" spc="-1" strike="noStrike">
               <a:latin typeface="Arial"/>
@@ -14228,13 +16370,7 @@
               <a:rPr b="0" lang="en-IN" sz="2400" spc="-1" strike="noStrike">
                 <a:latin typeface="Arial"/>
               </a:rPr>
-              <a:t>Jan 2025: Expand feature set based on user feedback. </a:t>
-            </a:r>
-            <a:r>
-              <a:rPr b="0" lang="en-IN" sz="2400" spc="-1" strike="noStrike">
-                <a:latin typeface="Arial"/>
-              </a:rPr>
-              <a:t>Implement advanced analytics and reporting tools.</a:t>
+              <a:t>Jan 2025: Expand feature set based on user feedback. Implement advanced analytics and reporting tools.</a:t>
             </a:r>
             <a:endParaRPr b="0" lang="en-IN" sz="2400" spc="-1" strike="noStrike">
               <a:latin typeface="Arial"/>
@@ -14256,19 +16392,7 @@
               <a:rPr b="0" lang="en-IN" sz="2400" spc="-1" strike="noStrike">
                 <a:latin typeface="Arial"/>
               </a:rPr>
-              <a:t>Feb 2025: Full public launch. Initiate marketing campaigns and </a:t>
-            </a:r>
-            <a:r>
-              <a:rPr b="0" lang="en-IN" sz="2400" spc="-1" strike="noStrike">
-                <a:latin typeface="Arial"/>
-              </a:rPr>
-              <a:t>community engagement activities. Begin exploring cross-chain </a:t>
-            </a:r>
-            <a:r>
-              <a:rPr b="0" lang="en-IN" sz="2400" spc="-1" strike="noStrike">
-                <a:latin typeface="Arial"/>
-              </a:rPr>
-              <a:t>compatibility.</a:t>
+              <a:t>Feb 2025: Full public launch. Initiate marketing campaigns and community engagement activities. Begin exploring cross-chain compatibility.</a:t>
             </a:r>
             <a:endParaRPr b="0" lang="en-IN" sz="2400" spc="-1" strike="noStrike">
               <a:latin typeface="Arial"/>
@@ -15191,4 +17315,230 @@
     </a:fmtScheme>
   </a:themeElements>
 </a:theme>
+</file>
+
+<file path=ppt/theme/theme5.xml><?xml version="1.0" encoding="utf-8"?>
+<a:theme xmlns:a="http://schemas.openxmlformats.org/drawingml/2006/main" name="Office Theme">
+  <a:themeElements>
+    <a:clrScheme name="Office">
+      <a:dk1>
+        <a:sysClr val="windowText" lastClr="000000"/>
+      </a:dk1>
+      <a:lt1>
+        <a:sysClr val="window" lastClr="FFFFFF"/>
+      </a:lt1>
+      <a:dk2>
+        <a:srgbClr val="1f497d"/>
+      </a:dk2>
+      <a:lt2>
+        <a:srgbClr val="eeece1"/>
+      </a:lt2>
+      <a:accent1>
+        <a:srgbClr val="4f81bd"/>
+      </a:accent1>
+      <a:accent2>
+        <a:srgbClr val="c0504d"/>
+      </a:accent2>
+      <a:accent3>
+        <a:srgbClr val="9bbb59"/>
+      </a:accent3>
+      <a:accent4>
+        <a:srgbClr val="8064a2"/>
+      </a:accent4>
+      <a:accent5>
+        <a:srgbClr val="4bacc6"/>
+      </a:accent5>
+      <a:accent6>
+        <a:srgbClr val="f79646"/>
+      </a:accent6>
+      <a:hlink>
+        <a:srgbClr val="0000ff"/>
+      </a:hlink>
+      <a:folHlink>
+        <a:srgbClr val="800080"/>
+      </a:folHlink>
+    </a:clrScheme>
+    <a:fontScheme name="Office">
+      <a:majorFont>
+        <a:latin typeface="Arial"/>
+        <a:ea typeface="DejaVu Sans"/>
+        <a:cs typeface="DejaVu Sans"/>
+      </a:majorFont>
+      <a:minorFont>
+        <a:latin typeface="Arial"/>
+        <a:ea typeface="DejaVu Sans"/>
+        <a:cs typeface="DejaVu Sans"/>
+      </a:minorFont>
+    </a:fontScheme>
+    <a:fmtScheme name="Office">
+      <a:fillStyleLst>
+        <a:solidFill>
+          <a:schemeClr val="phClr"/>
+        </a:solidFill>
+        <a:gradFill rotWithShape="1">
+          <a:gsLst>
+            <a:gs pos="0">
+              <a:schemeClr val="phClr">
+                <a:tint val="50000"/>
+                <a:satMod val="300000"/>
+              </a:schemeClr>
+            </a:gs>
+            <a:gs pos="35000">
+              <a:schemeClr val="phClr">
+                <a:tint val="37000"/>
+                <a:satMod val="300000"/>
+              </a:schemeClr>
+            </a:gs>
+            <a:gs pos="100000">
+              <a:schemeClr val="phClr">
+                <a:tint val="15000"/>
+                <a:satMod val="350000"/>
+              </a:schemeClr>
+            </a:gs>
+          </a:gsLst>
+          <a:lin ang="16200000" scaled="1"/>
+        </a:gradFill>
+        <a:gradFill rotWithShape="1">
+          <a:gsLst>
+            <a:gs pos="0">
+              <a:schemeClr val="phClr">
+                <a:shade val="51000"/>
+                <a:satMod val="130000"/>
+              </a:schemeClr>
+            </a:gs>
+            <a:gs pos="80000">
+              <a:schemeClr val="phClr">
+                <a:shade val="93000"/>
+                <a:satMod val="130000"/>
+              </a:schemeClr>
+            </a:gs>
+            <a:gs pos="100000">
+              <a:schemeClr val="phClr">
+                <a:shade val="94000"/>
+                <a:satMod val="135000"/>
+              </a:schemeClr>
+            </a:gs>
+          </a:gsLst>
+          <a:lin ang="16200000" scaled="0"/>
+        </a:gradFill>
+      </a:fillStyleLst>
+      <a:lnStyleLst>
+        <a:ln w="9525" cap="flat" cmpd="sng" algn="ctr">
+          <a:solidFill>
+            <a:schemeClr val="phClr">
+              <a:shade val="95000"/>
+              <a:satMod val="105000"/>
+            </a:schemeClr>
+          </a:solidFill>
+          <a:prstDash val="solid"/>
+          <a:miter/>
+        </a:ln>
+        <a:ln w="25400" cap="flat" cmpd="sng" algn="ctr">
+          <a:solidFill>
+            <a:schemeClr val="phClr"/>
+          </a:solidFill>
+          <a:prstDash val="solid"/>
+          <a:miter/>
+        </a:ln>
+        <a:ln w="38100" cap="flat" cmpd="sng" algn="ctr">
+          <a:solidFill>
+            <a:schemeClr val="phClr"/>
+          </a:solidFill>
+          <a:prstDash val="solid"/>
+          <a:miter/>
+        </a:ln>
+      </a:lnStyleLst>
+      <a:effectStyleLst>
+        <a:effectStyle>
+          <a:effectLst>
+            <a:outerShdw blurRad="40000" dist="20000" dir="5400000" rotWithShape="0">
+              <a:srgbClr val="000000">
+                <a:alpha val="38000"/>
+              </a:srgbClr>
+            </a:outerShdw>
+          </a:effectLst>
+        </a:effectStyle>
+        <a:effectStyle>
+          <a:effectLst>
+            <a:outerShdw blurRad="40000" dist="23000" dir="5400000" rotWithShape="0">
+              <a:srgbClr val="000000">
+                <a:alpha val="35000"/>
+              </a:srgbClr>
+            </a:outerShdw>
+          </a:effectLst>
+        </a:effectStyle>
+        <a:effectStyle>
+          <a:effectLst>
+            <a:outerShdw blurRad="40000" dist="23000" dir="5400000" rotWithShape="0">
+              <a:srgbClr val="000000">
+                <a:alpha val="35000"/>
+              </a:srgbClr>
+            </a:outerShdw>
+          </a:effectLst>
+          <a:scene3d>
+            <a:camera prst="orthographicFront">
+              <a:rot lat="0" lon="0" rev="0"/>
+            </a:camera>
+            <a:lightRig rig="threePt" dir="t">
+              <a:rot lat="0" lon="0" rev="1200000"/>
+            </a:lightRig>
+          </a:scene3d>
+          <a:sp3d>
+            <a:bevelT w="63500" h="25400"/>
+          </a:sp3d>
+        </a:effectStyle>
+      </a:effectStyleLst>
+      <a:bgFillStyleLst>
+        <a:solidFill>
+          <a:schemeClr val="phClr"/>
+        </a:solidFill>
+        <a:gradFill rotWithShape="1">
+          <a:gsLst>
+            <a:gs pos="0">
+              <a:schemeClr val="phClr">
+                <a:tint val="40000"/>
+                <a:satMod val="350000"/>
+              </a:schemeClr>
+            </a:gs>
+            <a:gs pos="40000">
+              <a:schemeClr val="phClr">
+                <a:tint val="45000"/>
+                <a:shade val="99000"/>
+                <a:satMod val="350000"/>
+              </a:schemeClr>
+            </a:gs>
+            <a:gs pos="100000">
+              <a:schemeClr val="phClr">
+                <a:shade val="20000"/>
+                <a:satMod val="255000"/>
+              </a:schemeClr>
+            </a:gs>
+          </a:gsLst>
+          <a:path path="circle">
+            <a:fillToRect l="50000" t="-80000" r="50000" b="180000"/>
+          </a:path>
+        </a:gradFill>
+        <a:gradFill rotWithShape="1">
+          <a:gsLst>
+            <a:gs pos="0">
+              <a:schemeClr val="phClr">
+                <a:tint val="80000"/>
+                <a:satMod val="300000"/>
+              </a:schemeClr>
+            </a:gs>
+            <a:gs pos="100000">
+              <a:schemeClr val="phClr">
+                <a:shade val="30000"/>
+                <a:satMod val="200000"/>
+              </a:schemeClr>
+            </a:gs>
+          </a:gsLst>
+          <a:path path="circle">
+            <a:fillToRect l="50000" t="50000" r="50000" b="50000"/>
+          </a:path>
+        </a:gradFill>
+      </a:bgFillStyleLst>
+    </a:fmtScheme>
+  </a:themeElements>
+</a:theme>
 </file>
--- a/docs/cryptoFinanceZone.pptx
+++ b/docs/cryptoFinanceZone.pptx
@@ -7,19 +7,20 @@
     <p:sldMasterId id="2147483674" r:id="rId4"/>
     <p:sldMasterId id="2147483687" r:id="rId5"/>
     <p:sldMasterId id="2147483700" r:id="rId6"/>
+    <p:sldMasterId id="2147483713" r:id="rId7"/>
   </p:sldMasterIdLst>
   <p:sldIdLst>
-    <p:sldId id="256" r:id="rId7"/>
-    <p:sldId id="257" r:id="rId8"/>
-    <p:sldId id="258" r:id="rId9"/>
-    <p:sldId id="259" r:id="rId10"/>
-    <p:sldId id="260" r:id="rId11"/>
-    <p:sldId id="261" r:id="rId12"/>
-    <p:sldId id="262" r:id="rId13"/>
-    <p:sldId id="263" r:id="rId14"/>
-    <p:sldId id="264" r:id="rId15"/>
-    <p:sldId id="265" r:id="rId16"/>
-    <p:sldId id="266" r:id="rId17"/>
+    <p:sldId id="256" r:id="rId8"/>
+    <p:sldId id="257" r:id="rId9"/>
+    <p:sldId id="258" r:id="rId10"/>
+    <p:sldId id="259" r:id="rId11"/>
+    <p:sldId id="260" r:id="rId12"/>
+    <p:sldId id="261" r:id="rId13"/>
+    <p:sldId id="262" r:id="rId14"/>
+    <p:sldId id="263" r:id="rId15"/>
+    <p:sldId id="264" r:id="rId16"/>
+    <p:sldId id="265" r:id="rId17"/>
+    <p:sldId id="266" r:id="rId18"/>
   </p:sldIdLst>
   <p:sldSz cx="10080625" cy="5670550"/>
   <p:notesSz cx="7559675" cy="10691813"/>
@@ -77,7 +78,7 @@
         <p:txBody>
           <a:bodyPr/>
           <a:p>
-            <a:fld id="{F7DF8CBA-EBD7-4324-A5EB-30E5F6996D52}" type="slidenum">
+            <a:fld id="{0B597D90-C5E2-4D3A-BE31-EE552F3488FB}" type="slidenum">
               <a:t>&lt;#&gt;</a:t>
             </a:fld>
           </a:p>
@@ -139,7 +140,7 @@
         <p:spPr>
           <a:xfrm>
             <a:off x="504000" y="226080"/>
-            <a:ext cx="9071640" cy="946080"/>
+            <a:ext cx="9071280" cy="945720"/>
           </a:xfrm>
           <a:prstGeom prst="rect">
             <a:avLst/>
@@ -176,7 +177,7 @@
         <p:spPr>
           <a:xfrm>
             <a:off x="504000" y="1326600"/>
-            <a:ext cx="9072000" cy="1568520"/>
+            <a:ext cx="9071640" cy="1568160"/>
           </a:xfrm>
           <a:prstGeom prst="rect">
             <a:avLst/>
@@ -209,8 +210,8 @@
         </p:nvSpPr>
         <p:spPr>
           <a:xfrm>
-            <a:off x="504000" y="3044520"/>
-            <a:ext cx="9072000" cy="1568520"/>
+            <a:off x="504000" y="3044160"/>
+            <a:ext cx="9071640" cy="1568160"/>
           </a:xfrm>
           <a:prstGeom prst="rect">
             <a:avLst/>
@@ -265,7 +266,7 @@
         <p:txBody>
           <a:bodyPr/>
           <a:p>
-            <a:fld id="{5BA57CB4-94CE-421B-B81F-29E0A732BCCB}" type="slidenum">
+            <a:fld id="{23CDDFAC-E9C4-4432-B67C-00A345A7954C}" type="slidenum">
               <a:t>&lt;#&gt;</a:t>
             </a:fld>
           </a:p>
@@ -327,7 +328,7 @@
         <p:spPr>
           <a:xfrm>
             <a:off x="504000" y="226080"/>
-            <a:ext cx="9071640" cy="946080"/>
+            <a:ext cx="9071280" cy="945720"/>
           </a:xfrm>
           <a:prstGeom prst="rect">
             <a:avLst/>
@@ -364,7 +365,7 @@
         <p:spPr>
           <a:xfrm>
             <a:off x="504000" y="1326600"/>
-            <a:ext cx="4426920" cy="1568520"/>
+            <a:ext cx="4426920" cy="1568160"/>
           </a:xfrm>
           <a:prstGeom prst="rect">
             <a:avLst/>
@@ -398,7 +399,7 @@
         <p:spPr>
           <a:xfrm>
             <a:off x="5152680" y="1326600"/>
-            <a:ext cx="4426920" cy="1568520"/>
+            <a:ext cx="4426920" cy="1568160"/>
           </a:xfrm>
           <a:prstGeom prst="rect">
             <a:avLst/>
@@ -431,8 +432,8 @@
         </p:nvSpPr>
         <p:spPr>
           <a:xfrm>
-            <a:off x="504000" y="3044520"/>
-            <a:ext cx="4426920" cy="1568520"/>
+            <a:off x="504000" y="3044160"/>
+            <a:ext cx="4426920" cy="1568160"/>
           </a:xfrm>
           <a:prstGeom prst="rect">
             <a:avLst/>
@@ -465,8 +466,8 @@
         </p:nvSpPr>
         <p:spPr>
           <a:xfrm>
-            <a:off x="5152680" y="3044520"/>
-            <a:ext cx="4426920" cy="1568520"/>
+            <a:off x="5152680" y="3044160"/>
+            <a:ext cx="4426920" cy="1568160"/>
           </a:xfrm>
           <a:prstGeom prst="rect">
             <a:avLst/>
@@ -521,7 +522,7 @@
         <p:txBody>
           <a:bodyPr/>
           <a:p>
-            <a:fld id="{DBB2DB33-98AA-4A34-914C-65BEB428C0C7}" type="slidenum">
+            <a:fld id="{ACE69315-A4A3-4B6A-88DC-6A71EA759D03}" type="slidenum">
               <a:t>&lt;#&gt;</a:t>
             </a:fld>
           </a:p>
@@ -583,7 +584,7 @@
         <p:spPr>
           <a:xfrm>
             <a:off x="504000" y="226080"/>
-            <a:ext cx="9071640" cy="946080"/>
+            <a:ext cx="9071280" cy="945720"/>
           </a:xfrm>
           <a:prstGeom prst="rect">
             <a:avLst/>
@@ -620,7 +621,7 @@
         <p:spPr>
           <a:xfrm>
             <a:off x="504000" y="1326600"/>
-            <a:ext cx="2921040" cy="1568520"/>
+            <a:ext cx="2920680" cy="1568160"/>
           </a:xfrm>
           <a:prstGeom prst="rect">
             <a:avLst/>
@@ -653,8 +654,8 @@
         </p:nvSpPr>
         <p:spPr>
           <a:xfrm>
-            <a:off x="3571560" y="1326600"/>
-            <a:ext cx="2921040" cy="1568520"/>
+            <a:off x="3571200" y="1326600"/>
+            <a:ext cx="2920680" cy="1568160"/>
           </a:xfrm>
           <a:prstGeom prst="rect">
             <a:avLst/>
@@ -687,8 +688,8 @@
         </p:nvSpPr>
         <p:spPr>
           <a:xfrm>
-            <a:off x="6639120" y="1326600"/>
-            <a:ext cx="2921040" cy="1568520"/>
+            <a:off x="6638040" y="1326600"/>
+            <a:ext cx="2920680" cy="1568160"/>
           </a:xfrm>
           <a:prstGeom prst="rect">
             <a:avLst/>
@@ -721,8 +722,8 @@
         </p:nvSpPr>
         <p:spPr>
           <a:xfrm>
-            <a:off x="504000" y="3044520"/>
-            <a:ext cx="2921040" cy="1568520"/>
+            <a:off x="504000" y="3044160"/>
+            <a:ext cx="2920680" cy="1568160"/>
           </a:xfrm>
           <a:prstGeom prst="rect">
             <a:avLst/>
@@ -755,8 +756,8 @@
         </p:nvSpPr>
         <p:spPr>
           <a:xfrm>
-            <a:off x="3571560" y="3044520"/>
-            <a:ext cx="2921040" cy="1568520"/>
+            <a:off x="3571200" y="3044160"/>
+            <a:ext cx="2920680" cy="1568160"/>
           </a:xfrm>
           <a:prstGeom prst="rect">
             <a:avLst/>
@@ -789,8 +790,8 @@
         </p:nvSpPr>
         <p:spPr>
           <a:xfrm>
-            <a:off x="6639120" y="3044520"/>
-            <a:ext cx="2921040" cy="1568520"/>
+            <a:off x="6638040" y="3044160"/>
+            <a:ext cx="2920680" cy="1568160"/>
           </a:xfrm>
           <a:prstGeom prst="rect">
             <a:avLst/>
@@ -845,7 +846,7 @@
         <p:txBody>
           <a:bodyPr/>
           <a:p>
-            <a:fld id="{567D9E3F-A434-48F8-9A37-07F91579E306}" type="slidenum">
+            <a:fld id="{054DD1FA-89D9-4B37-88D2-663467238BDF}" type="slidenum">
               <a:t>&lt;#&gt;</a:t>
             </a:fld>
           </a:p>
@@ -928,7 +929,7 @@
         <p:txBody>
           <a:bodyPr/>
           <a:p>
-            <a:fld id="{11A0FB65-F92E-473D-BCD1-A16BF4274786}" type="slidenum">
+            <a:fld id="{095D85DB-07F9-48FB-BC6B-21689B4C5C5A}" type="slidenum">
               <a:t>&lt;#&gt;</a:t>
             </a:fld>
           </a:p>
@@ -969,7 +970,7 @@
         <p:spPr>
           <a:xfrm>
             <a:off x="504000" y="226080"/>
-            <a:ext cx="9071640" cy="946080"/>
+            <a:ext cx="9071280" cy="945720"/>
           </a:xfrm>
           <a:prstGeom prst="rect">
             <a:avLst/>
@@ -1006,7 +1007,7 @@
         <p:spPr>
           <a:xfrm>
             <a:off x="504000" y="1326600"/>
-            <a:ext cx="9072000" cy="3288600"/>
+            <a:ext cx="9071640" cy="3288240"/>
           </a:xfrm>
           <a:prstGeom prst="rect">
             <a:avLst/>
@@ -1064,7 +1065,7 @@
         <p:txBody>
           <a:bodyPr/>
           <a:p>
-            <a:fld id="{3635FFC9-2608-4430-A24F-CDDD2C82F8AC}" type="slidenum">
+            <a:fld id="{C2099E63-1643-4ABA-934E-B1E256F86B7B}" type="slidenum">
               <a:t>&lt;#&gt;</a:t>
             </a:fld>
           </a:p>
@@ -1105,7 +1106,7 @@
         <p:spPr>
           <a:xfrm>
             <a:off x="504000" y="226080"/>
-            <a:ext cx="9071640" cy="946080"/>
+            <a:ext cx="9071280" cy="945720"/>
           </a:xfrm>
           <a:prstGeom prst="rect">
             <a:avLst/>
@@ -1142,7 +1143,7 @@
         <p:spPr>
           <a:xfrm>
             <a:off x="504000" y="1326600"/>
-            <a:ext cx="9072000" cy="3288600"/>
+            <a:ext cx="9071640" cy="3288240"/>
           </a:xfrm>
           <a:prstGeom prst="rect">
             <a:avLst/>
@@ -1197,7 +1198,7 @@
         <p:txBody>
           <a:bodyPr/>
           <a:p>
-            <a:fld id="{DE0657CD-EC36-4E8B-A5E7-AC2CC6032C1F}" type="slidenum">
+            <a:fld id="{1819C19D-B577-44D4-BD15-48342826DC0B}" type="slidenum">
               <a:t>&lt;#&gt;</a:t>
             </a:fld>
           </a:p>
@@ -1238,7 +1239,7 @@
         <p:spPr>
           <a:xfrm>
             <a:off x="504000" y="226080"/>
-            <a:ext cx="9071640" cy="946080"/>
+            <a:ext cx="9071280" cy="945720"/>
           </a:xfrm>
           <a:prstGeom prst="rect">
             <a:avLst/>
@@ -1275,7 +1276,7 @@
         <p:spPr>
           <a:xfrm>
             <a:off x="504000" y="1326600"/>
-            <a:ext cx="4426920" cy="3288600"/>
+            <a:ext cx="4426920" cy="3288240"/>
           </a:xfrm>
           <a:prstGeom prst="rect">
             <a:avLst/>
@@ -1309,7 +1310,7 @@
         <p:spPr>
           <a:xfrm>
             <a:off x="5152680" y="1326600"/>
-            <a:ext cx="4426920" cy="3288600"/>
+            <a:ext cx="4426920" cy="3288240"/>
           </a:xfrm>
           <a:prstGeom prst="rect">
             <a:avLst/>
@@ -1364,7 +1365,7 @@
         <p:txBody>
           <a:bodyPr/>
           <a:p>
-            <a:fld id="{259D0FB7-A41B-4AE6-AE3B-2E85322A1F7F}" type="slidenum">
+            <a:fld id="{63260B8F-10AC-453D-ADD4-EF1212F56692}" type="slidenum">
               <a:t>&lt;#&gt;</a:t>
             </a:fld>
           </a:p>
@@ -1405,7 +1406,7 @@
         <p:spPr>
           <a:xfrm>
             <a:off x="504000" y="226080"/>
-            <a:ext cx="9071640" cy="946080"/>
+            <a:ext cx="9071280" cy="945720"/>
           </a:xfrm>
           <a:prstGeom prst="rect">
             <a:avLst/>
@@ -1463,7 +1464,7 @@
         <p:txBody>
           <a:bodyPr/>
           <a:p>
-            <a:fld id="{3689D0F3-9C0D-4AFA-B475-950CC291161F}" type="slidenum">
+            <a:fld id="{EA1CE433-DBDE-43C7-B966-57F753E9B1C2}" type="slidenum">
               <a:t>&lt;#&gt;</a:t>
             </a:fld>
           </a:p>
@@ -1504,7 +1505,7 @@
         <p:spPr>
           <a:xfrm>
             <a:off x="504000" y="226080"/>
-            <a:ext cx="9071640" cy="4386600"/>
+            <a:ext cx="9071280" cy="4385160"/>
           </a:xfrm>
           <a:prstGeom prst="rect">
             <a:avLst/>
@@ -1562,7 +1563,7 @@
         <p:txBody>
           <a:bodyPr/>
           <a:p>
-            <a:fld id="{5FEFEA39-1A18-409A-AF4B-2603673220AC}" type="slidenum">
+            <a:fld id="{2B94E058-FED3-4889-8EF9-1303B19764D1}" type="slidenum">
               <a:t>&lt;#&gt;</a:t>
             </a:fld>
           </a:p>
@@ -1603,7 +1604,7 @@
         <p:spPr>
           <a:xfrm>
             <a:off x="504000" y="226080"/>
-            <a:ext cx="9071640" cy="946080"/>
+            <a:ext cx="9071280" cy="945720"/>
           </a:xfrm>
           <a:prstGeom prst="rect">
             <a:avLst/>
@@ -1640,7 +1641,7 @@
         <p:spPr>
           <a:xfrm>
             <a:off x="504000" y="1326600"/>
-            <a:ext cx="4426920" cy="1568520"/>
+            <a:ext cx="4426920" cy="1568160"/>
           </a:xfrm>
           <a:prstGeom prst="rect">
             <a:avLst/>
@@ -1674,7 +1675,7 @@
         <p:spPr>
           <a:xfrm>
             <a:off x="5152680" y="1326600"/>
-            <a:ext cx="4426920" cy="3288600"/>
+            <a:ext cx="4426920" cy="3288240"/>
           </a:xfrm>
           <a:prstGeom prst="rect">
             <a:avLst/>
@@ -1707,8 +1708,8 @@
         </p:nvSpPr>
         <p:spPr>
           <a:xfrm>
-            <a:off x="504000" y="3044520"/>
-            <a:ext cx="4426920" cy="1568520"/>
+            <a:off x="504000" y="3044160"/>
+            <a:ext cx="4426920" cy="1568160"/>
           </a:xfrm>
           <a:prstGeom prst="rect">
             <a:avLst/>
@@ -1763,7 +1764,7 @@
         <p:txBody>
           <a:bodyPr/>
           <a:p>
-            <a:fld id="{AB0289B0-A51D-4B78-BBB9-9369E8CC1460}" type="slidenum">
+            <a:fld id="{BC550659-3FA1-4C28-8E67-5E505E067D7A}" type="slidenum">
               <a:t>&lt;#&gt;</a:t>
             </a:fld>
           </a:p>
@@ -1804,7 +1805,7 @@
         <p:spPr>
           <a:xfrm>
             <a:off x="504000" y="226080"/>
-            <a:ext cx="9071640" cy="946080"/>
+            <a:ext cx="9071280" cy="945720"/>
           </a:xfrm>
           <a:prstGeom prst="rect">
             <a:avLst/>
@@ -1841,7 +1842,7 @@
         <p:spPr>
           <a:xfrm>
             <a:off x="504000" y="1326600"/>
-            <a:ext cx="9072000" cy="3288600"/>
+            <a:ext cx="9071640" cy="3288240"/>
           </a:xfrm>
           <a:prstGeom prst="rect">
             <a:avLst/>
@@ -1899,7 +1900,7 @@
         <p:txBody>
           <a:bodyPr/>
           <a:p>
-            <a:fld id="{19EFB942-F7F7-425F-B58A-B2DD7AB0D2EE}" type="slidenum">
+            <a:fld id="{1E02900F-DE66-45A4-B749-DC76A92E0969}" type="slidenum">
               <a:t>&lt;#&gt;</a:t>
             </a:fld>
           </a:p>
@@ -1961,7 +1962,7 @@
         <p:spPr>
           <a:xfrm>
             <a:off x="504000" y="226080"/>
-            <a:ext cx="9071640" cy="946080"/>
+            <a:ext cx="9071280" cy="945720"/>
           </a:xfrm>
           <a:prstGeom prst="rect">
             <a:avLst/>
@@ -1998,7 +1999,7 @@
         <p:spPr>
           <a:xfrm>
             <a:off x="504000" y="1326600"/>
-            <a:ext cx="4426920" cy="3288600"/>
+            <a:ext cx="4426920" cy="3288240"/>
           </a:xfrm>
           <a:prstGeom prst="rect">
             <a:avLst/>
@@ -2032,7 +2033,7 @@
         <p:spPr>
           <a:xfrm>
             <a:off x="5152680" y="1326600"/>
-            <a:ext cx="4426920" cy="1568520"/>
+            <a:ext cx="4426920" cy="1568160"/>
           </a:xfrm>
           <a:prstGeom prst="rect">
             <a:avLst/>
@@ -2065,8 +2066,8 @@
         </p:nvSpPr>
         <p:spPr>
           <a:xfrm>
-            <a:off x="5152680" y="3044520"/>
-            <a:ext cx="4426920" cy="1568520"/>
+            <a:off x="5152680" y="3044160"/>
+            <a:ext cx="4426920" cy="1568160"/>
           </a:xfrm>
           <a:prstGeom prst="rect">
             <a:avLst/>
@@ -2121,7 +2122,7 @@
         <p:txBody>
           <a:bodyPr/>
           <a:p>
-            <a:fld id="{DD96601A-3C18-45F4-86C3-23EF94A2631C}" type="slidenum">
+            <a:fld id="{6C44E07D-CCA2-4854-9765-82B9170DB1B3}" type="slidenum">
               <a:t>&lt;#&gt;</a:t>
             </a:fld>
           </a:p>
@@ -2162,7 +2163,7 @@
         <p:spPr>
           <a:xfrm>
             <a:off x="504000" y="226080"/>
-            <a:ext cx="9071640" cy="946080"/>
+            <a:ext cx="9071280" cy="945720"/>
           </a:xfrm>
           <a:prstGeom prst="rect">
             <a:avLst/>
@@ -2199,7 +2200,7 @@
         <p:spPr>
           <a:xfrm>
             <a:off x="504000" y="1326600"/>
-            <a:ext cx="4426920" cy="1568520"/>
+            <a:ext cx="4426920" cy="1568160"/>
           </a:xfrm>
           <a:prstGeom prst="rect">
             <a:avLst/>
@@ -2233,7 +2234,7 @@
         <p:spPr>
           <a:xfrm>
             <a:off x="5152680" y="1326600"/>
-            <a:ext cx="4426920" cy="1568520"/>
+            <a:ext cx="4426920" cy="1568160"/>
           </a:xfrm>
           <a:prstGeom prst="rect">
             <a:avLst/>
@@ -2266,8 +2267,8 @@
         </p:nvSpPr>
         <p:spPr>
           <a:xfrm>
-            <a:off x="504000" y="3044520"/>
-            <a:ext cx="9072000" cy="1568520"/>
+            <a:off x="504000" y="3044160"/>
+            <a:ext cx="9071640" cy="1568160"/>
           </a:xfrm>
           <a:prstGeom prst="rect">
             <a:avLst/>
@@ -2322,7 +2323,7 @@
         <p:txBody>
           <a:bodyPr/>
           <a:p>
-            <a:fld id="{F6FC52E1-928D-4768-842C-6D99BEDD597E}" type="slidenum">
+            <a:fld id="{BB7380B9-B477-4279-B663-B202C729DEA4}" type="slidenum">
               <a:t>&lt;#&gt;</a:t>
             </a:fld>
           </a:p>
@@ -2363,7 +2364,7 @@
         <p:spPr>
           <a:xfrm>
             <a:off x="504000" y="226080"/>
-            <a:ext cx="9071640" cy="946080"/>
+            <a:ext cx="9071280" cy="945720"/>
           </a:xfrm>
           <a:prstGeom prst="rect">
             <a:avLst/>
@@ -2400,7 +2401,7 @@
         <p:spPr>
           <a:xfrm>
             <a:off x="504000" y="1326600"/>
-            <a:ext cx="9072000" cy="1568520"/>
+            <a:ext cx="9071640" cy="1568160"/>
           </a:xfrm>
           <a:prstGeom prst="rect">
             <a:avLst/>
@@ -2433,8 +2434,8 @@
         </p:nvSpPr>
         <p:spPr>
           <a:xfrm>
-            <a:off x="504000" y="3044520"/>
-            <a:ext cx="9072000" cy="1568520"/>
+            <a:off x="504000" y="3044160"/>
+            <a:ext cx="9071640" cy="1568160"/>
           </a:xfrm>
           <a:prstGeom prst="rect">
             <a:avLst/>
@@ -2489,7 +2490,7 @@
         <p:txBody>
           <a:bodyPr/>
           <a:p>
-            <a:fld id="{4BCE1557-E98F-4916-9FCC-11ED896B4190}" type="slidenum">
+            <a:fld id="{721DEE72-3654-46EF-8122-8C8D8B115F6F}" type="slidenum">
               <a:t>&lt;#&gt;</a:t>
             </a:fld>
           </a:p>
@@ -2530,7 +2531,7 @@
         <p:spPr>
           <a:xfrm>
             <a:off x="504000" y="226080"/>
-            <a:ext cx="9071640" cy="946080"/>
+            <a:ext cx="9071280" cy="945720"/>
           </a:xfrm>
           <a:prstGeom prst="rect">
             <a:avLst/>
@@ -2567,7 +2568,7 @@
         <p:spPr>
           <a:xfrm>
             <a:off x="504000" y="1326600"/>
-            <a:ext cx="4426920" cy="1568520"/>
+            <a:ext cx="4426920" cy="1568160"/>
           </a:xfrm>
           <a:prstGeom prst="rect">
             <a:avLst/>
@@ -2601,7 +2602,7 @@
         <p:spPr>
           <a:xfrm>
             <a:off x="5152680" y="1326600"/>
-            <a:ext cx="4426920" cy="1568520"/>
+            <a:ext cx="4426920" cy="1568160"/>
           </a:xfrm>
           <a:prstGeom prst="rect">
             <a:avLst/>
@@ -2634,8 +2635,8 @@
         </p:nvSpPr>
         <p:spPr>
           <a:xfrm>
-            <a:off x="504000" y="3044520"/>
-            <a:ext cx="4426920" cy="1568520"/>
+            <a:off x="504000" y="3044160"/>
+            <a:ext cx="4426920" cy="1568160"/>
           </a:xfrm>
           <a:prstGeom prst="rect">
             <a:avLst/>
@@ -2668,8 +2669,8 @@
         </p:nvSpPr>
         <p:spPr>
           <a:xfrm>
-            <a:off x="5152680" y="3044520"/>
-            <a:ext cx="4426920" cy="1568520"/>
+            <a:off x="5152680" y="3044160"/>
+            <a:ext cx="4426920" cy="1568160"/>
           </a:xfrm>
           <a:prstGeom prst="rect">
             <a:avLst/>
@@ -2724,7 +2725,7 @@
         <p:txBody>
           <a:bodyPr/>
           <a:p>
-            <a:fld id="{78029EB8-3270-4F09-A8BD-01D318A54E12}" type="slidenum">
+            <a:fld id="{B4FD6D4C-0CFB-4EC9-9CE9-C72558C9524C}" type="slidenum">
               <a:t>&lt;#&gt;</a:t>
             </a:fld>
           </a:p>
@@ -2765,7 +2766,7 @@
         <p:spPr>
           <a:xfrm>
             <a:off x="504000" y="226080"/>
-            <a:ext cx="9071640" cy="946080"/>
+            <a:ext cx="9071280" cy="945720"/>
           </a:xfrm>
           <a:prstGeom prst="rect">
             <a:avLst/>
@@ -2802,7 +2803,7 @@
         <p:spPr>
           <a:xfrm>
             <a:off x="504000" y="1326600"/>
-            <a:ext cx="2921040" cy="1568520"/>
+            <a:ext cx="2920680" cy="1568160"/>
           </a:xfrm>
           <a:prstGeom prst="rect">
             <a:avLst/>
@@ -2835,8 +2836,8 @@
         </p:nvSpPr>
         <p:spPr>
           <a:xfrm>
-            <a:off x="3571560" y="1326600"/>
-            <a:ext cx="2921040" cy="1568520"/>
+            <a:off x="3571200" y="1326600"/>
+            <a:ext cx="2920680" cy="1568160"/>
           </a:xfrm>
           <a:prstGeom prst="rect">
             <a:avLst/>
@@ -2869,8 +2870,8 @@
         </p:nvSpPr>
         <p:spPr>
           <a:xfrm>
-            <a:off x="6639120" y="1326600"/>
-            <a:ext cx="2921040" cy="1568520"/>
+            <a:off x="6638040" y="1326600"/>
+            <a:ext cx="2920680" cy="1568160"/>
           </a:xfrm>
           <a:prstGeom prst="rect">
             <a:avLst/>
@@ -2903,8 +2904,8 @@
         </p:nvSpPr>
         <p:spPr>
           <a:xfrm>
-            <a:off x="504000" y="3044520"/>
-            <a:ext cx="2921040" cy="1568520"/>
+            <a:off x="504000" y="3044160"/>
+            <a:ext cx="2920680" cy="1568160"/>
           </a:xfrm>
           <a:prstGeom prst="rect">
             <a:avLst/>
@@ -2937,8 +2938,8 @@
         </p:nvSpPr>
         <p:spPr>
           <a:xfrm>
-            <a:off x="3571560" y="3044520"/>
-            <a:ext cx="2921040" cy="1568520"/>
+            <a:off x="3571200" y="3044160"/>
+            <a:ext cx="2920680" cy="1568160"/>
           </a:xfrm>
           <a:prstGeom prst="rect">
             <a:avLst/>
@@ -2971,8 +2972,8 @@
         </p:nvSpPr>
         <p:spPr>
           <a:xfrm>
-            <a:off x="6639120" y="3044520"/>
-            <a:ext cx="2921040" cy="1568520"/>
+            <a:off x="6638040" y="3044160"/>
+            <a:ext cx="2920680" cy="1568160"/>
           </a:xfrm>
           <a:prstGeom prst="rect">
             <a:avLst/>
@@ -3027,7 +3028,7 @@
         <p:txBody>
           <a:bodyPr/>
           <a:p>
-            <a:fld id="{A343B479-977C-49F5-9414-5BB79D9F165A}" type="slidenum">
+            <a:fld id="{13DBF5BC-B562-4FA0-A510-B7CFE1335455}" type="slidenum">
               <a:t>&lt;#&gt;</a:t>
             </a:fld>
           </a:p>
@@ -3089,7 +3090,7 @@
         <p:txBody>
           <a:bodyPr/>
           <a:p>
-            <a:fld id="{79802541-7D58-44DB-98BF-2D1C25D11817}" type="slidenum">
+            <a:fld id="{1C1578DF-E80B-4FFC-9E7A-CB09016360D3}" type="slidenum">
               <a:t>&lt;#&gt;</a:t>
             </a:fld>
           </a:p>
@@ -3130,7 +3131,7 @@
         <p:spPr>
           <a:xfrm>
             <a:off x="504000" y="226080"/>
-            <a:ext cx="9071640" cy="946080"/>
+            <a:ext cx="9071280" cy="945720"/>
           </a:xfrm>
           <a:prstGeom prst="rect">
             <a:avLst/>
@@ -3167,7 +3168,7 @@
         <p:spPr>
           <a:xfrm>
             <a:off x="504000" y="1326600"/>
-            <a:ext cx="9072000" cy="3288600"/>
+            <a:ext cx="9071640" cy="3288240"/>
           </a:xfrm>
           <a:prstGeom prst="rect">
             <a:avLst/>
@@ -3225,7 +3226,7 @@
         <p:txBody>
           <a:bodyPr/>
           <a:p>
-            <a:fld id="{0B685C30-D830-493A-8A4A-25AA900FD3B7}" type="slidenum">
+            <a:fld id="{A3C0DA0A-42F4-4527-AABE-FA67CD179029}" type="slidenum">
               <a:t>&lt;#&gt;</a:t>
             </a:fld>
           </a:p>
@@ -3266,7 +3267,7 @@
         <p:spPr>
           <a:xfrm>
             <a:off x="504000" y="226080"/>
-            <a:ext cx="9071640" cy="946080"/>
+            <a:ext cx="9071280" cy="945720"/>
           </a:xfrm>
           <a:prstGeom prst="rect">
             <a:avLst/>
@@ -3303,7 +3304,7 @@
         <p:spPr>
           <a:xfrm>
             <a:off x="504000" y="1326600"/>
-            <a:ext cx="9072000" cy="3288600"/>
+            <a:ext cx="9071640" cy="3288240"/>
           </a:xfrm>
           <a:prstGeom prst="rect">
             <a:avLst/>
@@ -3358,7 +3359,7 @@
         <p:txBody>
           <a:bodyPr/>
           <a:p>
-            <a:fld id="{196AC80E-E856-4EB8-804D-7B22F433646D}" type="slidenum">
+            <a:fld id="{36A8D3B0-8D81-490D-A595-994AE9012452}" type="slidenum">
               <a:t>&lt;#&gt;</a:t>
             </a:fld>
           </a:p>
@@ -3399,7 +3400,7 @@
         <p:spPr>
           <a:xfrm>
             <a:off x="504000" y="226080"/>
-            <a:ext cx="9071640" cy="946080"/>
+            <a:ext cx="9071280" cy="945720"/>
           </a:xfrm>
           <a:prstGeom prst="rect">
             <a:avLst/>
@@ -3436,7 +3437,7 @@
         <p:spPr>
           <a:xfrm>
             <a:off x="504000" y="1326600"/>
-            <a:ext cx="4426920" cy="3288600"/>
+            <a:ext cx="4426920" cy="3288240"/>
           </a:xfrm>
           <a:prstGeom prst="rect">
             <a:avLst/>
@@ -3470,7 +3471,7 @@
         <p:spPr>
           <a:xfrm>
             <a:off x="5152680" y="1326600"/>
-            <a:ext cx="4426920" cy="3288600"/>
+            <a:ext cx="4426920" cy="3288240"/>
           </a:xfrm>
           <a:prstGeom prst="rect">
             <a:avLst/>
@@ -3525,7 +3526,7 @@
         <p:txBody>
           <a:bodyPr/>
           <a:p>
-            <a:fld id="{79F1DA5D-0E9D-4C0F-BBC4-0CA14728A131}" type="slidenum">
+            <a:fld id="{3488FCD0-442C-487D-9F39-69325E6542CD}" type="slidenum">
               <a:t>&lt;#&gt;</a:t>
             </a:fld>
           </a:p>
@@ -3566,7 +3567,7 @@
         <p:spPr>
           <a:xfrm>
             <a:off x="504000" y="226080"/>
-            <a:ext cx="9071640" cy="946080"/>
+            <a:ext cx="9071280" cy="945720"/>
           </a:xfrm>
           <a:prstGeom prst="rect">
             <a:avLst/>
@@ -3624,7 +3625,7 @@
         <p:txBody>
           <a:bodyPr/>
           <a:p>
-            <a:fld id="{8C8BF7AC-B5C9-4615-8278-7AD2F8C347F1}" type="slidenum">
+            <a:fld id="{C5E8C3A0-748A-4FC0-B4BA-E5E9B32C77A3}" type="slidenum">
               <a:t>&lt;#&gt;</a:t>
             </a:fld>
           </a:p>
@@ -3665,7 +3666,7 @@
         <p:spPr>
           <a:xfrm>
             <a:off x="504000" y="226080"/>
-            <a:ext cx="9071640" cy="946080"/>
+            <a:ext cx="9071280" cy="945720"/>
           </a:xfrm>
           <a:prstGeom prst="rect">
             <a:avLst/>
@@ -3702,7 +3703,7 @@
         <p:spPr>
           <a:xfrm>
             <a:off x="504000" y="1326600"/>
-            <a:ext cx="9072000" cy="3288600"/>
+            <a:ext cx="9071640" cy="3288240"/>
           </a:xfrm>
           <a:prstGeom prst="rect">
             <a:avLst/>
@@ -3757,7 +3758,7 @@
         <p:txBody>
           <a:bodyPr/>
           <a:p>
-            <a:fld id="{1B5C1D7D-D93F-40F7-8438-D16D913B960F}" type="slidenum">
+            <a:fld id="{2BCE4B79-56CD-47E4-AF5A-289322478404}" type="slidenum">
               <a:t>&lt;#&gt;</a:t>
             </a:fld>
           </a:p>
@@ -3819,7 +3820,7 @@
         <p:spPr>
           <a:xfrm>
             <a:off x="504000" y="226080"/>
-            <a:ext cx="9071640" cy="4386600"/>
+            <a:ext cx="9071280" cy="4385160"/>
           </a:xfrm>
           <a:prstGeom prst="rect">
             <a:avLst/>
@@ -3877,7 +3878,7 @@
         <p:txBody>
           <a:bodyPr/>
           <a:p>
-            <a:fld id="{A35CAC29-4278-4C7F-96B2-081E46CE4AAA}" type="slidenum">
+            <a:fld id="{E511FBB6-080C-4841-9E97-BC4A0139A154}" type="slidenum">
               <a:t>&lt;#&gt;</a:t>
             </a:fld>
           </a:p>
@@ -3918,7 +3919,7 @@
         <p:spPr>
           <a:xfrm>
             <a:off x="504000" y="226080"/>
-            <a:ext cx="9071640" cy="946080"/>
+            <a:ext cx="9071280" cy="945720"/>
           </a:xfrm>
           <a:prstGeom prst="rect">
             <a:avLst/>
@@ -3955,7 +3956,7 @@
         <p:spPr>
           <a:xfrm>
             <a:off x="504000" y="1326600"/>
-            <a:ext cx="4426920" cy="1568520"/>
+            <a:ext cx="4426920" cy="1568160"/>
           </a:xfrm>
           <a:prstGeom prst="rect">
             <a:avLst/>
@@ -3989,7 +3990,7 @@
         <p:spPr>
           <a:xfrm>
             <a:off x="5152680" y="1326600"/>
-            <a:ext cx="4426920" cy="3288600"/>
+            <a:ext cx="4426920" cy="3288240"/>
           </a:xfrm>
           <a:prstGeom prst="rect">
             <a:avLst/>
@@ -4022,8 +4023,8 @@
         </p:nvSpPr>
         <p:spPr>
           <a:xfrm>
-            <a:off x="504000" y="3044520"/>
-            <a:ext cx="4426920" cy="1568520"/>
+            <a:off x="504000" y="3044160"/>
+            <a:ext cx="4426920" cy="1568160"/>
           </a:xfrm>
           <a:prstGeom prst="rect">
             <a:avLst/>
@@ -4078,7 +4079,7 @@
         <p:txBody>
           <a:bodyPr/>
           <a:p>
-            <a:fld id="{07A945BA-2ADB-4013-B0DB-0D46C235B2F0}" type="slidenum">
+            <a:fld id="{DFC7C3F1-3795-4697-9CFD-88809928C1F9}" type="slidenum">
               <a:t>&lt;#&gt;</a:t>
             </a:fld>
           </a:p>
@@ -4119,7 +4120,7 @@
         <p:spPr>
           <a:xfrm>
             <a:off x="504000" y="226080"/>
-            <a:ext cx="9071640" cy="946080"/>
+            <a:ext cx="9071280" cy="945720"/>
           </a:xfrm>
           <a:prstGeom prst="rect">
             <a:avLst/>
@@ -4156,7 +4157,7 @@
         <p:spPr>
           <a:xfrm>
             <a:off x="504000" y="1326600"/>
-            <a:ext cx="4426920" cy="3288600"/>
+            <a:ext cx="4426920" cy="3288240"/>
           </a:xfrm>
           <a:prstGeom prst="rect">
             <a:avLst/>
@@ -4190,7 +4191,7 @@
         <p:spPr>
           <a:xfrm>
             <a:off x="5152680" y="1326600"/>
-            <a:ext cx="4426920" cy="1568520"/>
+            <a:ext cx="4426920" cy="1568160"/>
           </a:xfrm>
           <a:prstGeom prst="rect">
             <a:avLst/>
@@ -4223,8 +4224,8 @@
         </p:nvSpPr>
         <p:spPr>
           <a:xfrm>
-            <a:off x="5152680" y="3044520"/>
-            <a:ext cx="4426920" cy="1568520"/>
+            <a:off x="5152680" y="3044160"/>
+            <a:ext cx="4426920" cy="1568160"/>
           </a:xfrm>
           <a:prstGeom prst="rect">
             <a:avLst/>
@@ -4279,7 +4280,7 @@
         <p:txBody>
           <a:bodyPr/>
           <a:p>
-            <a:fld id="{F371941B-3395-44FF-9DBD-040DC8369747}" type="slidenum">
+            <a:fld id="{B5E97055-432E-4EC4-B475-BE7318841759}" type="slidenum">
               <a:t>&lt;#&gt;</a:t>
             </a:fld>
           </a:p>
@@ -4320,7 +4321,7 @@
         <p:spPr>
           <a:xfrm>
             <a:off x="504000" y="226080"/>
-            <a:ext cx="9071640" cy="946080"/>
+            <a:ext cx="9071280" cy="945720"/>
           </a:xfrm>
           <a:prstGeom prst="rect">
             <a:avLst/>
@@ -4357,7 +4358,7 @@
         <p:spPr>
           <a:xfrm>
             <a:off x="504000" y="1326600"/>
-            <a:ext cx="4426920" cy="1568520"/>
+            <a:ext cx="4426920" cy="1568160"/>
           </a:xfrm>
           <a:prstGeom prst="rect">
             <a:avLst/>
@@ -4391,7 +4392,7 @@
         <p:spPr>
           <a:xfrm>
             <a:off x="5152680" y="1326600"/>
-            <a:ext cx="4426920" cy="1568520"/>
+            <a:ext cx="4426920" cy="1568160"/>
           </a:xfrm>
           <a:prstGeom prst="rect">
             <a:avLst/>
@@ -4424,8 +4425,8 @@
         </p:nvSpPr>
         <p:spPr>
           <a:xfrm>
-            <a:off x="504000" y="3044520"/>
-            <a:ext cx="9072000" cy="1568520"/>
+            <a:off x="504000" y="3044160"/>
+            <a:ext cx="9071640" cy="1568160"/>
           </a:xfrm>
           <a:prstGeom prst="rect">
             <a:avLst/>
@@ -4480,7 +4481,7 @@
         <p:txBody>
           <a:bodyPr/>
           <a:p>
-            <a:fld id="{64A0693A-91FE-464B-B031-1B0BCDFFB819}" type="slidenum">
+            <a:fld id="{26FFF678-90B6-4043-B3E0-66E3DCFB1600}" type="slidenum">
               <a:t>&lt;#&gt;</a:t>
             </a:fld>
           </a:p>
@@ -4521,7 +4522,7 @@
         <p:spPr>
           <a:xfrm>
             <a:off x="504000" y="226080"/>
-            <a:ext cx="9071640" cy="946080"/>
+            <a:ext cx="9071280" cy="945720"/>
           </a:xfrm>
           <a:prstGeom prst="rect">
             <a:avLst/>
@@ -4558,7 +4559,7 @@
         <p:spPr>
           <a:xfrm>
             <a:off x="504000" y="1326600"/>
-            <a:ext cx="9072000" cy="1568520"/>
+            <a:ext cx="9071640" cy="1568160"/>
           </a:xfrm>
           <a:prstGeom prst="rect">
             <a:avLst/>
@@ -4591,8 +4592,8 @@
         </p:nvSpPr>
         <p:spPr>
           <a:xfrm>
-            <a:off x="504000" y="3044520"/>
-            <a:ext cx="9072000" cy="1568520"/>
+            <a:off x="504000" y="3044160"/>
+            <a:ext cx="9071640" cy="1568160"/>
           </a:xfrm>
           <a:prstGeom prst="rect">
             <a:avLst/>
@@ -4647,7 +4648,7 @@
         <p:txBody>
           <a:bodyPr/>
           <a:p>
-            <a:fld id="{2BBCE82B-F129-4ECC-8741-78B2E8C6E142}" type="slidenum">
+            <a:fld id="{F3072159-4340-45FD-9E16-FFBE437E2534}" type="slidenum">
               <a:t>&lt;#&gt;</a:t>
             </a:fld>
           </a:p>
@@ -4688,7 +4689,7 @@
         <p:spPr>
           <a:xfrm>
             <a:off x="504000" y="226080"/>
-            <a:ext cx="9071640" cy="946080"/>
+            <a:ext cx="9071280" cy="945720"/>
           </a:xfrm>
           <a:prstGeom prst="rect">
             <a:avLst/>
@@ -4725,7 +4726,7 @@
         <p:spPr>
           <a:xfrm>
             <a:off x="504000" y="1326600"/>
-            <a:ext cx="4426920" cy="1568520"/>
+            <a:ext cx="4426920" cy="1568160"/>
           </a:xfrm>
           <a:prstGeom prst="rect">
             <a:avLst/>
@@ -4759,7 +4760,7 @@
         <p:spPr>
           <a:xfrm>
             <a:off x="5152680" y="1326600"/>
-            <a:ext cx="4426920" cy="1568520"/>
+            <a:ext cx="4426920" cy="1568160"/>
           </a:xfrm>
           <a:prstGeom prst="rect">
             <a:avLst/>
@@ -4792,8 +4793,8 @@
         </p:nvSpPr>
         <p:spPr>
           <a:xfrm>
-            <a:off x="504000" y="3044520"/>
-            <a:ext cx="4426920" cy="1568520"/>
+            <a:off x="504000" y="3044160"/>
+            <a:ext cx="4426920" cy="1568160"/>
           </a:xfrm>
           <a:prstGeom prst="rect">
             <a:avLst/>
@@ -4826,8 +4827,8 @@
         </p:nvSpPr>
         <p:spPr>
           <a:xfrm>
-            <a:off x="5152680" y="3044520"/>
-            <a:ext cx="4426920" cy="1568520"/>
+            <a:off x="5152680" y="3044160"/>
+            <a:ext cx="4426920" cy="1568160"/>
           </a:xfrm>
           <a:prstGeom prst="rect">
             <a:avLst/>
@@ -4882,7 +4883,7 @@
         <p:txBody>
           <a:bodyPr/>
           <a:p>
-            <a:fld id="{E9A2D9F1-D6BF-4AA2-AC74-B95A79EDF5FF}" type="slidenum">
+            <a:fld id="{8DD8F3CA-6BE3-4261-95E8-34AAA146F048}" type="slidenum">
               <a:t>&lt;#&gt;</a:t>
             </a:fld>
           </a:p>
@@ -4923,7 +4924,7 @@
         <p:spPr>
           <a:xfrm>
             <a:off x="504000" y="226080"/>
-            <a:ext cx="9071640" cy="946080"/>
+            <a:ext cx="9071280" cy="945720"/>
           </a:xfrm>
           <a:prstGeom prst="rect">
             <a:avLst/>
@@ -4960,7 +4961,7 @@
         <p:spPr>
           <a:xfrm>
             <a:off x="504000" y="1326600"/>
-            <a:ext cx="2921040" cy="1568520"/>
+            <a:ext cx="2920680" cy="1568160"/>
           </a:xfrm>
           <a:prstGeom prst="rect">
             <a:avLst/>
@@ -4993,8 +4994,8 @@
         </p:nvSpPr>
         <p:spPr>
           <a:xfrm>
-            <a:off x="3571560" y="1326600"/>
-            <a:ext cx="2921040" cy="1568520"/>
+            <a:off x="3571200" y="1326600"/>
+            <a:ext cx="2920680" cy="1568160"/>
           </a:xfrm>
           <a:prstGeom prst="rect">
             <a:avLst/>
@@ -5027,8 +5028,8 @@
         </p:nvSpPr>
         <p:spPr>
           <a:xfrm>
-            <a:off x="6639120" y="1326600"/>
-            <a:ext cx="2921040" cy="1568520"/>
+            <a:off x="6638040" y="1326600"/>
+            <a:ext cx="2920680" cy="1568160"/>
           </a:xfrm>
           <a:prstGeom prst="rect">
             <a:avLst/>
@@ -5061,8 +5062,8 @@
         </p:nvSpPr>
         <p:spPr>
           <a:xfrm>
-            <a:off x="504000" y="3044520"/>
-            <a:ext cx="2921040" cy="1568520"/>
+            <a:off x="504000" y="3044160"/>
+            <a:ext cx="2920680" cy="1568160"/>
           </a:xfrm>
           <a:prstGeom prst="rect">
             <a:avLst/>
@@ -5095,8 +5096,8 @@
         </p:nvSpPr>
         <p:spPr>
           <a:xfrm>
-            <a:off x="3571560" y="3044520"/>
-            <a:ext cx="2921040" cy="1568520"/>
+            <a:off x="3571200" y="3044160"/>
+            <a:ext cx="2920680" cy="1568160"/>
           </a:xfrm>
           <a:prstGeom prst="rect">
             <a:avLst/>
@@ -5129,8 +5130,8 @@
         </p:nvSpPr>
         <p:spPr>
           <a:xfrm>
-            <a:off x="6639120" y="3044520"/>
-            <a:ext cx="2921040" cy="1568520"/>
+            <a:off x="6638040" y="3044160"/>
+            <a:ext cx="2920680" cy="1568160"/>
           </a:xfrm>
           <a:prstGeom prst="rect">
             <a:avLst/>
@@ -5185,7 +5186,7 @@
         <p:txBody>
           <a:bodyPr/>
           <a:p>
-            <a:fld id="{F2A113D4-6A36-4E9F-8658-51E7E73A2EF4}" type="slidenum">
+            <a:fld id="{B455F031-DF5B-4216-979B-9446543A1626}" type="slidenum">
               <a:t>&lt;#&gt;</a:t>
             </a:fld>
           </a:p>
@@ -5247,30 +5248,9 @@
         <p:txBody>
           <a:bodyPr/>
           <a:p>
-            <a:fld id="{94B1276A-D8AF-45EE-B99C-B54E196A461F}" type="slidenum">
+            <a:fld id="{637C173E-171D-43DE-B176-67F16195FC1C}" type="slidenum">
               <a:t>&lt;#&gt;</a:t>
             </a:fld>
-          </a:p>
-        </p:txBody>
-      </p:sp>
-      <p:sp>
-        <p:nvSpPr>
-          <p:cNvPr id="4" name="PlaceHolder 3"/>
-          <p:cNvSpPr>
-            <a:spLocks noGrp="1"/>
-          </p:cNvSpPr>
-          <p:nvPr>
-            <p:ph type="dt" idx="10"/>
-          </p:nvPr>
-        </p:nvSpPr>
-        <p:spPr/>
-        <p:txBody>
-          <a:bodyPr/>
-          <a:p>
-            <a:r>
-              <a:rPr lang="en-IN"/>
-              <a:t/>
-            </a:r>
           </a:p>
         </p:txBody>
       </p:sp>
@@ -5298,7 +5278,7 @@
       </p:grpSpPr>
       <p:sp>
         <p:nvSpPr>
-          <p:cNvPr id="165" name="PlaceHolder 1"/>
+          <p:cNvPr id="164" name="PlaceHolder 1"/>
           <p:cNvSpPr>
             <a:spLocks noGrp="1"/>
           </p:cNvSpPr>
@@ -5309,7 +5289,7 @@
         <p:spPr>
           <a:xfrm>
             <a:off x="504000" y="226080"/>
-            <a:ext cx="9071640" cy="946080"/>
+            <a:ext cx="9071280" cy="945720"/>
           </a:xfrm>
           <a:prstGeom prst="rect">
             <a:avLst/>
@@ -5335,7 +5315,7 @@
       </p:sp>
       <p:sp>
         <p:nvSpPr>
-          <p:cNvPr id="166" name="PlaceHolder 2"/>
+          <p:cNvPr id="165" name="PlaceHolder 2"/>
           <p:cNvSpPr>
             <a:spLocks noGrp="1"/>
           </p:cNvSpPr>
@@ -5346,7 +5326,7 @@
         <p:spPr>
           <a:xfrm>
             <a:off x="504000" y="1326600"/>
-            <a:ext cx="9072000" cy="3288600"/>
+            <a:ext cx="9071640" cy="3288240"/>
           </a:xfrm>
           <a:prstGeom prst="rect">
             <a:avLst/>
@@ -5404,30 +5384,9 @@
         <p:txBody>
           <a:bodyPr/>
           <a:p>
-            <a:fld id="{648F6F08-2812-41EC-9B19-764F997C32BF}" type="slidenum">
+            <a:fld id="{DED7C800-BB71-4B11-A858-645632619027}" type="slidenum">
               <a:t>&lt;#&gt;</a:t>
             </a:fld>
-          </a:p>
-        </p:txBody>
-      </p:sp>
-      <p:sp>
-        <p:nvSpPr>
-          <p:cNvPr id="6" name="PlaceHolder 5"/>
-          <p:cNvSpPr>
-            <a:spLocks noGrp="1"/>
-          </p:cNvSpPr>
-          <p:nvPr>
-            <p:ph type="dt" idx="10"/>
-          </p:nvPr>
-        </p:nvSpPr>
-        <p:spPr/>
-        <p:txBody>
-          <a:bodyPr/>
-          <a:p>
-            <a:r>
-              <a:rPr lang="en-IN"/>
-              <a:t/>
-            </a:r>
           </a:p>
         </p:txBody>
       </p:sp>
@@ -5455,7 +5414,7 @@
       </p:grpSpPr>
       <p:sp>
         <p:nvSpPr>
-          <p:cNvPr id="167" name="PlaceHolder 1"/>
+          <p:cNvPr id="166" name="PlaceHolder 1"/>
           <p:cNvSpPr>
             <a:spLocks noGrp="1"/>
           </p:cNvSpPr>
@@ -5466,7 +5425,7 @@
         <p:spPr>
           <a:xfrm>
             <a:off x="504000" y="226080"/>
-            <a:ext cx="9071640" cy="946080"/>
+            <a:ext cx="9071280" cy="945720"/>
           </a:xfrm>
           <a:prstGeom prst="rect">
             <a:avLst/>
@@ -5492,7 +5451,7 @@
       </p:sp>
       <p:sp>
         <p:nvSpPr>
-          <p:cNvPr id="168" name="PlaceHolder 2"/>
+          <p:cNvPr id="167" name="PlaceHolder 2"/>
           <p:cNvSpPr>
             <a:spLocks noGrp="1"/>
           </p:cNvSpPr>
@@ -5503,7 +5462,7 @@
         <p:spPr>
           <a:xfrm>
             <a:off x="504000" y="1326600"/>
-            <a:ext cx="9072000" cy="3288600"/>
+            <a:ext cx="9071640" cy="3288240"/>
           </a:xfrm>
           <a:prstGeom prst="rect">
             <a:avLst/>
@@ -5558,30 +5517,9 @@
         <p:txBody>
           <a:bodyPr/>
           <a:p>
-            <a:fld id="{E5CB0050-D2F0-45BB-B1F1-8621235ACBE5}" type="slidenum">
+            <a:fld id="{3D27B6AD-AF6D-40EA-85A0-987CB7917CB4}" type="slidenum">
               <a:t>&lt;#&gt;</a:t>
             </a:fld>
-          </a:p>
-        </p:txBody>
-      </p:sp>
-      <p:sp>
-        <p:nvSpPr>
-          <p:cNvPr id="6" name="PlaceHolder 5"/>
-          <p:cNvSpPr>
-            <a:spLocks noGrp="1"/>
-          </p:cNvSpPr>
-          <p:nvPr>
-            <p:ph type="dt" idx="10"/>
-          </p:nvPr>
-        </p:nvSpPr>
-        <p:spPr/>
-        <p:txBody>
-          <a:bodyPr/>
-          <a:p>
-            <a:r>
-              <a:rPr lang="en-IN"/>
-              <a:t/>
-            </a:r>
           </a:p>
         </p:txBody>
       </p:sp>
@@ -5620,7 +5558,7 @@
         <p:spPr>
           <a:xfrm>
             <a:off x="504000" y="226080"/>
-            <a:ext cx="9071640" cy="946080"/>
+            <a:ext cx="9071280" cy="945720"/>
           </a:xfrm>
           <a:prstGeom prst="rect">
             <a:avLst/>
@@ -5657,7 +5595,7 @@
         <p:spPr>
           <a:xfrm>
             <a:off x="504000" y="1326600"/>
-            <a:ext cx="4426920" cy="3288600"/>
+            <a:ext cx="4426920" cy="3288240"/>
           </a:xfrm>
           <a:prstGeom prst="rect">
             <a:avLst/>
@@ -5691,7 +5629,7 @@
         <p:spPr>
           <a:xfrm>
             <a:off x="5152680" y="1326600"/>
-            <a:ext cx="4426920" cy="3288600"/>
+            <a:ext cx="4426920" cy="3288240"/>
           </a:xfrm>
           <a:prstGeom prst="rect">
             <a:avLst/>
@@ -5746,7 +5684,7 @@
         <p:txBody>
           <a:bodyPr/>
           <a:p>
-            <a:fld id="{EC169C59-76BE-4D79-9795-06D4C66814C8}" type="slidenum">
+            <a:fld id="{B24EAC97-11AC-4C95-9D10-0144531A2D38}" type="slidenum">
               <a:t>&lt;#&gt;</a:t>
             </a:fld>
           </a:p>
@@ -5797,7 +5735,7 @@
       </p:grpSpPr>
       <p:sp>
         <p:nvSpPr>
-          <p:cNvPr id="169" name="PlaceHolder 1"/>
+          <p:cNvPr id="168" name="PlaceHolder 1"/>
           <p:cNvSpPr>
             <a:spLocks noGrp="1"/>
           </p:cNvSpPr>
@@ -5808,7 +5746,7 @@
         <p:spPr>
           <a:xfrm>
             <a:off x="504000" y="226080"/>
-            <a:ext cx="9071640" cy="946080"/>
+            <a:ext cx="9071280" cy="945720"/>
           </a:xfrm>
           <a:prstGeom prst="rect">
             <a:avLst/>
@@ -5834,7 +5772,7 @@
       </p:sp>
       <p:sp>
         <p:nvSpPr>
-          <p:cNvPr id="170" name="PlaceHolder 2"/>
+          <p:cNvPr id="169" name="PlaceHolder 2"/>
           <p:cNvSpPr>
             <a:spLocks noGrp="1"/>
           </p:cNvSpPr>
@@ -5845,7 +5783,7 @@
         <p:spPr>
           <a:xfrm>
             <a:off x="504000" y="1326600"/>
-            <a:ext cx="4426920" cy="3288600"/>
+            <a:ext cx="4426920" cy="3288240"/>
           </a:xfrm>
           <a:prstGeom prst="rect">
             <a:avLst/>
@@ -5868,7 +5806,7 @@
       </p:sp>
       <p:sp>
         <p:nvSpPr>
-          <p:cNvPr id="171" name="PlaceHolder 3"/>
+          <p:cNvPr id="170" name="PlaceHolder 3"/>
           <p:cNvSpPr>
             <a:spLocks noGrp="1"/>
           </p:cNvSpPr>
@@ -5879,7 +5817,7 @@
         <p:spPr>
           <a:xfrm>
             <a:off x="5152680" y="1326600"/>
-            <a:ext cx="4426920" cy="3288600"/>
+            <a:ext cx="4426920" cy="3288240"/>
           </a:xfrm>
           <a:prstGeom prst="rect">
             <a:avLst/>
@@ -5934,30 +5872,9 @@
         <p:txBody>
           <a:bodyPr/>
           <a:p>
-            <a:fld id="{B7B5EF8D-C0B9-49C4-B3F3-0CF5BD401BD3}" type="slidenum">
+            <a:fld id="{A71D586E-DCDB-460A-9946-5F05F1BEF3A1}" type="slidenum">
               <a:t>&lt;#&gt;</a:t>
             </a:fld>
-          </a:p>
-        </p:txBody>
-      </p:sp>
-      <p:sp>
-        <p:nvSpPr>
-          <p:cNvPr id="7" name="PlaceHolder 6"/>
-          <p:cNvSpPr>
-            <a:spLocks noGrp="1"/>
-          </p:cNvSpPr>
-          <p:nvPr>
-            <p:ph type="dt" idx="10"/>
-          </p:nvPr>
-        </p:nvSpPr>
-        <p:spPr/>
-        <p:txBody>
-          <a:bodyPr/>
-          <a:p>
-            <a:r>
-              <a:rPr lang="en-IN"/>
-              <a:t/>
-            </a:r>
           </a:p>
         </p:txBody>
       </p:sp>
@@ -5985,7 +5902,7 @@
       </p:grpSpPr>
       <p:sp>
         <p:nvSpPr>
-          <p:cNvPr id="172" name="PlaceHolder 1"/>
+          <p:cNvPr id="171" name="PlaceHolder 1"/>
           <p:cNvSpPr>
             <a:spLocks noGrp="1"/>
           </p:cNvSpPr>
@@ -5996,7 +5913,7 @@
         <p:spPr>
           <a:xfrm>
             <a:off x="504000" y="226080"/>
-            <a:ext cx="9071640" cy="946080"/>
+            <a:ext cx="9071280" cy="945720"/>
           </a:xfrm>
           <a:prstGeom prst="rect">
             <a:avLst/>
@@ -6054,30 +5971,9 @@
         <p:txBody>
           <a:bodyPr/>
           <a:p>
-            <a:fld id="{9E403A5F-1A00-45FD-AE60-2F2DF9483556}" type="slidenum">
+            <a:fld id="{099416DC-05E8-442A-B101-E2D15AFF4A93}" type="slidenum">
               <a:t>&lt;#&gt;</a:t>
             </a:fld>
-          </a:p>
-        </p:txBody>
-      </p:sp>
-      <p:sp>
-        <p:nvSpPr>
-          <p:cNvPr id="5" name="PlaceHolder 4"/>
-          <p:cNvSpPr>
-            <a:spLocks noGrp="1"/>
-          </p:cNvSpPr>
-          <p:nvPr>
-            <p:ph type="dt" idx="10"/>
-          </p:nvPr>
-        </p:nvSpPr>
-        <p:spPr/>
-        <p:txBody>
-          <a:bodyPr/>
-          <a:p>
-            <a:r>
-              <a:rPr lang="en-IN"/>
-              <a:t/>
-            </a:r>
           </a:p>
         </p:txBody>
       </p:sp>
@@ -6105,7 +6001,7 @@
       </p:grpSpPr>
       <p:sp>
         <p:nvSpPr>
-          <p:cNvPr id="173" name="PlaceHolder 1"/>
+          <p:cNvPr id="172" name="PlaceHolder 1"/>
           <p:cNvSpPr>
             <a:spLocks noGrp="1"/>
           </p:cNvSpPr>
@@ -6116,7 +6012,7 @@
         <p:spPr>
           <a:xfrm>
             <a:off x="504000" y="226080"/>
-            <a:ext cx="9071640" cy="4386600"/>
+            <a:ext cx="9071280" cy="4385160"/>
           </a:xfrm>
           <a:prstGeom prst="rect">
             <a:avLst/>
@@ -6174,30 +6070,9 @@
         <p:txBody>
           <a:bodyPr/>
           <a:p>
-            <a:fld id="{1C50F95C-FA6F-423B-8F20-29A696E3B32B}" type="slidenum">
+            <a:fld id="{57B8DD7B-A80B-4F2B-A658-4B2A57C06FDA}" type="slidenum">
               <a:t>&lt;#&gt;</a:t>
             </a:fld>
-          </a:p>
-        </p:txBody>
-      </p:sp>
-      <p:sp>
-        <p:nvSpPr>
-          <p:cNvPr id="5" name="PlaceHolder 4"/>
-          <p:cNvSpPr>
-            <a:spLocks noGrp="1"/>
-          </p:cNvSpPr>
-          <p:nvPr>
-            <p:ph type="dt" idx="10"/>
-          </p:nvPr>
-        </p:nvSpPr>
-        <p:spPr/>
-        <p:txBody>
-          <a:bodyPr/>
-          <a:p>
-            <a:r>
-              <a:rPr lang="en-IN"/>
-              <a:t/>
-            </a:r>
           </a:p>
         </p:txBody>
       </p:sp>
@@ -6225,7 +6100,7 @@
       </p:grpSpPr>
       <p:sp>
         <p:nvSpPr>
-          <p:cNvPr id="174" name="PlaceHolder 1"/>
+          <p:cNvPr id="173" name="PlaceHolder 1"/>
           <p:cNvSpPr>
             <a:spLocks noGrp="1"/>
           </p:cNvSpPr>
@@ -6236,7 +6111,7 @@
         <p:spPr>
           <a:xfrm>
             <a:off x="504000" y="226080"/>
-            <a:ext cx="9071640" cy="946080"/>
+            <a:ext cx="9071280" cy="945720"/>
           </a:xfrm>
           <a:prstGeom prst="rect">
             <a:avLst/>
@@ -6262,7 +6137,7 @@
       </p:sp>
       <p:sp>
         <p:nvSpPr>
-          <p:cNvPr id="175" name="PlaceHolder 2"/>
+          <p:cNvPr id="174" name="PlaceHolder 2"/>
           <p:cNvSpPr>
             <a:spLocks noGrp="1"/>
           </p:cNvSpPr>
@@ -6273,7 +6148,7 @@
         <p:spPr>
           <a:xfrm>
             <a:off x="504000" y="1326600"/>
-            <a:ext cx="4426920" cy="1568520"/>
+            <a:ext cx="4426920" cy="1568160"/>
           </a:xfrm>
           <a:prstGeom prst="rect">
             <a:avLst/>
@@ -6296,7 +6171,7 @@
       </p:sp>
       <p:sp>
         <p:nvSpPr>
-          <p:cNvPr id="176" name="PlaceHolder 3"/>
+          <p:cNvPr id="175" name="PlaceHolder 3"/>
           <p:cNvSpPr>
             <a:spLocks noGrp="1"/>
           </p:cNvSpPr>
@@ -6307,7 +6182,7 @@
         <p:spPr>
           <a:xfrm>
             <a:off x="5152680" y="1326600"/>
-            <a:ext cx="4426920" cy="3288600"/>
+            <a:ext cx="4426920" cy="3288240"/>
           </a:xfrm>
           <a:prstGeom prst="rect">
             <a:avLst/>
@@ -6330,7 +6205,7 @@
       </p:sp>
       <p:sp>
         <p:nvSpPr>
-          <p:cNvPr id="177" name="PlaceHolder 4"/>
+          <p:cNvPr id="176" name="PlaceHolder 4"/>
           <p:cNvSpPr>
             <a:spLocks noGrp="1"/>
           </p:cNvSpPr>
@@ -6340,8 +6215,8 @@
         </p:nvSpPr>
         <p:spPr>
           <a:xfrm>
-            <a:off x="504000" y="3044520"/>
-            <a:ext cx="4426920" cy="1568520"/>
+            <a:off x="504000" y="3044160"/>
+            <a:ext cx="4426920" cy="1568160"/>
           </a:xfrm>
           <a:prstGeom prst="rect">
             <a:avLst/>
@@ -6396,30 +6271,9 @@
         <p:txBody>
           <a:bodyPr/>
           <a:p>
-            <a:fld id="{FF75B495-8A8A-430D-8541-7FD352475014}" type="slidenum">
+            <a:fld id="{8C9EBBB3-A077-4C35-B633-A1ADF7DBCDFD}" type="slidenum">
               <a:t>&lt;#&gt;</a:t>
             </a:fld>
-          </a:p>
-        </p:txBody>
-      </p:sp>
-      <p:sp>
-        <p:nvSpPr>
-          <p:cNvPr id="8" name="PlaceHolder 7"/>
-          <p:cNvSpPr>
-            <a:spLocks noGrp="1"/>
-          </p:cNvSpPr>
-          <p:nvPr>
-            <p:ph type="dt" idx="10"/>
-          </p:nvPr>
-        </p:nvSpPr>
-        <p:spPr/>
-        <p:txBody>
-          <a:bodyPr/>
-          <a:p>
-            <a:r>
-              <a:rPr lang="en-IN"/>
-              <a:t/>
-            </a:r>
           </a:p>
         </p:txBody>
       </p:sp>
@@ -6447,7 +6301,7 @@
       </p:grpSpPr>
       <p:sp>
         <p:nvSpPr>
-          <p:cNvPr id="178" name="PlaceHolder 1"/>
+          <p:cNvPr id="177" name="PlaceHolder 1"/>
           <p:cNvSpPr>
             <a:spLocks noGrp="1"/>
           </p:cNvSpPr>
@@ -6458,7 +6312,7 @@
         <p:spPr>
           <a:xfrm>
             <a:off x="504000" y="226080"/>
-            <a:ext cx="9071640" cy="946080"/>
+            <a:ext cx="9071280" cy="945720"/>
           </a:xfrm>
           <a:prstGeom prst="rect">
             <a:avLst/>
@@ -6484,7 +6338,7 @@
       </p:sp>
       <p:sp>
         <p:nvSpPr>
-          <p:cNvPr id="179" name="PlaceHolder 2"/>
+          <p:cNvPr id="178" name="PlaceHolder 2"/>
           <p:cNvSpPr>
             <a:spLocks noGrp="1"/>
           </p:cNvSpPr>
@@ -6495,7 +6349,7 @@
         <p:spPr>
           <a:xfrm>
             <a:off x="504000" y="1326600"/>
-            <a:ext cx="4426920" cy="3288600"/>
+            <a:ext cx="4426920" cy="3288240"/>
           </a:xfrm>
           <a:prstGeom prst="rect">
             <a:avLst/>
@@ -6518,7 +6372,7 @@
       </p:sp>
       <p:sp>
         <p:nvSpPr>
-          <p:cNvPr id="180" name="PlaceHolder 3"/>
+          <p:cNvPr id="179" name="PlaceHolder 3"/>
           <p:cNvSpPr>
             <a:spLocks noGrp="1"/>
           </p:cNvSpPr>
@@ -6529,7 +6383,7 @@
         <p:spPr>
           <a:xfrm>
             <a:off x="5152680" y="1326600"/>
-            <a:ext cx="4426920" cy="1568520"/>
+            <a:ext cx="4426920" cy="1568160"/>
           </a:xfrm>
           <a:prstGeom prst="rect">
             <a:avLst/>
@@ -6552,7 +6406,7 @@
       </p:sp>
       <p:sp>
         <p:nvSpPr>
-          <p:cNvPr id="181" name="PlaceHolder 4"/>
+          <p:cNvPr id="180" name="PlaceHolder 4"/>
           <p:cNvSpPr>
             <a:spLocks noGrp="1"/>
           </p:cNvSpPr>
@@ -6562,8 +6416,8 @@
         </p:nvSpPr>
         <p:spPr>
           <a:xfrm>
-            <a:off x="5152680" y="3044520"/>
-            <a:ext cx="4426920" cy="1568520"/>
+            <a:off x="5152680" y="3044160"/>
+            <a:ext cx="4426920" cy="1568160"/>
           </a:xfrm>
           <a:prstGeom prst="rect">
             <a:avLst/>
@@ -6618,30 +6472,9 @@
         <p:txBody>
           <a:bodyPr/>
           <a:p>
-            <a:fld id="{04E2E8A3-4DC4-4D6D-8A0F-15A535A7D205}" type="slidenum">
+            <a:fld id="{B0B72C34-B5CE-45AE-A897-F904EAEB950E}" type="slidenum">
               <a:t>&lt;#&gt;</a:t>
             </a:fld>
-          </a:p>
-        </p:txBody>
-      </p:sp>
-      <p:sp>
-        <p:nvSpPr>
-          <p:cNvPr id="8" name="PlaceHolder 7"/>
-          <p:cNvSpPr>
-            <a:spLocks noGrp="1"/>
-          </p:cNvSpPr>
-          <p:nvPr>
-            <p:ph type="dt" idx="10"/>
-          </p:nvPr>
-        </p:nvSpPr>
-        <p:spPr/>
-        <p:txBody>
-          <a:bodyPr/>
-          <a:p>
-            <a:r>
-              <a:rPr lang="en-IN"/>
-              <a:t/>
-            </a:r>
           </a:p>
         </p:txBody>
       </p:sp>
@@ -6669,7 +6502,7 @@
       </p:grpSpPr>
       <p:sp>
         <p:nvSpPr>
-          <p:cNvPr id="182" name="PlaceHolder 1"/>
+          <p:cNvPr id="181" name="PlaceHolder 1"/>
           <p:cNvSpPr>
             <a:spLocks noGrp="1"/>
           </p:cNvSpPr>
@@ -6680,7 +6513,7 @@
         <p:spPr>
           <a:xfrm>
             <a:off x="504000" y="226080"/>
-            <a:ext cx="9071640" cy="946080"/>
+            <a:ext cx="9071280" cy="945720"/>
           </a:xfrm>
           <a:prstGeom prst="rect">
             <a:avLst/>
@@ -6706,7 +6539,7 @@
       </p:sp>
       <p:sp>
         <p:nvSpPr>
-          <p:cNvPr id="183" name="PlaceHolder 2"/>
+          <p:cNvPr id="182" name="PlaceHolder 2"/>
           <p:cNvSpPr>
             <a:spLocks noGrp="1"/>
           </p:cNvSpPr>
@@ -6717,7 +6550,7 @@
         <p:spPr>
           <a:xfrm>
             <a:off x="504000" y="1326600"/>
-            <a:ext cx="4426920" cy="1568520"/>
+            <a:ext cx="4426920" cy="1568160"/>
           </a:xfrm>
           <a:prstGeom prst="rect">
             <a:avLst/>
@@ -6740,7 +6573,7 @@
       </p:sp>
       <p:sp>
         <p:nvSpPr>
-          <p:cNvPr id="184" name="PlaceHolder 3"/>
+          <p:cNvPr id="183" name="PlaceHolder 3"/>
           <p:cNvSpPr>
             <a:spLocks noGrp="1"/>
           </p:cNvSpPr>
@@ -6751,7 +6584,7 @@
         <p:spPr>
           <a:xfrm>
             <a:off x="5152680" y="1326600"/>
-            <a:ext cx="4426920" cy="1568520"/>
+            <a:ext cx="4426920" cy="1568160"/>
           </a:xfrm>
           <a:prstGeom prst="rect">
             <a:avLst/>
@@ -6774,7 +6607,7 @@
       </p:sp>
       <p:sp>
         <p:nvSpPr>
-          <p:cNvPr id="185" name="PlaceHolder 4"/>
+          <p:cNvPr id="184" name="PlaceHolder 4"/>
           <p:cNvSpPr>
             <a:spLocks noGrp="1"/>
           </p:cNvSpPr>
@@ -6784,8 +6617,8 @@
         </p:nvSpPr>
         <p:spPr>
           <a:xfrm>
-            <a:off x="504000" y="3044520"/>
-            <a:ext cx="9072000" cy="1568520"/>
+            <a:off x="504000" y="3044160"/>
+            <a:ext cx="9071640" cy="1568160"/>
           </a:xfrm>
           <a:prstGeom prst="rect">
             <a:avLst/>
@@ -6840,30 +6673,9 @@
         <p:txBody>
           <a:bodyPr/>
           <a:p>
-            <a:fld id="{C82BD7A9-8728-4E8F-A84F-683E941785AC}" type="slidenum">
+            <a:fld id="{B8B7FB16-1D23-485D-AA79-0D27A8AEDA77}" type="slidenum">
               <a:t>&lt;#&gt;</a:t>
             </a:fld>
-          </a:p>
-        </p:txBody>
-      </p:sp>
-      <p:sp>
-        <p:nvSpPr>
-          <p:cNvPr id="8" name="PlaceHolder 7"/>
-          <p:cNvSpPr>
-            <a:spLocks noGrp="1"/>
-          </p:cNvSpPr>
-          <p:nvPr>
-            <p:ph type="dt" idx="10"/>
-          </p:nvPr>
-        </p:nvSpPr>
-        <p:spPr/>
-        <p:txBody>
-          <a:bodyPr/>
-          <a:p>
-            <a:r>
-              <a:rPr lang="en-IN"/>
-              <a:t/>
-            </a:r>
           </a:p>
         </p:txBody>
       </p:sp>
@@ -6891,7 +6703,7 @@
       </p:grpSpPr>
       <p:sp>
         <p:nvSpPr>
-          <p:cNvPr id="186" name="PlaceHolder 1"/>
+          <p:cNvPr id="185" name="PlaceHolder 1"/>
           <p:cNvSpPr>
             <a:spLocks noGrp="1"/>
           </p:cNvSpPr>
@@ -6902,7 +6714,7 @@
         <p:spPr>
           <a:xfrm>
             <a:off x="504000" y="226080"/>
-            <a:ext cx="9071640" cy="946080"/>
+            <a:ext cx="9071280" cy="945720"/>
           </a:xfrm>
           <a:prstGeom prst="rect">
             <a:avLst/>
@@ -6928,7 +6740,7 @@
       </p:sp>
       <p:sp>
         <p:nvSpPr>
-          <p:cNvPr id="187" name="PlaceHolder 2"/>
+          <p:cNvPr id="186" name="PlaceHolder 2"/>
           <p:cNvSpPr>
             <a:spLocks noGrp="1"/>
           </p:cNvSpPr>
@@ -6939,7 +6751,7 @@
         <p:spPr>
           <a:xfrm>
             <a:off x="504000" y="1326600"/>
-            <a:ext cx="9072000" cy="1568520"/>
+            <a:ext cx="9071640" cy="1568160"/>
           </a:xfrm>
           <a:prstGeom prst="rect">
             <a:avLst/>
@@ -6962,7 +6774,7 @@
       </p:sp>
       <p:sp>
         <p:nvSpPr>
-          <p:cNvPr id="188" name="PlaceHolder 3"/>
+          <p:cNvPr id="187" name="PlaceHolder 3"/>
           <p:cNvSpPr>
             <a:spLocks noGrp="1"/>
           </p:cNvSpPr>
@@ -6972,8 +6784,8 @@
         </p:nvSpPr>
         <p:spPr>
           <a:xfrm>
-            <a:off x="504000" y="3044520"/>
-            <a:ext cx="9072000" cy="1568520"/>
+            <a:off x="504000" y="3044160"/>
+            <a:ext cx="9071640" cy="1568160"/>
           </a:xfrm>
           <a:prstGeom prst="rect">
             <a:avLst/>
@@ -7028,30 +6840,9 @@
         <p:txBody>
           <a:bodyPr/>
           <a:p>
-            <a:fld id="{ACE6A6DC-A206-47D0-B5EC-9E6128EDAEFD}" type="slidenum">
+            <a:fld id="{AE69DD5B-A3BE-43CF-9085-194BED341644}" type="slidenum">
               <a:t>&lt;#&gt;</a:t>
             </a:fld>
-          </a:p>
-        </p:txBody>
-      </p:sp>
-      <p:sp>
-        <p:nvSpPr>
-          <p:cNvPr id="7" name="PlaceHolder 6"/>
-          <p:cNvSpPr>
-            <a:spLocks noGrp="1"/>
-          </p:cNvSpPr>
-          <p:nvPr>
-            <p:ph type="dt" idx="10"/>
-          </p:nvPr>
-        </p:nvSpPr>
-        <p:spPr/>
-        <p:txBody>
-          <a:bodyPr/>
-          <a:p>
-            <a:r>
-              <a:rPr lang="en-IN"/>
-              <a:t/>
-            </a:r>
           </a:p>
         </p:txBody>
       </p:sp>
@@ -7079,7 +6870,7 @@
       </p:grpSpPr>
       <p:sp>
         <p:nvSpPr>
-          <p:cNvPr id="189" name="PlaceHolder 1"/>
+          <p:cNvPr id="188" name="PlaceHolder 1"/>
           <p:cNvSpPr>
             <a:spLocks noGrp="1"/>
           </p:cNvSpPr>
@@ -7090,7 +6881,7 @@
         <p:spPr>
           <a:xfrm>
             <a:off x="504000" y="226080"/>
-            <a:ext cx="9071640" cy="946080"/>
+            <a:ext cx="9071280" cy="945720"/>
           </a:xfrm>
           <a:prstGeom prst="rect">
             <a:avLst/>
@@ -7116,7 +6907,7 @@
       </p:sp>
       <p:sp>
         <p:nvSpPr>
-          <p:cNvPr id="190" name="PlaceHolder 2"/>
+          <p:cNvPr id="189" name="PlaceHolder 2"/>
           <p:cNvSpPr>
             <a:spLocks noGrp="1"/>
           </p:cNvSpPr>
@@ -7127,7 +6918,7 @@
         <p:spPr>
           <a:xfrm>
             <a:off x="504000" y="1326600"/>
-            <a:ext cx="4426920" cy="1568520"/>
+            <a:ext cx="4426920" cy="1568160"/>
           </a:xfrm>
           <a:prstGeom prst="rect">
             <a:avLst/>
@@ -7150,7 +6941,7 @@
       </p:sp>
       <p:sp>
         <p:nvSpPr>
-          <p:cNvPr id="191" name="PlaceHolder 3"/>
+          <p:cNvPr id="190" name="PlaceHolder 3"/>
           <p:cNvSpPr>
             <a:spLocks noGrp="1"/>
           </p:cNvSpPr>
@@ -7161,7 +6952,7 @@
         <p:spPr>
           <a:xfrm>
             <a:off x="5152680" y="1326600"/>
-            <a:ext cx="4426920" cy="1568520"/>
+            <a:ext cx="4426920" cy="1568160"/>
           </a:xfrm>
           <a:prstGeom prst="rect">
             <a:avLst/>
@@ -7184,7 +6975,7 @@
       </p:sp>
       <p:sp>
         <p:nvSpPr>
-          <p:cNvPr id="192" name="PlaceHolder 4"/>
+          <p:cNvPr id="191" name="PlaceHolder 4"/>
           <p:cNvSpPr>
             <a:spLocks noGrp="1"/>
           </p:cNvSpPr>
@@ -7194,8 +6985,8 @@
         </p:nvSpPr>
         <p:spPr>
           <a:xfrm>
-            <a:off x="504000" y="3044520"/>
-            <a:ext cx="4426920" cy="1568520"/>
+            <a:off x="504000" y="3044160"/>
+            <a:ext cx="4426920" cy="1568160"/>
           </a:xfrm>
           <a:prstGeom prst="rect">
             <a:avLst/>
@@ -7218,7 +7009,7 @@
       </p:sp>
       <p:sp>
         <p:nvSpPr>
-          <p:cNvPr id="193" name="PlaceHolder 5"/>
+          <p:cNvPr id="192" name="PlaceHolder 5"/>
           <p:cNvSpPr>
             <a:spLocks noGrp="1"/>
           </p:cNvSpPr>
@@ -7228,8 +7019,8 @@
         </p:nvSpPr>
         <p:spPr>
           <a:xfrm>
-            <a:off x="5152680" y="3044520"/>
-            <a:ext cx="4426920" cy="1568520"/>
+            <a:off x="5152680" y="3044160"/>
+            <a:ext cx="4426920" cy="1568160"/>
           </a:xfrm>
           <a:prstGeom prst="rect">
             <a:avLst/>
@@ -7284,30 +7075,9 @@
         <p:txBody>
           <a:bodyPr/>
           <a:p>
-            <a:fld id="{39226401-DA3D-47EF-90D3-2C09B5DDEC73}" type="slidenum">
+            <a:fld id="{D8A4A5C6-A89C-4E16-89A3-2490E8973144}" type="slidenum">
               <a:t>&lt;#&gt;</a:t>
             </a:fld>
-          </a:p>
-        </p:txBody>
-      </p:sp>
-      <p:sp>
-        <p:nvSpPr>
-          <p:cNvPr id="9" name="PlaceHolder 8"/>
-          <p:cNvSpPr>
-            <a:spLocks noGrp="1"/>
-          </p:cNvSpPr>
-          <p:nvPr>
-            <p:ph type="dt" idx="10"/>
-          </p:nvPr>
-        </p:nvSpPr>
-        <p:spPr/>
-        <p:txBody>
-          <a:bodyPr/>
-          <a:p>
-            <a:r>
-              <a:rPr lang="en-IN"/>
-              <a:t/>
-            </a:r>
           </a:p>
         </p:txBody>
       </p:sp>
@@ -7335,7 +7105,7 @@
       </p:grpSpPr>
       <p:sp>
         <p:nvSpPr>
-          <p:cNvPr id="194" name="PlaceHolder 1"/>
+          <p:cNvPr id="193" name="PlaceHolder 1"/>
           <p:cNvSpPr>
             <a:spLocks noGrp="1"/>
           </p:cNvSpPr>
@@ -7346,7 +7116,7 @@
         <p:spPr>
           <a:xfrm>
             <a:off x="504000" y="226080"/>
-            <a:ext cx="9071640" cy="946080"/>
+            <a:ext cx="9071280" cy="945720"/>
           </a:xfrm>
           <a:prstGeom prst="rect">
             <a:avLst/>
@@ -7372,7 +7142,7 @@
       </p:sp>
       <p:sp>
         <p:nvSpPr>
-          <p:cNvPr id="195" name="PlaceHolder 2"/>
+          <p:cNvPr id="194" name="PlaceHolder 2"/>
           <p:cNvSpPr>
             <a:spLocks noGrp="1"/>
           </p:cNvSpPr>
@@ -7383,7 +7153,7 @@
         <p:spPr>
           <a:xfrm>
             <a:off x="504000" y="1326600"/>
-            <a:ext cx="2921040" cy="1568520"/>
+            <a:ext cx="2920680" cy="1568160"/>
           </a:xfrm>
           <a:prstGeom prst="rect">
             <a:avLst/>
@@ -7406,7 +7176,7 @@
       </p:sp>
       <p:sp>
         <p:nvSpPr>
-          <p:cNvPr id="196" name="PlaceHolder 3"/>
+          <p:cNvPr id="195" name="PlaceHolder 3"/>
           <p:cNvSpPr>
             <a:spLocks noGrp="1"/>
           </p:cNvSpPr>
@@ -7416,8 +7186,8 @@
         </p:nvSpPr>
         <p:spPr>
           <a:xfrm>
-            <a:off x="3571560" y="1326600"/>
-            <a:ext cx="2921040" cy="1568520"/>
+            <a:off x="3571200" y="1326600"/>
+            <a:ext cx="2920680" cy="1568160"/>
           </a:xfrm>
           <a:prstGeom prst="rect">
             <a:avLst/>
@@ -7440,7 +7210,7 @@
       </p:sp>
       <p:sp>
         <p:nvSpPr>
-          <p:cNvPr id="197" name="PlaceHolder 4"/>
+          <p:cNvPr id="196" name="PlaceHolder 4"/>
           <p:cNvSpPr>
             <a:spLocks noGrp="1"/>
           </p:cNvSpPr>
@@ -7450,8 +7220,8 @@
         </p:nvSpPr>
         <p:spPr>
           <a:xfrm>
-            <a:off x="6639120" y="1326600"/>
-            <a:ext cx="2921040" cy="1568520"/>
+            <a:off x="6638040" y="1326600"/>
+            <a:ext cx="2920680" cy="1568160"/>
           </a:xfrm>
           <a:prstGeom prst="rect">
             <a:avLst/>
@@ -7474,7 +7244,7 @@
       </p:sp>
       <p:sp>
         <p:nvSpPr>
-          <p:cNvPr id="198" name="PlaceHolder 5"/>
+          <p:cNvPr id="197" name="PlaceHolder 5"/>
           <p:cNvSpPr>
             <a:spLocks noGrp="1"/>
           </p:cNvSpPr>
@@ -7484,8 +7254,8 @@
         </p:nvSpPr>
         <p:spPr>
           <a:xfrm>
-            <a:off x="504000" y="3044520"/>
-            <a:ext cx="2921040" cy="1568520"/>
+            <a:off x="504000" y="3044160"/>
+            <a:ext cx="2920680" cy="1568160"/>
           </a:xfrm>
           <a:prstGeom prst="rect">
             <a:avLst/>
@@ -7508,7 +7278,7 @@
       </p:sp>
       <p:sp>
         <p:nvSpPr>
-          <p:cNvPr id="199" name="PlaceHolder 6"/>
+          <p:cNvPr id="198" name="PlaceHolder 6"/>
           <p:cNvSpPr>
             <a:spLocks noGrp="1"/>
           </p:cNvSpPr>
@@ -7518,8 +7288,8 @@
         </p:nvSpPr>
         <p:spPr>
           <a:xfrm>
-            <a:off x="3571560" y="3044520"/>
-            <a:ext cx="2921040" cy="1568520"/>
+            <a:off x="3571200" y="3044160"/>
+            <a:ext cx="2920680" cy="1568160"/>
           </a:xfrm>
           <a:prstGeom prst="rect">
             <a:avLst/>
@@ -7542,7 +7312,7 @@
       </p:sp>
       <p:sp>
         <p:nvSpPr>
-          <p:cNvPr id="200" name="PlaceHolder 7"/>
+          <p:cNvPr id="199" name="PlaceHolder 7"/>
           <p:cNvSpPr>
             <a:spLocks noGrp="1"/>
           </p:cNvSpPr>
@@ -7552,8 +7322,8 @@
         </p:nvSpPr>
         <p:spPr>
           <a:xfrm>
-            <a:off x="6639120" y="3044520"/>
-            <a:ext cx="2921040" cy="1568520"/>
+            <a:off x="6638040" y="3044160"/>
+            <a:ext cx="2920680" cy="1568160"/>
           </a:xfrm>
           <a:prstGeom prst="rect">
             <a:avLst/>
@@ -7608,30 +7378,9 @@
         <p:txBody>
           <a:bodyPr/>
           <a:p>
-            <a:fld id="{FFB51C95-40A8-4DC1-B774-86279C321940}" type="slidenum">
+            <a:fld id="{1454910F-B7C0-4C5C-A181-CF069169CA8D}" type="slidenum">
               <a:t>&lt;#&gt;</a:t>
             </a:fld>
-          </a:p>
-        </p:txBody>
-      </p:sp>
-      <p:sp>
-        <p:nvSpPr>
-          <p:cNvPr id="11" name="PlaceHolder 10"/>
-          <p:cNvSpPr>
-            <a:spLocks noGrp="1"/>
-          </p:cNvSpPr>
-          <p:nvPr>
-            <p:ph type="dt" idx="10"/>
-          </p:nvPr>
-        </p:nvSpPr>
-        <p:spPr/>
-        <p:txBody>
-          <a:bodyPr/>
-          <a:p>
-            <a:r>
-              <a:rPr lang="en-IN"/>
-              <a:t/>
-            </a:r>
           </a:p>
         </p:txBody>
       </p:sp>
@@ -7664,7 +7413,7 @@
             <a:spLocks noGrp="1"/>
           </p:cNvSpPr>
           <p:nvPr>
-            <p:ph type="ftr" idx="11"/>
+            <p:ph type="ftr" idx="10"/>
           </p:nvPr>
         </p:nvSpPr>
         <p:spPr/>
@@ -7684,14 +7433,14 @@
             <a:spLocks noGrp="1"/>
           </p:cNvSpPr>
           <p:nvPr>
-            <p:ph type="sldNum" idx="12"/>
+            <p:ph type="sldNum" idx="11"/>
           </p:nvPr>
         </p:nvSpPr>
         <p:spPr/>
         <p:txBody>
           <a:bodyPr/>
           <a:p>
-            <a:fld id="{190B04A4-55B4-41F2-BC1B-EE5CED03E351}" type="slidenum">
+            <a:fld id="{A7785591-0547-4A53-8B2A-552CCDC1B5DD}" type="slidenum">
               <a:t>&lt;#&gt;</a:t>
             </a:fld>
           </a:p>
@@ -7732,7 +7481,7 @@
         <p:spPr>
           <a:xfrm>
             <a:off x="504000" y="226080"/>
-            <a:ext cx="9071640" cy="946080"/>
+            <a:ext cx="9071280" cy="945720"/>
           </a:xfrm>
           <a:prstGeom prst="rect">
             <a:avLst/>
@@ -7790,7 +7539,7 @@
         <p:txBody>
           <a:bodyPr/>
           <a:p>
-            <a:fld id="{13AC6E0C-3B76-4825-BB2A-4B695CDD046A}" type="slidenum">
+            <a:fld id="{2331E9D3-5BBC-4527-BCC1-1323352C228D}" type="slidenum">
               <a:t>&lt;#&gt;</a:t>
             </a:fld>
           </a:p>
@@ -7841,7 +7590,7 @@
       </p:grpSpPr>
       <p:sp>
         <p:nvSpPr>
-          <p:cNvPr id="214" name="PlaceHolder 1"/>
+          <p:cNvPr id="213" name="PlaceHolder 1"/>
           <p:cNvSpPr>
             <a:spLocks noGrp="1"/>
           </p:cNvSpPr>
@@ -7852,7 +7601,7 @@
         <p:spPr>
           <a:xfrm>
             <a:off x="504000" y="226080"/>
-            <a:ext cx="9071640" cy="946080"/>
+            <a:ext cx="9071280" cy="945720"/>
           </a:xfrm>
           <a:prstGeom prst="rect">
             <a:avLst/>
@@ -7878,7 +7627,7 @@
       </p:sp>
       <p:sp>
         <p:nvSpPr>
-          <p:cNvPr id="215" name="PlaceHolder 2"/>
+          <p:cNvPr id="214" name="PlaceHolder 2"/>
           <p:cNvSpPr>
             <a:spLocks noGrp="1"/>
           </p:cNvSpPr>
@@ -7889,7 +7638,7 @@
         <p:spPr>
           <a:xfrm>
             <a:off x="504000" y="1326600"/>
-            <a:ext cx="9072000" cy="3288600"/>
+            <a:ext cx="9071640" cy="3288240"/>
           </a:xfrm>
           <a:prstGeom prst="rect">
             <a:avLst/>
@@ -7920,7 +7669,7 @@
             <a:spLocks noGrp="1"/>
           </p:cNvSpPr>
           <p:nvPr>
-            <p:ph type="ftr" idx="11"/>
+            <p:ph type="ftr" idx="10"/>
           </p:nvPr>
         </p:nvSpPr>
         <p:spPr/>
@@ -7940,14 +7689,14 @@
             <a:spLocks noGrp="1"/>
           </p:cNvSpPr>
           <p:nvPr>
-            <p:ph type="sldNum" idx="12"/>
+            <p:ph type="sldNum" idx="11"/>
           </p:nvPr>
         </p:nvSpPr>
         <p:spPr/>
         <p:txBody>
           <a:bodyPr/>
           <a:p>
-            <a:fld id="{1C294BB7-957F-4D60-A057-F99116E8FF61}" type="slidenum">
+            <a:fld id="{ECEFC500-D55E-4214-963E-64301333EC1D}" type="slidenum">
               <a:t>&lt;#&gt;</a:t>
             </a:fld>
           </a:p>
@@ -7977,7 +7726,7 @@
       </p:grpSpPr>
       <p:sp>
         <p:nvSpPr>
-          <p:cNvPr id="216" name="PlaceHolder 1"/>
+          <p:cNvPr id="215" name="PlaceHolder 1"/>
           <p:cNvSpPr>
             <a:spLocks noGrp="1"/>
           </p:cNvSpPr>
@@ -7988,7 +7737,7 @@
         <p:spPr>
           <a:xfrm>
             <a:off x="504000" y="226080"/>
-            <a:ext cx="9071640" cy="946080"/>
+            <a:ext cx="9071280" cy="945720"/>
           </a:xfrm>
           <a:prstGeom prst="rect">
             <a:avLst/>
@@ -8014,7 +7763,7 @@
       </p:sp>
       <p:sp>
         <p:nvSpPr>
-          <p:cNvPr id="217" name="PlaceHolder 2"/>
+          <p:cNvPr id="216" name="PlaceHolder 2"/>
           <p:cNvSpPr>
             <a:spLocks noGrp="1"/>
           </p:cNvSpPr>
@@ -8025,7 +7774,7 @@
         <p:spPr>
           <a:xfrm>
             <a:off x="504000" y="1326600"/>
-            <a:ext cx="9072000" cy="3288600"/>
+            <a:ext cx="9071640" cy="3288240"/>
           </a:xfrm>
           <a:prstGeom prst="rect">
             <a:avLst/>
@@ -8053,7 +7802,7 @@
             <a:spLocks noGrp="1"/>
           </p:cNvSpPr>
           <p:nvPr>
-            <p:ph type="ftr" idx="11"/>
+            <p:ph type="ftr" idx="10"/>
           </p:nvPr>
         </p:nvSpPr>
         <p:spPr/>
@@ -8073,14 +7822,14 @@
             <a:spLocks noGrp="1"/>
           </p:cNvSpPr>
           <p:nvPr>
-            <p:ph type="sldNum" idx="12"/>
+            <p:ph type="sldNum" idx="11"/>
           </p:nvPr>
         </p:nvSpPr>
         <p:spPr/>
         <p:txBody>
           <a:bodyPr/>
           <a:p>
-            <a:fld id="{371AD3ED-C94F-4AE6-A7F7-8045C1DE02B7}" type="slidenum">
+            <a:fld id="{38484111-53A8-413A-B1C2-85FA79968555}" type="slidenum">
               <a:t>&lt;#&gt;</a:t>
             </a:fld>
           </a:p>
@@ -8110,7 +7859,7 @@
       </p:grpSpPr>
       <p:sp>
         <p:nvSpPr>
-          <p:cNvPr id="218" name="PlaceHolder 1"/>
+          <p:cNvPr id="217" name="PlaceHolder 1"/>
           <p:cNvSpPr>
             <a:spLocks noGrp="1"/>
           </p:cNvSpPr>
@@ -8121,7 +7870,7 @@
         <p:spPr>
           <a:xfrm>
             <a:off x="504000" y="226080"/>
-            <a:ext cx="9071640" cy="946080"/>
+            <a:ext cx="9071280" cy="945720"/>
           </a:xfrm>
           <a:prstGeom prst="rect">
             <a:avLst/>
@@ -8147,7 +7896,7 @@
       </p:sp>
       <p:sp>
         <p:nvSpPr>
-          <p:cNvPr id="219" name="PlaceHolder 2"/>
+          <p:cNvPr id="218" name="PlaceHolder 2"/>
           <p:cNvSpPr>
             <a:spLocks noGrp="1"/>
           </p:cNvSpPr>
@@ -8158,7 +7907,7 @@
         <p:spPr>
           <a:xfrm>
             <a:off x="504000" y="1326600"/>
-            <a:ext cx="4426920" cy="3288600"/>
+            <a:ext cx="4426920" cy="3288240"/>
           </a:xfrm>
           <a:prstGeom prst="rect">
             <a:avLst/>
@@ -8181,7 +7930,7 @@
       </p:sp>
       <p:sp>
         <p:nvSpPr>
-          <p:cNvPr id="220" name="PlaceHolder 3"/>
+          <p:cNvPr id="219" name="PlaceHolder 3"/>
           <p:cNvSpPr>
             <a:spLocks noGrp="1"/>
           </p:cNvSpPr>
@@ -8192,7 +7941,7 @@
         <p:spPr>
           <a:xfrm>
             <a:off x="5152680" y="1326600"/>
-            <a:ext cx="4426920" cy="3288600"/>
+            <a:ext cx="4426920" cy="3288240"/>
           </a:xfrm>
           <a:prstGeom prst="rect">
             <a:avLst/>
@@ -8220,7 +7969,7 @@
             <a:spLocks noGrp="1"/>
           </p:cNvSpPr>
           <p:nvPr>
-            <p:ph type="ftr" idx="11"/>
+            <p:ph type="ftr" idx="10"/>
           </p:nvPr>
         </p:nvSpPr>
         <p:spPr/>
@@ -8240,14 +7989,14 @@
             <a:spLocks noGrp="1"/>
           </p:cNvSpPr>
           <p:nvPr>
-            <p:ph type="sldNum" idx="12"/>
+            <p:ph type="sldNum" idx="11"/>
           </p:nvPr>
         </p:nvSpPr>
         <p:spPr/>
         <p:txBody>
           <a:bodyPr/>
           <a:p>
-            <a:fld id="{6A8D795C-29B8-4C80-8D9F-721CA6F63845}" type="slidenum">
+            <a:fld id="{15678A30-3856-42D6-AF4F-F3D70663E407}" type="slidenum">
               <a:t>&lt;#&gt;</a:t>
             </a:fld>
           </a:p>
@@ -8277,7 +8026,7 @@
       </p:grpSpPr>
       <p:sp>
         <p:nvSpPr>
-          <p:cNvPr id="221" name="PlaceHolder 1"/>
+          <p:cNvPr id="220" name="PlaceHolder 1"/>
           <p:cNvSpPr>
             <a:spLocks noGrp="1"/>
           </p:cNvSpPr>
@@ -8288,7 +8037,7 @@
         <p:spPr>
           <a:xfrm>
             <a:off x="504000" y="226080"/>
-            <a:ext cx="9071640" cy="946080"/>
+            <a:ext cx="9071280" cy="945720"/>
           </a:xfrm>
           <a:prstGeom prst="rect">
             <a:avLst/>
@@ -8319,7 +8068,7 @@
             <a:spLocks noGrp="1"/>
           </p:cNvSpPr>
           <p:nvPr>
-            <p:ph type="ftr" idx="11"/>
+            <p:ph type="ftr" idx="10"/>
           </p:nvPr>
         </p:nvSpPr>
         <p:spPr/>
@@ -8339,14 +8088,14 @@
             <a:spLocks noGrp="1"/>
           </p:cNvSpPr>
           <p:nvPr>
-            <p:ph type="sldNum" idx="12"/>
+            <p:ph type="sldNum" idx="11"/>
           </p:nvPr>
         </p:nvSpPr>
         <p:spPr/>
         <p:txBody>
           <a:bodyPr/>
           <a:p>
-            <a:fld id="{37E68656-905F-48CC-8C5D-FCB79D02A1FF}" type="slidenum">
+            <a:fld id="{30E6599A-ED6A-4692-B4B3-1F57DBA63B64}" type="slidenum">
               <a:t>&lt;#&gt;</a:t>
             </a:fld>
           </a:p>
@@ -8376,7 +8125,7 @@
       </p:grpSpPr>
       <p:sp>
         <p:nvSpPr>
-          <p:cNvPr id="222" name="PlaceHolder 1"/>
+          <p:cNvPr id="221" name="PlaceHolder 1"/>
           <p:cNvSpPr>
             <a:spLocks noGrp="1"/>
           </p:cNvSpPr>
@@ -8387,7 +8136,7 @@
         <p:spPr>
           <a:xfrm>
             <a:off x="504000" y="226080"/>
-            <a:ext cx="9071640" cy="4386600"/>
+            <a:ext cx="9071280" cy="4385160"/>
           </a:xfrm>
           <a:prstGeom prst="rect">
             <a:avLst/>
@@ -8418,7 +8167,7 @@
             <a:spLocks noGrp="1"/>
           </p:cNvSpPr>
           <p:nvPr>
-            <p:ph type="ftr" idx="11"/>
+            <p:ph type="ftr" idx="10"/>
           </p:nvPr>
         </p:nvSpPr>
         <p:spPr/>
@@ -8438,14 +8187,14 @@
             <a:spLocks noGrp="1"/>
           </p:cNvSpPr>
           <p:nvPr>
-            <p:ph type="sldNum" idx="12"/>
+            <p:ph type="sldNum" idx="11"/>
           </p:nvPr>
         </p:nvSpPr>
         <p:spPr/>
         <p:txBody>
           <a:bodyPr/>
           <a:p>
-            <a:fld id="{66AE7476-128F-4B56-9008-EC461D644ADB}" type="slidenum">
+            <a:fld id="{94CC8924-A6A7-40A8-A06D-4E621E47931D}" type="slidenum">
               <a:t>&lt;#&gt;</a:t>
             </a:fld>
           </a:p>
@@ -8475,7 +8224,7 @@
       </p:grpSpPr>
       <p:sp>
         <p:nvSpPr>
-          <p:cNvPr id="223" name="PlaceHolder 1"/>
+          <p:cNvPr id="222" name="PlaceHolder 1"/>
           <p:cNvSpPr>
             <a:spLocks noGrp="1"/>
           </p:cNvSpPr>
@@ -8486,7 +8235,7 @@
         <p:spPr>
           <a:xfrm>
             <a:off x="504000" y="226080"/>
-            <a:ext cx="9071640" cy="946080"/>
+            <a:ext cx="9071280" cy="945720"/>
           </a:xfrm>
           <a:prstGeom prst="rect">
             <a:avLst/>
@@ -8512,7 +8261,7 @@
       </p:sp>
       <p:sp>
         <p:nvSpPr>
-          <p:cNvPr id="224" name="PlaceHolder 2"/>
+          <p:cNvPr id="223" name="PlaceHolder 2"/>
           <p:cNvSpPr>
             <a:spLocks noGrp="1"/>
           </p:cNvSpPr>
@@ -8523,7 +8272,7 @@
         <p:spPr>
           <a:xfrm>
             <a:off x="504000" y="1326600"/>
-            <a:ext cx="4426920" cy="1568520"/>
+            <a:ext cx="4426920" cy="1568160"/>
           </a:xfrm>
           <a:prstGeom prst="rect">
             <a:avLst/>
@@ -8546,7 +8295,7 @@
       </p:sp>
       <p:sp>
         <p:nvSpPr>
-          <p:cNvPr id="225" name="PlaceHolder 3"/>
+          <p:cNvPr id="224" name="PlaceHolder 3"/>
           <p:cNvSpPr>
             <a:spLocks noGrp="1"/>
           </p:cNvSpPr>
@@ -8557,7 +8306,7 @@
         <p:spPr>
           <a:xfrm>
             <a:off x="5152680" y="1326600"/>
-            <a:ext cx="4426920" cy="3288600"/>
+            <a:ext cx="4426920" cy="3288240"/>
           </a:xfrm>
           <a:prstGeom prst="rect">
             <a:avLst/>
@@ -8580,7 +8329,7 @@
       </p:sp>
       <p:sp>
         <p:nvSpPr>
-          <p:cNvPr id="226" name="PlaceHolder 4"/>
+          <p:cNvPr id="225" name="PlaceHolder 4"/>
           <p:cNvSpPr>
             <a:spLocks noGrp="1"/>
           </p:cNvSpPr>
@@ -8590,8 +8339,8 @@
         </p:nvSpPr>
         <p:spPr>
           <a:xfrm>
-            <a:off x="504000" y="3044520"/>
-            <a:ext cx="4426920" cy="1568520"/>
+            <a:off x="504000" y="3044160"/>
+            <a:ext cx="4426920" cy="1568160"/>
           </a:xfrm>
           <a:prstGeom prst="rect">
             <a:avLst/>
@@ -8619,7 +8368,7 @@
             <a:spLocks noGrp="1"/>
           </p:cNvSpPr>
           <p:nvPr>
-            <p:ph type="ftr" idx="11"/>
+            <p:ph type="ftr" idx="10"/>
           </p:nvPr>
         </p:nvSpPr>
         <p:spPr/>
@@ -8639,14 +8388,14 @@
             <a:spLocks noGrp="1"/>
           </p:cNvSpPr>
           <p:nvPr>
-            <p:ph type="sldNum" idx="12"/>
+            <p:ph type="sldNum" idx="11"/>
           </p:nvPr>
         </p:nvSpPr>
         <p:spPr/>
         <p:txBody>
           <a:bodyPr/>
           <a:p>
-            <a:fld id="{7788B2F3-F73D-412F-BA79-11BBB12CC103}" type="slidenum">
+            <a:fld id="{55813C67-4AEB-4227-B591-705D2439AC3D}" type="slidenum">
               <a:t>&lt;#&gt;</a:t>
             </a:fld>
           </a:p>
@@ -8676,7 +8425,7 @@
       </p:grpSpPr>
       <p:sp>
         <p:nvSpPr>
-          <p:cNvPr id="227" name="PlaceHolder 1"/>
+          <p:cNvPr id="226" name="PlaceHolder 1"/>
           <p:cNvSpPr>
             <a:spLocks noGrp="1"/>
           </p:cNvSpPr>
@@ -8687,7 +8436,7 @@
         <p:spPr>
           <a:xfrm>
             <a:off x="504000" y="226080"/>
-            <a:ext cx="9071640" cy="946080"/>
+            <a:ext cx="9071280" cy="945720"/>
           </a:xfrm>
           <a:prstGeom prst="rect">
             <a:avLst/>
@@ -8713,7 +8462,7 @@
       </p:sp>
       <p:sp>
         <p:nvSpPr>
-          <p:cNvPr id="228" name="PlaceHolder 2"/>
+          <p:cNvPr id="227" name="PlaceHolder 2"/>
           <p:cNvSpPr>
             <a:spLocks noGrp="1"/>
           </p:cNvSpPr>
@@ -8724,7 +8473,7 @@
         <p:spPr>
           <a:xfrm>
             <a:off x="504000" y="1326600"/>
-            <a:ext cx="4426920" cy="3288600"/>
+            <a:ext cx="4426920" cy="3288240"/>
           </a:xfrm>
           <a:prstGeom prst="rect">
             <a:avLst/>
@@ -8747,7 +8496,7 @@
       </p:sp>
       <p:sp>
         <p:nvSpPr>
-          <p:cNvPr id="229" name="PlaceHolder 3"/>
+          <p:cNvPr id="228" name="PlaceHolder 3"/>
           <p:cNvSpPr>
             <a:spLocks noGrp="1"/>
           </p:cNvSpPr>
@@ -8758,7 +8507,7 @@
         <p:spPr>
           <a:xfrm>
             <a:off x="5152680" y="1326600"/>
-            <a:ext cx="4426920" cy="1568520"/>
+            <a:ext cx="4426920" cy="1568160"/>
           </a:xfrm>
           <a:prstGeom prst="rect">
             <a:avLst/>
@@ -8781,7 +8530,7 @@
       </p:sp>
       <p:sp>
         <p:nvSpPr>
-          <p:cNvPr id="230" name="PlaceHolder 4"/>
+          <p:cNvPr id="229" name="PlaceHolder 4"/>
           <p:cNvSpPr>
             <a:spLocks noGrp="1"/>
           </p:cNvSpPr>
@@ -8791,8 +8540,8 @@
         </p:nvSpPr>
         <p:spPr>
           <a:xfrm>
-            <a:off x="5152680" y="3044520"/>
-            <a:ext cx="4426920" cy="1568520"/>
+            <a:off x="5152680" y="3044160"/>
+            <a:ext cx="4426920" cy="1568160"/>
           </a:xfrm>
           <a:prstGeom prst="rect">
             <a:avLst/>
@@ -8820,7 +8569,7 @@
             <a:spLocks noGrp="1"/>
           </p:cNvSpPr>
           <p:nvPr>
-            <p:ph type="ftr" idx="11"/>
+            <p:ph type="ftr" idx="10"/>
           </p:nvPr>
         </p:nvSpPr>
         <p:spPr/>
@@ -8840,14 +8589,14 @@
             <a:spLocks noGrp="1"/>
           </p:cNvSpPr>
           <p:nvPr>
-            <p:ph type="sldNum" idx="12"/>
+            <p:ph type="sldNum" idx="11"/>
           </p:nvPr>
         </p:nvSpPr>
         <p:spPr/>
         <p:txBody>
           <a:bodyPr/>
           <a:p>
-            <a:fld id="{A55CA4A9-942E-4B92-AB87-8E075A6FE9B4}" type="slidenum">
+            <a:fld id="{BBED8FD2-3E83-40C0-8FDD-C200378191E4}" type="slidenum">
               <a:t>&lt;#&gt;</a:t>
             </a:fld>
           </a:p>
@@ -8877,7 +8626,7 @@
       </p:grpSpPr>
       <p:sp>
         <p:nvSpPr>
-          <p:cNvPr id="231" name="PlaceHolder 1"/>
+          <p:cNvPr id="230" name="PlaceHolder 1"/>
           <p:cNvSpPr>
             <a:spLocks noGrp="1"/>
           </p:cNvSpPr>
@@ -8888,7 +8637,7 @@
         <p:spPr>
           <a:xfrm>
             <a:off x="504000" y="226080"/>
-            <a:ext cx="9071640" cy="946080"/>
+            <a:ext cx="9071280" cy="945720"/>
           </a:xfrm>
           <a:prstGeom prst="rect">
             <a:avLst/>
@@ -8914,7 +8663,7 @@
       </p:sp>
       <p:sp>
         <p:nvSpPr>
-          <p:cNvPr id="232" name="PlaceHolder 2"/>
+          <p:cNvPr id="231" name="PlaceHolder 2"/>
           <p:cNvSpPr>
             <a:spLocks noGrp="1"/>
           </p:cNvSpPr>
@@ -8925,7 +8674,7 @@
         <p:spPr>
           <a:xfrm>
             <a:off x="504000" y="1326600"/>
-            <a:ext cx="4426920" cy="1568520"/>
+            <a:ext cx="4426920" cy="1568160"/>
           </a:xfrm>
           <a:prstGeom prst="rect">
             <a:avLst/>
@@ -8948,7 +8697,7 @@
       </p:sp>
       <p:sp>
         <p:nvSpPr>
-          <p:cNvPr id="233" name="PlaceHolder 3"/>
+          <p:cNvPr id="232" name="PlaceHolder 3"/>
           <p:cNvSpPr>
             <a:spLocks noGrp="1"/>
           </p:cNvSpPr>
@@ -8959,7 +8708,7 @@
         <p:spPr>
           <a:xfrm>
             <a:off x="5152680" y="1326600"/>
-            <a:ext cx="4426920" cy="1568520"/>
+            <a:ext cx="4426920" cy="1568160"/>
           </a:xfrm>
           <a:prstGeom prst="rect">
             <a:avLst/>
@@ -8982,7 +8731,7 @@
       </p:sp>
       <p:sp>
         <p:nvSpPr>
-          <p:cNvPr id="234" name="PlaceHolder 4"/>
+          <p:cNvPr id="233" name="PlaceHolder 4"/>
           <p:cNvSpPr>
             <a:spLocks noGrp="1"/>
           </p:cNvSpPr>
@@ -8992,8 +8741,8 @@
         </p:nvSpPr>
         <p:spPr>
           <a:xfrm>
-            <a:off x="504000" y="3044520"/>
-            <a:ext cx="9072000" cy="1568520"/>
+            <a:off x="504000" y="3044160"/>
+            <a:ext cx="9071640" cy="1568160"/>
           </a:xfrm>
           <a:prstGeom prst="rect">
             <a:avLst/>
@@ -9021,7 +8770,7 @@
             <a:spLocks noGrp="1"/>
           </p:cNvSpPr>
           <p:nvPr>
-            <p:ph type="ftr" idx="11"/>
+            <p:ph type="ftr" idx="10"/>
           </p:nvPr>
         </p:nvSpPr>
         <p:spPr/>
@@ -9041,14 +8790,14 @@
             <a:spLocks noGrp="1"/>
           </p:cNvSpPr>
           <p:nvPr>
-            <p:ph type="sldNum" idx="12"/>
+            <p:ph type="sldNum" idx="11"/>
           </p:nvPr>
         </p:nvSpPr>
         <p:spPr/>
         <p:txBody>
           <a:bodyPr/>
           <a:p>
-            <a:fld id="{E67D3F6B-B6B7-4188-84AA-3CF3841B7D05}" type="slidenum">
+            <a:fld id="{DA79A682-A1AB-4CD2-B22D-664822EF2A67}" type="slidenum">
               <a:t>&lt;#&gt;</a:t>
             </a:fld>
           </a:p>
@@ -9078,7 +8827,7 @@
       </p:grpSpPr>
       <p:sp>
         <p:nvSpPr>
-          <p:cNvPr id="235" name="PlaceHolder 1"/>
+          <p:cNvPr id="234" name="PlaceHolder 1"/>
           <p:cNvSpPr>
             <a:spLocks noGrp="1"/>
           </p:cNvSpPr>
@@ -9089,7 +8838,7 @@
         <p:spPr>
           <a:xfrm>
             <a:off x="504000" y="226080"/>
-            <a:ext cx="9071640" cy="946080"/>
+            <a:ext cx="9071280" cy="945720"/>
           </a:xfrm>
           <a:prstGeom prst="rect">
             <a:avLst/>
@@ -9115,7 +8864,7 @@
       </p:sp>
       <p:sp>
         <p:nvSpPr>
-          <p:cNvPr id="236" name="PlaceHolder 2"/>
+          <p:cNvPr id="235" name="PlaceHolder 2"/>
           <p:cNvSpPr>
             <a:spLocks noGrp="1"/>
           </p:cNvSpPr>
@@ -9126,7 +8875,7 @@
         <p:spPr>
           <a:xfrm>
             <a:off x="504000" y="1326600"/>
-            <a:ext cx="9072000" cy="1568520"/>
+            <a:ext cx="9071640" cy="1568160"/>
           </a:xfrm>
           <a:prstGeom prst="rect">
             <a:avLst/>
@@ -9149,7 +8898,7 @@
       </p:sp>
       <p:sp>
         <p:nvSpPr>
-          <p:cNvPr id="237" name="PlaceHolder 3"/>
+          <p:cNvPr id="236" name="PlaceHolder 3"/>
           <p:cNvSpPr>
             <a:spLocks noGrp="1"/>
           </p:cNvSpPr>
@@ -9159,8 +8908,8 @@
         </p:nvSpPr>
         <p:spPr>
           <a:xfrm>
-            <a:off x="504000" y="3044520"/>
-            <a:ext cx="9072000" cy="1568520"/>
+            <a:off x="504000" y="3044160"/>
+            <a:ext cx="9071640" cy="1568160"/>
           </a:xfrm>
           <a:prstGeom prst="rect">
             <a:avLst/>
@@ -9188,7 +8937,7 @@
             <a:spLocks noGrp="1"/>
           </p:cNvSpPr>
           <p:nvPr>
-            <p:ph type="ftr" idx="11"/>
+            <p:ph type="ftr" idx="10"/>
           </p:nvPr>
         </p:nvSpPr>
         <p:spPr/>
@@ -9208,14 +8957,14 @@
             <a:spLocks noGrp="1"/>
           </p:cNvSpPr>
           <p:nvPr>
-            <p:ph type="sldNum" idx="12"/>
+            <p:ph type="sldNum" idx="11"/>
           </p:nvPr>
         </p:nvSpPr>
         <p:spPr/>
         <p:txBody>
           <a:bodyPr/>
           <a:p>
-            <a:fld id="{BC00E614-7A61-457D-BA32-DE17B349582C}" type="slidenum">
+            <a:fld id="{BE84BFD9-C7B2-4E4B-B15C-624F3F3FDB5C}" type="slidenum">
               <a:t>&lt;#&gt;</a:t>
             </a:fld>
           </a:p>
@@ -9245,7 +8994,7 @@
       </p:grpSpPr>
       <p:sp>
         <p:nvSpPr>
-          <p:cNvPr id="238" name="PlaceHolder 1"/>
+          <p:cNvPr id="237" name="PlaceHolder 1"/>
           <p:cNvSpPr>
             <a:spLocks noGrp="1"/>
           </p:cNvSpPr>
@@ -9256,7 +9005,7 @@
         <p:spPr>
           <a:xfrm>
             <a:off x="504000" y="226080"/>
-            <a:ext cx="9071640" cy="946080"/>
+            <a:ext cx="9071280" cy="945720"/>
           </a:xfrm>
           <a:prstGeom prst="rect">
             <a:avLst/>
@@ -9282,7 +9031,7 @@
       </p:sp>
       <p:sp>
         <p:nvSpPr>
-          <p:cNvPr id="239" name="PlaceHolder 2"/>
+          <p:cNvPr id="238" name="PlaceHolder 2"/>
           <p:cNvSpPr>
             <a:spLocks noGrp="1"/>
           </p:cNvSpPr>
@@ -9293,7 +9042,7 @@
         <p:spPr>
           <a:xfrm>
             <a:off x="504000" y="1326600"/>
-            <a:ext cx="4426920" cy="1568520"/>
+            <a:ext cx="4426920" cy="1568160"/>
           </a:xfrm>
           <a:prstGeom prst="rect">
             <a:avLst/>
@@ -9316,7 +9065,7 @@
       </p:sp>
       <p:sp>
         <p:nvSpPr>
-          <p:cNvPr id="240" name="PlaceHolder 3"/>
+          <p:cNvPr id="239" name="PlaceHolder 3"/>
           <p:cNvSpPr>
             <a:spLocks noGrp="1"/>
           </p:cNvSpPr>
@@ -9327,7 +9076,7 @@
         <p:spPr>
           <a:xfrm>
             <a:off x="5152680" y="1326600"/>
-            <a:ext cx="4426920" cy="1568520"/>
+            <a:ext cx="4426920" cy="1568160"/>
           </a:xfrm>
           <a:prstGeom prst="rect">
             <a:avLst/>
@@ -9350,7 +9099,7 @@
       </p:sp>
       <p:sp>
         <p:nvSpPr>
-          <p:cNvPr id="241" name="PlaceHolder 4"/>
+          <p:cNvPr id="240" name="PlaceHolder 4"/>
           <p:cNvSpPr>
             <a:spLocks noGrp="1"/>
           </p:cNvSpPr>
@@ -9360,8 +9109,8 @@
         </p:nvSpPr>
         <p:spPr>
           <a:xfrm>
-            <a:off x="504000" y="3044520"/>
-            <a:ext cx="4426920" cy="1568520"/>
+            <a:off x="504000" y="3044160"/>
+            <a:ext cx="4426920" cy="1568160"/>
           </a:xfrm>
           <a:prstGeom prst="rect">
             <a:avLst/>
@@ -9384,7 +9133,7 @@
       </p:sp>
       <p:sp>
         <p:nvSpPr>
-          <p:cNvPr id="242" name="PlaceHolder 5"/>
+          <p:cNvPr id="241" name="PlaceHolder 5"/>
           <p:cNvSpPr>
             <a:spLocks noGrp="1"/>
           </p:cNvSpPr>
@@ -9394,8 +9143,8 @@
         </p:nvSpPr>
         <p:spPr>
           <a:xfrm>
-            <a:off x="5152680" y="3044520"/>
-            <a:ext cx="4426920" cy="1568520"/>
+            <a:off x="5152680" y="3044160"/>
+            <a:ext cx="4426920" cy="1568160"/>
           </a:xfrm>
           <a:prstGeom prst="rect">
             <a:avLst/>
@@ -9423,7 +9172,7 @@
             <a:spLocks noGrp="1"/>
           </p:cNvSpPr>
           <p:nvPr>
-            <p:ph type="ftr" idx="11"/>
+            <p:ph type="ftr" idx="10"/>
           </p:nvPr>
         </p:nvSpPr>
         <p:spPr/>
@@ -9443,14 +9192,14 @@
             <a:spLocks noGrp="1"/>
           </p:cNvSpPr>
           <p:nvPr>
-            <p:ph type="sldNum" idx="12"/>
+            <p:ph type="sldNum" idx="11"/>
           </p:nvPr>
         </p:nvSpPr>
         <p:spPr/>
         <p:txBody>
           <a:bodyPr/>
           <a:p>
-            <a:fld id="{D64950B9-8F9D-4325-8E2E-968BFDFD8378}" type="slidenum">
+            <a:fld id="{82B7FCE2-A825-4222-BCBB-48ACFE48377F}" type="slidenum">
               <a:t>&lt;#&gt;</a:t>
             </a:fld>
           </a:p>
@@ -9491,7 +9240,7 @@
         <p:spPr>
           <a:xfrm>
             <a:off x="504000" y="226080"/>
-            <a:ext cx="9071640" cy="4386600"/>
+            <a:ext cx="9071280" cy="4385160"/>
           </a:xfrm>
           <a:prstGeom prst="rect">
             <a:avLst/>
@@ -9549,7 +9298,7 @@
         <p:txBody>
           <a:bodyPr/>
           <a:p>
-            <a:fld id="{BC002E31-8A1F-455F-80C9-44F6C7CBBD91}" type="slidenum">
+            <a:fld id="{C0FAB885-DDBE-4DEB-8F62-CA7AE8CE90FE}" type="slidenum">
               <a:t>&lt;#&gt;</a:t>
             </a:fld>
           </a:p>
@@ -9600,7 +9349,7 @@
       </p:grpSpPr>
       <p:sp>
         <p:nvSpPr>
-          <p:cNvPr id="243" name="PlaceHolder 1"/>
+          <p:cNvPr id="242" name="PlaceHolder 1"/>
           <p:cNvSpPr>
             <a:spLocks noGrp="1"/>
           </p:cNvSpPr>
@@ -9611,7 +9360,7 @@
         <p:spPr>
           <a:xfrm>
             <a:off x="504000" y="226080"/>
-            <a:ext cx="9071640" cy="946080"/>
+            <a:ext cx="9071280" cy="945720"/>
           </a:xfrm>
           <a:prstGeom prst="rect">
             <a:avLst/>
@@ -9637,7 +9386,7 @@
       </p:sp>
       <p:sp>
         <p:nvSpPr>
-          <p:cNvPr id="244" name="PlaceHolder 2"/>
+          <p:cNvPr id="243" name="PlaceHolder 2"/>
           <p:cNvSpPr>
             <a:spLocks noGrp="1"/>
           </p:cNvSpPr>
@@ -9648,7 +9397,7 @@
         <p:spPr>
           <a:xfrm>
             <a:off x="504000" y="1326600"/>
-            <a:ext cx="2921040" cy="1568520"/>
+            <a:ext cx="2920680" cy="1568160"/>
           </a:xfrm>
           <a:prstGeom prst="rect">
             <a:avLst/>
@@ -9671,7 +9420,7 @@
       </p:sp>
       <p:sp>
         <p:nvSpPr>
-          <p:cNvPr id="245" name="PlaceHolder 3"/>
+          <p:cNvPr id="244" name="PlaceHolder 3"/>
           <p:cNvSpPr>
             <a:spLocks noGrp="1"/>
           </p:cNvSpPr>
@@ -9681,8 +9430,8 @@
         </p:nvSpPr>
         <p:spPr>
           <a:xfrm>
-            <a:off x="3571560" y="1326600"/>
-            <a:ext cx="2921040" cy="1568520"/>
+            <a:off x="3571200" y="1326600"/>
+            <a:ext cx="2920680" cy="1568160"/>
           </a:xfrm>
           <a:prstGeom prst="rect">
             <a:avLst/>
@@ -9705,7 +9454,7 @@
       </p:sp>
       <p:sp>
         <p:nvSpPr>
-          <p:cNvPr id="246" name="PlaceHolder 4"/>
+          <p:cNvPr id="245" name="PlaceHolder 4"/>
           <p:cNvSpPr>
             <a:spLocks noGrp="1"/>
           </p:cNvSpPr>
@@ -9715,8 +9464,8 @@
         </p:nvSpPr>
         <p:spPr>
           <a:xfrm>
-            <a:off x="6639120" y="1326600"/>
-            <a:ext cx="2921040" cy="1568520"/>
+            <a:off x="6638040" y="1326600"/>
+            <a:ext cx="2920680" cy="1568160"/>
           </a:xfrm>
           <a:prstGeom prst="rect">
             <a:avLst/>
@@ -9739,7 +9488,7 @@
       </p:sp>
       <p:sp>
         <p:nvSpPr>
-          <p:cNvPr id="247" name="PlaceHolder 5"/>
+          <p:cNvPr id="246" name="PlaceHolder 5"/>
           <p:cNvSpPr>
             <a:spLocks noGrp="1"/>
           </p:cNvSpPr>
@@ -9749,8 +9498,8 @@
         </p:nvSpPr>
         <p:spPr>
           <a:xfrm>
-            <a:off x="504000" y="3044520"/>
-            <a:ext cx="2921040" cy="1568520"/>
+            <a:off x="504000" y="3044160"/>
+            <a:ext cx="2920680" cy="1568160"/>
           </a:xfrm>
           <a:prstGeom prst="rect">
             <a:avLst/>
@@ -9773,7 +9522,7 @@
       </p:sp>
       <p:sp>
         <p:nvSpPr>
-          <p:cNvPr id="248" name="PlaceHolder 6"/>
+          <p:cNvPr id="247" name="PlaceHolder 6"/>
           <p:cNvSpPr>
             <a:spLocks noGrp="1"/>
           </p:cNvSpPr>
@@ -9783,8 +9532,8 @@
         </p:nvSpPr>
         <p:spPr>
           <a:xfrm>
-            <a:off x="3571560" y="3044520"/>
-            <a:ext cx="2921040" cy="1568520"/>
+            <a:off x="3571200" y="3044160"/>
+            <a:ext cx="2920680" cy="1568160"/>
           </a:xfrm>
           <a:prstGeom prst="rect">
             <a:avLst/>
@@ -9807,7 +9556,7 @@
       </p:sp>
       <p:sp>
         <p:nvSpPr>
-          <p:cNvPr id="249" name="PlaceHolder 7"/>
+          <p:cNvPr id="248" name="PlaceHolder 7"/>
           <p:cNvSpPr>
             <a:spLocks noGrp="1"/>
           </p:cNvSpPr>
@@ -9817,8 +9566,8 @@
         </p:nvSpPr>
         <p:spPr>
           <a:xfrm>
-            <a:off x="6639120" y="3044520"/>
-            <a:ext cx="2921040" cy="1568520"/>
+            <a:off x="6638040" y="3044160"/>
+            <a:ext cx="2920680" cy="1568160"/>
           </a:xfrm>
           <a:prstGeom prst="rect">
             <a:avLst/>
@@ -9846,7 +9595,7 @@
             <a:spLocks noGrp="1"/>
           </p:cNvSpPr>
           <p:nvPr>
-            <p:ph type="ftr" idx="11"/>
+            <p:ph type="ftr" idx="10"/>
           </p:nvPr>
         </p:nvSpPr>
         <p:spPr/>
@@ -9866,16 +9615,1504 @@
             <a:spLocks noGrp="1"/>
           </p:cNvSpPr>
           <p:nvPr>
-            <p:ph type="sldNum" idx="12"/>
+            <p:ph type="sldNum" idx="11"/>
           </p:nvPr>
         </p:nvSpPr>
         <p:spPr/>
         <p:txBody>
           <a:bodyPr/>
           <a:p>
-            <a:fld id="{B8DF3397-E2F7-407C-9A64-87A23F6B623C}" type="slidenum">
+            <a:fld id="{28BB4AF6-63F2-42FB-A1B7-9D34FE847CA8}" type="slidenum">
               <a:t>&lt;#&gt;</a:t>
             </a:fld>
+          </a:p>
+        </p:txBody>
+      </p:sp>
+    </p:spTree>
+  </p:cSld>
+</p:sldLayout>
+</file>
+
+<file path=ppt/slideLayouts/slideLayout61.xml><?xml version="1.0" encoding="utf-8"?>
+<p:sldLayout xmlns:a="http://schemas.openxmlformats.org/drawingml/2006/main" xmlns:p="http://schemas.openxmlformats.org/presentationml/2006/main" xmlns:r="http://schemas.openxmlformats.org/officeDocument/2006/relationships" xmlns:p14="http://schemas.microsoft.com/office/powerpoint/2010/main" xmlns:p15="http://schemas.microsoft.com/office/powerpoint/2012/main" xmlns:mc="http://schemas.openxmlformats.org/markup-compatibility/2006" type="blank" preserve="1">
+  <p:cSld name="Blank Slide">
+    <p:spTree>
+      <p:nvGrpSpPr>
+        <p:cNvPr id="1" name=""/>
+        <p:cNvGrpSpPr/>
+        <p:nvPr/>
+      </p:nvGrpSpPr>
+      <p:grpSpPr>
+        <a:xfrm>
+          <a:off x="0" y="0"/>
+          <a:ext cx="0" cy="0"/>
+          <a:chOff x="0" y="0"/>
+          <a:chExt cx="0" cy="0"/>
+        </a:xfrm>
+      </p:grpSpPr>
+      <p:sp>
+        <p:nvSpPr>
+          <p:cNvPr id="2" name="PlaceHolder 1"/>
+          <p:cNvSpPr>
+            <a:spLocks noGrp="1"/>
+          </p:cNvSpPr>
+          <p:nvPr>
+            <p:ph type="ftr" idx="12"/>
+          </p:nvPr>
+        </p:nvSpPr>
+        <p:spPr/>
+        <p:txBody>
+          <a:bodyPr/>
+          <a:p>
+            <a:r>
+              <a:t>Footer</a:t>
+            </a:r>
+          </a:p>
+        </p:txBody>
+      </p:sp>
+      <p:sp>
+        <p:nvSpPr>
+          <p:cNvPr id="3" name="PlaceHolder 2"/>
+          <p:cNvSpPr>
+            <a:spLocks noGrp="1"/>
+          </p:cNvSpPr>
+          <p:nvPr>
+            <p:ph type="sldNum" idx="13"/>
+          </p:nvPr>
+        </p:nvSpPr>
+        <p:spPr/>
+        <p:txBody>
+          <a:bodyPr/>
+          <a:p>
+            <a:fld id="{069797C0-05F1-4773-9257-895CA0802419}" type="slidenum">
+              <a:t>&lt;#&gt;</a:t>
+            </a:fld>
+          </a:p>
+        </p:txBody>
+      </p:sp>
+      <p:sp>
+        <p:nvSpPr>
+          <p:cNvPr id="4" name="PlaceHolder 3"/>
+          <p:cNvSpPr>
+            <a:spLocks noGrp="1"/>
+          </p:cNvSpPr>
+          <p:nvPr>
+            <p:ph type="dt" idx="14"/>
+          </p:nvPr>
+        </p:nvSpPr>
+        <p:spPr/>
+        <p:txBody>
+          <a:bodyPr/>
+          <a:p>
+            <a:r>
+              <a:rPr lang="en-IN"/>
+              <a:t/>
+            </a:r>
+          </a:p>
+        </p:txBody>
+      </p:sp>
+    </p:spTree>
+  </p:cSld>
+</p:sldLayout>
+</file>
+
+<file path=ppt/slideLayouts/slideLayout62.xml><?xml version="1.0" encoding="utf-8"?>
+<p:sldLayout xmlns:a="http://schemas.openxmlformats.org/drawingml/2006/main" xmlns:p="http://schemas.openxmlformats.org/presentationml/2006/main" xmlns:r="http://schemas.openxmlformats.org/officeDocument/2006/relationships" xmlns:p14="http://schemas.microsoft.com/office/powerpoint/2010/main" xmlns:p15="http://schemas.microsoft.com/office/powerpoint/2012/main" xmlns:mc="http://schemas.openxmlformats.org/markup-compatibility/2006" type="tx" preserve="1">
+  <p:cSld name="Title Slide">
+    <p:spTree>
+      <p:nvGrpSpPr>
+        <p:cNvPr id="1" name=""/>
+        <p:cNvGrpSpPr/>
+        <p:nvPr/>
+      </p:nvGrpSpPr>
+      <p:grpSpPr>
+        <a:xfrm>
+          <a:off x="0" y="0"/>
+          <a:ext cx="0" cy="0"/>
+          <a:chOff x="0" y="0"/>
+          <a:chExt cx="0" cy="0"/>
+        </a:xfrm>
+      </p:grpSpPr>
+      <p:sp>
+        <p:nvSpPr>
+          <p:cNvPr id="263" name="PlaceHolder 1"/>
+          <p:cNvSpPr>
+            <a:spLocks noGrp="1"/>
+          </p:cNvSpPr>
+          <p:nvPr>
+            <p:ph type="title"/>
+          </p:nvPr>
+        </p:nvSpPr>
+        <p:spPr>
+          <a:xfrm>
+            <a:off x="504000" y="226080"/>
+            <a:ext cx="9071280" cy="945720"/>
+          </a:xfrm>
+          <a:prstGeom prst="rect">
+            <a:avLst/>
+          </a:prstGeom>
+          <a:noFill/>
+          <a:ln w="0">
+            <a:noFill/>
+          </a:ln>
+        </p:spPr>
+        <p:txBody>
+          <a:bodyPr lIns="0" rIns="0" tIns="0" bIns="0" anchor="ctr">
+            <a:noAutofit/>
+          </a:bodyPr>
+          <a:p>
+            <a:pPr algn="ctr">
+              <a:buNone/>
+            </a:pPr>
+            <a:endParaRPr b="0" lang="en-IN" sz="4400" spc="-1" strike="noStrike">
+              <a:latin typeface="Arial"/>
+            </a:endParaRPr>
+          </a:p>
+        </p:txBody>
+      </p:sp>
+      <p:sp>
+        <p:nvSpPr>
+          <p:cNvPr id="264" name="PlaceHolder 2"/>
+          <p:cNvSpPr>
+            <a:spLocks noGrp="1"/>
+          </p:cNvSpPr>
+          <p:nvPr>
+            <p:ph type="subTitle"/>
+          </p:nvPr>
+        </p:nvSpPr>
+        <p:spPr>
+          <a:xfrm>
+            <a:off x="504000" y="1326600"/>
+            <a:ext cx="9071640" cy="3288240"/>
+          </a:xfrm>
+          <a:prstGeom prst="rect">
+            <a:avLst/>
+          </a:prstGeom>
+          <a:noFill/>
+          <a:ln w="0">
+            <a:noFill/>
+          </a:ln>
+        </p:spPr>
+        <p:txBody>
+          <a:bodyPr lIns="0" rIns="0" tIns="0" bIns="0" anchor="ctr">
+            <a:noAutofit/>
+          </a:bodyPr>
+          <a:p>
+            <a:pPr algn="ctr">
+              <a:buNone/>
+            </a:pPr>
+            <a:endParaRPr b="0" lang="en-IN" sz="3200" spc="-1" strike="noStrike">
+              <a:latin typeface="Arial"/>
+            </a:endParaRPr>
+          </a:p>
+        </p:txBody>
+      </p:sp>
+      <p:sp>
+        <p:nvSpPr>
+          <p:cNvPr id="4" name="PlaceHolder 3"/>
+          <p:cNvSpPr>
+            <a:spLocks noGrp="1"/>
+          </p:cNvSpPr>
+          <p:nvPr>
+            <p:ph type="ftr" idx="12"/>
+          </p:nvPr>
+        </p:nvSpPr>
+        <p:spPr/>
+        <p:txBody>
+          <a:bodyPr/>
+          <a:p>
+            <a:r>
+              <a:t>Footer</a:t>
+            </a:r>
+          </a:p>
+        </p:txBody>
+      </p:sp>
+      <p:sp>
+        <p:nvSpPr>
+          <p:cNvPr id="5" name="PlaceHolder 4"/>
+          <p:cNvSpPr>
+            <a:spLocks noGrp="1"/>
+          </p:cNvSpPr>
+          <p:nvPr>
+            <p:ph type="sldNum" idx="13"/>
+          </p:nvPr>
+        </p:nvSpPr>
+        <p:spPr/>
+        <p:txBody>
+          <a:bodyPr/>
+          <a:p>
+            <a:fld id="{A3CF7888-11AA-421C-AF99-1F37F115FEF3}" type="slidenum">
+              <a:t>&lt;#&gt;</a:t>
+            </a:fld>
+          </a:p>
+        </p:txBody>
+      </p:sp>
+      <p:sp>
+        <p:nvSpPr>
+          <p:cNvPr id="6" name="PlaceHolder 5"/>
+          <p:cNvSpPr>
+            <a:spLocks noGrp="1"/>
+          </p:cNvSpPr>
+          <p:nvPr>
+            <p:ph type="dt" idx="14"/>
+          </p:nvPr>
+        </p:nvSpPr>
+        <p:spPr/>
+        <p:txBody>
+          <a:bodyPr/>
+          <a:p>
+            <a:r>
+              <a:rPr lang="en-IN"/>
+              <a:t/>
+            </a:r>
+          </a:p>
+        </p:txBody>
+      </p:sp>
+    </p:spTree>
+  </p:cSld>
+</p:sldLayout>
+</file>
+
+<file path=ppt/slideLayouts/slideLayout63.xml><?xml version="1.0" encoding="utf-8"?>
+<p:sldLayout xmlns:a="http://schemas.openxmlformats.org/drawingml/2006/main" xmlns:p="http://schemas.openxmlformats.org/presentationml/2006/main" xmlns:r="http://schemas.openxmlformats.org/officeDocument/2006/relationships" xmlns:p14="http://schemas.microsoft.com/office/powerpoint/2010/main" xmlns:p15="http://schemas.microsoft.com/office/powerpoint/2012/main" xmlns:mc="http://schemas.openxmlformats.org/markup-compatibility/2006" type="obj" preserve="1">
+  <p:cSld name="Title, Content">
+    <p:spTree>
+      <p:nvGrpSpPr>
+        <p:cNvPr id="1" name=""/>
+        <p:cNvGrpSpPr/>
+        <p:nvPr/>
+      </p:nvGrpSpPr>
+      <p:grpSpPr>
+        <a:xfrm>
+          <a:off x="0" y="0"/>
+          <a:ext cx="0" cy="0"/>
+          <a:chOff x="0" y="0"/>
+          <a:chExt cx="0" cy="0"/>
+        </a:xfrm>
+      </p:grpSpPr>
+      <p:sp>
+        <p:nvSpPr>
+          <p:cNvPr id="265" name="PlaceHolder 1"/>
+          <p:cNvSpPr>
+            <a:spLocks noGrp="1"/>
+          </p:cNvSpPr>
+          <p:nvPr>
+            <p:ph type="title"/>
+          </p:nvPr>
+        </p:nvSpPr>
+        <p:spPr>
+          <a:xfrm>
+            <a:off x="504000" y="226080"/>
+            <a:ext cx="9071280" cy="945720"/>
+          </a:xfrm>
+          <a:prstGeom prst="rect">
+            <a:avLst/>
+          </a:prstGeom>
+          <a:noFill/>
+          <a:ln w="0">
+            <a:noFill/>
+          </a:ln>
+        </p:spPr>
+        <p:txBody>
+          <a:bodyPr lIns="0" rIns="0" tIns="0" bIns="0" anchor="ctr">
+            <a:noAutofit/>
+          </a:bodyPr>
+          <a:p>
+            <a:pPr algn="ctr">
+              <a:buNone/>
+            </a:pPr>
+            <a:endParaRPr b="0" lang="en-IN" sz="4400" spc="-1" strike="noStrike">
+              <a:latin typeface="Arial"/>
+            </a:endParaRPr>
+          </a:p>
+        </p:txBody>
+      </p:sp>
+      <p:sp>
+        <p:nvSpPr>
+          <p:cNvPr id="266" name="PlaceHolder 2"/>
+          <p:cNvSpPr>
+            <a:spLocks noGrp="1"/>
+          </p:cNvSpPr>
+          <p:nvPr>
+            <p:ph/>
+          </p:nvPr>
+        </p:nvSpPr>
+        <p:spPr>
+          <a:xfrm>
+            <a:off x="504000" y="1326600"/>
+            <a:ext cx="9071640" cy="3288240"/>
+          </a:xfrm>
+          <a:prstGeom prst="rect">
+            <a:avLst/>
+          </a:prstGeom>
+          <a:noFill/>
+          <a:ln w="0">
+            <a:noFill/>
+          </a:ln>
+        </p:spPr>
+        <p:txBody>
+          <a:bodyPr lIns="0" rIns="0" tIns="0" bIns="0" anchor="t">
+            <a:normAutofit/>
+          </a:bodyPr>
+          <a:p>
+            <a:endParaRPr b="0" lang="en-IN" sz="3200" spc="-1" strike="noStrike">
+              <a:latin typeface="Arial"/>
+            </a:endParaRPr>
+          </a:p>
+        </p:txBody>
+      </p:sp>
+      <p:sp>
+        <p:nvSpPr>
+          <p:cNvPr id="4" name="PlaceHolder 3"/>
+          <p:cNvSpPr>
+            <a:spLocks noGrp="1"/>
+          </p:cNvSpPr>
+          <p:nvPr>
+            <p:ph type="ftr" idx="12"/>
+          </p:nvPr>
+        </p:nvSpPr>
+        <p:spPr/>
+        <p:txBody>
+          <a:bodyPr/>
+          <a:p>
+            <a:r>
+              <a:t>Footer</a:t>
+            </a:r>
+          </a:p>
+        </p:txBody>
+      </p:sp>
+      <p:sp>
+        <p:nvSpPr>
+          <p:cNvPr id="5" name="PlaceHolder 4"/>
+          <p:cNvSpPr>
+            <a:spLocks noGrp="1"/>
+          </p:cNvSpPr>
+          <p:nvPr>
+            <p:ph type="sldNum" idx="13"/>
+          </p:nvPr>
+        </p:nvSpPr>
+        <p:spPr/>
+        <p:txBody>
+          <a:bodyPr/>
+          <a:p>
+            <a:fld id="{7838CE99-5529-4225-9AC9-1F2DA29E714A}" type="slidenum">
+              <a:t>&lt;#&gt;</a:t>
+            </a:fld>
+          </a:p>
+        </p:txBody>
+      </p:sp>
+      <p:sp>
+        <p:nvSpPr>
+          <p:cNvPr id="6" name="PlaceHolder 5"/>
+          <p:cNvSpPr>
+            <a:spLocks noGrp="1"/>
+          </p:cNvSpPr>
+          <p:nvPr>
+            <p:ph type="dt" idx="14"/>
+          </p:nvPr>
+        </p:nvSpPr>
+        <p:spPr/>
+        <p:txBody>
+          <a:bodyPr/>
+          <a:p>
+            <a:r>
+              <a:rPr lang="en-IN"/>
+              <a:t/>
+            </a:r>
+          </a:p>
+        </p:txBody>
+      </p:sp>
+    </p:spTree>
+  </p:cSld>
+</p:sldLayout>
+</file>
+
+<file path=ppt/slideLayouts/slideLayout64.xml><?xml version="1.0" encoding="utf-8"?>
+<p:sldLayout xmlns:a="http://schemas.openxmlformats.org/drawingml/2006/main" xmlns:p="http://schemas.openxmlformats.org/presentationml/2006/main" xmlns:r="http://schemas.openxmlformats.org/officeDocument/2006/relationships" xmlns:p14="http://schemas.microsoft.com/office/powerpoint/2010/main" xmlns:p15="http://schemas.microsoft.com/office/powerpoint/2012/main" xmlns:mc="http://schemas.openxmlformats.org/markup-compatibility/2006" type="twoObj" preserve="1">
+  <p:cSld name="Title, 2 Content">
+    <p:spTree>
+      <p:nvGrpSpPr>
+        <p:cNvPr id="1" name=""/>
+        <p:cNvGrpSpPr/>
+        <p:nvPr/>
+      </p:nvGrpSpPr>
+      <p:grpSpPr>
+        <a:xfrm>
+          <a:off x="0" y="0"/>
+          <a:ext cx="0" cy="0"/>
+          <a:chOff x="0" y="0"/>
+          <a:chExt cx="0" cy="0"/>
+        </a:xfrm>
+      </p:grpSpPr>
+      <p:sp>
+        <p:nvSpPr>
+          <p:cNvPr id="267" name="PlaceHolder 1"/>
+          <p:cNvSpPr>
+            <a:spLocks noGrp="1"/>
+          </p:cNvSpPr>
+          <p:nvPr>
+            <p:ph type="title"/>
+          </p:nvPr>
+        </p:nvSpPr>
+        <p:spPr>
+          <a:xfrm>
+            <a:off x="504000" y="226080"/>
+            <a:ext cx="9071280" cy="945720"/>
+          </a:xfrm>
+          <a:prstGeom prst="rect">
+            <a:avLst/>
+          </a:prstGeom>
+          <a:noFill/>
+          <a:ln w="0">
+            <a:noFill/>
+          </a:ln>
+        </p:spPr>
+        <p:txBody>
+          <a:bodyPr lIns="0" rIns="0" tIns="0" bIns="0" anchor="ctr">
+            <a:noAutofit/>
+          </a:bodyPr>
+          <a:p>
+            <a:pPr algn="ctr">
+              <a:buNone/>
+            </a:pPr>
+            <a:endParaRPr b="0" lang="en-IN" sz="4400" spc="-1" strike="noStrike">
+              <a:latin typeface="Arial"/>
+            </a:endParaRPr>
+          </a:p>
+        </p:txBody>
+      </p:sp>
+      <p:sp>
+        <p:nvSpPr>
+          <p:cNvPr id="268" name="PlaceHolder 2"/>
+          <p:cNvSpPr>
+            <a:spLocks noGrp="1"/>
+          </p:cNvSpPr>
+          <p:nvPr>
+            <p:ph/>
+          </p:nvPr>
+        </p:nvSpPr>
+        <p:spPr>
+          <a:xfrm>
+            <a:off x="504000" y="1326600"/>
+            <a:ext cx="4426920" cy="3288240"/>
+          </a:xfrm>
+          <a:prstGeom prst="rect">
+            <a:avLst/>
+          </a:prstGeom>
+          <a:noFill/>
+          <a:ln w="0">
+            <a:noFill/>
+          </a:ln>
+        </p:spPr>
+        <p:txBody>
+          <a:bodyPr lIns="0" rIns="0" tIns="0" bIns="0" anchor="t">
+            <a:normAutofit/>
+          </a:bodyPr>
+          <a:p>
+            <a:endParaRPr b="0" lang="en-IN" sz="3200" spc="-1" strike="noStrike">
+              <a:latin typeface="Arial"/>
+            </a:endParaRPr>
+          </a:p>
+        </p:txBody>
+      </p:sp>
+      <p:sp>
+        <p:nvSpPr>
+          <p:cNvPr id="269" name="PlaceHolder 3"/>
+          <p:cNvSpPr>
+            <a:spLocks noGrp="1"/>
+          </p:cNvSpPr>
+          <p:nvPr>
+            <p:ph/>
+          </p:nvPr>
+        </p:nvSpPr>
+        <p:spPr>
+          <a:xfrm>
+            <a:off x="5152680" y="1326600"/>
+            <a:ext cx="4426920" cy="3288240"/>
+          </a:xfrm>
+          <a:prstGeom prst="rect">
+            <a:avLst/>
+          </a:prstGeom>
+          <a:noFill/>
+          <a:ln w="0">
+            <a:noFill/>
+          </a:ln>
+        </p:spPr>
+        <p:txBody>
+          <a:bodyPr lIns="0" rIns="0" tIns="0" bIns="0" anchor="t">
+            <a:normAutofit/>
+          </a:bodyPr>
+          <a:p>
+            <a:endParaRPr b="0" lang="en-IN" sz="3200" spc="-1" strike="noStrike">
+              <a:latin typeface="Arial"/>
+            </a:endParaRPr>
+          </a:p>
+        </p:txBody>
+      </p:sp>
+      <p:sp>
+        <p:nvSpPr>
+          <p:cNvPr id="5" name="PlaceHolder 4"/>
+          <p:cNvSpPr>
+            <a:spLocks noGrp="1"/>
+          </p:cNvSpPr>
+          <p:nvPr>
+            <p:ph type="ftr" idx="12"/>
+          </p:nvPr>
+        </p:nvSpPr>
+        <p:spPr/>
+        <p:txBody>
+          <a:bodyPr/>
+          <a:p>
+            <a:r>
+              <a:t>Footer</a:t>
+            </a:r>
+          </a:p>
+        </p:txBody>
+      </p:sp>
+      <p:sp>
+        <p:nvSpPr>
+          <p:cNvPr id="6" name="PlaceHolder 5"/>
+          <p:cNvSpPr>
+            <a:spLocks noGrp="1"/>
+          </p:cNvSpPr>
+          <p:nvPr>
+            <p:ph type="sldNum" idx="13"/>
+          </p:nvPr>
+        </p:nvSpPr>
+        <p:spPr/>
+        <p:txBody>
+          <a:bodyPr/>
+          <a:p>
+            <a:fld id="{F875ACB0-3D68-42A5-B864-A8030B9C7C4C}" type="slidenum">
+              <a:t>&lt;#&gt;</a:t>
+            </a:fld>
+          </a:p>
+        </p:txBody>
+      </p:sp>
+      <p:sp>
+        <p:nvSpPr>
+          <p:cNvPr id="7" name="PlaceHolder 6"/>
+          <p:cNvSpPr>
+            <a:spLocks noGrp="1"/>
+          </p:cNvSpPr>
+          <p:nvPr>
+            <p:ph type="dt" idx="14"/>
+          </p:nvPr>
+        </p:nvSpPr>
+        <p:spPr/>
+        <p:txBody>
+          <a:bodyPr/>
+          <a:p>
+            <a:r>
+              <a:rPr lang="en-IN"/>
+              <a:t/>
+            </a:r>
+          </a:p>
+        </p:txBody>
+      </p:sp>
+    </p:spTree>
+  </p:cSld>
+</p:sldLayout>
+</file>
+
+<file path=ppt/slideLayouts/slideLayout65.xml><?xml version="1.0" encoding="utf-8"?>
+<p:sldLayout xmlns:a="http://schemas.openxmlformats.org/drawingml/2006/main" xmlns:p="http://schemas.openxmlformats.org/presentationml/2006/main" xmlns:r="http://schemas.openxmlformats.org/officeDocument/2006/relationships" xmlns:p14="http://schemas.microsoft.com/office/powerpoint/2010/main" xmlns:p15="http://schemas.microsoft.com/office/powerpoint/2012/main" xmlns:mc="http://schemas.openxmlformats.org/markup-compatibility/2006" type="titleOnly" preserve="1">
+  <p:cSld name="Title Only">
+    <p:spTree>
+      <p:nvGrpSpPr>
+        <p:cNvPr id="1" name=""/>
+        <p:cNvGrpSpPr/>
+        <p:nvPr/>
+      </p:nvGrpSpPr>
+      <p:grpSpPr>
+        <a:xfrm>
+          <a:off x="0" y="0"/>
+          <a:ext cx="0" cy="0"/>
+          <a:chOff x="0" y="0"/>
+          <a:chExt cx="0" cy="0"/>
+        </a:xfrm>
+      </p:grpSpPr>
+      <p:sp>
+        <p:nvSpPr>
+          <p:cNvPr id="270" name="PlaceHolder 1"/>
+          <p:cNvSpPr>
+            <a:spLocks noGrp="1"/>
+          </p:cNvSpPr>
+          <p:nvPr>
+            <p:ph type="title"/>
+          </p:nvPr>
+        </p:nvSpPr>
+        <p:spPr>
+          <a:xfrm>
+            <a:off x="504000" y="226080"/>
+            <a:ext cx="9071280" cy="945720"/>
+          </a:xfrm>
+          <a:prstGeom prst="rect">
+            <a:avLst/>
+          </a:prstGeom>
+          <a:noFill/>
+          <a:ln w="0">
+            <a:noFill/>
+          </a:ln>
+        </p:spPr>
+        <p:txBody>
+          <a:bodyPr lIns="0" rIns="0" tIns="0" bIns="0" anchor="ctr">
+            <a:noAutofit/>
+          </a:bodyPr>
+          <a:p>
+            <a:pPr algn="ctr">
+              <a:buNone/>
+            </a:pPr>
+            <a:endParaRPr b="0" lang="en-IN" sz="4400" spc="-1" strike="noStrike">
+              <a:latin typeface="Arial"/>
+            </a:endParaRPr>
+          </a:p>
+        </p:txBody>
+      </p:sp>
+      <p:sp>
+        <p:nvSpPr>
+          <p:cNvPr id="3" name="PlaceHolder 2"/>
+          <p:cNvSpPr>
+            <a:spLocks noGrp="1"/>
+          </p:cNvSpPr>
+          <p:nvPr>
+            <p:ph type="ftr" idx="12"/>
+          </p:nvPr>
+        </p:nvSpPr>
+        <p:spPr/>
+        <p:txBody>
+          <a:bodyPr/>
+          <a:p>
+            <a:r>
+              <a:t>Footer</a:t>
+            </a:r>
+          </a:p>
+        </p:txBody>
+      </p:sp>
+      <p:sp>
+        <p:nvSpPr>
+          <p:cNvPr id="4" name="PlaceHolder 3"/>
+          <p:cNvSpPr>
+            <a:spLocks noGrp="1"/>
+          </p:cNvSpPr>
+          <p:nvPr>
+            <p:ph type="sldNum" idx="13"/>
+          </p:nvPr>
+        </p:nvSpPr>
+        <p:spPr/>
+        <p:txBody>
+          <a:bodyPr/>
+          <a:p>
+            <a:fld id="{DD6C45C5-B747-4C31-9655-66800A511330}" type="slidenum">
+              <a:t>&lt;#&gt;</a:t>
+            </a:fld>
+          </a:p>
+        </p:txBody>
+      </p:sp>
+      <p:sp>
+        <p:nvSpPr>
+          <p:cNvPr id="5" name="PlaceHolder 4"/>
+          <p:cNvSpPr>
+            <a:spLocks noGrp="1"/>
+          </p:cNvSpPr>
+          <p:nvPr>
+            <p:ph type="dt" idx="14"/>
+          </p:nvPr>
+        </p:nvSpPr>
+        <p:spPr/>
+        <p:txBody>
+          <a:bodyPr/>
+          <a:p>
+            <a:r>
+              <a:rPr lang="en-IN"/>
+              <a:t/>
+            </a:r>
+          </a:p>
+        </p:txBody>
+      </p:sp>
+    </p:spTree>
+  </p:cSld>
+</p:sldLayout>
+</file>
+
+<file path=ppt/slideLayouts/slideLayout66.xml><?xml version="1.0" encoding="utf-8"?>
+<p:sldLayout xmlns:a="http://schemas.openxmlformats.org/drawingml/2006/main" xmlns:p="http://schemas.openxmlformats.org/presentationml/2006/main" xmlns:r="http://schemas.openxmlformats.org/officeDocument/2006/relationships" xmlns:p14="http://schemas.microsoft.com/office/powerpoint/2010/main" xmlns:p15="http://schemas.microsoft.com/office/powerpoint/2012/main" xmlns:mc="http://schemas.openxmlformats.org/markup-compatibility/2006" type="objOnly" preserve="1">
+  <p:cSld name="Centered Text">
+    <p:spTree>
+      <p:nvGrpSpPr>
+        <p:cNvPr id="1" name=""/>
+        <p:cNvGrpSpPr/>
+        <p:nvPr/>
+      </p:nvGrpSpPr>
+      <p:grpSpPr>
+        <a:xfrm>
+          <a:off x="0" y="0"/>
+          <a:ext cx="0" cy="0"/>
+          <a:chOff x="0" y="0"/>
+          <a:chExt cx="0" cy="0"/>
+        </a:xfrm>
+      </p:grpSpPr>
+      <p:sp>
+        <p:nvSpPr>
+          <p:cNvPr id="271" name="PlaceHolder 1"/>
+          <p:cNvSpPr>
+            <a:spLocks noGrp="1"/>
+          </p:cNvSpPr>
+          <p:nvPr>
+            <p:ph type="subTitle"/>
+          </p:nvPr>
+        </p:nvSpPr>
+        <p:spPr>
+          <a:xfrm>
+            <a:off x="504000" y="226080"/>
+            <a:ext cx="9071280" cy="4385160"/>
+          </a:xfrm>
+          <a:prstGeom prst="rect">
+            <a:avLst/>
+          </a:prstGeom>
+          <a:noFill/>
+          <a:ln w="0">
+            <a:noFill/>
+          </a:ln>
+        </p:spPr>
+        <p:txBody>
+          <a:bodyPr lIns="0" rIns="0" tIns="0" bIns="0" anchor="ctr">
+            <a:noAutofit/>
+          </a:bodyPr>
+          <a:p>
+            <a:pPr algn="ctr">
+              <a:buNone/>
+            </a:pPr>
+            <a:endParaRPr b="0" lang="en-IN" sz="3200" spc="-1" strike="noStrike">
+              <a:latin typeface="Arial"/>
+            </a:endParaRPr>
+          </a:p>
+        </p:txBody>
+      </p:sp>
+      <p:sp>
+        <p:nvSpPr>
+          <p:cNvPr id="3" name="PlaceHolder 2"/>
+          <p:cNvSpPr>
+            <a:spLocks noGrp="1"/>
+          </p:cNvSpPr>
+          <p:nvPr>
+            <p:ph type="ftr" idx="12"/>
+          </p:nvPr>
+        </p:nvSpPr>
+        <p:spPr/>
+        <p:txBody>
+          <a:bodyPr/>
+          <a:p>
+            <a:r>
+              <a:t>Footer</a:t>
+            </a:r>
+          </a:p>
+        </p:txBody>
+      </p:sp>
+      <p:sp>
+        <p:nvSpPr>
+          <p:cNvPr id="4" name="PlaceHolder 3"/>
+          <p:cNvSpPr>
+            <a:spLocks noGrp="1"/>
+          </p:cNvSpPr>
+          <p:nvPr>
+            <p:ph type="sldNum" idx="13"/>
+          </p:nvPr>
+        </p:nvSpPr>
+        <p:spPr/>
+        <p:txBody>
+          <a:bodyPr/>
+          <a:p>
+            <a:fld id="{FE22684B-3731-4AED-8A7B-D758BD302F59}" type="slidenum">
+              <a:t>&lt;#&gt;</a:t>
+            </a:fld>
+          </a:p>
+        </p:txBody>
+      </p:sp>
+      <p:sp>
+        <p:nvSpPr>
+          <p:cNvPr id="5" name="PlaceHolder 4"/>
+          <p:cNvSpPr>
+            <a:spLocks noGrp="1"/>
+          </p:cNvSpPr>
+          <p:nvPr>
+            <p:ph type="dt" idx="14"/>
+          </p:nvPr>
+        </p:nvSpPr>
+        <p:spPr/>
+        <p:txBody>
+          <a:bodyPr/>
+          <a:p>
+            <a:r>
+              <a:rPr lang="en-IN"/>
+              <a:t/>
+            </a:r>
+          </a:p>
+        </p:txBody>
+      </p:sp>
+    </p:spTree>
+  </p:cSld>
+</p:sldLayout>
+</file>
+
+<file path=ppt/slideLayouts/slideLayout67.xml><?xml version="1.0" encoding="utf-8"?>
+<p:sldLayout xmlns:a="http://schemas.openxmlformats.org/drawingml/2006/main" xmlns:p="http://schemas.openxmlformats.org/presentationml/2006/main" xmlns:r="http://schemas.openxmlformats.org/officeDocument/2006/relationships" xmlns:p14="http://schemas.microsoft.com/office/powerpoint/2010/main" xmlns:p15="http://schemas.microsoft.com/office/powerpoint/2012/main" xmlns:mc="http://schemas.openxmlformats.org/markup-compatibility/2006" type="twoObjAndObj" preserve="1">
+  <p:cSld name="Title, 2 Content and Content">
+    <p:spTree>
+      <p:nvGrpSpPr>
+        <p:cNvPr id="1" name=""/>
+        <p:cNvGrpSpPr/>
+        <p:nvPr/>
+      </p:nvGrpSpPr>
+      <p:grpSpPr>
+        <a:xfrm>
+          <a:off x="0" y="0"/>
+          <a:ext cx="0" cy="0"/>
+          <a:chOff x="0" y="0"/>
+          <a:chExt cx="0" cy="0"/>
+        </a:xfrm>
+      </p:grpSpPr>
+      <p:sp>
+        <p:nvSpPr>
+          <p:cNvPr id="272" name="PlaceHolder 1"/>
+          <p:cNvSpPr>
+            <a:spLocks noGrp="1"/>
+          </p:cNvSpPr>
+          <p:nvPr>
+            <p:ph type="title"/>
+          </p:nvPr>
+        </p:nvSpPr>
+        <p:spPr>
+          <a:xfrm>
+            <a:off x="504000" y="226080"/>
+            <a:ext cx="9071280" cy="945720"/>
+          </a:xfrm>
+          <a:prstGeom prst="rect">
+            <a:avLst/>
+          </a:prstGeom>
+          <a:noFill/>
+          <a:ln w="0">
+            <a:noFill/>
+          </a:ln>
+        </p:spPr>
+        <p:txBody>
+          <a:bodyPr lIns="0" rIns="0" tIns="0" bIns="0" anchor="ctr">
+            <a:noAutofit/>
+          </a:bodyPr>
+          <a:p>
+            <a:pPr algn="ctr">
+              <a:buNone/>
+            </a:pPr>
+            <a:endParaRPr b="0" lang="en-IN" sz="4400" spc="-1" strike="noStrike">
+              <a:latin typeface="Arial"/>
+            </a:endParaRPr>
+          </a:p>
+        </p:txBody>
+      </p:sp>
+      <p:sp>
+        <p:nvSpPr>
+          <p:cNvPr id="273" name="PlaceHolder 2"/>
+          <p:cNvSpPr>
+            <a:spLocks noGrp="1"/>
+          </p:cNvSpPr>
+          <p:nvPr>
+            <p:ph/>
+          </p:nvPr>
+        </p:nvSpPr>
+        <p:spPr>
+          <a:xfrm>
+            <a:off x="504000" y="1326600"/>
+            <a:ext cx="4426920" cy="1568160"/>
+          </a:xfrm>
+          <a:prstGeom prst="rect">
+            <a:avLst/>
+          </a:prstGeom>
+          <a:noFill/>
+          <a:ln w="0">
+            <a:noFill/>
+          </a:ln>
+        </p:spPr>
+        <p:txBody>
+          <a:bodyPr lIns="0" rIns="0" tIns="0" bIns="0" anchor="t">
+            <a:normAutofit/>
+          </a:bodyPr>
+          <a:p>
+            <a:endParaRPr b="0" lang="en-IN" sz="3200" spc="-1" strike="noStrike">
+              <a:latin typeface="Arial"/>
+            </a:endParaRPr>
+          </a:p>
+        </p:txBody>
+      </p:sp>
+      <p:sp>
+        <p:nvSpPr>
+          <p:cNvPr id="274" name="PlaceHolder 3"/>
+          <p:cNvSpPr>
+            <a:spLocks noGrp="1"/>
+          </p:cNvSpPr>
+          <p:nvPr>
+            <p:ph/>
+          </p:nvPr>
+        </p:nvSpPr>
+        <p:spPr>
+          <a:xfrm>
+            <a:off x="5152680" y="1326600"/>
+            <a:ext cx="4426920" cy="3288240"/>
+          </a:xfrm>
+          <a:prstGeom prst="rect">
+            <a:avLst/>
+          </a:prstGeom>
+          <a:noFill/>
+          <a:ln w="0">
+            <a:noFill/>
+          </a:ln>
+        </p:spPr>
+        <p:txBody>
+          <a:bodyPr lIns="0" rIns="0" tIns="0" bIns="0" anchor="t">
+            <a:normAutofit/>
+          </a:bodyPr>
+          <a:p>
+            <a:endParaRPr b="0" lang="en-IN" sz="3200" spc="-1" strike="noStrike">
+              <a:latin typeface="Arial"/>
+            </a:endParaRPr>
+          </a:p>
+        </p:txBody>
+      </p:sp>
+      <p:sp>
+        <p:nvSpPr>
+          <p:cNvPr id="275" name="PlaceHolder 4"/>
+          <p:cNvSpPr>
+            <a:spLocks noGrp="1"/>
+          </p:cNvSpPr>
+          <p:nvPr>
+            <p:ph/>
+          </p:nvPr>
+        </p:nvSpPr>
+        <p:spPr>
+          <a:xfrm>
+            <a:off x="504000" y="3044160"/>
+            <a:ext cx="4426920" cy="1568160"/>
+          </a:xfrm>
+          <a:prstGeom prst="rect">
+            <a:avLst/>
+          </a:prstGeom>
+          <a:noFill/>
+          <a:ln w="0">
+            <a:noFill/>
+          </a:ln>
+        </p:spPr>
+        <p:txBody>
+          <a:bodyPr lIns="0" rIns="0" tIns="0" bIns="0" anchor="t">
+            <a:normAutofit/>
+          </a:bodyPr>
+          <a:p>
+            <a:endParaRPr b="0" lang="en-IN" sz="3200" spc="-1" strike="noStrike">
+              <a:latin typeface="Arial"/>
+            </a:endParaRPr>
+          </a:p>
+        </p:txBody>
+      </p:sp>
+      <p:sp>
+        <p:nvSpPr>
+          <p:cNvPr id="6" name="PlaceHolder 5"/>
+          <p:cNvSpPr>
+            <a:spLocks noGrp="1"/>
+          </p:cNvSpPr>
+          <p:nvPr>
+            <p:ph type="ftr" idx="12"/>
+          </p:nvPr>
+        </p:nvSpPr>
+        <p:spPr/>
+        <p:txBody>
+          <a:bodyPr/>
+          <a:p>
+            <a:r>
+              <a:t>Footer</a:t>
+            </a:r>
+          </a:p>
+        </p:txBody>
+      </p:sp>
+      <p:sp>
+        <p:nvSpPr>
+          <p:cNvPr id="7" name="PlaceHolder 6"/>
+          <p:cNvSpPr>
+            <a:spLocks noGrp="1"/>
+          </p:cNvSpPr>
+          <p:nvPr>
+            <p:ph type="sldNum" idx="13"/>
+          </p:nvPr>
+        </p:nvSpPr>
+        <p:spPr/>
+        <p:txBody>
+          <a:bodyPr/>
+          <a:p>
+            <a:fld id="{C19371B8-E048-49AC-838F-6049D073FC89}" type="slidenum">
+              <a:t>&lt;#&gt;</a:t>
+            </a:fld>
+          </a:p>
+        </p:txBody>
+      </p:sp>
+      <p:sp>
+        <p:nvSpPr>
+          <p:cNvPr id="8" name="PlaceHolder 7"/>
+          <p:cNvSpPr>
+            <a:spLocks noGrp="1"/>
+          </p:cNvSpPr>
+          <p:nvPr>
+            <p:ph type="dt" idx="14"/>
+          </p:nvPr>
+        </p:nvSpPr>
+        <p:spPr/>
+        <p:txBody>
+          <a:bodyPr/>
+          <a:p>
+            <a:r>
+              <a:rPr lang="en-IN"/>
+              <a:t/>
+            </a:r>
+          </a:p>
+        </p:txBody>
+      </p:sp>
+    </p:spTree>
+  </p:cSld>
+</p:sldLayout>
+</file>
+
+<file path=ppt/slideLayouts/slideLayout68.xml><?xml version="1.0" encoding="utf-8"?>
+<p:sldLayout xmlns:a="http://schemas.openxmlformats.org/drawingml/2006/main" xmlns:p="http://schemas.openxmlformats.org/presentationml/2006/main" xmlns:r="http://schemas.openxmlformats.org/officeDocument/2006/relationships" xmlns:p14="http://schemas.microsoft.com/office/powerpoint/2010/main" xmlns:p15="http://schemas.microsoft.com/office/powerpoint/2012/main" xmlns:mc="http://schemas.openxmlformats.org/markup-compatibility/2006" type="objAndTwoObj" preserve="1">
+  <p:cSld name="Title Content and 2 Content">
+    <p:spTree>
+      <p:nvGrpSpPr>
+        <p:cNvPr id="1" name=""/>
+        <p:cNvGrpSpPr/>
+        <p:nvPr/>
+      </p:nvGrpSpPr>
+      <p:grpSpPr>
+        <a:xfrm>
+          <a:off x="0" y="0"/>
+          <a:ext cx="0" cy="0"/>
+          <a:chOff x="0" y="0"/>
+          <a:chExt cx="0" cy="0"/>
+        </a:xfrm>
+      </p:grpSpPr>
+      <p:sp>
+        <p:nvSpPr>
+          <p:cNvPr id="276" name="PlaceHolder 1"/>
+          <p:cNvSpPr>
+            <a:spLocks noGrp="1"/>
+          </p:cNvSpPr>
+          <p:nvPr>
+            <p:ph type="title"/>
+          </p:nvPr>
+        </p:nvSpPr>
+        <p:spPr>
+          <a:xfrm>
+            <a:off x="504000" y="226080"/>
+            <a:ext cx="9071280" cy="945720"/>
+          </a:xfrm>
+          <a:prstGeom prst="rect">
+            <a:avLst/>
+          </a:prstGeom>
+          <a:noFill/>
+          <a:ln w="0">
+            <a:noFill/>
+          </a:ln>
+        </p:spPr>
+        <p:txBody>
+          <a:bodyPr lIns="0" rIns="0" tIns="0" bIns="0" anchor="ctr">
+            <a:noAutofit/>
+          </a:bodyPr>
+          <a:p>
+            <a:pPr algn="ctr">
+              <a:buNone/>
+            </a:pPr>
+            <a:endParaRPr b="0" lang="en-IN" sz="4400" spc="-1" strike="noStrike">
+              <a:latin typeface="Arial"/>
+            </a:endParaRPr>
+          </a:p>
+        </p:txBody>
+      </p:sp>
+      <p:sp>
+        <p:nvSpPr>
+          <p:cNvPr id="277" name="PlaceHolder 2"/>
+          <p:cNvSpPr>
+            <a:spLocks noGrp="1"/>
+          </p:cNvSpPr>
+          <p:nvPr>
+            <p:ph/>
+          </p:nvPr>
+        </p:nvSpPr>
+        <p:spPr>
+          <a:xfrm>
+            <a:off x="504000" y="1326600"/>
+            <a:ext cx="4426920" cy="3288240"/>
+          </a:xfrm>
+          <a:prstGeom prst="rect">
+            <a:avLst/>
+          </a:prstGeom>
+          <a:noFill/>
+          <a:ln w="0">
+            <a:noFill/>
+          </a:ln>
+        </p:spPr>
+        <p:txBody>
+          <a:bodyPr lIns="0" rIns="0" tIns="0" bIns="0" anchor="t">
+            <a:normAutofit/>
+          </a:bodyPr>
+          <a:p>
+            <a:endParaRPr b="0" lang="en-IN" sz="3200" spc="-1" strike="noStrike">
+              <a:latin typeface="Arial"/>
+            </a:endParaRPr>
+          </a:p>
+        </p:txBody>
+      </p:sp>
+      <p:sp>
+        <p:nvSpPr>
+          <p:cNvPr id="278" name="PlaceHolder 3"/>
+          <p:cNvSpPr>
+            <a:spLocks noGrp="1"/>
+          </p:cNvSpPr>
+          <p:nvPr>
+            <p:ph/>
+          </p:nvPr>
+        </p:nvSpPr>
+        <p:spPr>
+          <a:xfrm>
+            <a:off x="5152680" y="1326600"/>
+            <a:ext cx="4426920" cy="1568160"/>
+          </a:xfrm>
+          <a:prstGeom prst="rect">
+            <a:avLst/>
+          </a:prstGeom>
+          <a:noFill/>
+          <a:ln w="0">
+            <a:noFill/>
+          </a:ln>
+        </p:spPr>
+        <p:txBody>
+          <a:bodyPr lIns="0" rIns="0" tIns="0" bIns="0" anchor="t">
+            <a:normAutofit/>
+          </a:bodyPr>
+          <a:p>
+            <a:endParaRPr b="0" lang="en-IN" sz="3200" spc="-1" strike="noStrike">
+              <a:latin typeface="Arial"/>
+            </a:endParaRPr>
+          </a:p>
+        </p:txBody>
+      </p:sp>
+      <p:sp>
+        <p:nvSpPr>
+          <p:cNvPr id="279" name="PlaceHolder 4"/>
+          <p:cNvSpPr>
+            <a:spLocks noGrp="1"/>
+          </p:cNvSpPr>
+          <p:nvPr>
+            <p:ph/>
+          </p:nvPr>
+        </p:nvSpPr>
+        <p:spPr>
+          <a:xfrm>
+            <a:off x="5152680" y="3044160"/>
+            <a:ext cx="4426920" cy="1568160"/>
+          </a:xfrm>
+          <a:prstGeom prst="rect">
+            <a:avLst/>
+          </a:prstGeom>
+          <a:noFill/>
+          <a:ln w="0">
+            <a:noFill/>
+          </a:ln>
+        </p:spPr>
+        <p:txBody>
+          <a:bodyPr lIns="0" rIns="0" tIns="0" bIns="0" anchor="t">
+            <a:normAutofit/>
+          </a:bodyPr>
+          <a:p>
+            <a:endParaRPr b="0" lang="en-IN" sz="3200" spc="-1" strike="noStrike">
+              <a:latin typeface="Arial"/>
+            </a:endParaRPr>
+          </a:p>
+        </p:txBody>
+      </p:sp>
+      <p:sp>
+        <p:nvSpPr>
+          <p:cNvPr id="6" name="PlaceHolder 5"/>
+          <p:cNvSpPr>
+            <a:spLocks noGrp="1"/>
+          </p:cNvSpPr>
+          <p:nvPr>
+            <p:ph type="ftr" idx="12"/>
+          </p:nvPr>
+        </p:nvSpPr>
+        <p:spPr/>
+        <p:txBody>
+          <a:bodyPr/>
+          <a:p>
+            <a:r>
+              <a:t>Footer</a:t>
+            </a:r>
+          </a:p>
+        </p:txBody>
+      </p:sp>
+      <p:sp>
+        <p:nvSpPr>
+          <p:cNvPr id="7" name="PlaceHolder 6"/>
+          <p:cNvSpPr>
+            <a:spLocks noGrp="1"/>
+          </p:cNvSpPr>
+          <p:nvPr>
+            <p:ph type="sldNum" idx="13"/>
+          </p:nvPr>
+        </p:nvSpPr>
+        <p:spPr/>
+        <p:txBody>
+          <a:bodyPr/>
+          <a:p>
+            <a:fld id="{80AC0670-E664-4C1C-A645-1C9CA4B52BDB}" type="slidenum">
+              <a:t>&lt;#&gt;</a:t>
+            </a:fld>
+          </a:p>
+        </p:txBody>
+      </p:sp>
+      <p:sp>
+        <p:nvSpPr>
+          <p:cNvPr id="8" name="PlaceHolder 7"/>
+          <p:cNvSpPr>
+            <a:spLocks noGrp="1"/>
+          </p:cNvSpPr>
+          <p:nvPr>
+            <p:ph type="dt" idx="14"/>
+          </p:nvPr>
+        </p:nvSpPr>
+        <p:spPr/>
+        <p:txBody>
+          <a:bodyPr/>
+          <a:p>
+            <a:r>
+              <a:rPr lang="en-IN"/>
+              <a:t/>
+            </a:r>
+          </a:p>
+        </p:txBody>
+      </p:sp>
+    </p:spTree>
+  </p:cSld>
+</p:sldLayout>
+</file>
+
+<file path=ppt/slideLayouts/slideLayout69.xml><?xml version="1.0" encoding="utf-8"?>
+<p:sldLayout xmlns:a="http://schemas.openxmlformats.org/drawingml/2006/main" xmlns:p="http://schemas.openxmlformats.org/presentationml/2006/main" xmlns:r="http://schemas.openxmlformats.org/officeDocument/2006/relationships" xmlns:p14="http://schemas.microsoft.com/office/powerpoint/2010/main" xmlns:p15="http://schemas.microsoft.com/office/powerpoint/2012/main" xmlns:mc="http://schemas.openxmlformats.org/markup-compatibility/2006" type="twoObjOverTx" preserve="1">
+  <p:cSld name="Title, 2 Content over Content">
+    <p:spTree>
+      <p:nvGrpSpPr>
+        <p:cNvPr id="1" name=""/>
+        <p:cNvGrpSpPr/>
+        <p:nvPr/>
+      </p:nvGrpSpPr>
+      <p:grpSpPr>
+        <a:xfrm>
+          <a:off x="0" y="0"/>
+          <a:ext cx="0" cy="0"/>
+          <a:chOff x="0" y="0"/>
+          <a:chExt cx="0" cy="0"/>
+        </a:xfrm>
+      </p:grpSpPr>
+      <p:sp>
+        <p:nvSpPr>
+          <p:cNvPr id="280" name="PlaceHolder 1"/>
+          <p:cNvSpPr>
+            <a:spLocks noGrp="1"/>
+          </p:cNvSpPr>
+          <p:nvPr>
+            <p:ph type="title"/>
+          </p:nvPr>
+        </p:nvSpPr>
+        <p:spPr>
+          <a:xfrm>
+            <a:off x="504000" y="226080"/>
+            <a:ext cx="9071280" cy="945720"/>
+          </a:xfrm>
+          <a:prstGeom prst="rect">
+            <a:avLst/>
+          </a:prstGeom>
+          <a:noFill/>
+          <a:ln w="0">
+            <a:noFill/>
+          </a:ln>
+        </p:spPr>
+        <p:txBody>
+          <a:bodyPr lIns="0" rIns="0" tIns="0" bIns="0" anchor="ctr">
+            <a:noAutofit/>
+          </a:bodyPr>
+          <a:p>
+            <a:pPr algn="ctr">
+              <a:buNone/>
+            </a:pPr>
+            <a:endParaRPr b="0" lang="en-IN" sz="4400" spc="-1" strike="noStrike">
+              <a:latin typeface="Arial"/>
+            </a:endParaRPr>
+          </a:p>
+        </p:txBody>
+      </p:sp>
+      <p:sp>
+        <p:nvSpPr>
+          <p:cNvPr id="281" name="PlaceHolder 2"/>
+          <p:cNvSpPr>
+            <a:spLocks noGrp="1"/>
+          </p:cNvSpPr>
+          <p:nvPr>
+            <p:ph/>
+          </p:nvPr>
+        </p:nvSpPr>
+        <p:spPr>
+          <a:xfrm>
+            <a:off x="504000" y="1326600"/>
+            <a:ext cx="4426920" cy="1568160"/>
+          </a:xfrm>
+          <a:prstGeom prst="rect">
+            <a:avLst/>
+          </a:prstGeom>
+          <a:noFill/>
+          <a:ln w="0">
+            <a:noFill/>
+          </a:ln>
+        </p:spPr>
+        <p:txBody>
+          <a:bodyPr lIns="0" rIns="0" tIns="0" bIns="0" anchor="t">
+            <a:normAutofit/>
+          </a:bodyPr>
+          <a:p>
+            <a:endParaRPr b="0" lang="en-IN" sz="3200" spc="-1" strike="noStrike">
+              <a:latin typeface="Arial"/>
+            </a:endParaRPr>
+          </a:p>
+        </p:txBody>
+      </p:sp>
+      <p:sp>
+        <p:nvSpPr>
+          <p:cNvPr id="282" name="PlaceHolder 3"/>
+          <p:cNvSpPr>
+            <a:spLocks noGrp="1"/>
+          </p:cNvSpPr>
+          <p:nvPr>
+            <p:ph/>
+          </p:nvPr>
+        </p:nvSpPr>
+        <p:spPr>
+          <a:xfrm>
+            <a:off x="5152680" y="1326600"/>
+            <a:ext cx="4426920" cy="1568160"/>
+          </a:xfrm>
+          <a:prstGeom prst="rect">
+            <a:avLst/>
+          </a:prstGeom>
+          <a:noFill/>
+          <a:ln w="0">
+            <a:noFill/>
+          </a:ln>
+        </p:spPr>
+        <p:txBody>
+          <a:bodyPr lIns="0" rIns="0" tIns="0" bIns="0" anchor="t">
+            <a:normAutofit/>
+          </a:bodyPr>
+          <a:p>
+            <a:endParaRPr b="0" lang="en-IN" sz="3200" spc="-1" strike="noStrike">
+              <a:latin typeface="Arial"/>
+            </a:endParaRPr>
+          </a:p>
+        </p:txBody>
+      </p:sp>
+      <p:sp>
+        <p:nvSpPr>
+          <p:cNvPr id="283" name="PlaceHolder 4"/>
+          <p:cNvSpPr>
+            <a:spLocks noGrp="1"/>
+          </p:cNvSpPr>
+          <p:nvPr>
+            <p:ph/>
+          </p:nvPr>
+        </p:nvSpPr>
+        <p:spPr>
+          <a:xfrm>
+            <a:off x="504000" y="3044160"/>
+            <a:ext cx="9071640" cy="1568160"/>
+          </a:xfrm>
+          <a:prstGeom prst="rect">
+            <a:avLst/>
+          </a:prstGeom>
+          <a:noFill/>
+          <a:ln w="0">
+            <a:noFill/>
+          </a:ln>
+        </p:spPr>
+        <p:txBody>
+          <a:bodyPr lIns="0" rIns="0" tIns="0" bIns="0" anchor="t">
+            <a:normAutofit/>
+          </a:bodyPr>
+          <a:p>
+            <a:endParaRPr b="0" lang="en-IN" sz="3200" spc="-1" strike="noStrike">
+              <a:latin typeface="Arial"/>
+            </a:endParaRPr>
+          </a:p>
+        </p:txBody>
+      </p:sp>
+      <p:sp>
+        <p:nvSpPr>
+          <p:cNvPr id="6" name="PlaceHolder 5"/>
+          <p:cNvSpPr>
+            <a:spLocks noGrp="1"/>
+          </p:cNvSpPr>
+          <p:nvPr>
+            <p:ph type="ftr" idx="12"/>
+          </p:nvPr>
+        </p:nvSpPr>
+        <p:spPr/>
+        <p:txBody>
+          <a:bodyPr/>
+          <a:p>
+            <a:r>
+              <a:t>Footer</a:t>
+            </a:r>
+          </a:p>
+        </p:txBody>
+      </p:sp>
+      <p:sp>
+        <p:nvSpPr>
+          <p:cNvPr id="7" name="PlaceHolder 6"/>
+          <p:cNvSpPr>
+            <a:spLocks noGrp="1"/>
+          </p:cNvSpPr>
+          <p:nvPr>
+            <p:ph type="sldNum" idx="13"/>
+          </p:nvPr>
+        </p:nvSpPr>
+        <p:spPr/>
+        <p:txBody>
+          <a:bodyPr/>
+          <a:p>
+            <a:fld id="{7243702C-F5AB-4A0A-9E6C-DD5AE4DDE15C}" type="slidenum">
+              <a:t>&lt;#&gt;</a:t>
+            </a:fld>
+          </a:p>
+        </p:txBody>
+      </p:sp>
+      <p:sp>
+        <p:nvSpPr>
+          <p:cNvPr id="8" name="PlaceHolder 7"/>
+          <p:cNvSpPr>
+            <a:spLocks noGrp="1"/>
+          </p:cNvSpPr>
+          <p:nvPr>
+            <p:ph type="dt" idx="14"/>
+          </p:nvPr>
+        </p:nvSpPr>
+        <p:spPr/>
+        <p:txBody>
+          <a:bodyPr/>
+          <a:p>
+            <a:r>
+              <a:rPr lang="en-IN"/>
+              <a:t/>
+            </a:r>
           </a:p>
         </p:txBody>
       </p:sp>
@@ -9914,7 +11151,7 @@
         <p:spPr>
           <a:xfrm>
             <a:off x="504000" y="226080"/>
-            <a:ext cx="9071640" cy="946080"/>
+            <a:ext cx="9071280" cy="945720"/>
           </a:xfrm>
           <a:prstGeom prst="rect">
             <a:avLst/>
@@ -9951,7 +11188,7 @@
         <p:spPr>
           <a:xfrm>
             <a:off x="504000" y="1326600"/>
-            <a:ext cx="4426920" cy="1568520"/>
+            <a:ext cx="4426920" cy="1568160"/>
           </a:xfrm>
           <a:prstGeom prst="rect">
             <a:avLst/>
@@ -9985,7 +11222,7 @@
         <p:spPr>
           <a:xfrm>
             <a:off x="5152680" y="1326600"/>
-            <a:ext cx="4426920" cy="3288600"/>
+            <a:ext cx="4426920" cy="3288240"/>
           </a:xfrm>
           <a:prstGeom prst="rect">
             <a:avLst/>
@@ -10018,8 +11255,8 @@
         </p:nvSpPr>
         <p:spPr>
           <a:xfrm>
-            <a:off x="504000" y="3044520"/>
-            <a:ext cx="4426920" cy="1568520"/>
+            <a:off x="504000" y="3044160"/>
+            <a:ext cx="4426920" cy="1568160"/>
           </a:xfrm>
           <a:prstGeom prst="rect">
             <a:avLst/>
@@ -10074,7 +11311,7 @@
         <p:txBody>
           <a:bodyPr/>
           <a:p>
-            <a:fld id="{BAF9FCD8-B345-41BD-A4CE-4C5BA31D6755}" type="slidenum">
+            <a:fld id="{41C42FDA-A1BB-486F-8A36-C1926B75BFE6}" type="slidenum">
               <a:t>&lt;#&gt;</a:t>
             </a:fld>
           </a:p>
@@ -10088,6 +11325,774 @@
           </p:cNvSpPr>
           <p:nvPr>
             <p:ph type="dt" idx="3"/>
+          </p:nvPr>
+        </p:nvSpPr>
+        <p:spPr/>
+        <p:txBody>
+          <a:bodyPr/>
+          <a:p>
+            <a:r>
+              <a:rPr lang="en-IN"/>
+              <a:t/>
+            </a:r>
+          </a:p>
+        </p:txBody>
+      </p:sp>
+    </p:spTree>
+  </p:cSld>
+</p:sldLayout>
+</file>
+
+<file path=ppt/slideLayouts/slideLayout70.xml><?xml version="1.0" encoding="utf-8"?>
+<p:sldLayout xmlns:a="http://schemas.openxmlformats.org/drawingml/2006/main" xmlns:p="http://schemas.openxmlformats.org/presentationml/2006/main" xmlns:r="http://schemas.openxmlformats.org/officeDocument/2006/relationships" xmlns:p14="http://schemas.microsoft.com/office/powerpoint/2010/main" xmlns:p15="http://schemas.microsoft.com/office/powerpoint/2012/main" xmlns:mc="http://schemas.openxmlformats.org/markup-compatibility/2006" type="objOverTx" preserve="1">
+  <p:cSld name="Title, Content over Content">
+    <p:spTree>
+      <p:nvGrpSpPr>
+        <p:cNvPr id="1" name=""/>
+        <p:cNvGrpSpPr/>
+        <p:nvPr/>
+      </p:nvGrpSpPr>
+      <p:grpSpPr>
+        <a:xfrm>
+          <a:off x="0" y="0"/>
+          <a:ext cx="0" cy="0"/>
+          <a:chOff x="0" y="0"/>
+          <a:chExt cx="0" cy="0"/>
+        </a:xfrm>
+      </p:grpSpPr>
+      <p:sp>
+        <p:nvSpPr>
+          <p:cNvPr id="284" name="PlaceHolder 1"/>
+          <p:cNvSpPr>
+            <a:spLocks noGrp="1"/>
+          </p:cNvSpPr>
+          <p:nvPr>
+            <p:ph type="title"/>
+          </p:nvPr>
+        </p:nvSpPr>
+        <p:spPr>
+          <a:xfrm>
+            <a:off x="504000" y="226080"/>
+            <a:ext cx="9071280" cy="945720"/>
+          </a:xfrm>
+          <a:prstGeom prst="rect">
+            <a:avLst/>
+          </a:prstGeom>
+          <a:noFill/>
+          <a:ln w="0">
+            <a:noFill/>
+          </a:ln>
+        </p:spPr>
+        <p:txBody>
+          <a:bodyPr lIns="0" rIns="0" tIns="0" bIns="0" anchor="ctr">
+            <a:noAutofit/>
+          </a:bodyPr>
+          <a:p>
+            <a:pPr algn="ctr">
+              <a:buNone/>
+            </a:pPr>
+            <a:endParaRPr b="0" lang="en-IN" sz="4400" spc="-1" strike="noStrike">
+              <a:latin typeface="Arial"/>
+            </a:endParaRPr>
+          </a:p>
+        </p:txBody>
+      </p:sp>
+      <p:sp>
+        <p:nvSpPr>
+          <p:cNvPr id="285" name="PlaceHolder 2"/>
+          <p:cNvSpPr>
+            <a:spLocks noGrp="1"/>
+          </p:cNvSpPr>
+          <p:nvPr>
+            <p:ph/>
+          </p:nvPr>
+        </p:nvSpPr>
+        <p:spPr>
+          <a:xfrm>
+            <a:off x="504000" y="1326600"/>
+            <a:ext cx="9071640" cy="1568160"/>
+          </a:xfrm>
+          <a:prstGeom prst="rect">
+            <a:avLst/>
+          </a:prstGeom>
+          <a:noFill/>
+          <a:ln w="0">
+            <a:noFill/>
+          </a:ln>
+        </p:spPr>
+        <p:txBody>
+          <a:bodyPr lIns="0" rIns="0" tIns="0" bIns="0" anchor="t">
+            <a:normAutofit/>
+          </a:bodyPr>
+          <a:p>
+            <a:endParaRPr b="0" lang="en-IN" sz="3200" spc="-1" strike="noStrike">
+              <a:latin typeface="Arial"/>
+            </a:endParaRPr>
+          </a:p>
+        </p:txBody>
+      </p:sp>
+      <p:sp>
+        <p:nvSpPr>
+          <p:cNvPr id="286" name="PlaceHolder 3"/>
+          <p:cNvSpPr>
+            <a:spLocks noGrp="1"/>
+          </p:cNvSpPr>
+          <p:nvPr>
+            <p:ph/>
+          </p:nvPr>
+        </p:nvSpPr>
+        <p:spPr>
+          <a:xfrm>
+            <a:off x="504000" y="3044160"/>
+            <a:ext cx="9071640" cy="1568160"/>
+          </a:xfrm>
+          <a:prstGeom prst="rect">
+            <a:avLst/>
+          </a:prstGeom>
+          <a:noFill/>
+          <a:ln w="0">
+            <a:noFill/>
+          </a:ln>
+        </p:spPr>
+        <p:txBody>
+          <a:bodyPr lIns="0" rIns="0" tIns="0" bIns="0" anchor="t">
+            <a:normAutofit/>
+          </a:bodyPr>
+          <a:p>
+            <a:endParaRPr b="0" lang="en-IN" sz="3200" spc="-1" strike="noStrike">
+              <a:latin typeface="Arial"/>
+            </a:endParaRPr>
+          </a:p>
+        </p:txBody>
+      </p:sp>
+      <p:sp>
+        <p:nvSpPr>
+          <p:cNvPr id="5" name="PlaceHolder 4"/>
+          <p:cNvSpPr>
+            <a:spLocks noGrp="1"/>
+          </p:cNvSpPr>
+          <p:nvPr>
+            <p:ph type="ftr" idx="12"/>
+          </p:nvPr>
+        </p:nvSpPr>
+        <p:spPr/>
+        <p:txBody>
+          <a:bodyPr/>
+          <a:p>
+            <a:r>
+              <a:t>Footer</a:t>
+            </a:r>
+          </a:p>
+        </p:txBody>
+      </p:sp>
+      <p:sp>
+        <p:nvSpPr>
+          <p:cNvPr id="6" name="PlaceHolder 5"/>
+          <p:cNvSpPr>
+            <a:spLocks noGrp="1"/>
+          </p:cNvSpPr>
+          <p:nvPr>
+            <p:ph type="sldNum" idx="13"/>
+          </p:nvPr>
+        </p:nvSpPr>
+        <p:spPr/>
+        <p:txBody>
+          <a:bodyPr/>
+          <a:p>
+            <a:fld id="{1B49646F-9B4F-43C1-91B7-79FB2A5D56BE}" type="slidenum">
+              <a:t>&lt;#&gt;</a:t>
+            </a:fld>
+          </a:p>
+        </p:txBody>
+      </p:sp>
+      <p:sp>
+        <p:nvSpPr>
+          <p:cNvPr id="7" name="PlaceHolder 6"/>
+          <p:cNvSpPr>
+            <a:spLocks noGrp="1"/>
+          </p:cNvSpPr>
+          <p:nvPr>
+            <p:ph type="dt" idx="14"/>
+          </p:nvPr>
+        </p:nvSpPr>
+        <p:spPr/>
+        <p:txBody>
+          <a:bodyPr/>
+          <a:p>
+            <a:r>
+              <a:rPr lang="en-IN"/>
+              <a:t/>
+            </a:r>
+          </a:p>
+        </p:txBody>
+      </p:sp>
+    </p:spTree>
+  </p:cSld>
+</p:sldLayout>
+</file>
+
+<file path=ppt/slideLayouts/slideLayout71.xml><?xml version="1.0" encoding="utf-8"?>
+<p:sldLayout xmlns:a="http://schemas.openxmlformats.org/drawingml/2006/main" xmlns:p="http://schemas.openxmlformats.org/presentationml/2006/main" xmlns:r="http://schemas.openxmlformats.org/officeDocument/2006/relationships" xmlns:p14="http://schemas.microsoft.com/office/powerpoint/2010/main" xmlns:p15="http://schemas.microsoft.com/office/powerpoint/2012/main" xmlns:mc="http://schemas.openxmlformats.org/markup-compatibility/2006" type="fourObj" preserve="1">
+  <p:cSld name="Title, 4 Content">
+    <p:spTree>
+      <p:nvGrpSpPr>
+        <p:cNvPr id="1" name=""/>
+        <p:cNvGrpSpPr/>
+        <p:nvPr/>
+      </p:nvGrpSpPr>
+      <p:grpSpPr>
+        <a:xfrm>
+          <a:off x="0" y="0"/>
+          <a:ext cx="0" cy="0"/>
+          <a:chOff x="0" y="0"/>
+          <a:chExt cx="0" cy="0"/>
+        </a:xfrm>
+      </p:grpSpPr>
+      <p:sp>
+        <p:nvSpPr>
+          <p:cNvPr id="287" name="PlaceHolder 1"/>
+          <p:cNvSpPr>
+            <a:spLocks noGrp="1"/>
+          </p:cNvSpPr>
+          <p:nvPr>
+            <p:ph type="title"/>
+          </p:nvPr>
+        </p:nvSpPr>
+        <p:spPr>
+          <a:xfrm>
+            <a:off x="504000" y="226080"/>
+            <a:ext cx="9071280" cy="945720"/>
+          </a:xfrm>
+          <a:prstGeom prst="rect">
+            <a:avLst/>
+          </a:prstGeom>
+          <a:noFill/>
+          <a:ln w="0">
+            <a:noFill/>
+          </a:ln>
+        </p:spPr>
+        <p:txBody>
+          <a:bodyPr lIns="0" rIns="0" tIns="0" bIns="0" anchor="ctr">
+            <a:noAutofit/>
+          </a:bodyPr>
+          <a:p>
+            <a:pPr algn="ctr">
+              <a:buNone/>
+            </a:pPr>
+            <a:endParaRPr b="0" lang="en-IN" sz="4400" spc="-1" strike="noStrike">
+              <a:latin typeface="Arial"/>
+            </a:endParaRPr>
+          </a:p>
+        </p:txBody>
+      </p:sp>
+      <p:sp>
+        <p:nvSpPr>
+          <p:cNvPr id="288" name="PlaceHolder 2"/>
+          <p:cNvSpPr>
+            <a:spLocks noGrp="1"/>
+          </p:cNvSpPr>
+          <p:nvPr>
+            <p:ph/>
+          </p:nvPr>
+        </p:nvSpPr>
+        <p:spPr>
+          <a:xfrm>
+            <a:off x="504000" y="1326600"/>
+            <a:ext cx="4426920" cy="1568160"/>
+          </a:xfrm>
+          <a:prstGeom prst="rect">
+            <a:avLst/>
+          </a:prstGeom>
+          <a:noFill/>
+          <a:ln w="0">
+            <a:noFill/>
+          </a:ln>
+        </p:spPr>
+        <p:txBody>
+          <a:bodyPr lIns="0" rIns="0" tIns="0" bIns="0" anchor="t">
+            <a:normAutofit/>
+          </a:bodyPr>
+          <a:p>
+            <a:endParaRPr b="0" lang="en-IN" sz="3200" spc="-1" strike="noStrike">
+              <a:latin typeface="Arial"/>
+            </a:endParaRPr>
+          </a:p>
+        </p:txBody>
+      </p:sp>
+      <p:sp>
+        <p:nvSpPr>
+          <p:cNvPr id="289" name="PlaceHolder 3"/>
+          <p:cNvSpPr>
+            <a:spLocks noGrp="1"/>
+          </p:cNvSpPr>
+          <p:nvPr>
+            <p:ph/>
+          </p:nvPr>
+        </p:nvSpPr>
+        <p:spPr>
+          <a:xfrm>
+            <a:off x="5152680" y="1326600"/>
+            <a:ext cx="4426920" cy="1568160"/>
+          </a:xfrm>
+          <a:prstGeom prst="rect">
+            <a:avLst/>
+          </a:prstGeom>
+          <a:noFill/>
+          <a:ln w="0">
+            <a:noFill/>
+          </a:ln>
+        </p:spPr>
+        <p:txBody>
+          <a:bodyPr lIns="0" rIns="0" tIns="0" bIns="0" anchor="t">
+            <a:normAutofit/>
+          </a:bodyPr>
+          <a:p>
+            <a:endParaRPr b="0" lang="en-IN" sz="3200" spc="-1" strike="noStrike">
+              <a:latin typeface="Arial"/>
+            </a:endParaRPr>
+          </a:p>
+        </p:txBody>
+      </p:sp>
+      <p:sp>
+        <p:nvSpPr>
+          <p:cNvPr id="290" name="PlaceHolder 4"/>
+          <p:cNvSpPr>
+            <a:spLocks noGrp="1"/>
+          </p:cNvSpPr>
+          <p:nvPr>
+            <p:ph/>
+          </p:nvPr>
+        </p:nvSpPr>
+        <p:spPr>
+          <a:xfrm>
+            <a:off x="504000" y="3044160"/>
+            <a:ext cx="4426920" cy="1568160"/>
+          </a:xfrm>
+          <a:prstGeom prst="rect">
+            <a:avLst/>
+          </a:prstGeom>
+          <a:noFill/>
+          <a:ln w="0">
+            <a:noFill/>
+          </a:ln>
+        </p:spPr>
+        <p:txBody>
+          <a:bodyPr lIns="0" rIns="0" tIns="0" bIns="0" anchor="t">
+            <a:normAutofit/>
+          </a:bodyPr>
+          <a:p>
+            <a:endParaRPr b="0" lang="en-IN" sz="3200" spc="-1" strike="noStrike">
+              <a:latin typeface="Arial"/>
+            </a:endParaRPr>
+          </a:p>
+        </p:txBody>
+      </p:sp>
+      <p:sp>
+        <p:nvSpPr>
+          <p:cNvPr id="291" name="PlaceHolder 5"/>
+          <p:cNvSpPr>
+            <a:spLocks noGrp="1"/>
+          </p:cNvSpPr>
+          <p:nvPr>
+            <p:ph/>
+          </p:nvPr>
+        </p:nvSpPr>
+        <p:spPr>
+          <a:xfrm>
+            <a:off x="5152680" y="3044160"/>
+            <a:ext cx="4426920" cy="1568160"/>
+          </a:xfrm>
+          <a:prstGeom prst="rect">
+            <a:avLst/>
+          </a:prstGeom>
+          <a:noFill/>
+          <a:ln w="0">
+            <a:noFill/>
+          </a:ln>
+        </p:spPr>
+        <p:txBody>
+          <a:bodyPr lIns="0" rIns="0" tIns="0" bIns="0" anchor="t">
+            <a:normAutofit/>
+          </a:bodyPr>
+          <a:p>
+            <a:endParaRPr b="0" lang="en-IN" sz="3200" spc="-1" strike="noStrike">
+              <a:latin typeface="Arial"/>
+            </a:endParaRPr>
+          </a:p>
+        </p:txBody>
+      </p:sp>
+      <p:sp>
+        <p:nvSpPr>
+          <p:cNvPr id="7" name="PlaceHolder 6"/>
+          <p:cNvSpPr>
+            <a:spLocks noGrp="1"/>
+          </p:cNvSpPr>
+          <p:nvPr>
+            <p:ph type="ftr" idx="12"/>
+          </p:nvPr>
+        </p:nvSpPr>
+        <p:spPr/>
+        <p:txBody>
+          <a:bodyPr/>
+          <a:p>
+            <a:r>
+              <a:t>Footer</a:t>
+            </a:r>
+          </a:p>
+        </p:txBody>
+      </p:sp>
+      <p:sp>
+        <p:nvSpPr>
+          <p:cNvPr id="8" name="PlaceHolder 7"/>
+          <p:cNvSpPr>
+            <a:spLocks noGrp="1"/>
+          </p:cNvSpPr>
+          <p:nvPr>
+            <p:ph type="sldNum" idx="13"/>
+          </p:nvPr>
+        </p:nvSpPr>
+        <p:spPr/>
+        <p:txBody>
+          <a:bodyPr/>
+          <a:p>
+            <a:fld id="{8A2C6B94-8974-4599-A3D4-08A71834BB71}" type="slidenum">
+              <a:t>&lt;#&gt;</a:t>
+            </a:fld>
+          </a:p>
+        </p:txBody>
+      </p:sp>
+      <p:sp>
+        <p:nvSpPr>
+          <p:cNvPr id="9" name="PlaceHolder 8"/>
+          <p:cNvSpPr>
+            <a:spLocks noGrp="1"/>
+          </p:cNvSpPr>
+          <p:nvPr>
+            <p:ph type="dt" idx="14"/>
+          </p:nvPr>
+        </p:nvSpPr>
+        <p:spPr/>
+        <p:txBody>
+          <a:bodyPr/>
+          <a:p>
+            <a:r>
+              <a:rPr lang="en-IN"/>
+              <a:t/>
+            </a:r>
+          </a:p>
+        </p:txBody>
+      </p:sp>
+    </p:spTree>
+  </p:cSld>
+</p:sldLayout>
+</file>
+
+<file path=ppt/slideLayouts/slideLayout72.xml><?xml version="1.0" encoding="utf-8"?>
+<p:sldLayout xmlns:a="http://schemas.openxmlformats.org/drawingml/2006/main" xmlns:p="http://schemas.openxmlformats.org/presentationml/2006/main" xmlns:r="http://schemas.openxmlformats.org/officeDocument/2006/relationships" xmlns:p14="http://schemas.microsoft.com/office/powerpoint/2010/main" xmlns:p15="http://schemas.microsoft.com/office/powerpoint/2012/main" xmlns:mc="http://schemas.openxmlformats.org/markup-compatibility/2006" type="blank" preserve="1">
+  <p:cSld name="Title, 6 Content">
+    <p:spTree>
+      <p:nvGrpSpPr>
+        <p:cNvPr id="1" name=""/>
+        <p:cNvGrpSpPr/>
+        <p:nvPr/>
+      </p:nvGrpSpPr>
+      <p:grpSpPr>
+        <a:xfrm>
+          <a:off x="0" y="0"/>
+          <a:ext cx="0" cy="0"/>
+          <a:chOff x="0" y="0"/>
+          <a:chExt cx="0" cy="0"/>
+        </a:xfrm>
+      </p:grpSpPr>
+      <p:sp>
+        <p:nvSpPr>
+          <p:cNvPr id="292" name="PlaceHolder 1"/>
+          <p:cNvSpPr>
+            <a:spLocks noGrp="1"/>
+          </p:cNvSpPr>
+          <p:nvPr>
+            <p:ph type="title"/>
+          </p:nvPr>
+        </p:nvSpPr>
+        <p:spPr>
+          <a:xfrm>
+            <a:off x="504000" y="226080"/>
+            <a:ext cx="9071280" cy="945720"/>
+          </a:xfrm>
+          <a:prstGeom prst="rect">
+            <a:avLst/>
+          </a:prstGeom>
+          <a:noFill/>
+          <a:ln w="0">
+            <a:noFill/>
+          </a:ln>
+        </p:spPr>
+        <p:txBody>
+          <a:bodyPr lIns="0" rIns="0" tIns="0" bIns="0" anchor="ctr">
+            <a:noAutofit/>
+          </a:bodyPr>
+          <a:p>
+            <a:pPr algn="ctr">
+              <a:buNone/>
+            </a:pPr>
+            <a:endParaRPr b="0" lang="en-IN" sz="4400" spc="-1" strike="noStrike">
+              <a:latin typeface="Arial"/>
+            </a:endParaRPr>
+          </a:p>
+        </p:txBody>
+      </p:sp>
+      <p:sp>
+        <p:nvSpPr>
+          <p:cNvPr id="293" name="PlaceHolder 2"/>
+          <p:cNvSpPr>
+            <a:spLocks noGrp="1"/>
+          </p:cNvSpPr>
+          <p:nvPr>
+            <p:ph/>
+          </p:nvPr>
+        </p:nvSpPr>
+        <p:spPr>
+          <a:xfrm>
+            <a:off x="504000" y="1326600"/>
+            <a:ext cx="2920680" cy="1568160"/>
+          </a:xfrm>
+          <a:prstGeom prst="rect">
+            <a:avLst/>
+          </a:prstGeom>
+          <a:noFill/>
+          <a:ln w="0">
+            <a:noFill/>
+          </a:ln>
+        </p:spPr>
+        <p:txBody>
+          <a:bodyPr lIns="0" rIns="0" tIns="0" bIns="0" anchor="t">
+            <a:normAutofit/>
+          </a:bodyPr>
+          <a:p>
+            <a:endParaRPr b="0" lang="en-IN" sz="3200" spc="-1" strike="noStrike">
+              <a:latin typeface="Arial"/>
+            </a:endParaRPr>
+          </a:p>
+        </p:txBody>
+      </p:sp>
+      <p:sp>
+        <p:nvSpPr>
+          <p:cNvPr id="294" name="PlaceHolder 3"/>
+          <p:cNvSpPr>
+            <a:spLocks noGrp="1"/>
+          </p:cNvSpPr>
+          <p:nvPr>
+            <p:ph/>
+          </p:nvPr>
+        </p:nvSpPr>
+        <p:spPr>
+          <a:xfrm>
+            <a:off x="3571200" y="1326600"/>
+            <a:ext cx="2920680" cy="1568160"/>
+          </a:xfrm>
+          <a:prstGeom prst="rect">
+            <a:avLst/>
+          </a:prstGeom>
+          <a:noFill/>
+          <a:ln w="0">
+            <a:noFill/>
+          </a:ln>
+        </p:spPr>
+        <p:txBody>
+          <a:bodyPr lIns="0" rIns="0" tIns="0" bIns="0" anchor="t">
+            <a:normAutofit/>
+          </a:bodyPr>
+          <a:p>
+            <a:endParaRPr b="0" lang="en-IN" sz="3200" spc="-1" strike="noStrike">
+              <a:latin typeface="Arial"/>
+            </a:endParaRPr>
+          </a:p>
+        </p:txBody>
+      </p:sp>
+      <p:sp>
+        <p:nvSpPr>
+          <p:cNvPr id="295" name="PlaceHolder 4"/>
+          <p:cNvSpPr>
+            <a:spLocks noGrp="1"/>
+          </p:cNvSpPr>
+          <p:nvPr>
+            <p:ph/>
+          </p:nvPr>
+        </p:nvSpPr>
+        <p:spPr>
+          <a:xfrm>
+            <a:off x="6638040" y="1326600"/>
+            <a:ext cx="2920680" cy="1568160"/>
+          </a:xfrm>
+          <a:prstGeom prst="rect">
+            <a:avLst/>
+          </a:prstGeom>
+          <a:noFill/>
+          <a:ln w="0">
+            <a:noFill/>
+          </a:ln>
+        </p:spPr>
+        <p:txBody>
+          <a:bodyPr lIns="0" rIns="0" tIns="0" bIns="0" anchor="t">
+            <a:normAutofit/>
+          </a:bodyPr>
+          <a:p>
+            <a:endParaRPr b="0" lang="en-IN" sz="3200" spc="-1" strike="noStrike">
+              <a:latin typeface="Arial"/>
+            </a:endParaRPr>
+          </a:p>
+        </p:txBody>
+      </p:sp>
+      <p:sp>
+        <p:nvSpPr>
+          <p:cNvPr id="296" name="PlaceHolder 5"/>
+          <p:cNvSpPr>
+            <a:spLocks noGrp="1"/>
+          </p:cNvSpPr>
+          <p:nvPr>
+            <p:ph/>
+          </p:nvPr>
+        </p:nvSpPr>
+        <p:spPr>
+          <a:xfrm>
+            <a:off x="504000" y="3044160"/>
+            <a:ext cx="2920680" cy="1568160"/>
+          </a:xfrm>
+          <a:prstGeom prst="rect">
+            <a:avLst/>
+          </a:prstGeom>
+          <a:noFill/>
+          <a:ln w="0">
+            <a:noFill/>
+          </a:ln>
+        </p:spPr>
+        <p:txBody>
+          <a:bodyPr lIns="0" rIns="0" tIns="0" bIns="0" anchor="t">
+            <a:normAutofit/>
+          </a:bodyPr>
+          <a:p>
+            <a:endParaRPr b="0" lang="en-IN" sz="3200" spc="-1" strike="noStrike">
+              <a:latin typeface="Arial"/>
+            </a:endParaRPr>
+          </a:p>
+        </p:txBody>
+      </p:sp>
+      <p:sp>
+        <p:nvSpPr>
+          <p:cNvPr id="297" name="PlaceHolder 6"/>
+          <p:cNvSpPr>
+            <a:spLocks noGrp="1"/>
+          </p:cNvSpPr>
+          <p:nvPr>
+            <p:ph/>
+          </p:nvPr>
+        </p:nvSpPr>
+        <p:spPr>
+          <a:xfrm>
+            <a:off x="3571200" y="3044160"/>
+            <a:ext cx="2920680" cy="1568160"/>
+          </a:xfrm>
+          <a:prstGeom prst="rect">
+            <a:avLst/>
+          </a:prstGeom>
+          <a:noFill/>
+          <a:ln w="0">
+            <a:noFill/>
+          </a:ln>
+        </p:spPr>
+        <p:txBody>
+          <a:bodyPr lIns="0" rIns="0" tIns="0" bIns="0" anchor="t">
+            <a:normAutofit/>
+          </a:bodyPr>
+          <a:p>
+            <a:endParaRPr b="0" lang="en-IN" sz="3200" spc="-1" strike="noStrike">
+              <a:latin typeface="Arial"/>
+            </a:endParaRPr>
+          </a:p>
+        </p:txBody>
+      </p:sp>
+      <p:sp>
+        <p:nvSpPr>
+          <p:cNvPr id="298" name="PlaceHolder 7"/>
+          <p:cNvSpPr>
+            <a:spLocks noGrp="1"/>
+          </p:cNvSpPr>
+          <p:nvPr>
+            <p:ph/>
+          </p:nvPr>
+        </p:nvSpPr>
+        <p:spPr>
+          <a:xfrm>
+            <a:off x="6638040" y="3044160"/>
+            <a:ext cx="2920680" cy="1568160"/>
+          </a:xfrm>
+          <a:prstGeom prst="rect">
+            <a:avLst/>
+          </a:prstGeom>
+          <a:noFill/>
+          <a:ln w="0">
+            <a:noFill/>
+          </a:ln>
+        </p:spPr>
+        <p:txBody>
+          <a:bodyPr lIns="0" rIns="0" tIns="0" bIns="0" anchor="t">
+            <a:normAutofit/>
+          </a:bodyPr>
+          <a:p>
+            <a:endParaRPr b="0" lang="en-IN" sz="3200" spc="-1" strike="noStrike">
+              <a:latin typeface="Arial"/>
+            </a:endParaRPr>
+          </a:p>
+        </p:txBody>
+      </p:sp>
+      <p:sp>
+        <p:nvSpPr>
+          <p:cNvPr id="9" name="PlaceHolder 8"/>
+          <p:cNvSpPr>
+            <a:spLocks noGrp="1"/>
+          </p:cNvSpPr>
+          <p:nvPr>
+            <p:ph type="ftr" idx="12"/>
+          </p:nvPr>
+        </p:nvSpPr>
+        <p:spPr/>
+        <p:txBody>
+          <a:bodyPr/>
+          <a:p>
+            <a:r>
+              <a:t>Footer</a:t>
+            </a:r>
+          </a:p>
+        </p:txBody>
+      </p:sp>
+      <p:sp>
+        <p:nvSpPr>
+          <p:cNvPr id="10" name="PlaceHolder 9"/>
+          <p:cNvSpPr>
+            <a:spLocks noGrp="1"/>
+          </p:cNvSpPr>
+          <p:nvPr>
+            <p:ph type="sldNum" idx="13"/>
+          </p:nvPr>
+        </p:nvSpPr>
+        <p:spPr/>
+        <p:txBody>
+          <a:bodyPr/>
+          <a:p>
+            <a:fld id="{CC391A65-97CB-4EF9-958C-2951C18D8E12}" type="slidenum">
+              <a:t>&lt;#&gt;</a:t>
+            </a:fld>
+          </a:p>
+        </p:txBody>
+      </p:sp>
+      <p:sp>
+        <p:nvSpPr>
+          <p:cNvPr id="11" name="PlaceHolder 10"/>
+          <p:cNvSpPr>
+            <a:spLocks noGrp="1"/>
+          </p:cNvSpPr>
+          <p:nvPr>
+            <p:ph type="dt" idx="14"/>
           </p:nvPr>
         </p:nvSpPr>
         <p:spPr/>
@@ -10136,7 +12141,7 @@
         <p:spPr>
           <a:xfrm>
             <a:off x="504000" y="226080"/>
-            <a:ext cx="9071640" cy="946080"/>
+            <a:ext cx="9071280" cy="945720"/>
           </a:xfrm>
           <a:prstGeom prst="rect">
             <a:avLst/>
@@ -10173,7 +12178,7 @@
         <p:spPr>
           <a:xfrm>
             <a:off x="504000" y="1326600"/>
-            <a:ext cx="4426920" cy="3288600"/>
+            <a:ext cx="4426920" cy="3288240"/>
           </a:xfrm>
           <a:prstGeom prst="rect">
             <a:avLst/>
@@ -10207,7 +12212,7 @@
         <p:spPr>
           <a:xfrm>
             <a:off x="5152680" y="1326600"/>
-            <a:ext cx="4426920" cy="1568520"/>
+            <a:ext cx="4426920" cy="1568160"/>
           </a:xfrm>
           <a:prstGeom prst="rect">
             <a:avLst/>
@@ -10240,8 +12245,8 @@
         </p:nvSpPr>
         <p:spPr>
           <a:xfrm>
-            <a:off x="5152680" y="3044520"/>
-            <a:ext cx="4426920" cy="1568520"/>
+            <a:off x="5152680" y="3044160"/>
+            <a:ext cx="4426920" cy="1568160"/>
           </a:xfrm>
           <a:prstGeom prst="rect">
             <a:avLst/>
@@ -10296,7 +12301,7 @@
         <p:txBody>
           <a:bodyPr/>
           <a:p>
-            <a:fld id="{881CB9A9-4C2B-40CC-B3FF-6D98C8F29B3E}" type="slidenum">
+            <a:fld id="{1105AF56-0B37-406B-B21B-C37CEB42E7EA}" type="slidenum">
               <a:t>&lt;#&gt;</a:t>
             </a:fld>
           </a:p>
@@ -10358,7 +12363,7 @@
         <p:spPr>
           <a:xfrm>
             <a:off x="504000" y="226080"/>
-            <a:ext cx="9071640" cy="946080"/>
+            <a:ext cx="9071280" cy="945720"/>
           </a:xfrm>
           <a:prstGeom prst="rect">
             <a:avLst/>
@@ -10395,7 +12400,7 @@
         <p:spPr>
           <a:xfrm>
             <a:off x="504000" y="1326600"/>
-            <a:ext cx="4426920" cy="1568520"/>
+            <a:ext cx="4426920" cy="1568160"/>
           </a:xfrm>
           <a:prstGeom prst="rect">
             <a:avLst/>
@@ -10429,7 +12434,7 @@
         <p:spPr>
           <a:xfrm>
             <a:off x="5152680" y="1326600"/>
-            <a:ext cx="4426920" cy="1568520"/>
+            <a:ext cx="4426920" cy="1568160"/>
           </a:xfrm>
           <a:prstGeom prst="rect">
             <a:avLst/>
@@ -10462,8 +12467,8 @@
         </p:nvSpPr>
         <p:spPr>
           <a:xfrm>
-            <a:off x="504000" y="3044520"/>
-            <a:ext cx="9072000" cy="1568520"/>
+            <a:off x="504000" y="3044160"/>
+            <a:ext cx="9071640" cy="1568160"/>
           </a:xfrm>
           <a:prstGeom prst="rect">
             <a:avLst/>
@@ -10518,7 +12523,7 @@
         <p:txBody>
           <a:bodyPr/>
           <a:p>
-            <a:fld id="{C59B2C2A-3D78-4E9E-A30A-83D9B6A0A350}" type="slidenum">
+            <a:fld id="{AAB4BC44-0A8E-4C43-BEBB-732C14FC953E}" type="slidenum">
               <a:t>&lt;#&gt;</a:t>
             </a:fld>
           </a:p>
@@ -10576,7 +12581,7 @@
         <p:spPr>
           <a:xfrm>
             <a:off x="0" y="0"/>
-            <a:ext cx="10078920" cy="5668920"/>
+            <a:ext cx="10078560" cy="5668560"/>
           </a:xfrm>
           <a:prstGeom prst="rect">
             <a:avLst/>
@@ -10612,7 +12617,7 @@
         <p:spPr>
           <a:xfrm>
             <a:off x="1440000" y="1080000"/>
-            <a:ext cx="1438920" cy="1258920"/>
+            <a:ext cx="1438560" cy="1258560"/>
           </a:xfrm>
           <a:prstGeom prst="ellipse">
             <a:avLst/>
@@ -10642,7 +12647,7 @@
         <p:spPr>
           <a:xfrm>
             <a:off x="7380000" y="3960000"/>
-            <a:ext cx="1438920" cy="1258920"/>
+            <a:ext cx="1438560" cy="1258560"/>
           </a:xfrm>
           <a:prstGeom prst="ellipse">
             <a:avLst/>
@@ -10672,7 +12677,7 @@
         <p:spPr>
           <a:xfrm>
             <a:off x="9000000" y="2700000"/>
-            <a:ext cx="1258920" cy="1078920"/>
+            <a:ext cx="1258560" cy="1078560"/>
           </a:xfrm>
           <a:prstGeom prst="ellipse">
             <a:avLst/>
@@ -10702,7 +12707,7 @@
         <p:spPr>
           <a:xfrm>
             <a:off x="-180000" y="2430000"/>
-            <a:ext cx="1438920" cy="1348920"/>
+            <a:ext cx="1438560" cy="1348560"/>
           </a:xfrm>
           <a:prstGeom prst="ellipse">
             <a:avLst/>
@@ -10732,7 +12737,7 @@
         <p:spPr>
           <a:xfrm>
             <a:off x="540000" y="1080000"/>
-            <a:ext cx="718920" cy="718920"/>
+            <a:ext cx="718560" cy="718560"/>
           </a:xfrm>
           <a:prstGeom prst="ellipse">
             <a:avLst/>
@@ -10762,7 +12767,7 @@
         <p:spPr>
           <a:xfrm>
             <a:off x="0" y="1260000"/>
-            <a:ext cx="718920" cy="718920"/>
+            <a:ext cx="718560" cy="718560"/>
           </a:xfrm>
           <a:prstGeom prst="ellipse">
             <a:avLst/>
@@ -10792,7 +12797,7 @@
         <p:spPr>
           <a:xfrm>
             <a:off x="0" y="5220000"/>
-            <a:ext cx="1618920" cy="1258920"/>
+            <a:ext cx="1618560" cy="1258560"/>
           </a:xfrm>
           <a:prstGeom prst="ellipse">
             <a:avLst/>
@@ -10822,7 +12827,7 @@
         <p:spPr>
           <a:xfrm>
             <a:off x="9720000" y="4680000"/>
-            <a:ext cx="718920" cy="718920"/>
+            <a:ext cx="718560" cy="718560"/>
           </a:xfrm>
           <a:prstGeom prst="ellipse">
             <a:avLst/>
@@ -10852,7 +12857,7 @@
         <p:spPr>
           <a:xfrm>
             <a:off x="9540000" y="3420000"/>
-            <a:ext cx="718920" cy="718920"/>
+            <a:ext cx="718560" cy="718560"/>
           </a:xfrm>
           <a:prstGeom prst="ellipse">
             <a:avLst/>
@@ -10882,7 +12887,7 @@
         <p:spPr>
           <a:xfrm>
             <a:off x="8100000" y="4680000"/>
-            <a:ext cx="1078920" cy="841320"/>
+            <a:ext cx="1078560" cy="840960"/>
           </a:xfrm>
           <a:prstGeom prst="ellipse">
             <a:avLst/>
@@ -10912,7 +12917,7 @@
         <p:spPr>
           <a:xfrm>
             <a:off x="7920000" y="5400000"/>
-            <a:ext cx="898920" cy="898920"/>
+            <a:ext cx="898560" cy="898560"/>
           </a:xfrm>
           <a:prstGeom prst="ellipse">
             <a:avLst/>
@@ -10946,7 +12951,7 @@
         <p:spPr>
           <a:xfrm>
             <a:off x="3420000" y="5130000"/>
-            <a:ext cx="3238920" cy="391320"/>
+            <a:ext cx="3238560" cy="390960"/>
           </a:xfrm>
           <a:prstGeom prst="rect">
             <a:avLst/>
@@ -10988,7 +12993,7 @@
                 </a:solidFill>
                 <a:latin typeface="Arial"/>
               </a:rPr>
-              <a:t>&lt;footer&gt;</a:t>
+              <a:t> </a:t>
             </a:r>
             <a:endParaRPr b="0" lang="en-IN" sz="1400" spc="-1" strike="noStrike">
               <a:latin typeface="Times New Roman"/>
@@ -11009,7 +13014,7 @@
         <p:spPr>
           <a:xfrm>
             <a:off x="7560000" y="5130000"/>
-            <a:ext cx="2338920" cy="391320"/>
+            <a:ext cx="2338560" cy="390960"/>
           </a:xfrm>
           <a:prstGeom prst="rect">
             <a:avLst/>
@@ -11044,14 +13049,14 @@
               </a:lnSpc>
               <a:buNone/>
             </a:pPr>
-            <a:fld id="{EB97500F-D635-44EB-A632-25E79E13ECEE}" type="slidenum">
+            <a:fld id="{41A9B9BF-E59F-4D7B-AB58-4D9B4B6007DE}" type="slidenum">
               <a:rPr b="0" lang="en-US" sz="1400" spc="-1" strike="noStrike">
                 <a:solidFill>
                   <a:srgbClr val="ffffff"/>
                 </a:solidFill>
                 <a:latin typeface="Arial"/>
               </a:rPr>
-              <a:t>&lt;number&gt;</a:t>
+              <a:t>2</a:t>
             </a:fld>
             <a:endParaRPr b="0" lang="en-IN" sz="1400" spc="-1" strike="noStrike">
               <a:latin typeface="Times New Roman"/>
@@ -11072,7 +13077,7 @@
         <p:spPr>
           <a:xfrm>
             <a:off x="180000" y="5130000"/>
-            <a:ext cx="2338920" cy="391320"/>
+            <a:ext cx="2338560" cy="390960"/>
           </a:xfrm>
           <a:prstGeom prst="rect">
             <a:avLst/>
@@ -11098,7 +13103,7 @@
               <a:rPr b="0" lang="en-IN" sz="1400" spc="-1" strike="noStrike">
                 <a:latin typeface="Times New Roman"/>
               </a:rPr>
-              <a:t>&lt;date/time&gt;</a:t>
+              <a:t> </a:t>
             </a:r>
             <a:endParaRPr b="0" lang="en-IN" sz="1400" spc="-1" strike="noStrike">
               <a:latin typeface="Times New Roman"/>
@@ -11378,7 +13383,7 @@
         <p:spPr>
           <a:xfrm>
             <a:off x="0" y="360"/>
-            <a:ext cx="10078920" cy="5668560"/>
+            <a:ext cx="10078560" cy="5668200"/>
           </a:xfrm>
           <a:prstGeom prst="rect">
             <a:avLst/>
@@ -11413,8 +13418,8 @@
         </p:nvSpPr>
         <p:spPr>
           <a:xfrm flipH="1">
-            <a:off x="-3960" y="0"/>
-            <a:ext cx="10079280" cy="5669280"/>
+            <a:off x="-4680" y="0"/>
+            <a:ext cx="10078920" cy="5668920"/>
           </a:xfrm>
           <a:prstGeom prst="rect">
             <a:avLst/>
@@ -11461,7 +13466,7 @@
         <p:spPr>
           <a:xfrm>
             <a:off x="0" y="1260360"/>
-            <a:ext cx="10258920" cy="4498560"/>
+            <a:ext cx="10258560" cy="4498200"/>
           </a:xfrm>
           <a:prstGeom prst="rect">
             <a:avLst/>
@@ -11489,7 +13494,7 @@
         <p:spPr>
           <a:xfrm>
             <a:off x="180360" y="5130360"/>
-            <a:ext cx="2338920" cy="391320"/>
+            <a:ext cx="2338560" cy="390960"/>
           </a:xfrm>
           <a:prstGeom prst="rect">
             <a:avLst/>
@@ -11541,7 +13546,7 @@
         <p:spPr>
           <a:xfrm>
             <a:off x="7560360" y="5130360"/>
-            <a:ext cx="2338920" cy="391320"/>
+            <a:ext cx="2338560" cy="390960"/>
           </a:xfrm>
           <a:prstGeom prst="rect">
             <a:avLst/>
@@ -11568,7 +13573,7 @@
               </a:lnSpc>
               <a:buNone/>
             </a:pPr>
-            <a:fld id="{746EEA56-64AA-488F-AE4B-9E290220F30D}" type="slidenum">
+            <a:fld id="{67B2060F-7E08-4025-A0B5-8D43EF95203E}" type="slidenum">
               <a:rPr b="0" lang="en-US" sz="1400" spc="-1" strike="noStrike">
                 <a:solidFill>
                   <a:srgbClr val="000000"/>
@@ -11593,7 +13598,7 @@
         <p:spPr>
           <a:xfrm>
             <a:off x="1440360" y="1080360"/>
-            <a:ext cx="1438920" cy="1258920"/>
+            <a:ext cx="1438560" cy="1258560"/>
           </a:xfrm>
           <a:prstGeom prst="ellipse">
             <a:avLst/>
@@ -11623,7 +13628,7 @@
         <p:spPr>
           <a:xfrm>
             <a:off x="7380360" y="3960360"/>
-            <a:ext cx="1438920" cy="1258920"/>
+            <a:ext cx="1438560" cy="1258560"/>
           </a:xfrm>
           <a:prstGeom prst="ellipse">
             <a:avLst/>
@@ -11653,7 +13658,7 @@
         <p:spPr>
           <a:xfrm>
             <a:off x="540360" y="1080360"/>
-            <a:ext cx="718920" cy="718920"/>
+            <a:ext cx="718560" cy="718560"/>
           </a:xfrm>
           <a:prstGeom prst="ellipse">
             <a:avLst/>
@@ -11683,7 +13688,7 @@
         <p:spPr>
           <a:xfrm>
             <a:off x="360" y="1260360"/>
-            <a:ext cx="718920" cy="718920"/>
+            <a:ext cx="718560" cy="718560"/>
           </a:xfrm>
           <a:prstGeom prst="ellipse">
             <a:avLst/>
@@ -11717,7 +13722,7 @@
         <p:spPr>
           <a:xfrm>
             <a:off x="3420000" y="5130000"/>
-            <a:ext cx="3238920" cy="391320"/>
+            <a:ext cx="3238560" cy="390960"/>
           </a:xfrm>
           <a:prstGeom prst="rect">
             <a:avLst/>
@@ -11774,7 +13779,7 @@
         <p:spPr>
           <a:xfrm>
             <a:off x="7560000" y="5130000"/>
-            <a:ext cx="2338920" cy="391320"/>
+            <a:ext cx="2338560" cy="390960"/>
           </a:xfrm>
           <a:prstGeom prst="rect">
             <a:avLst/>
@@ -11806,7 +13811,7 @@
               </a:lnSpc>
               <a:buNone/>
             </a:pPr>
-            <a:fld id="{78BCA919-2A30-4F5F-8D24-45A1A93794F2}" type="slidenum">
+            <a:fld id="{AED8CF49-F23E-41F2-A320-3AD765D99F42}" type="slidenum">
               <a:rPr b="0" lang="en-US" sz="1400" spc="-1" strike="noStrike">
                 <a:latin typeface="Arial"/>
               </a:rPr>
@@ -12090,7 +14095,7 @@
         <p:spPr>
           <a:xfrm>
             <a:off x="0" y="360"/>
-            <a:ext cx="10078920" cy="5668560"/>
+            <a:ext cx="10078560" cy="5668200"/>
           </a:xfrm>
           <a:prstGeom prst="rect">
             <a:avLst/>
@@ -12125,8 +14130,8 @@
         </p:nvSpPr>
         <p:spPr>
           <a:xfrm flipH="1">
-            <a:off x="-3960" y="0"/>
-            <a:ext cx="10079280" cy="5669280"/>
+            <a:off x="-4680" y="0"/>
+            <a:ext cx="10078920" cy="5668920"/>
           </a:xfrm>
           <a:prstGeom prst="rect">
             <a:avLst/>
@@ -12173,7 +14178,7 @@
         <p:spPr>
           <a:xfrm>
             <a:off x="0" y="1260360"/>
-            <a:ext cx="10258920" cy="4498560"/>
+            <a:ext cx="10258560" cy="4498200"/>
           </a:xfrm>
           <a:prstGeom prst="rect">
             <a:avLst/>
@@ -12201,7 +14206,7 @@
         <p:spPr>
           <a:xfrm>
             <a:off x="180360" y="5130360"/>
-            <a:ext cx="2338920" cy="391320"/>
+            <a:ext cx="2338560" cy="390960"/>
           </a:xfrm>
           <a:prstGeom prst="rect">
             <a:avLst/>
@@ -12253,7 +14258,7 @@
         <p:spPr>
           <a:xfrm>
             <a:off x="7560360" y="5130360"/>
-            <a:ext cx="2338920" cy="391320"/>
+            <a:ext cx="2338560" cy="390960"/>
           </a:xfrm>
           <a:prstGeom prst="rect">
             <a:avLst/>
@@ -12280,7 +14285,7 @@
               </a:lnSpc>
               <a:buNone/>
             </a:pPr>
-            <a:fld id="{15BEEC3C-9982-447D-AA4D-66CA5F61B7E2}" type="slidenum">
+            <a:fld id="{233F5B8F-F889-4660-B4D8-68BD470F16F7}" type="slidenum">
               <a:rPr b="0" lang="en-US" sz="1400" spc="-1" strike="noStrike">
                 <a:solidFill>
                   <a:srgbClr val="000000"/>
@@ -12305,7 +14310,7 @@
         <p:spPr>
           <a:xfrm>
             <a:off x="1440360" y="1080360"/>
-            <a:ext cx="1438920" cy="1258920"/>
+            <a:ext cx="1438560" cy="1258560"/>
           </a:xfrm>
           <a:prstGeom prst="ellipse">
             <a:avLst/>
@@ -12335,7 +14340,7 @@
         <p:spPr>
           <a:xfrm>
             <a:off x="7380360" y="3960360"/>
-            <a:ext cx="1438920" cy="1258920"/>
+            <a:ext cx="1438560" cy="1258560"/>
           </a:xfrm>
           <a:prstGeom prst="ellipse">
             <a:avLst/>
@@ -12365,7 +14370,7 @@
         <p:spPr>
           <a:xfrm>
             <a:off x="540360" y="1080360"/>
-            <a:ext cx="718920" cy="718920"/>
+            <a:ext cx="718560" cy="718560"/>
           </a:xfrm>
           <a:prstGeom prst="ellipse">
             <a:avLst/>
@@ -12395,7 +14400,7 @@
         <p:spPr>
           <a:xfrm>
             <a:off x="360" y="1260360"/>
-            <a:ext cx="718920" cy="718920"/>
+            <a:ext cx="718560" cy="718560"/>
           </a:xfrm>
           <a:prstGeom prst="ellipse">
             <a:avLst/>
@@ -12429,7 +14434,7 @@
         <p:spPr>
           <a:xfrm>
             <a:off x="3420000" y="5130000"/>
-            <a:ext cx="3238920" cy="391320"/>
+            <a:ext cx="3238560" cy="390960"/>
           </a:xfrm>
           <a:prstGeom prst="rect">
             <a:avLst/>
@@ -12486,7 +14491,7 @@
         <p:spPr>
           <a:xfrm>
             <a:off x="7560000" y="5130000"/>
-            <a:ext cx="2338920" cy="391320"/>
+            <a:ext cx="2338560" cy="390960"/>
           </a:xfrm>
           <a:prstGeom prst="rect">
             <a:avLst/>
@@ -12518,7 +14523,7 @@
               </a:lnSpc>
               <a:buNone/>
             </a:pPr>
-            <a:fld id="{E4947BCE-EB76-4339-84A7-E1C6D054CB4C}" type="slidenum">
+            <a:fld id="{98F260CA-2C1D-4BA6-99D9-EDD2C0CCE3CC}" type="slidenum">
               <a:rPr b="0" lang="en-US" sz="1400" spc="-1" strike="noStrike">
                 <a:latin typeface="Arial"/>
               </a:rPr>
@@ -12802,7 +14807,7 @@
         <p:spPr>
           <a:xfrm>
             <a:off x="0" y="360"/>
-            <a:ext cx="10078920" cy="5668560"/>
+            <a:ext cx="10078560" cy="5668200"/>
           </a:xfrm>
           <a:prstGeom prst="rect">
             <a:avLst/>
@@ -12837,8 +14842,8 @@
         </p:nvSpPr>
         <p:spPr>
           <a:xfrm flipH="1">
-            <a:off x="-3960" y="0"/>
-            <a:ext cx="10079280" cy="5669280"/>
+            <a:off x="-4680" y="0"/>
+            <a:ext cx="10078920" cy="5668920"/>
           </a:xfrm>
           <a:prstGeom prst="rect">
             <a:avLst/>
@@ -12885,7 +14890,7 @@
         <p:spPr>
           <a:xfrm>
             <a:off x="0" y="1260360"/>
-            <a:ext cx="10258920" cy="4498560"/>
+            <a:ext cx="10258560" cy="4498200"/>
           </a:xfrm>
           <a:prstGeom prst="rect">
             <a:avLst/>
@@ -12913,7 +14918,7 @@
         <p:spPr>
           <a:xfrm>
             <a:off x="180360" y="5130360"/>
-            <a:ext cx="2338920" cy="391320"/>
+            <a:ext cx="2338560" cy="390960"/>
           </a:xfrm>
           <a:prstGeom prst="rect">
             <a:avLst/>
@@ -12965,7 +14970,7 @@
         <p:spPr>
           <a:xfrm>
             <a:off x="7560360" y="5130360"/>
-            <a:ext cx="2338920" cy="391320"/>
+            <a:ext cx="2338560" cy="390960"/>
           </a:xfrm>
           <a:prstGeom prst="rect">
             <a:avLst/>
@@ -12992,7 +14997,7 @@
               </a:lnSpc>
               <a:buNone/>
             </a:pPr>
-            <a:fld id="{A52B4606-3319-40AC-B18C-B03A97AD4B03}" type="slidenum">
+            <a:fld id="{4A937F87-4756-43E3-860D-0BDB11A453FC}" type="slidenum">
               <a:rPr b="0" lang="en-US" sz="1400" spc="-1" strike="noStrike">
                 <a:solidFill>
                   <a:srgbClr val="000000"/>
@@ -13017,7 +15022,7 @@
         <p:spPr>
           <a:xfrm>
             <a:off x="1440360" y="1080360"/>
-            <a:ext cx="1438920" cy="1258920"/>
+            <a:ext cx="1438560" cy="1258560"/>
           </a:xfrm>
           <a:prstGeom prst="ellipse">
             <a:avLst/>
@@ -13047,7 +15052,7 @@
         <p:spPr>
           <a:xfrm>
             <a:off x="7380360" y="3960360"/>
-            <a:ext cx="1438920" cy="1258920"/>
+            <a:ext cx="1438560" cy="1258560"/>
           </a:xfrm>
           <a:prstGeom prst="ellipse">
             <a:avLst/>
@@ -13077,7 +15082,7 @@
         <p:spPr>
           <a:xfrm>
             <a:off x="540360" y="1080360"/>
-            <a:ext cx="718920" cy="718920"/>
+            <a:ext cx="718560" cy="718560"/>
           </a:xfrm>
           <a:prstGeom prst="ellipse">
             <a:avLst/>
@@ -13107,7 +15112,7 @@
         <p:spPr>
           <a:xfrm>
             <a:off x="360" y="1260360"/>
-            <a:ext cx="718920" cy="718920"/>
+            <a:ext cx="718560" cy="718560"/>
           </a:xfrm>
           <a:prstGeom prst="ellipse">
             <a:avLst/>
@@ -13141,7 +15146,7 @@
         <p:spPr>
           <a:xfrm>
             <a:off x="504000" y="226080"/>
-            <a:ext cx="9071640" cy="946080"/>
+            <a:ext cx="9071280" cy="945720"/>
           </a:xfrm>
           <a:prstGeom prst="rect">
             <a:avLst/>
@@ -13175,13 +15180,196 @@
             <a:spLocks noGrp="1"/>
           </p:cNvSpPr>
           <p:nvPr>
+            <p:ph type="body"/>
+          </p:nvPr>
+        </p:nvSpPr>
+        <p:spPr>
+          <a:xfrm>
+            <a:off x="504000" y="1326600"/>
+            <a:ext cx="9071640" cy="3288240"/>
+          </a:xfrm>
+          <a:prstGeom prst="rect">
+            <a:avLst/>
+          </a:prstGeom>
+          <a:noFill/>
+          <a:ln w="0">
+            <a:noFill/>
+          </a:ln>
+        </p:spPr>
+        <p:txBody>
+          <a:bodyPr lIns="0" rIns="0" tIns="0" bIns="0" anchor="t">
+            <a:normAutofit/>
+          </a:bodyPr>
+          <a:p>
+            <a:pPr marL="432000" indent="-324000">
+              <a:spcBef>
+                <a:spcPts val="1417"/>
+              </a:spcBef>
+              <a:buClr>
+                <a:srgbClr val="000000"/>
+              </a:buClr>
+              <a:buSzPct val="45000"/>
+              <a:buFont typeface="Wingdings" charset="2"/>
+              <a:buChar char=""/>
+            </a:pPr>
+            <a:r>
+              <a:rPr b="0" lang="en-IN" sz="1800" spc="-1" strike="noStrike">
+                <a:latin typeface="Arial"/>
+              </a:rPr>
+              <a:t>Click to edit the outline text format</a:t>
+            </a:r>
+            <a:endParaRPr b="0" lang="en-IN" sz="1800" spc="-1" strike="noStrike">
+              <a:latin typeface="Arial"/>
+            </a:endParaRPr>
+          </a:p>
+          <a:p>
+            <a:pPr lvl="1" marL="864000" indent="-324000">
+              <a:spcBef>
+                <a:spcPts val="1134"/>
+              </a:spcBef>
+              <a:buClr>
+                <a:srgbClr val="000000"/>
+              </a:buClr>
+              <a:buSzPct val="75000"/>
+              <a:buFont typeface="Symbol" charset="2"/>
+              <a:buChar char=""/>
+            </a:pPr>
+            <a:r>
+              <a:rPr b="0" lang="en-IN" sz="1800" spc="-1" strike="noStrike">
+                <a:latin typeface="Arial"/>
+              </a:rPr>
+              <a:t>Second Outline Level</a:t>
+            </a:r>
+            <a:endParaRPr b="0" lang="en-IN" sz="1800" spc="-1" strike="noStrike">
+              <a:latin typeface="Arial"/>
+            </a:endParaRPr>
+          </a:p>
+          <a:p>
+            <a:pPr lvl="2" marL="1296000" indent="-288000">
+              <a:spcBef>
+                <a:spcPts val="850"/>
+              </a:spcBef>
+              <a:buClr>
+                <a:srgbClr val="000000"/>
+              </a:buClr>
+              <a:buSzPct val="45000"/>
+              <a:buFont typeface="Wingdings" charset="2"/>
+              <a:buChar char=""/>
+            </a:pPr>
+            <a:r>
+              <a:rPr b="0" lang="en-IN" sz="1800" spc="-1" strike="noStrike">
+                <a:latin typeface="Arial"/>
+              </a:rPr>
+              <a:t>Third Outline Level</a:t>
+            </a:r>
+            <a:endParaRPr b="0" lang="en-IN" sz="1800" spc="-1" strike="noStrike">
+              <a:latin typeface="Arial"/>
+            </a:endParaRPr>
+          </a:p>
+          <a:p>
+            <a:pPr lvl="3" marL="1728000" indent="-216000">
+              <a:spcBef>
+                <a:spcPts val="567"/>
+              </a:spcBef>
+              <a:buClr>
+                <a:srgbClr val="000000"/>
+              </a:buClr>
+              <a:buSzPct val="75000"/>
+              <a:buFont typeface="Symbol" charset="2"/>
+              <a:buChar char=""/>
+            </a:pPr>
+            <a:r>
+              <a:rPr b="0" lang="en-IN" sz="1800" spc="-1" strike="noStrike">
+                <a:latin typeface="Arial"/>
+              </a:rPr>
+              <a:t>Fourth Outline Level</a:t>
+            </a:r>
+            <a:endParaRPr b="0" lang="en-IN" sz="1800" spc="-1" strike="noStrike">
+              <a:latin typeface="Arial"/>
+            </a:endParaRPr>
+          </a:p>
+          <a:p>
+            <a:pPr lvl="4" marL="2160000" indent="-216000">
+              <a:spcBef>
+                <a:spcPts val="283"/>
+              </a:spcBef>
+              <a:buClr>
+                <a:srgbClr val="000000"/>
+              </a:buClr>
+              <a:buSzPct val="45000"/>
+              <a:buFont typeface="Wingdings" charset="2"/>
+              <a:buChar char=""/>
+            </a:pPr>
+            <a:r>
+              <a:rPr b="0" lang="en-IN" sz="1800" spc="-1" strike="noStrike">
+                <a:latin typeface="Arial"/>
+              </a:rPr>
+              <a:t>Fifth Outline Level</a:t>
+            </a:r>
+            <a:endParaRPr b="0" lang="en-IN" sz="1800" spc="-1" strike="noStrike">
+              <a:latin typeface="Arial"/>
+            </a:endParaRPr>
+          </a:p>
+          <a:p>
+            <a:pPr lvl="5" marL="2592000" indent="-216000">
+              <a:spcBef>
+                <a:spcPts val="283"/>
+              </a:spcBef>
+              <a:buClr>
+                <a:srgbClr val="000000"/>
+              </a:buClr>
+              <a:buSzPct val="45000"/>
+              <a:buFont typeface="Wingdings" charset="2"/>
+              <a:buChar char=""/>
+            </a:pPr>
+            <a:r>
+              <a:rPr b="0" lang="en-IN" sz="1800" spc="-1" strike="noStrike">
+                <a:latin typeface="Arial"/>
+              </a:rPr>
+              <a:t>Sixth Outline Level</a:t>
+            </a:r>
+            <a:endParaRPr b="0" lang="en-IN" sz="1800" spc="-1" strike="noStrike">
+              <a:latin typeface="Arial"/>
+            </a:endParaRPr>
+          </a:p>
+          <a:p>
+            <a:pPr lvl="6" marL="3024000" indent="-216000">
+              <a:spcBef>
+                <a:spcPts val="283"/>
+              </a:spcBef>
+              <a:buClr>
+                <a:srgbClr val="000000"/>
+              </a:buClr>
+              <a:buSzPct val="45000"/>
+              <a:buFont typeface="Wingdings" charset="2"/>
+              <a:buChar char=""/>
+            </a:pPr>
+            <a:r>
+              <a:rPr b="0" lang="en-IN" sz="1800" spc="-1" strike="noStrike">
+                <a:latin typeface="Arial"/>
+              </a:rPr>
+              <a:t>Seventh Outline Level</a:t>
+            </a:r>
+            <a:endParaRPr b="0" lang="en-IN" sz="1800" spc="-1" strike="noStrike">
+              <a:latin typeface="Arial"/>
+            </a:endParaRPr>
+          </a:p>
+        </p:txBody>
+      </p:sp>
+      <p:sp>
+        <p:nvSpPr>
+          <p:cNvPr id="162" name="PlaceHolder 3"/>
+          <p:cNvSpPr>
+            <a:spLocks noGrp="1"/>
+          </p:cNvSpPr>
+          <p:nvPr>
             <p:ph type="ftr" idx="8"/>
           </p:nvPr>
         </p:nvSpPr>
         <p:spPr>
           <a:xfrm>
             <a:off x="3420000" y="5130000"/>
-            <a:ext cx="3238920" cy="391320"/>
+            <a:ext cx="3238560" cy="390960"/>
           </a:xfrm>
           <a:prstGeom prst="rect">
             <a:avLst/>
@@ -13227,7 +15415,7 @@
       </p:sp>
       <p:sp>
         <p:nvSpPr>
-          <p:cNvPr id="162" name="PlaceHolder 3"/>
+          <p:cNvPr id="163" name="PlaceHolder 4"/>
           <p:cNvSpPr>
             <a:spLocks noGrp="1"/>
           </p:cNvSpPr>
@@ -13238,7 +15426,7 @@
         <p:spPr>
           <a:xfrm>
             <a:off x="7560000" y="5130000"/>
-            <a:ext cx="2338920" cy="391320"/>
+            <a:ext cx="2338560" cy="390960"/>
           </a:xfrm>
           <a:prstGeom prst="rect">
             <a:avLst/>
@@ -13270,7 +15458,7 @@
               </a:lnSpc>
               <a:buNone/>
             </a:pPr>
-            <a:fld id="{09D87180-E87C-4B6E-86F8-811C0B88083B}" type="slidenum">
+            <a:fld id="{BA764581-78EC-4C75-B610-8EA328060068}" type="slidenum">
               <a:rPr b="0" lang="en-US" sz="1400" spc="-1" strike="noStrike">
                 <a:latin typeface="Arial"/>
               </a:rPr>
@@ -13278,236 +15466,6 @@
             </a:fld>
             <a:endParaRPr b="0" lang="en-IN" sz="1400" spc="-1" strike="noStrike">
               <a:latin typeface="Times New Roman"/>
-            </a:endParaRPr>
-          </a:p>
-        </p:txBody>
-      </p:sp>
-      <p:sp>
-        <p:nvSpPr>
-          <p:cNvPr id="163" name="PlaceHolder 4"/>
-          <p:cNvSpPr>
-            <a:spLocks noGrp="1"/>
-          </p:cNvSpPr>
-          <p:nvPr>
-            <p:ph type="dt" idx="10"/>
-          </p:nvPr>
-        </p:nvSpPr>
-        <p:spPr>
-          <a:xfrm>
-            <a:off x="180000" y="5130000"/>
-            <a:ext cx="2338920" cy="391320"/>
-          </a:xfrm>
-          <a:prstGeom prst="rect">
-            <a:avLst/>
-          </a:prstGeom>
-          <a:noFill/>
-          <a:ln w="0">
-            <a:noFill/>
-          </a:ln>
-        </p:spPr>
-        <p:txBody>
-          <a:bodyPr lIns="0" rIns="0" tIns="0" bIns="0" anchor="b">
-            <a:noAutofit/>
-          </a:bodyPr>
-          <a:lstStyle>
-            <a:lvl1pPr>
-              <a:defRPr b="0" lang="en-IN" sz="1400" spc="-1" strike="noStrike">
-                <a:latin typeface="Times New Roman"/>
-              </a:defRPr>
-            </a:lvl1pPr>
-          </a:lstStyle>
-          <a:p>
-            <a:r>
-              <a:rPr b="0" lang="en-IN" sz="1400" spc="-1" strike="noStrike">
-                <a:latin typeface="Times New Roman"/>
-              </a:rPr>
-              <a:t>&lt;date/time&gt;</a:t>
-            </a:r>
-            <a:endParaRPr b="0" lang="en-IN" sz="1400" spc="-1" strike="noStrike">
-              <a:latin typeface="Times New Roman"/>
-            </a:endParaRPr>
-          </a:p>
-        </p:txBody>
-      </p:sp>
-      <p:sp>
-        <p:nvSpPr>
-          <p:cNvPr id="164" name="PlaceHolder 5"/>
-          <p:cNvSpPr>
-            <a:spLocks noGrp="1"/>
-          </p:cNvSpPr>
-          <p:nvPr>
-            <p:ph type="body"/>
-          </p:nvPr>
-        </p:nvSpPr>
-        <p:spPr>
-          <a:xfrm>
-            <a:off x="504000" y="1326600"/>
-            <a:ext cx="9072000" cy="3288600"/>
-          </a:xfrm>
-          <a:prstGeom prst="rect">
-            <a:avLst/>
-          </a:prstGeom>
-          <a:noFill/>
-          <a:ln w="0">
-            <a:noFill/>
-          </a:ln>
-        </p:spPr>
-        <p:txBody>
-          <a:bodyPr lIns="0" rIns="0" tIns="0" bIns="0" anchor="t">
-            <a:normAutofit/>
-          </a:bodyPr>
-          <a:p>
-            <a:pPr marL="432000" indent="-324000">
-              <a:spcBef>
-                <a:spcPts val="1417"/>
-              </a:spcBef>
-              <a:buClr>
-                <a:srgbClr val="000000"/>
-              </a:buClr>
-              <a:buSzPct val="45000"/>
-              <a:buFont typeface="Wingdings" charset="2"/>
-              <a:buChar char=""/>
-            </a:pPr>
-            <a:r>
-              <a:rPr b="0" lang="en-IN" sz="3200" spc="-1" strike="noStrike">
-                <a:latin typeface="Arial"/>
-              </a:rPr>
-              <a:t>Click to edit the outline text format</a:t>
-            </a:r>
-            <a:endParaRPr b="0" lang="en-IN" sz="3200" spc="-1" strike="noStrike">
-              <a:latin typeface="Arial"/>
-            </a:endParaRPr>
-          </a:p>
-          <a:p>
-            <a:pPr lvl="1" marL="864000" indent="-324000">
-              <a:spcBef>
-                <a:spcPts val="1134"/>
-              </a:spcBef>
-              <a:buClr>
-                <a:srgbClr val="000000"/>
-              </a:buClr>
-              <a:buSzPct val="75000"/>
-              <a:buFont typeface="Symbol" charset="2"/>
-              <a:buChar char=""/>
-            </a:pPr>
-            <a:r>
-              <a:rPr b="0" lang="en-IN" sz="2800" spc="-1" strike="noStrike">
-                <a:latin typeface="Arial"/>
-              </a:rPr>
-              <a:t>Second Outline Level</a:t>
-            </a:r>
-            <a:endParaRPr b="0" lang="en-IN" sz="2800" spc="-1" strike="noStrike">
-              <a:latin typeface="Arial"/>
-            </a:endParaRPr>
-          </a:p>
-          <a:p>
-            <a:pPr lvl="2" marL="1296000" indent="-288000">
-              <a:spcBef>
-                <a:spcPts val="850"/>
-              </a:spcBef>
-              <a:buClr>
-                <a:srgbClr val="000000"/>
-              </a:buClr>
-              <a:buSzPct val="45000"/>
-              <a:buFont typeface="Wingdings" charset="2"/>
-              <a:buChar char=""/>
-            </a:pPr>
-            <a:r>
-              <a:rPr b="0" lang="en-IN" sz="2400" spc="-1" strike="noStrike">
-                <a:latin typeface="Arial"/>
-              </a:rPr>
-              <a:t>Third Outline Level</a:t>
-            </a:r>
-            <a:endParaRPr b="0" lang="en-IN" sz="2400" spc="-1" strike="noStrike">
-              <a:latin typeface="Arial"/>
-            </a:endParaRPr>
-          </a:p>
-          <a:p>
-            <a:pPr lvl="3" marL="1728000" indent="-216000">
-              <a:spcBef>
-                <a:spcPts val="567"/>
-              </a:spcBef>
-              <a:buClr>
-                <a:srgbClr val="000000"/>
-              </a:buClr>
-              <a:buSzPct val="75000"/>
-              <a:buFont typeface="Symbol" charset="2"/>
-              <a:buChar char=""/>
-            </a:pPr>
-            <a:r>
-              <a:rPr b="0" lang="en-IN" sz="2000" spc="-1" strike="noStrike">
-                <a:latin typeface="Arial"/>
-              </a:rPr>
-              <a:t>Fourth Outline Level</a:t>
-            </a:r>
-            <a:endParaRPr b="0" lang="en-IN" sz="2000" spc="-1" strike="noStrike">
-              <a:latin typeface="Arial"/>
-            </a:endParaRPr>
-          </a:p>
-          <a:p>
-            <a:pPr lvl="4" marL="2160000" indent="-216000">
-              <a:spcBef>
-                <a:spcPts val="283"/>
-              </a:spcBef>
-              <a:buClr>
-                <a:srgbClr val="000000"/>
-              </a:buClr>
-              <a:buSzPct val="45000"/>
-              <a:buFont typeface="Wingdings" charset="2"/>
-              <a:buChar char=""/>
-            </a:pPr>
-            <a:r>
-              <a:rPr b="0" lang="en-IN" sz="2000" spc="-1" strike="noStrike">
-                <a:latin typeface="Arial"/>
-              </a:rPr>
-              <a:t>Fifth Outline Level</a:t>
-            </a:r>
-            <a:endParaRPr b="0" lang="en-IN" sz="2000" spc="-1" strike="noStrike">
-              <a:latin typeface="Arial"/>
-            </a:endParaRPr>
-          </a:p>
-          <a:p>
-            <a:pPr lvl="5" marL="2592000" indent="-216000">
-              <a:spcBef>
-                <a:spcPts val="283"/>
-              </a:spcBef>
-              <a:buClr>
-                <a:srgbClr val="000000"/>
-              </a:buClr>
-              <a:buSzPct val="45000"/>
-              <a:buFont typeface="Wingdings" charset="2"/>
-              <a:buChar char=""/>
-            </a:pPr>
-            <a:r>
-              <a:rPr b="0" lang="en-IN" sz="2000" spc="-1" strike="noStrike">
-                <a:latin typeface="Arial"/>
-              </a:rPr>
-              <a:t>Sixth Outline Level</a:t>
-            </a:r>
-            <a:endParaRPr b="0" lang="en-IN" sz="2000" spc="-1" strike="noStrike">
-              <a:latin typeface="Arial"/>
-            </a:endParaRPr>
-          </a:p>
-          <a:p>
-            <a:pPr lvl="6" marL="3024000" indent="-216000">
-              <a:spcBef>
-                <a:spcPts val="283"/>
-              </a:spcBef>
-              <a:buClr>
-                <a:srgbClr val="000000"/>
-              </a:buClr>
-              <a:buSzPct val="45000"/>
-              <a:buFont typeface="Wingdings" charset="2"/>
-              <a:buChar char=""/>
-            </a:pPr>
-            <a:r>
-              <a:rPr b="0" lang="en-IN" sz="2000" spc="-1" strike="noStrike">
-                <a:latin typeface="Arial"/>
-              </a:rPr>
-              <a:t>Seventh Outline Level</a:t>
-            </a:r>
-            <a:endParaRPr b="0" lang="en-IN" sz="2000" spc="-1" strike="noStrike">
-              <a:latin typeface="Arial"/>
             </a:endParaRPr>
           </a:p>
         </p:txBody>
@@ -13551,14 +15509,14 @@
       </p:grpSpPr>
       <p:sp>
         <p:nvSpPr>
-          <p:cNvPr id="201" name=""/>
+          <p:cNvPr id="200" name=""/>
           <p:cNvSpPr/>
           <p:nvPr/>
         </p:nvSpPr>
         <p:spPr>
           <a:xfrm>
             <a:off x="0" y="360"/>
-            <a:ext cx="10078920" cy="5668560"/>
+            <a:ext cx="10078560" cy="5668200"/>
           </a:xfrm>
           <a:prstGeom prst="rect">
             <a:avLst/>
@@ -13587,14 +15545,14 @@
       </p:sp>
       <p:sp>
         <p:nvSpPr>
-          <p:cNvPr id="202" name=""/>
+          <p:cNvPr id="201" name=""/>
           <p:cNvSpPr/>
           <p:nvPr/>
         </p:nvSpPr>
         <p:spPr>
           <a:xfrm flipH="1">
-            <a:off x="-3960" y="0"/>
-            <a:ext cx="10079280" cy="5669280"/>
+            <a:off x="-4680" y="0"/>
+            <a:ext cx="10078920" cy="5668920"/>
           </a:xfrm>
           <a:prstGeom prst="rect">
             <a:avLst/>
@@ -13634,14 +15592,14 @@
       </p:sp>
       <p:sp>
         <p:nvSpPr>
-          <p:cNvPr id="203" name=""/>
+          <p:cNvPr id="202" name=""/>
           <p:cNvSpPr/>
           <p:nvPr/>
         </p:nvSpPr>
         <p:spPr>
           <a:xfrm>
             <a:off x="0" y="1260360"/>
-            <a:ext cx="10258920" cy="4498560"/>
+            <a:ext cx="10258560" cy="4498200"/>
           </a:xfrm>
           <a:prstGeom prst="rect">
             <a:avLst/>
@@ -13662,14 +15620,14 @@
       </p:sp>
       <p:sp>
         <p:nvSpPr>
-          <p:cNvPr id="204" name=""/>
+          <p:cNvPr id="203" name=""/>
           <p:cNvSpPr/>
           <p:nvPr/>
         </p:nvSpPr>
         <p:spPr>
           <a:xfrm>
             <a:off x="180360" y="5130360"/>
-            <a:ext cx="2338920" cy="391320"/>
+            <a:ext cx="2338560" cy="390960"/>
           </a:xfrm>
           <a:prstGeom prst="rect">
             <a:avLst/>
@@ -13688,14 +15646,14 @@
       </p:sp>
       <p:sp>
         <p:nvSpPr>
-          <p:cNvPr id="205" name=""/>
+          <p:cNvPr id="204" name=""/>
           <p:cNvSpPr/>
           <p:nvPr/>
         </p:nvSpPr>
         <p:spPr>
           <a:xfrm>
             <a:off x="7560360" y="5130360"/>
-            <a:ext cx="2338920" cy="391320"/>
+            <a:ext cx="2338560" cy="390960"/>
           </a:xfrm>
           <a:prstGeom prst="rect">
             <a:avLst/>
@@ -13722,7 +15680,7 @@
               </a:lnSpc>
               <a:buNone/>
             </a:pPr>
-            <a:fld id="{2B97D9EB-C6F8-4737-8787-6C2EC8D91B42}" type="slidenum">
+            <a:fld id="{FE893FBF-B09D-4EA5-BE9E-590B9E11B921}" type="slidenum">
               <a:rPr b="0" lang="en-US" sz="1400" spc="-1" strike="noStrike">
                 <a:solidFill>
                   <a:srgbClr val="000000"/>
@@ -13740,14 +15698,14 @@
       </p:sp>
       <p:sp>
         <p:nvSpPr>
-          <p:cNvPr id="206" name=""/>
+          <p:cNvPr id="205" name=""/>
           <p:cNvSpPr/>
           <p:nvPr/>
         </p:nvSpPr>
         <p:spPr>
           <a:xfrm>
             <a:off x="1440360" y="1080360"/>
-            <a:ext cx="1438920" cy="1258920"/>
+            <a:ext cx="1438560" cy="1258560"/>
           </a:xfrm>
           <a:prstGeom prst="ellipse">
             <a:avLst/>
@@ -13770,14 +15728,14 @@
       </p:sp>
       <p:sp>
         <p:nvSpPr>
-          <p:cNvPr id="207" name=""/>
+          <p:cNvPr id="206" name=""/>
           <p:cNvSpPr/>
           <p:nvPr/>
         </p:nvSpPr>
         <p:spPr>
           <a:xfrm>
             <a:off x="7380360" y="3960360"/>
-            <a:ext cx="1438920" cy="1258920"/>
+            <a:ext cx="1438560" cy="1258560"/>
           </a:xfrm>
           <a:prstGeom prst="ellipse">
             <a:avLst/>
@@ -13800,14 +15758,14 @@
       </p:sp>
       <p:sp>
         <p:nvSpPr>
-          <p:cNvPr id="208" name=""/>
+          <p:cNvPr id="207" name=""/>
           <p:cNvSpPr/>
           <p:nvPr/>
         </p:nvSpPr>
         <p:spPr>
           <a:xfrm>
             <a:off x="540360" y="1080360"/>
-            <a:ext cx="718920" cy="718920"/>
+            <a:ext cx="718560" cy="718560"/>
           </a:xfrm>
           <a:prstGeom prst="ellipse">
             <a:avLst/>
@@ -13830,14 +15788,14 @@
       </p:sp>
       <p:sp>
         <p:nvSpPr>
-          <p:cNvPr id="209" name=""/>
+          <p:cNvPr id="208" name=""/>
           <p:cNvSpPr/>
           <p:nvPr/>
         </p:nvSpPr>
         <p:spPr>
           <a:xfrm>
             <a:off x="360" y="1260360"/>
-            <a:ext cx="718920" cy="718920"/>
+            <a:ext cx="718560" cy="718560"/>
           </a:xfrm>
           <a:prstGeom prst="ellipse">
             <a:avLst/>
@@ -13860,18 +15818,241 @@
       </p:sp>
       <p:sp>
         <p:nvSpPr>
-          <p:cNvPr id="210" name="PlaceHolder 1"/>
-          <p:cNvSpPr>
-            <a:spLocks noGrp="1"/>
-          </p:cNvSpPr>
-          <p:nvPr>
-            <p:ph type="ftr" idx="11"/>
+          <p:cNvPr id="209" name="PlaceHolder 1"/>
+          <p:cNvSpPr>
+            <a:spLocks noGrp="1"/>
+          </p:cNvSpPr>
+          <p:nvPr>
+            <p:ph type="title"/>
+          </p:nvPr>
+        </p:nvSpPr>
+        <p:spPr>
+          <a:xfrm>
+            <a:off x="504000" y="226080"/>
+            <a:ext cx="9071280" cy="945720"/>
+          </a:xfrm>
+          <a:prstGeom prst="rect">
+            <a:avLst/>
+          </a:prstGeom>
+          <a:noFill/>
+          <a:ln w="0">
+            <a:noFill/>
+          </a:ln>
+        </p:spPr>
+        <p:txBody>
+          <a:bodyPr lIns="0" rIns="0" tIns="0" bIns="0" anchor="ctr">
+            <a:noAutofit/>
+          </a:bodyPr>
+          <a:p>
+            <a:r>
+              <a:rPr b="0" lang="en-IN" sz="1800" spc="-1" strike="noStrike">
+                <a:latin typeface="Arial"/>
+              </a:rPr>
+              <a:t>Click to edit the title text format</a:t>
+            </a:r>
+            <a:endParaRPr b="0" lang="en-IN" sz="1800" spc="-1" strike="noStrike">
+              <a:latin typeface="Arial"/>
+            </a:endParaRPr>
+          </a:p>
+        </p:txBody>
+      </p:sp>
+      <p:sp>
+        <p:nvSpPr>
+          <p:cNvPr id="210" name="PlaceHolder 2"/>
+          <p:cNvSpPr>
+            <a:spLocks noGrp="1"/>
+          </p:cNvSpPr>
+          <p:nvPr>
+            <p:ph type="body"/>
+          </p:nvPr>
+        </p:nvSpPr>
+        <p:spPr>
+          <a:xfrm>
+            <a:off x="504000" y="1326600"/>
+            <a:ext cx="9071640" cy="3288240"/>
+          </a:xfrm>
+          <a:prstGeom prst="rect">
+            <a:avLst/>
+          </a:prstGeom>
+          <a:noFill/>
+          <a:ln w="0">
+            <a:noFill/>
+          </a:ln>
+        </p:spPr>
+        <p:txBody>
+          <a:bodyPr lIns="0" rIns="0" tIns="0" bIns="0" anchor="t">
+            <a:normAutofit/>
+          </a:bodyPr>
+          <a:p>
+            <a:pPr marL="432000" indent="-324000">
+              <a:spcBef>
+                <a:spcPts val="1417"/>
+              </a:spcBef>
+              <a:buClr>
+                <a:srgbClr val="000000"/>
+              </a:buClr>
+              <a:buSzPct val="45000"/>
+              <a:buFont typeface="Wingdings" charset="2"/>
+              <a:buChar char=""/>
+            </a:pPr>
+            <a:r>
+              <a:rPr b="0" lang="en-IN" sz="1800" spc="-1" strike="noStrike">
+                <a:latin typeface="Arial"/>
+              </a:rPr>
+              <a:t>Click to edit the outline text format</a:t>
+            </a:r>
+            <a:endParaRPr b="0" lang="en-IN" sz="1800" spc="-1" strike="noStrike">
+              <a:latin typeface="Arial"/>
+            </a:endParaRPr>
+          </a:p>
+          <a:p>
+            <a:pPr lvl="1" marL="864000" indent="-324000">
+              <a:spcBef>
+                <a:spcPts val="1134"/>
+              </a:spcBef>
+              <a:buClr>
+                <a:srgbClr val="000000"/>
+              </a:buClr>
+              <a:buSzPct val="75000"/>
+              <a:buFont typeface="Symbol" charset="2"/>
+              <a:buChar char=""/>
+            </a:pPr>
+            <a:r>
+              <a:rPr b="0" lang="en-IN" sz="1800" spc="-1" strike="noStrike">
+                <a:latin typeface="Arial"/>
+              </a:rPr>
+              <a:t>Second Outline Level</a:t>
+            </a:r>
+            <a:endParaRPr b="0" lang="en-IN" sz="1800" spc="-1" strike="noStrike">
+              <a:latin typeface="Arial"/>
+            </a:endParaRPr>
+          </a:p>
+          <a:p>
+            <a:pPr lvl="2" marL="1296000" indent="-288000">
+              <a:spcBef>
+                <a:spcPts val="850"/>
+              </a:spcBef>
+              <a:buClr>
+                <a:srgbClr val="000000"/>
+              </a:buClr>
+              <a:buSzPct val="45000"/>
+              <a:buFont typeface="Wingdings" charset="2"/>
+              <a:buChar char=""/>
+            </a:pPr>
+            <a:r>
+              <a:rPr b="0" lang="en-IN" sz="1800" spc="-1" strike="noStrike">
+                <a:latin typeface="Arial"/>
+              </a:rPr>
+              <a:t>Third Outline Level</a:t>
+            </a:r>
+            <a:endParaRPr b="0" lang="en-IN" sz="1800" spc="-1" strike="noStrike">
+              <a:latin typeface="Arial"/>
+            </a:endParaRPr>
+          </a:p>
+          <a:p>
+            <a:pPr lvl="3" marL="1728000" indent="-216000">
+              <a:spcBef>
+                <a:spcPts val="567"/>
+              </a:spcBef>
+              <a:buClr>
+                <a:srgbClr val="000000"/>
+              </a:buClr>
+              <a:buSzPct val="75000"/>
+              <a:buFont typeface="Symbol" charset="2"/>
+              <a:buChar char=""/>
+            </a:pPr>
+            <a:r>
+              <a:rPr b="0" lang="en-IN" sz="1800" spc="-1" strike="noStrike">
+                <a:latin typeface="Arial"/>
+              </a:rPr>
+              <a:t>Fourth Outline Level</a:t>
+            </a:r>
+            <a:endParaRPr b="0" lang="en-IN" sz="1800" spc="-1" strike="noStrike">
+              <a:latin typeface="Arial"/>
+            </a:endParaRPr>
+          </a:p>
+          <a:p>
+            <a:pPr lvl="4" marL="2160000" indent="-216000">
+              <a:spcBef>
+                <a:spcPts val="283"/>
+              </a:spcBef>
+              <a:buClr>
+                <a:srgbClr val="000000"/>
+              </a:buClr>
+              <a:buSzPct val="45000"/>
+              <a:buFont typeface="Wingdings" charset="2"/>
+              <a:buChar char=""/>
+            </a:pPr>
+            <a:r>
+              <a:rPr b="0" lang="en-IN" sz="1800" spc="-1" strike="noStrike">
+                <a:latin typeface="Arial"/>
+              </a:rPr>
+              <a:t>Fifth Outline Level</a:t>
+            </a:r>
+            <a:endParaRPr b="0" lang="en-IN" sz="1800" spc="-1" strike="noStrike">
+              <a:latin typeface="Arial"/>
+            </a:endParaRPr>
+          </a:p>
+          <a:p>
+            <a:pPr lvl="5" marL="2592000" indent="-216000">
+              <a:spcBef>
+                <a:spcPts val="283"/>
+              </a:spcBef>
+              <a:buClr>
+                <a:srgbClr val="000000"/>
+              </a:buClr>
+              <a:buSzPct val="45000"/>
+              <a:buFont typeface="Wingdings" charset="2"/>
+              <a:buChar char=""/>
+            </a:pPr>
+            <a:r>
+              <a:rPr b="0" lang="en-IN" sz="1800" spc="-1" strike="noStrike">
+                <a:latin typeface="Arial"/>
+              </a:rPr>
+              <a:t>Sixth Outline Level</a:t>
+            </a:r>
+            <a:endParaRPr b="0" lang="en-IN" sz="1800" spc="-1" strike="noStrike">
+              <a:latin typeface="Arial"/>
+            </a:endParaRPr>
+          </a:p>
+          <a:p>
+            <a:pPr lvl="6" marL="3024000" indent="-216000">
+              <a:spcBef>
+                <a:spcPts val="283"/>
+              </a:spcBef>
+              <a:buClr>
+                <a:srgbClr val="000000"/>
+              </a:buClr>
+              <a:buSzPct val="45000"/>
+              <a:buFont typeface="Wingdings" charset="2"/>
+              <a:buChar char=""/>
+            </a:pPr>
+            <a:r>
+              <a:rPr b="0" lang="en-IN" sz="1800" spc="-1" strike="noStrike">
+                <a:latin typeface="Arial"/>
+              </a:rPr>
+              <a:t>Seventh Outline Level</a:t>
+            </a:r>
+            <a:endParaRPr b="0" lang="en-IN" sz="1800" spc="-1" strike="noStrike">
+              <a:latin typeface="Arial"/>
+            </a:endParaRPr>
+          </a:p>
+        </p:txBody>
+      </p:sp>
+      <p:sp>
+        <p:nvSpPr>
+          <p:cNvPr id="211" name="PlaceHolder 3"/>
+          <p:cNvSpPr>
+            <a:spLocks noGrp="1"/>
+          </p:cNvSpPr>
+          <p:nvPr>
+            <p:ph type="ftr" idx="10"/>
           </p:nvPr>
         </p:nvSpPr>
         <p:spPr>
           <a:xfrm>
             <a:off x="3420000" y="5130000"/>
-            <a:ext cx="3238920" cy="391320"/>
+            <a:ext cx="3238560" cy="390960"/>
           </a:xfrm>
           <a:prstGeom prst="rect">
             <a:avLst/>
@@ -13917,18 +16098,18 @@
       </p:sp>
       <p:sp>
         <p:nvSpPr>
-          <p:cNvPr id="211" name="PlaceHolder 2"/>
-          <p:cNvSpPr>
-            <a:spLocks noGrp="1"/>
-          </p:cNvSpPr>
-          <p:nvPr>
-            <p:ph type="sldNum" idx="12"/>
+          <p:cNvPr id="212" name="PlaceHolder 4"/>
+          <p:cNvSpPr>
+            <a:spLocks noGrp="1"/>
+          </p:cNvSpPr>
+          <p:nvPr>
+            <p:ph type="sldNum" idx="11"/>
           </p:nvPr>
         </p:nvSpPr>
         <p:spPr>
           <a:xfrm>
             <a:off x="7560000" y="5130000"/>
-            <a:ext cx="2338920" cy="391320"/>
+            <a:ext cx="2338560" cy="390960"/>
           </a:xfrm>
           <a:prstGeom prst="rect">
             <a:avLst/>
@@ -13960,7 +16141,7 @@
               </a:lnSpc>
               <a:buNone/>
             </a:pPr>
-            <a:fld id="{82A3EB03-1DBF-4BF0-BC2F-F5612FDF6F99}" type="slidenum">
+            <a:fld id="{C3AF7735-5BF4-4E7D-966E-825DA11F1DA5}" type="slidenum">
               <a:rPr b="0" lang="en-US" sz="1400" spc="-1" strike="noStrike">
                 <a:latin typeface="Arial"/>
               </a:rPr>
@@ -13968,232 +16149,6 @@
             </a:fld>
             <a:endParaRPr b="0" lang="en-IN" sz="1400" spc="-1" strike="noStrike">
               <a:latin typeface="Times New Roman"/>
-            </a:endParaRPr>
-          </a:p>
-        </p:txBody>
-      </p:sp>
-      <p:sp>
-        <p:nvSpPr>
-          <p:cNvPr id="212" name="PlaceHolder 3"/>
-          <p:cNvSpPr>
-            <a:spLocks noGrp="1"/>
-          </p:cNvSpPr>
-          <p:nvPr>
-            <p:ph type="title"/>
-          </p:nvPr>
-        </p:nvSpPr>
-        <p:spPr>
-          <a:xfrm>
-            <a:off x="504000" y="226080"/>
-            <a:ext cx="9072000" cy="946440"/>
-          </a:xfrm>
-          <a:prstGeom prst="rect">
-            <a:avLst/>
-          </a:prstGeom>
-          <a:noFill/>
-          <a:ln w="0">
-            <a:noFill/>
-          </a:ln>
-        </p:spPr>
-        <p:txBody>
-          <a:bodyPr lIns="0" rIns="0" tIns="0" bIns="0" anchor="ctr">
-            <a:noAutofit/>
-          </a:bodyPr>
-          <a:p>
-            <a:pPr algn="ctr">
-              <a:buNone/>
-            </a:pPr>
-            <a:r>
-              <a:rPr b="0" lang="en-IN" sz="4400" spc="-1" strike="noStrike">
-                <a:latin typeface="Arial"/>
-              </a:rPr>
-              <a:t>Click to edit the title text format</a:t>
-            </a:r>
-            <a:endParaRPr b="0" lang="en-IN" sz="4400" spc="-1" strike="noStrike">
-              <a:latin typeface="Arial"/>
-            </a:endParaRPr>
-          </a:p>
-        </p:txBody>
-      </p:sp>
-      <p:sp>
-        <p:nvSpPr>
-          <p:cNvPr id="213" name="PlaceHolder 4"/>
-          <p:cNvSpPr>
-            <a:spLocks noGrp="1"/>
-          </p:cNvSpPr>
-          <p:nvPr>
-            <p:ph type="body"/>
-          </p:nvPr>
-        </p:nvSpPr>
-        <p:spPr>
-          <a:xfrm>
-            <a:off x="504000" y="1326600"/>
-            <a:ext cx="9072000" cy="3288600"/>
-          </a:xfrm>
-          <a:prstGeom prst="rect">
-            <a:avLst/>
-          </a:prstGeom>
-          <a:noFill/>
-          <a:ln w="0">
-            <a:noFill/>
-          </a:ln>
-        </p:spPr>
-        <p:txBody>
-          <a:bodyPr lIns="0" rIns="0" tIns="0" bIns="0" anchor="t">
-            <a:normAutofit/>
-          </a:bodyPr>
-          <a:p>
-            <a:pPr marL="432000" indent="-324000">
-              <a:spcBef>
-                <a:spcPts val="1417"/>
-              </a:spcBef>
-              <a:buClr>
-                <a:srgbClr val="000000"/>
-              </a:buClr>
-              <a:buSzPct val="45000"/>
-              <a:buFont typeface="Wingdings" charset="2"/>
-              <a:buChar char=""/>
-            </a:pPr>
-            <a:r>
-              <a:rPr b="0" lang="en-IN" sz="3200" spc="-1" strike="noStrike">
-                <a:latin typeface="Arial"/>
-              </a:rPr>
-              <a:t>Click to edit the outline text format</a:t>
-            </a:r>
-            <a:endParaRPr b="0" lang="en-IN" sz="3200" spc="-1" strike="noStrike">
-              <a:latin typeface="Arial"/>
-            </a:endParaRPr>
-          </a:p>
-          <a:p>
-            <a:pPr lvl="1" marL="864000" indent="-324000">
-              <a:spcBef>
-                <a:spcPts val="1134"/>
-              </a:spcBef>
-              <a:buClr>
-                <a:srgbClr val="000000"/>
-              </a:buClr>
-              <a:buSzPct val="75000"/>
-              <a:buFont typeface="Symbol" charset="2"/>
-              <a:buChar char=""/>
-            </a:pPr>
-            <a:r>
-              <a:rPr b="0" lang="en-IN" sz="2800" spc="-1" strike="noStrike">
-                <a:latin typeface="Arial"/>
-              </a:rPr>
-              <a:t>Second Outline Level</a:t>
-            </a:r>
-            <a:endParaRPr b="0" lang="en-IN" sz="2800" spc="-1" strike="noStrike">
-              <a:latin typeface="Arial"/>
-            </a:endParaRPr>
-          </a:p>
-          <a:p>
-            <a:pPr lvl="2" marL="1296000" indent="-288000">
-              <a:spcBef>
-                <a:spcPts val="850"/>
-              </a:spcBef>
-              <a:buClr>
-                <a:srgbClr val="000000"/>
-              </a:buClr>
-              <a:buSzPct val="45000"/>
-              <a:buFont typeface="Wingdings" charset="2"/>
-              <a:buChar char=""/>
-            </a:pPr>
-            <a:r>
-              <a:rPr b="0" lang="en-IN" sz="2400" spc="-1" strike="noStrike">
-                <a:latin typeface="Arial"/>
-              </a:rPr>
-              <a:t>Third Outline Level</a:t>
-            </a:r>
-            <a:endParaRPr b="0" lang="en-IN" sz="2400" spc="-1" strike="noStrike">
-              <a:latin typeface="Arial"/>
-            </a:endParaRPr>
-          </a:p>
-          <a:p>
-            <a:pPr lvl="3" marL="1728000" indent="-216000">
-              <a:spcBef>
-                <a:spcPts val="567"/>
-              </a:spcBef>
-              <a:buClr>
-                <a:srgbClr val="000000"/>
-              </a:buClr>
-              <a:buSzPct val="75000"/>
-              <a:buFont typeface="Symbol" charset="2"/>
-              <a:buChar char=""/>
-            </a:pPr>
-            <a:r>
-              <a:rPr b="0" lang="en-IN" sz="2000" spc="-1" strike="noStrike">
-                <a:latin typeface="Arial"/>
-              </a:rPr>
-              <a:t>Fourth Outline Level</a:t>
-            </a:r>
-            <a:endParaRPr b="0" lang="en-IN" sz="2000" spc="-1" strike="noStrike">
-              <a:latin typeface="Arial"/>
-            </a:endParaRPr>
-          </a:p>
-          <a:p>
-            <a:pPr lvl="4" marL="2160000" indent="-216000">
-              <a:spcBef>
-                <a:spcPts val="283"/>
-              </a:spcBef>
-              <a:buClr>
-                <a:srgbClr val="000000"/>
-              </a:buClr>
-              <a:buSzPct val="45000"/>
-              <a:buFont typeface="Wingdings" charset="2"/>
-              <a:buChar char=""/>
-            </a:pPr>
-            <a:r>
-              <a:rPr b="0" lang="en-IN" sz="2000" spc="-1" strike="noStrike">
-                <a:latin typeface="Arial"/>
-              </a:rPr>
-              <a:t>Fifth Outline Level</a:t>
-            </a:r>
-            <a:endParaRPr b="0" lang="en-IN" sz="2000" spc="-1" strike="noStrike">
-              <a:latin typeface="Arial"/>
-            </a:endParaRPr>
-          </a:p>
-          <a:p>
-            <a:pPr lvl="5" marL="2592000" indent="-216000">
-              <a:spcBef>
-                <a:spcPts val="283"/>
-              </a:spcBef>
-              <a:buClr>
-                <a:srgbClr val="000000"/>
-              </a:buClr>
-              <a:buSzPct val="45000"/>
-              <a:buFont typeface="Wingdings" charset="2"/>
-              <a:buChar char=""/>
-            </a:pPr>
-            <a:r>
-              <a:rPr b="0" lang="en-IN" sz="2000" spc="-1" strike="noStrike">
-                <a:latin typeface="Arial"/>
-              </a:rPr>
-              <a:t>Sixth Outline Level</a:t>
-            </a:r>
-            <a:endParaRPr b="0" lang="en-IN" sz="2000" spc="-1" strike="noStrike">
-              <a:latin typeface="Arial"/>
-            </a:endParaRPr>
-          </a:p>
-          <a:p>
-            <a:pPr lvl="6" marL="3024000" indent="-216000">
-              <a:spcBef>
-                <a:spcPts val="283"/>
-              </a:spcBef>
-              <a:buClr>
-                <a:srgbClr val="000000"/>
-              </a:buClr>
-              <a:buSzPct val="45000"/>
-              <a:buFont typeface="Wingdings" charset="2"/>
-              <a:buChar char=""/>
-            </a:pPr>
-            <a:r>
-              <a:rPr b="0" lang="en-IN" sz="2000" spc="-1" strike="noStrike">
-                <a:latin typeface="Arial"/>
-              </a:rPr>
-              <a:t>Seventh Outline Level</a:t>
-            </a:r>
-            <a:endParaRPr b="0" lang="en-IN" sz="2000" spc="-1" strike="noStrike">
-              <a:latin typeface="Arial"/>
             </a:endParaRPr>
           </a:p>
         </p:txBody>
@@ -14214,6 +16169,762 @@
     <p:sldLayoutId id="2147483710" r:id="rId11"/>
     <p:sldLayoutId id="2147483711" r:id="rId12"/>
     <p:sldLayoutId id="2147483712" r:id="rId13"/>
+  </p:sldLayoutIdLst>
+</p:sldMaster>
+</file>
+
+<file path=ppt/slideMasters/slideMaster6.xml><?xml version="1.0" encoding="utf-8"?>
+<p:sldMaster xmlns:a="http://schemas.openxmlformats.org/drawingml/2006/main" xmlns:p="http://schemas.openxmlformats.org/presentationml/2006/main" xmlns:r="http://schemas.openxmlformats.org/officeDocument/2006/relationships" xmlns:p14="http://schemas.microsoft.com/office/powerpoint/2010/main" xmlns:p15="http://schemas.microsoft.com/office/powerpoint/2012/main" xmlns:mc="http://schemas.openxmlformats.org/markup-compatibility/2006">
+  <p:cSld>
+    <p:spTree>
+      <p:nvGrpSpPr>
+        <p:cNvPr id="1" name=""/>
+        <p:cNvGrpSpPr/>
+        <p:nvPr/>
+      </p:nvGrpSpPr>
+      <p:grpSpPr>
+        <a:xfrm>
+          <a:off x="0" y="0"/>
+          <a:ext cx="0" cy="0"/>
+          <a:chOff x="0" y="0"/>
+          <a:chExt cx="0" cy="0"/>
+        </a:xfrm>
+      </p:grpSpPr>
+      <p:sp>
+        <p:nvSpPr>
+          <p:cNvPr id="249" name=""/>
+          <p:cNvSpPr/>
+          <p:nvPr/>
+        </p:nvSpPr>
+        <p:spPr>
+          <a:xfrm>
+            <a:off x="0" y="360"/>
+            <a:ext cx="10078560" cy="5668200"/>
+          </a:xfrm>
+          <a:prstGeom prst="rect">
+            <a:avLst/>
+          </a:prstGeom>
+          <a:gradFill rotWithShape="0">
+            <a:gsLst>
+              <a:gs pos="30000">
+                <a:srgbClr val="000032"/>
+              </a:gs>
+              <a:gs pos="100000">
+                <a:srgbClr val="f60063"/>
+              </a:gs>
+            </a:gsLst>
+            <a:lin ang="4200000"/>
+          </a:gradFill>
+          <a:ln w="0">
+            <a:noFill/>
+          </a:ln>
+        </p:spPr>
+        <p:style>
+          <a:lnRef idx="0"/>
+          <a:fillRef idx="0"/>
+          <a:effectRef idx="0"/>
+          <a:fontRef idx="minor"/>
+        </p:style>
+      </p:sp>
+      <p:sp>
+        <p:nvSpPr>
+          <p:cNvPr id="250" name=""/>
+          <p:cNvSpPr/>
+          <p:nvPr/>
+        </p:nvSpPr>
+        <p:spPr>
+          <a:xfrm flipH="1">
+            <a:off x="-4680" y="0"/>
+            <a:ext cx="10078920" cy="5668920"/>
+          </a:xfrm>
+          <a:prstGeom prst="rect">
+            <a:avLst/>
+          </a:prstGeom>
+          <a:gradFill rotWithShape="0">
+            <a:gsLst>
+              <a:gs pos="0">
+                <a:srgbClr val="ffffff">
+                  <a:alpha val="90196"/>
+                </a:srgbClr>
+              </a:gs>
+              <a:gs pos="75000">
+                <a:srgbClr val="ffffff">
+                  <a:alpha val="20000"/>
+                </a:srgbClr>
+              </a:gs>
+              <a:gs pos="100000">
+                <a:srgbClr val="ffffff">
+                  <a:alpha val="20000"/>
+                </a:srgbClr>
+              </a:gs>
+            </a:gsLst>
+            <a:path path="circle">
+              <a:fillToRect l="50000" t="85000" r="50000" b="15000"/>
+            </a:path>
+          </a:gradFill>
+          <a:ln w="0">
+            <a:noFill/>
+          </a:ln>
+        </p:spPr>
+        <p:style>
+          <a:lnRef idx="0"/>
+          <a:fillRef idx="0"/>
+          <a:effectRef idx="0"/>
+          <a:fontRef idx="minor"/>
+        </p:style>
+      </p:sp>
+      <p:sp>
+        <p:nvSpPr>
+          <p:cNvPr id="251" name=""/>
+          <p:cNvSpPr/>
+          <p:nvPr/>
+        </p:nvSpPr>
+        <p:spPr>
+          <a:xfrm>
+            <a:off x="0" y="1260360"/>
+            <a:ext cx="10258560" cy="4498200"/>
+          </a:xfrm>
+          <a:prstGeom prst="rect">
+            <a:avLst/>
+          </a:prstGeom>
+          <a:solidFill>
+            <a:srgbClr val="ffffff"/>
+          </a:solidFill>
+          <a:ln w="0">
+            <a:noFill/>
+          </a:ln>
+        </p:spPr>
+        <p:style>
+          <a:lnRef idx="0"/>
+          <a:fillRef idx="0"/>
+          <a:effectRef idx="0"/>
+          <a:fontRef idx="minor"/>
+        </p:style>
+      </p:sp>
+      <p:sp>
+        <p:nvSpPr>
+          <p:cNvPr id="252" name=""/>
+          <p:cNvSpPr/>
+          <p:nvPr/>
+        </p:nvSpPr>
+        <p:spPr>
+          <a:xfrm>
+            <a:off x="180360" y="5130360"/>
+            <a:ext cx="2338560" cy="390960"/>
+          </a:xfrm>
+          <a:prstGeom prst="rect">
+            <a:avLst/>
+          </a:prstGeom>
+          <a:noFill/>
+          <a:ln w="0">
+            <a:noFill/>
+          </a:ln>
+        </p:spPr>
+        <p:style>
+          <a:lnRef idx="0"/>
+          <a:fillRef idx="0"/>
+          <a:effectRef idx="0"/>
+          <a:fontRef idx="minor"/>
+        </p:style>
+        <p:txBody>
+          <a:bodyPr lIns="0" rIns="0" tIns="0" bIns="0" anchor="b">
+            <a:noAutofit/>
+          </a:bodyPr>
+          <a:p>
+            <a:pPr>
+              <a:lnSpc>
+                <a:spcPct val="100000"/>
+              </a:lnSpc>
+              <a:buNone/>
+            </a:pPr>
+            <a:r>
+              <a:rPr b="0" lang="en-US" sz="1400" spc="-1" strike="noStrike">
+                <a:solidFill>
+                  <a:srgbClr val="000000"/>
+                </a:solidFill>
+                <a:latin typeface="Arial"/>
+                <a:ea typeface="DejaVu Sans"/>
+              </a:rPr>
+              <a:t>&lt;date/time&gt;</a:t>
+            </a:r>
+            <a:endParaRPr b="0" lang="en-IN" sz="1400" spc="-1" strike="noStrike">
+              <a:latin typeface="Arial"/>
+            </a:endParaRPr>
+          </a:p>
+        </p:txBody>
+      </p:sp>
+      <p:sp>
+        <p:nvSpPr>
+          <p:cNvPr id="253" name=""/>
+          <p:cNvSpPr/>
+          <p:nvPr/>
+        </p:nvSpPr>
+        <p:spPr>
+          <a:xfrm>
+            <a:off x="7560360" y="5130360"/>
+            <a:ext cx="2338560" cy="390960"/>
+          </a:xfrm>
+          <a:prstGeom prst="rect">
+            <a:avLst/>
+          </a:prstGeom>
+          <a:noFill/>
+          <a:ln w="0">
+            <a:noFill/>
+          </a:ln>
+        </p:spPr>
+        <p:style>
+          <a:lnRef idx="0"/>
+          <a:fillRef idx="0"/>
+          <a:effectRef idx="0"/>
+          <a:fontRef idx="minor"/>
+        </p:style>
+        <p:txBody>
+          <a:bodyPr lIns="0" rIns="0" tIns="0" bIns="0" anchor="b">
+            <a:noAutofit/>
+          </a:bodyPr>
+          <a:p>
+            <a:pPr algn="r">
+              <a:lnSpc>
+                <a:spcPct val="100000"/>
+              </a:lnSpc>
+              <a:buNone/>
+            </a:pPr>
+            <a:fld id="{5E226188-4BE1-4E7A-A72C-1F1F8EB36279}" type="slidenum">
+              <a:rPr b="0" lang="en-US" sz="1400" spc="-1" strike="noStrike">
+                <a:solidFill>
+                  <a:srgbClr val="000000"/>
+                </a:solidFill>
+                <a:latin typeface="Arial"/>
+                <a:ea typeface="DejaVu Sans"/>
+              </a:rPr>
+              <a:t>&lt;number&gt;</a:t>
+            </a:fld>
+            <a:endParaRPr b="0" lang="en-IN" sz="1400" spc="-1" strike="noStrike">
+              <a:latin typeface="Arial"/>
+            </a:endParaRPr>
+          </a:p>
+        </p:txBody>
+      </p:sp>
+      <p:sp>
+        <p:nvSpPr>
+          <p:cNvPr id="254" name=""/>
+          <p:cNvSpPr/>
+          <p:nvPr/>
+        </p:nvSpPr>
+        <p:spPr>
+          <a:xfrm>
+            <a:off x="1440360" y="1080360"/>
+            <a:ext cx="1438560" cy="1258560"/>
+          </a:xfrm>
+          <a:prstGeom prst="ellipse">
+            <a:avLst/>
+          </a:prstGeom>
+          <a:solidFill>
+            <a:srgbClr val="ffffff">
+              <a:alpha val="30000"/>
+            </a:srgbClr>
+          </a:solidFill>
+          <a:ln w="0">
+            <a:noFill/>
+          </a:ln>
+        </p:spPr>
+        <p:style>
+          <a:lnRef idx="0"/>
+          <a:fillRef idx="0"/>
+          <a:effectRef idx="0"/>
+          <a:fontRef idx="minor"/>
+        </p:style>
+      </p:sp>
+      <p:sp>
+        <p:nvSpPr>
+          <p:cNvPr id="255" name=""/>
+          <p:cNvSpPr/>
+          <p:nvPr/>
+        </p:nvSpPr>
+        <p:spPr>
+          <a:xfrm>
+            <a:off x="7380360" y="3960360"/>
+            <a:ext cx="1438560" cy="1258560"/>
+          </a:xfrm>
+          <a:prstGeom prst="ellipse">
+            <a:avLst/>
+          </a:prstGeom>
+          <a:solidFill>
+            <a:srgbClr val="ffffff">
+              <a:alpha val="30000"/>
+            </a:srgbClr>
+          </a:solidFill>
+          <a:ln w="0">
+            <a:noFill/>
+          </a:ln>
+        </p:spPr>
+        <p:style>
+          <a:lnRef idx="0"/>
+          <a:fillRef idx="0"/>
+          <a:effectRef idx="0"/>
+          <a:fontRef idx="minor"/>
+        </p:style>
+      </p:sp>
+      <p:sp>
+        <p:nvSpPr>
+          <p:cNvPr id="256" name=""/>
+          <p:cNvSpPr/>
+          <p:nvPr/>
+        </p:nvSpPr>
+        <p:spPr>
+          <a:xfrm>
+            <a:off x="540360" y="1080360"/>
+            <a:ext cx="718560" cy="718560"/>
+          </a:xfrm>
+          <a:prstGeom prst="ellipse">
+            <a:avLst/>
+          </a:prstGeom>
+          <a:solidFill>
+            <a:srgbClr val="ffffff">
+              <a:alpha val="20000"/>
+            </a:srgbClr>
+          </a:solidFill>
+          <a:ln w="0">
+            <a:noFill/>
+          </a:ln>
+        </p:spPr>
+        <p:style>
+          <a:lnRef idx="0"/>
+          <a:fillRef idx="0"/>
+          <a:effectRef idx="0"/>
+          <a:fontRef idx="minor"/>
+        </p:style>
+      </p:sp>
+      <p:sp>
+        <p:nvSpPr>
+          <p:cNvPr id="257" name=""/>
+          <p:cNvSpPr/>
+          <p:nvPr/>
+        </p:nvSpPr>
+        <p:spPr>
+          <a:xfrm>
+            <a:off x="360" y="1260360"/>
+            <a:ext cx="718560" cy="718560"/>
+          </a:xfrm>
+          <a:prstGeom prst="ellipse">
+            <a:avLst/>
+          </a:prstGeom>
+          <a:solidFill>
+            <a:srgbClr val="ffffff">
+              <a:alpha val="10000"/>
+            </a:srgbClr>
+          </a:solidFill>
+          <a:ln w="0">
+            <a:noFill/>
+          </a:ln>
+        </p:spPr>
+        <p:style>
+          <a:lnRef idx="0"/>
+          <a:fillRef idx="0"/>
+          <a:effectRef idx="0"/>
+          <a:fontRef idx="minor"/>
+        </p:style>
+      </p:sp>
+      <p:sp>
+        <p:nvSpPr>
+          <p:cNvPr id="258" name="PlaceHolder 1"/>
+          <p:cNvSpPr>
+            <a:spLocks noGrp="1"/>
+          </p:cNvSpPr>
+          <p:nvPr>
+            <p:ph type="title"/>
+          </p:nvPr>
+        </p:nvSpPr>
+        <p:spPr>
+          <a:xfrm>
+            <a:off x="504000" y="226080"/>
+            <a:ext cx="9071280" cy="945720"/>
+          </a:xfrm>
+          <a:prstGeom prst="rect">
+            <a:avLst/>
+          </a:prstGeom>
+          <a:noFill/>
+          <a:ln w="0">
+            <a:noFill/>
+          </a:ln>
+        </p:spPr>
+        <p:txBody>
+          <a:bodyPr lIns="0" rIns="0" tIns="0" bIns="0" anchor="ctr">
+            <a:noAutofit/>
+          </a:bodyPr>
+          <a:p>
+            <a:r>
+              <a:rPr b="0" lang="en-IN" sz="1800" spc="-1" strike="noStrike">
+                <a:latin typeface="Arial"/>
+              </a:rPr>
+              <a:t>Click to edit the title text format</a:t>
+            </a:r>
+            <a:endParaRPr b="0" lang="en-IN" sz="1800" spc="-1" strike="noStrike">
+              <a:latin typeface="Arial"/>
+            </a:endParaRPr>
+          </a:p>
+        </p:txBody>
+      </p:sp>
+      <p:sp>
+        <p:nvSpPr>
+          <p:cNvPr id="259" name="PlaceHolder 2"/>
+          <p:cNvSpPr>
+            <a:spLocks noGrp="1"/>
+          </p:cNvSpPr>
+          <p:nvPr>
+            <p:ph type="body"/>
+          </p:nvPr>
+        </p:nvSpPr>
+        <p:spPr>
+          <a:xfrm>
+            <a:off x="504000" y="1326600"/>
+            <a:ext cx="9071640" cy="3288240"/>
+          </a:xfrm>
+          <a:prstGeom prst="rect">
+            <a:avLst/>
+          </a:prstGeom>
+          <a:noFill/>
+          <a:ln w="0">
+            <a:noFill/>
+          </a:ln>
+        </p:spPr>
+        <p:txBody>
+          <a:bodyPr lIns="0" rIns="0" tIns="0" bIns="0" anchor="t">
+            <a:normAutofit/>
+          </a:bodyPr>
+          <a:p>
+            <a:pPr marL="432000" indent="-324000">
+              <a:spcBef>
+                <a:spcPts val="1417"/>
+              </a:spcBef>
+              <a:buClr>
+                <a:srgbClr val="000000"/>
+              </a:buClr>
+              <a:buSzPct val="45000"/>
+              <a:buFont typeface="Wingdings" charset="2"/>
+              <a:buChar char=""/>
+            </a:pPr>
+            <a:r>
+              <a:rPr b="0" lang="en-IN" sz="1800" spc="-1" strike="noStrike">
+                <a:latin typeface="Arial"/>
+              </a:rPr>
+              <a:t>Click to edit the outline text format</a:t>
+            </a:r>
+            <a:endParaRPr b="0" lang="en-IN" sz="1800" spc="-1" strike="noStrike">
+              <a:latin typeface="Arial"/>
+            </a:endParaRPr>
+          </a:p>
+          <a:p>
+            <a:pPr lvl="1" marL="864000" indent="-324000">
+              <a:spcBef>
+                <a:spcPts val="1134"/>
+              </a:spcBef>
+              <a:buClr>
+                <a:srgbClr val="000000"/>
+              </a:buClr>
+              <a:buSzPct val="75000"/>
+              <a:buFont typeface="Symbol" charset="2"/>
+              <a:buChar char=""/>
+            </a:pPr>
+            <a:r>
+              <a:rPr b="0" lang="en-IN" sz="1800" spc="-1" strike="noStrike">
+                <a:latin typeface="Arial"/>
+              </a:rPr>
+              <a:t>Second Outline Level</a:t>
+            </a:r>
+            <a:endParaRPr b="0" lang="en-IN" sz="1800" spc="-1" strike="noStrike">
+              <a:latin typeface="Arial"/>
+            </a:endParaRPr>
+          </a:p>
+          <a:p>
+            <a:pPr lvl="2" marL="1296000" indent="-288000">
+              <a:spcBef>
+                <a:spcPts val="850"/>
+              </a:spcBef>
+              <a:buClr>
+                <a:srgbClr val="000000"/>
+              </a:buClr>
+              <a:buSzPct val="45000"/>
+              <a:buFont typeface="Wingdings" charset="2"/>
+              <a:buChar char=""/>
+            </a:pPr>
+            <a:r>
+              <a:rPr b="0" lang="en-IN" sz="1800" spc="-1" strike="noStrike">
+                <a:latin typeface="Arial"/>
+              </a:rPr>
+              <a:t>Third Outline Level</a:t>
+            </a:r>
+            <a:endParaRPr b="0" lang="en-IN" sz="1800" spc="-1" strike="noStrike">
+              <a:latin typeface="Arial"/>
+            </a:endParaRPr>
+          </a:p>
+          <a:p>
+            <a:pPr lvl="3" marL="1728000" indent="-216000">
+              <a:spcBef>
+                <a:spcPts val="567"/>
+              </a:spcBef>
+              <a:buClr>
+                <a:srgbClr val="000000"/>
+              </a:buClr>
+              <a:buSzPct val="75000"/>
+              <a:buFont typeface="Symbol" charset="2"/>
+              <a:buChar char=""/>
+            </a:pPr>
+            <a:r>
+              <a:rPr b="0" lang="en-IN" sz="1800" spc="-1" strike="noStrike">
+                <a:latin typeface="Arial"/>
+              </a:rPr>
+              <a:t>Fourth Outline Level</a:t>
+            </a:r>
+            <a:endParaRPr b="0" lang="en-IN" sz="1800" spc="-1" strike="noStrike">
+              <a:latin typeface="Arial"/>
+            </a:endParaRPr>
+          </a:p>
+          <a:p>
+            <a:pPr lvl="4" marL="2160000" indent="-216000">
+              <a:spcBef>
+                <a:spcPts val="283"/>
+              </a:spcBef>
+              <a:buClr>
+                <a:srgbClr val="000000"/>
+              </a:buClr>
+              <a:buSzPct val="45000"/>
+              <a:buFont typeface="Wingdings" charset="2"/>
+              <a:buChar char=""/>
+            </a:pPr>
+            <a:r>
+              <a:rPr b="0" lang="en-IN" sz="1800" spc="-1" strike="noStrike">
+                <a:latin typeface="Arial"/>
+              </a:rPr>
+              <a:t>Fifth Outline Level</a:t>
+            </a:r>
+            <a:endParaRPr b="0" lang="en-IN" sz="1800" spc="-1" strike="noStrike">
+              <a:latin typeface="Arial"/>
+            </a:endParaRPr>
+          </a:p>
+          <a:p>
+            <a:pPr lvl="5" marL="2592000" indent="-216000">
+              <a:spcBef>
+                <a:spcPts val="283"/>
+              </a:spcBef>
+              <a:buClr>
+                <a:srgbClr val="000000"/>
+              </a:buClr>
+              <a:buSzPct val="45000"/>
+              <a:buFont typeface="Wingdings" charset="2"/>
+              <a:buChar char=""/>
+            </a:pPr>
+            <a:r>
+              <a:rPr b="0" lang="en-IN" sz="1800" spc="-1" strike="noStrike">
+                <a:latin typeface="Arial"/>
+              </a:rPr>
+              <a:t>Sixth Outline Level</a:t>
+            </a:r>
+            <a:endParaRPr b="0" lang="en-IN" sz="1800" spc="-1" strike="noStrike">
+              <a:latin typeface="Arial"/>
+            </a:endParaRPr>
+          </a:p>
+          <a:p>
+            <a:pPr lvl="6" marL="3024000" indent="-216000">
+              <a:spcBef>
+                <a:spcPts val="283"/>
+              </a:spcBef>
+              <a:buClr>
+                <a:srgbClr val="000000"/>
+              </a:buClr>
+              <a:buSzPct val="45000"/>
+              <a:buFont typeface="Wingdings" charset="2"/>
+              <a:buChar char=""/>
+            </a:pPr>
+            <a:r>
+              <a:rPr b="0" lang="en-IN" sz="1800" spc="-1" strike="noStrike">
+                <a:latin typeface="Arial"/>
+              </a:rPr>
+              <a:t>Seventh Outline Level</a:t>
+            </a:r>
+            <a:endParaRPr b="0" lang="en-IN" sz="1800" spc="-1" strike="noStrike">
+              <a:latin typeface="Arial"/>
+            </a:endParaRPr>
+          </a:p>
+        </p:txBody>
+      </p:sp>
+      <p:sp>
+        <p:nvSpPr>
+          <p:cNvPr id="260" name="PlaceHolder 3"/>
+          <p:cNvSpPr>
+            <a:spLocks noGrp="1"/>
+          </p:cNvSpPr>
+          <p:nvPr>
+            <p:ph type="ftr" idx="12"/>
+          </p:nvPr>
+        </p:nvSpPr>
+        <p:spPr>
+          <a:xfrm>
+            <a:off x="3420000" y="5130000"/>
+            <a:ext cx="3238560" cy="390960"/>
+          </a:xfrm>
+          <a:prstGeom prst="rect">
+            <a:avLst/>
+          </a:prstGeom>
+          <a:noFill/>
+          <a:ln w="0">
+            <a:noFill/>
+          </a:ln>
+        </p:spPr>
+        <p:txBody>
+          <a:bodyPr lIns="0" rIns="0" tIns="0" bIns="0" anchor="b">
+            <a:noAutofit/>
+          </a:bodyPr>
+          <a:lstStyle>
+            <a:lvl1pPr algn="ctr">
+              <a:lnSpc>
+                <a:spcPct val="100000"/>
+              </a:lnSpc>
+              <a:buNone/>
+              <a:defRPr b="0" lang="en-US" sz="1400" spc="-1" strike="noStrike">
+                <a:latin typeface="Arial"/>
+              </a:defRPr>
+            </a:lvl1pPr>
+          </a:lstStyle>
+          <a:p>
+            <a:pPr algn="ctr">
+              <a:lnSpc>
+                <a:spcPct val="100000"/>
+              </a:lnSpc>
+              <a:buNone/>
+            </a:pPr>
+            <a:r>
+              <a:rPr b="0" lang="en-US" sz="1400" spc="-1" strike="noStrike">
+                <a:latin typeface="Arial"/>
+              </a:rPr>
+              <a:t>&lt;footer&gt;</a:t>
+            </a:r>
+            <a:endParaRPr b="0" lang="en-IN" sz="1400" spc="-1" strike="noStrike">
+              <a:latin typeface="Times New Roman"/>
+            </a:endParaRPr>
+          </a:p>
+        </p:txBody>
+      </p:sp>
+      <p:sp>
+        <p:nvSpPr>
+          <p:cNvPr id="261" name="PlaceHolder 4"/>
+          <p:cNvSpPr>
+            <a:spLocks noGrp="1"/>
+          </p:cNvSpPr>
+          <p:nvPr>
+            <p:ph type="sldNum" idx="13"/>
+          </p:nvPr>
+        </p:nvSpPr>
+        <p:spPr>
+          <a:xfrm>
+            <a:off x="7560000" y="5130000"/>
+            <a:ext cx="2338560" cy="390960"/>
+          </a:xfrm>
+          <a:prstGeom prst="rect">
+            <a:avLst/>
+          </a:prstGeom>
+          <a:noFill/>
+          <a:ln w="0">
+            <a:noFill/>
+          </a:ln>
+        </p:spPr>
+        <p:txBody>
+          <a:bodyPr lIns="0" rIns="0" tIns="0" bIns="0" anchor="b">
+            <a:noAutofit/>
+          </a:bodyPr>
+          <a:lstStyle>
+            <a:lvl1pPr algn="r">
+              <a:lnSpc>
+                <a:spcPct val="100000"/>
+              </a:lnSpc>
+              <a:buNone/>
+              <a:defRPr b="0" lang="en-US" sz="1400" spc="-1" strike="noStrike">
+                <a:latin typeface="Arial"/>
+              </a:defRPr>
+            </a:lvl1pPr>
+          </a:lstStyle>
+          <a:p>
+            <a:pPr algn="r">
+              <a:lnSpc>
+                <a:spcPct val="100000"/>
+              </a:lnSpc>
+              <a:buNone/>
+            </a:pPr>
+            <a:fld id="{51300339-7BA6-462E-BE12-868B4C2A94B6}" type="slidenum">
+              <a:rPr b="0" lang="en-US" sz="1400" spc="-1" strike="noStrike">
+                <a:latin typeface="Arial"/>
+              </a:rPr>
+              <a:t>&lt;number&gt;</a:t>
+            </a:fld>
+            <a:endParaRPr b="0" lang="en-IN" sz="1400" spc="-1" strike="noStrike">
+              <a:latin typeface="Times New Roman"/>
+            </a:endParaRPr>
+          </a:p>
+        </p:txBody>
+      </p:sp>
+      <p:sp>
+        <p:nvSpPr>
+          <p:cNvPr id="262" name="PlaceHolder 5"/>
+          <p:cNvSpPr>
+            <a:spLocks noGrp="1"/>
+          </p:cNvSpPr>
+          <p:nvPr>
+            <p:ph type="dt" idx="14"/>
+          </p:nvPr>
+        </p:nvSpPr>
+        <p:spPr>
+          <a:xfrm>
+            <a:off x="180000" y="5130000"/>
+            <a:ext cx="2338560" cy="390960"/>
+          </a:xfrm>
+          <a:prstGeom prst="rect">
+            <a:avLst/>
+          </a:prstGeom>
+          <a:noFill/>
+          <a:ln w="0">
+            <a:noFill/>
+          </a:ln>
+        </p:spPr>
+        <p:txBody>
+          <a:bodyPr lIns="0" rIns="0" tIns="0" bIns="0" anchor="b">
+            <a:noAutofit/>
+          </a:bodyPr>
+          <a:lstStyle>
+            <a:lvl1pPr>
+              <a:defRPr b="0" lang="en-IN" sz="1400" spc="-1" strike="noStrike">
+                <a:latin typeface="Times New Roman"/>
+              </a:defRPr>
+            </a:lvl1pPr>
+          </a:lstStyle>
+          <a:p>
+            <a:r>
+              <a:rPr b="0" lang="en-IN" sz="1400" spc="-1" strike="noStrike">
+                <a:latin typeface="Times New Roman"/>
+              </a:rPr>
+              <a:t>&lt;date/time&gt;</a:t>
+            </a:r>
+            <a:endParaRPr b="0" lang="en-IN" sz="1400" spc="-1" strike="noStrike">
+              <a:latin typeface="Times New Roman"/>
+            </a:endParaRPr>
+          </a:p>
+        </p:txBody>
+      </p:sp>
+    </p:spTree>
+  </p:cSld>
+  <p:clrMap bg1="lt1" bg2="lt2" tx1="dk1" tx2="dk2" accent1="accent1" accent2="accent2" accent3="accent3" accent4="accent4" accent5="accent5" accent6="accent6" hlink="hlink" folHlink="folHlink"/>
+  <p:sldLayoutIdLst>
+    <p:sldLayoutId id="2147483714" r:id="rId2"/>
+    <p:sldLayoutId id="2147483715" r:id="rId3"/>
+    <p:sldLayoutId id="2147483716" r:id="rId4"/>
+    <p:sldLayoutId id="2147483717" r:id="rId5"/>
+    <p:sldLayoutId id="2147483718" r:id="rId6"/>
+    <p:sldLayoutId id="2147483719" r:id="rId7"/>
+    <p:sldLayoutId id="2147483720" r:id="rId8"/>
+    <p:sldLayoutId id="2147483721" r:id="rId9"/>
+    <p:sldLayoutId id="2147483722" r:id="rId10"/>
+    <p:sldLayoutId id="2147483723" r:id="rId11"/>
+    <p:sldLayoutId id="2147483724" r:id="rId12"/>
+    <p:sldLayoutId id="2147483725" r:id="rId13"/>
   </p:sldLayoutIdLst>
 </p:sldMaster>
 </file>
@@ -14237,7 +16948,7 @@
       </p:grpSpPr>
       <p:sp>
         <p:nvSpPr>
-          <p:cNvPr id="250" name="PlaceHolder 1"/>
+          <p:cNvPr id="299" name="PlaceHolder 1"/>
           <p:cNvSpPr>
             <a:spLocks noGrp="1"/>
           </p:cNvSpPr>
@@ -14248,7 +16959,7 @@
         <p:spPr>
           <a:xfrm>
             <a:off x="504000" y="3240000"/>
-            <a:ext cx="9070560" cy="2021760"/>
+            <a:ext cx="9070200" cy="2021400"/>
           </a:xfrm>
           <a:prstGeom prst="rect">
             <a:avLst/>
@@ -14286,7 +16997,7 @@
       </p:sp>
       <p:pic>
         <p:nvPicPr>
-          <p:cNvPr id="251" name="" descr=""/>
+          <p:cNvPr id="300" name="" descr=""/>
           <p:cNvPicPr/>
           <p:nvPr/>
         </p:nvPicPr>
@@ -14299,7 +17010,7 @@
         <p:spPr>
           <a:xfrm>
             <a:off x="3661560" y="70920"/>
-            <a:ext cx="3251520" cy="3251520"/>
+            <a:ext cx="3251160" cy="3251160"/>
           </a:xfrm>
           <a:prstGeom prst="rect">
             <a:avLst/>
@@ -14341,7 +17052,7 @@
       </p:grpSpPr>
       <p:sp>
         <p:nvSpPr>
-          <p:cNvPr id="268" name="PlaceHolder 1"/>
+          <p:cNvPr id="317" name="PlaceHolder 1"/>
           <p:cNvSpPr>
             <a:spLocks noGrp="1"/>
           </p:cNvSpPr>
@@ -14352,7 +17063,7 @@
         <p:spPr>
           <a:xfrm>
             <a:off x="504000" y="226080"/>
-            <a:ext cx="9072000" cy="946440"/>
+            <a:ext cx="9071640" cy="946080"/>
           </a:xfrm>
           <a:prstGeom prst="rect">
             <a:avLst/>
@@ -14368,6 +17079,9 @@
           </a:bodyPr>
           <a:p>
             <a:pPr algn="ctr">
+              <a:lnSpc>
+                <a:spcPct val="100000"/>
+              </a:lnSpc>
               <a:buNone/>
             </a:pPr>
             <a:r>
@@ -14380,17 +17094,14 @@
               <a:t>Team</a:t>
             </a:r>
             <a:endParaRPr b="0" lang="en-IN" sz="4400" spc="-1" strike="noStrike">
-              <a:solidFill>
-                <a:srgbClr val="ffffd7"/>
-              </a:solidFill>
-              <a:latin typeface="Arial"/>
-            </a:endParaRPr>
-          </a:p>
-        </p:txBody>
-      </p:sp>
-      <p:sp>
-        <p:nvSpPr>
-          <p:cNvPr id="269" name="PlaceHolder 2"/>
+              <a:latin typeface="Arial"/>
+            </a:endParaRPr>
+          </a:p>
+        </p:txBody>
+      </p:sp>
+      <p:sp>
+        <p:nvSpPr>
+          <p:cNvPr id="318" name="PlaceHolder 2"/>
           <p:cNvSpPr>
             <a:spLocks noGrp="1"/>
           </p:cNvSpPr>
@@ -14401,7 +17112,7 @@
         <p:spPr>
           <a:xfrm>
             <a:off x="504000" y="1326600"/>
-            <a:ext cx="9072000" cy="3288600"/>
+            <a:ext cx="9071640" cy="3288240"/>
           </a:xfrm>
           <a:prstGeom prst="rect">
             <a:avLst/>
@@ -14417,6 +17128,9 @@
           </a:bodyPr>
           <a:p>
             <a:pPr marL="432000" indent="-324000">
+              <a:lnSpc>
+                <a:spcPct val="100000"/>
+              </a:lnSpc>
               <a:spcBef>
                 <a:spcPts val="1417"/>
               </a:spcBef>
@@ -14439,6 +17153,9 @@
           </a:p>
           <a:p>
             <a:pPr marL="432000" indent="-324000">
+              <a:lnSpc>
+                <a:spcPct val="100000"/>
+              </a:lnSpc>
               <a:spcBef>
                 <a:spcPts val="1417"/>
               </a:spcBef>
@@ -14460,7 +17177,38 @@
             </a:endParaRPr>
           </a:p>
           <a:p>
+            <a:pPr>
+              <a:lnSpc>
+                <a:spcPct val="100000"/>
+              </a:lnSpc>
+              <a:spcBef>
+                <a:spcPts val="1417"/>
+              </a:spcBef>
+              <a:buNone/>
+            </a:pPr>
+            <a:endParaRPr b="0" lang="en-IN" sz="2400" spc="-1" strike="noStrike">
+              <a:latin typeface="Arial"/>
+            </a:endParaRPr>
+          </a:p>
+          <a:p>
+            <a:pPr>
+              <a:lnSpc>
+                <a:spcPct val="100000"/>
+              </a:lnSpc>
+              <a:spcBef>
+                <a:spcPts val="1417"/>
+              </a:spcBef>
+              <a:buNone/>
+            </a:pPr>
+            <a:endParaRPr b="0" lang="en-IN" sz="2400" spc="-1" strike="noStrike">
+              <a:latin typeface="Arial"/>
+            </a:endParaRPr>
+          </a:p>
+          <a:p>
             <a:pPr marL="432000" indent="-324000">
+              <a:lnSpc>
+                <a:spcPct val="100000"/>
+              </a:lnSpc>
               <a:spcBef>
                 <a:spcPts val="1417"/>
               </a:spcBef>
@@ -14471,12 +17219,21 @@
               <a:buFont typeface="Wingdings" charset="2"/>
               <a:buChar char=""/>
             </a:pPr>
+            <a:r>
+              <a:rPr b="0" lang="en-IN" sz="2400" spc="-1" strike="noStrike">
+                <a:latin typeface="Arial"/>
+              </a:rPr>
+              <a:t>Ketan Juikar (18 yr exp IT professional)</a:t>
+            </a:r>
             <a:endParaRPr b="0" lang="en-IN" sz="2400" spc="-1" strike="noStrike">
               <a:latin typeface="Arial"/>
             </a:endParaRPr>
           </a:p>
           <a:p>
             <a:pPr marL="432000" indent="-324000">
+              <a:lnSpc>
+                <a:spcPct val="100000"/>
+              </a:lnSpc>
               <a:spcBef>
                 <a:spcPts val="1417"/>
               </a:spcBef>
@@ -14487,44 +17244,6 @@
               <a:buFont typeface="Wingdings" charset="2"/>
               <a:buChar char=""/>
             </a:pPr>
-            <a:endParaRPr b="0" lang="en-IN" sz="2400" spc="-1" strike="noStrike">
-              <a:latin typeface="Arial"/>
-            </a:endParaRPr>
-          </a:p>
-          <a:p>
-            <a:pPr marL="432000" indent="-324000">
-              <a:spcBef>
-                <a:spcPts val="1417"/>
-              </a:spcBef>
-              <a:buClr>
-                <a:srgbClr val="000000"/>
-              </a:buClr>
-              <a:buSzPct val="45000"/>
-              <a:buFont typeface="Wingdings" charset="2"/>
-              <a:buChar char=""/>
-            </a:pPr>
-            <a:r>
-              <a:rPr b="0" lang="en-IN" sz="2400" spc="-1" strike="noStrike">
-                <a:latin typeface="Arial"/>
-              </a:rPr>
-              <a:t>Ketan Juikar (18 yr exp IT professional)</a:t>
-            </a:r>
-            <a:endParaRPr b="0" lang="en-IN" sz="2400" spc="-1" strike="noStrike">
-              <a:latin typeface="Arial"/>
-            </a:endParaRPr>
-          </a:p>
-          <a:p>
-            <a:pPr marL="432000" indent="-324000">
-              <a:spcBef>
-                <a:spcPts val="1417"/>
-              </a:spcBef>
-              <a:buClr>
-                <a:srgbClr val="000000"/>
-              </a:buClr>
-              <a:buSzPct val="45000"/>
-              <a:buFont typeface="Wingdings" charset="2"/>
-              <a:buChar char=""/>
-            </a:pPr>
             <a:r>
               <a:rPr b="0" lang="en-IN" sz="2400" spc="-1" strike="noStrike">
                 <a:latin typeface="Arial"/>
@@ -14539,7 +17258,7 @@
       </p:sp>
       <p:pic>
         <p:nvPicPr>
-          <p:cNvPr id="270" name="" descr=""/>
+          <p:cNvPr id="319" name="" descr=""/>
           <p:cNvPicPr/>
           <p:nvPr/>
         </p:nvPicPr>
@@ -14550,7 +17269,7 @@
         <p:spPr>
           <a:xfrm>
             <a:off x="8653680" y="1302120"/>
-            <a:ext cx="1246320" cy="1473480"/>
+            <a:ext cx="1245960" cy="1473120"/>
           </a:xfrm>
           <a:prstGeom prst="rect">
             <a:avLst/>
@@ -14562,7 +17281,7 @@
       </p:pic>
       <p:pic>
         <p:nvPicPr>
-          <p:cNvPr id="271" name="" descr=""/>
+          <p:cNvPr id="320" name="" descr=""/>
           <p:cNvPicPr/>
           <p:nvPr/>
         </p:nvPicPr>
@@ -14573,7 +17292,7 @@
         <p:spPr>
           <a:xfrm>
             <a:off x="8688240" y="3178440"/>
-            <a:ext cx="1242360" cy="1580040"/>
+            <a:ext cx="1242000" cy="1579680"/>
           </a:xfrm>
           <a:prstGeom prst="rect">
             <a:avLst/>
@@ -14615,7 +17334,7 @@
       </p:grpSpPr>
       <p:sp>
         <p:nvSpPr>
-          <p:cNvPr id="272" name="PlaceHolder 1"/>
+          <p:cNvPr id="321" name="PlaceHolder 1"/>
           <p:cNvSpPr>
             <a:spLocks noGrp="1"/>
           </p:cNvSpPr>
@@ -14626,7 +17345,7 @@
         <p:spPr>
           <a:xfrm>
             <a:off x="504000" y="226080"/>
-            <a:ext cx="9071640" cy="946080"/>
+            <a:ext cx="9071280" cy="945720"/>
           </a:xfrm>
           <a:prstGeom prst="rect">
             <a:avLst/>
@@ -14652,7 +17371,7 @@
       </p:sp>
       <p:sp>
         <p:nvSpPr>
-          <p:cNvPr id="273" name="PlaceHolder 2"/>
+          <p:cNvPr id="322" name="PlaceHolder 2"/>
           <p:cNvSpPr>
             <a:spLocks noGrp="1"/>
           </p:cNvSpPr>
@@ -14663,7 +17382,7 @@
         <p:spPr>
           <a:xfrm>
             <a:off x="504000" y="1326600"/>
-            <a:ext cx="9071640" cy="3288240"/>
+            <a:ext cx="9071280" cy="3287880"/>
           </a:xfrm>
           <a:prstGeom prst="rect">
             <a:avLst/>
@@ -14728,7 +17447,7 @@
       </p:grpSpPr>
       <p:sp>
         <p:nvSpPr>
-          <p:cNvPr id="252" name="PlaceHolder 1"/>
+          <p:cNvPr id="301" name="PlaceHolder 1"/>
           <p:cNvSpPr>
             <a:spLocks noGrp="1"/>
           </p:cNvSpPr>
@@ -14739,7 +17458,7 @@
         <p:spPr>
           <a:xfrm>
             <a:off x="540000" y="270000"/>
-            <a:ext cx="8998920" cy="988920"/>
+            <a:ext cx="8998560" cy="988560"/>
           </a:xfrm>
           <a:prstGeom prst="rect">
             <a:avLst/>
@@ -14777,7 +17496,7 @@
       </p:sp>
       <p:sp>
         <p:nvSpPr>
-          <p:cNvPr id="253" name="PlaceHolder 2"/>
+          <p:cNvPr id="302" name="PlaceHolder 2"/>
           <p:cNvSpPr>
             <a:spLocks noGrp="1"/>
           </p:cNvSpPr>
@@ -14788,7 +17507,7 @@
         <p:spPr>
           <a:xfrm>
             <a:off x="540000" y="1800000"/>
-            <a:ext cx="8998920" cy="3418920"/>
+            <a:ext cx="8998560" cy="3418560"/>
           </a:xfrm>
           <a:prstGeom prst="rect">
             <a:avLst/>
@@ -14968,7 +17687,7 @@
       </p:grpSpPr>
       <p:sp>
         <p:nvSpPr>
-          <p:cNvPr id="254" name="PlaceHolder 1"/>
+          <p:cNvPr id="303" name="PlaceHolder 1"/>
           <p:cNvSpPr>
             <a:spLocks noGrp="1"/>
           </p:cNvSpPr>
@@ -14979,7 +17698,7 @@
         <p:spPr>
           <a:xfrm>
             <a:off x="540000" y="270000"/>
-            <a:ext cx="8998920" cy="988920"/>
+            <a:ext cx="8998560" cy="988560"/>
           </a:xfrm>
           <a:prstGeom prst="rect">
             <a:avLst/>
@@ -15017,7 +17736,7 @@
       </p:sp>
       <p:sp>
         <p:nvSpPr>
-          <p:cNvPr id="255" name="PlaceHolder 2"/>
+          <p:cNvPr id="304" name="PlaceHolder 2"/>
           <p:cNvSpPr>
             <a:spLocks noGrp="1"/>
           </p:cNvSpPr>
@@ -15028,7 +17747,7 @@
         <p:spPr>
           <a:xfrm>
             <a:off x="540000" y="1440000"/>
-            <a:ext cx="8998920" cy="3598920"/>
+            <a:ext cx="8998560" cy="3598560"/>
           </a:xfrm>
           <a:prstGeom prst="rect">
             <a:avLst/>
@@ -15172,7 +17891,7 @@
       </p:grpSpPr>
       <p:sp>
         <p:nvSpPr>
-          <p:cNvPr id="256" name="PlaceHolder 1"/>
+          <p:cNvPr id="305" name="PlaceHolder 1"/>
           <p:cNvSpPr>
             <a:spLocks noGrp="1"/>
           </p:cNvSpPr>
@@ -15183,7 +17902,7 @@
         <p:spPr>
           <a:xfrm>
             <a:off x="540000" y="270000"/>
-            <a:ext cx="8998920" cy="988920"/>
+            <a:ext cx="8998560" cy="988560"/>
           </a:xfrm>
           <a:prstGeom prst="rect">
             <a:avLst/>
@@ -15221,7 +17940,7 @@
       </p:sp>
       <p:sp>
         <p:nvSpPr>
-          <p:cNvPr id="257" name="PlaceHolder 2"/>
+          <p:cNvPr id="306" name="PlaceHolder 2"/>
           <p:cNvSpPr>
             <a:spLocks noGrp="1"/>
           </p:cNvSpPr>
@@ -15232,7 +17951,7 @@
         <p:spPr>
           <a:xfrm>
             <a:off x="540000" y="1440000"/>
-            <a:ext cx="8998920" cy="3598920"/>
+            <a:ext cx="8998560" cy="3598560"/>
           </a:xfrm>
           <a:prstGeom prst="rect">
             <a:avLst/>
@@ -15296,13 +18015,7 @@
               <a:rPr b="0" lang="en-US" sz="2400" spc="-1" strike="noStrike">
                 <a:latin typeface="Arial"/>
               </a:rPr>
-              <a:t>Have expensive solutions making it out of reach for most of the </a:t>
-            </a:r>
-            <a:r>
-              <a:rPr b="0" lang="en-US" sz="2400" spc="-1" strike="noStrike">
-                <a:latin typeface="Arial"/>
-              </a:rPr>
-              <a:t>startups</a:t>
+              <a:t>Have expensive solutions making it out of reach for most of the startups</a:t>
             </a:r>
             <a:endParaRPr b="0" lang="en-IN" sz="2400" spc="-1" strike="noStrike">
               <a:latin typeface="Arial"/>
@@ -15330,13 +18043,7 @@
               <a:rPr b="0" lang="en-US" sz="2400" spc="-1" strike="noStrike">
                 <a:latin typeface="Arial"/>
               </a:rPr>
-              <a:t>Less transparent in terms of send and receive transactions </a:t>
-            </a:r>
-            <a:r>
-              <a:rPr b="0" lang="en-US" sz="2400" spc="-1" strike="noStrike">
-                <a:latin typeface="Arial"/>
-              </a:rPr>
-              <a:t>between employers &amp; employees</a:t>
+              <a:t>Less transparent in terms of send and receive transactions between employers &amp; employees</a:t>
             </a:r>
             <a:endParaRPr b="0" lang="en-IN" sz="2400" spc="-1" strike="noStrike">
               <a:latin typeface="Arial"/>
@@ -15421,7 +18128,7 @@
       </p:grpSpPr>
       <p:sp>
         <p:nvSpPr>
-          <p:cNvPr id="258" name="PlaceHolder 1"/>
+          <p:cNvPr id="307" name="PlaceHolder 1"/>
           <p:cNvSpPr>
             <a:spLocks noGrp="1"/>
           </p:cNvSpPr>
@@ -15432,7 +18139,7 @@
         <p:spPr>
           <a:xfrm>
             <a:off x="540000" y="270000"/>
-            <a:ext cx="8998920" cy="988920"/>
+            <a:ext cx="8998560" cy="988560"/>
           </a:xfrm>
           <a:prstGeom prst="rect">
             <a:avLst/>
@@ -15470,7 +18177,7 @@
       </p:sp>
       <p:sp>
         <p:nvSpPr>
-          <p:cNvPr id="259" name="PlaceHolder 2"/>
+          <p:cNvPr id="308" name="PlaceHolder 2"/>
           <p:cNvSpPr>
             <a:spLocks noGrp="1"/>
           </p:cNvSpPr>
@@ -15481,7 +18188,7 @@
         <p:spPr>
           <a:xfrm>
             <a:off x="540000" y="1440000"/>
-            <a:ext cx="8998920" cy="1619280"/>
+            <a:ext cx="8998560" cy="1618920"/>
           </a:xfrm>
           <a:prstGeom prst="rect">
             <a:avLst/>
@@ -15579,7 +18286,7 @@
       </p:grpSpPr>
       <p:sp>
         <p:nvSpPr>
-          <p:cNvPr id="260" name="PlaceHolder 1"/>
+          <p:cNvPr id="309" name="PlaceHolder 1"/>
           <p:cNvSpPr>
             <a:spLocks noGrp="1"/>
           </p:cNvSpPr>
@@ -15590,7 +18297,7 @@
         <p:spPr>
           <a:xfrm>
             <a:off x="540000" y="270000"/>
-            <a:ext cx="8998920" cy="988920"/>
+            <a:ext cx="8998560" cy="988560"/>
           </a:xfrm>
           <a:prstGeom prst="rect">
             <a:avLst/>
@@ -15628,7 +18335,7 @@
       </p:sp>
       <p:sp>
         <p:nvSpPr>
-          <p:cNvPr id="261" name="PlaceHolder 2"/>
+          <p:cNvPr id="310" name="PlaceHolder 2"/>
           <p:cNvSpPr>
             <a:spLocks noGrp="1"/>
           </p:cNvSpPr>
@@ -15639,7 +18346,7 @@
         <p:spPr>
           <a:xfrm>
             <a:off x="540000" y="1440000"/>
-            <a:ext cx="8998920" cy="3598920"/>
+            <a:ext cx="8998560" cy="3598560"/>
           </a:xfrm>
           <a:prstGeom prst="rect">
             <a:avLst/>
@@ -15697,13 +18404,7 @@
               <a:rPr b="0" lang="en-US" sz="2400" spc="-1" strike="noStrike">
                 <a:latin typeface="Arial"/>
               </a:rPr>
-              <a:t>Secure and reliable by verifying employees using zk (zero knowledge) proof </a:t>
-            </a:r>
-            <a:r>
-              <a:rPr b="0" lang="en-US" sz="2400" spc="-1" strike="noStrike">
-                <a:latin typeface="Arial"/>
-              </a:rPr>
-              <a:t>submission</a:t>
+              <a:t>Secure and reliable by verifying employees using zk (zero knowledge) proof submission</a:t>
             </a:r>
             <a:endParaRPr b="0" lang="en-IN" sz="2400" spc="-1" strike="noStrike">
               <a:latin typeface="Arial"/>
@@ -15803,13 +18504,7 @@
               <a:rPr b="0" lang="en-US" sz="2400" spc="-1" strike="noStrike">
                 <a:latin typeface="Arial"/>
               </a:rPr>
-              <a:t>Ability to automate complete workflow starting from employee on boarding to the </a:t>
-            </a:r>
-            <a:r>
-              <a:rPr b="0" lang="en-US" sz="2400" spc="-1" strike="noStrike">
-                <a:latin typeface="Arial"/>
-              </a:rPr>
-              <a:t>point they start receiving payments</a:t>
+              <a:t>Ability to automate complete workflow starting from employee on boarding to the point they start receiving payments</a:t>
             </a:r>
             <a:endParaRPr b="0" lang="en-IN" sz="2400" spc="-1" strike="noStrike">
               <a:latin typeface="Arial"/>
@@ -15849,7 +18544,7 @@
       </p:grpSpPr>
       <p:sp>
         <p:nvSpPr>
-          <p:cNvPr id="262" name="PlaceHolder 1"/>
+          <p:cNvPr id="311" name="PlaceHolder 1"/>
           <p:cNvSpPr>
             <a:spLocks noGrp="1"/>
           </p:cNvSpPr>
@@ -15860,7 +18555,7 @@
         <p:spPr>
           <a:xfrm>
             <a:off x="540000" y="270000"/>
-            <a:ext cx="8998920" cy="988920"/>
+            <a:ext cx="8998560" cy="988560"/>
           </a:xfrm>
           <a:prstGeom prst="rect">
             <a:avLst/>
@@ -15898,7 +18593,7 @@
       </p:sp>
       <p:sp>
         <p:nvSpPr>
-          <p:cNvPr id="263" name="PlaceHolder 2"/>
+          <p:cNvPr id="312" name="PlaceHolder 2"/>
           <p:cNvSpPr>
             <a:spLocks noGrp="1"/>
           </p:cNvSpPr>
@@ -15909,7 +18604,7 @@
         <p:spPr>
           <a:xfrm>
             <a:off x="540000" y="1440000"/>
-            <a:ext cx="8998920" cy="3598920"/>
+            <a:ext cx="8998560" cy="3598560"/>
           </a:xfrm>
           <a:prstGeom prst="rect">
             <a:avLst/>
@@ -16046,7 +18741,7 @@
       </p:grpSpPr>
       <p:sp>
         <p:nvSpPr>
-          <p:cNvPr id="264" name="PlaceHolder 1"/>
+          <p:cNvPr id="313" name="PlaceHolder 1"/>
           <p:cNvSpPr>
             <a:spLocks noGrp="1"/>
           </p:cNvSpPr>
@@ -16057,7 +18752,7 @@
         <p:spPr>
           <a:xfrm>
             <a:off x="504000" y="226080"/>
-            <a:ext cx="9072000" cy="946440"/>
+            <a:ext cx="9071640" cy="946080"/>
           </a:xfrm>
           <a:prstGeom prst="rect">
             <a:avLst/>
@@ -16073,6 +18768,9 @@
           </a:bodyPr>
           <a:p>
             <a:pPr algn="ctr">
+              <a:lnSpc>
+                <a:spcPct val="100000"/>
+              </a:lnSpc>
               <a:buNone/>
             </a:pPr>
             <a:r>
@@ -16085,17 +18783,14 @@
               <a:t>Business Model</a:t>
             </a:r>
             <a:endParaRPr b="0" lang="en-IN" sz="4400" spc="-1" strike="noStrike">
-              <a:solidFill>
-                <a:srgbClr val="ffffd7"/>
-              </a:solidFill>
-              <a:latin typeface="Arial"/>
-            </a:endParaRPr>
-          </a:p>
-        </p:txBody>
-      </p:sp>
-      <p:sp>
-        <p:nvSpPr>
-          <p:cNvPr id="265" name="PlaceHolder 2"/>
+              <a:latin typeface="Arial"/>
+            </a:endParaRPr>
+          </a:p>
+        </p:txBody>
+      </p:sp>
+      <p:sp>
+        <p:nvSpPr>
+          <p:cNvPr id="314" name="PlaceHolder 2"/>
           <p:cNvSpPr>
             <a:spLocks noGrp="1"/>
           </p:cNvSpPr>
@@ -16106,7 +18801,7 @@
         <p:spPr>
           <a:xfrm>
             <a:off x="504000" y="1326600"/>
-            <a:ext cx="9072000" cy="3288600"/>
+            <a:ext cx="9071640" cy="3288240"/>
           </a:xfrm>
           <a:prstGeom prst="rect">
             <a:avLst/>
@@ -16122,6 +18817,9 @@
           </a:bodyPr>
           <a:p>
             <a:pPr marL="216000" indent="-216000">
+              <a:lnSpc>
+                <a:spcPct val="100000"/>
+              </a:lnSpc>
               <a:spcBef>
                 <a:spcPts val="1417"/>
               </a:spcBef>
@@ -16144,6 +18842,9 @@
           </a:p>
           <a:p>
             <a:pPr marL="216000" indent="-216000">
+              <a:lnSpc>
+                <a:spcPct val="100000"/>
+              </a:lnSpc>
               <a:spcBef>
                 <a:spcPts val="1417"/>
               </a:spcBef>
@@ -16166,6 +18867,9 @@
           </a:p>
           <a:p>
             <a:pPr marL="216000" indent="-216000">
+              <a:lnSpc>
+                <a:spcPct val="100000"/>
+              </a:lnSpc>
               <a:spcBef>
                 <a:spcPts val="1417"/>
               </a:spcBef>
@@ -16187,16 +18891,14 @@
             </a:endParaRPr>
           </a:p>
           <a:p>
-            <a:pPr marL="432000" indent="-324000">
+            <a:pPr>
+              <a:lnSpc>
+                <a:spcPct val="100000"/>
+              </a:lnSpc>
               <a:spcBef>
                 <a:spcPts val="1417"/>
               </a:spcBef>
-              <a:buClr>
-                <a:srgbClr val="000000"/>
-              </a:buClr>
-              <a:buSzPct val="45000"/>
-              <a:buFont typeface="Wingdings" charset="2"/>
-              <a:buChar char=""/>
+              <a:buNone/>
             </a:pPr>
             <a:endParaRPr b="0" lang="en-IN" sz="2400" spc="-1" strike="noStrike">
               <a:latin typeface="Arial"/>
@@ -16236,7 +18938,7 @@
       </p:grpSpPr>
       <p:sp>
         <p:nvSpPr>
-          <p:cNvPr id="266" name="PlaceHolder 1"/>
+          <p:cNvPr id="315" name="PlaceHolder 1"/>
           <p:cNvSpPr>
             <a:spLocks noGrp="1"/>
           </p:cNvSpPr>
@@ -16247,7 +18949,7 @@
         <p:spPr>
           <a:xfrm>
             <a:off x="504000" y="226080"/>
-            <a:ext cx="9072000" cy="946440"/>
+            <a:ext cx="9071640" cy="946080"/>
           </a:xfrm>
           <a:prstGeom prst="rect">
             <a:avLst/>
@@ -16263,6 +18965,9 @@
           </a:bodyPr>
           <a:p>
             <a:pPr algn="ctr">
+              <a:lnSpc>
+                <a:spcPct val="100000"/>
+              </a:lnSpc>
               <a:buNone/>
             </a:pPr>
             <a:r>
@@ -16275,17 +18980,14 @@
               <a:t>Roadmap</a:t>
             </a:r>
             <a:endParaRPr b="0" lang="en-IN" sz="4400" spc="-1" strike="noStrike">
-              <a:solidFill>
-                <a:srgbClr val="ffffd7"/>
-              </a:solidFill>
-              <a:latin typeface="Arial"/>
-            </a:endParaRPr>
-          </a:p>
-        </p:txBody>
-      </p:sp>
-      <p:sp>
-        <p:nvSpPr>
-          <p:cNvPr id="267" name="PlaceHolder 2"/>
+              <a:latin typeface="Arial"/>
+            </a:endParaRPr>
+          </a:p>
+        </p:txBody>
+      </p:sp>
+      <p:sp>
+        <p:nvSpPr>
+          <p:cNvPr id="316" name="PlaceHolder 2"/>
           <p:cNvSpPr>
             <a:spLocks noGrp="1"/>
           </p:cNvSpPr>
@@ -16296,7 +18998,7 @@
         <p:spPr>
           <a:xfrm>
             <a:off x="504000" y="1326600"/>
-            <a:ext cx="9072000" cy="3288600"/>
+            <a:ext cx="9071640" cy="3288240"/>
           </a:xfrm>
           <a:prstGeom prst="rect">
             <a:avLst/>
@@ -16308,10 +19010,13 @@
         </p:spPr>
         <p:txBody>
           <a:bodyPr lIns="0" rIns="0" tIns="0" bIns="0" anchor="t">
-            <a:normAutofit fontScale="95000"/>
+            <a:normAutofit fontScale="93000"/>
           </a:bodyPr>
           <a:p>
             <a:pPr marL="432000" indent="-324000">
+              <a:lnSpc>
+                <a:spcPct val="100000"/>
+              </a:lnSpc>
               <a:spcBef>
                 <a:spcPts val="1417"/>
               </a:spcBef>
@@ -16334,6 +19039,9 @@
           </a:p>
           <a:p>
             <a:pPr marL="432000" indent="-324000">
+              <a:lnSpc>
+                <a:spcPct val="100000"/>
+              </a:lnSpc>
               <a:spcBef>
                 <a:spcPts val="1417"/>
               </a:spcBef>
@@ -16356,6 +19064,9 @@
           </a:p>
           <a:p>
             <a:pPr marL="432000" indent="-324000">
+              <a:lnSpc>
+                <a:spcPct val="100000"/>
+              </a:lnSpc>
               <a:spcBef>
                 <a:spcPts val="1417"/>
               </a:spcBef>
@@ -16378,6 +19089,9 @@
           </a:p>
           <a:p>
             <a:pPr marL="432000" indent="-324000">
+              <a:lnSpc>
+                <a:spcPct val="100000"/>
+              </a:lnSpc>
               <a:spcBef>
                 <a:spcPts val="1417"/>
               </a:spcBef>
@@ -17541,4 +20255,230 @@
     </a:fmtScheme>
   </a:themeElements>
 </a:theme>
+</file>
+
+<file path=ppt/theme/theme6.xml><?xml version="1.0" encoding="utf-8"?>
+<a:theme xmlns:a="http://schemas.openxmlformats.org/drawingml/2006/main" name="Office Theme">
+  <a:themeElements>
+    <a:clrScheme name="Office">
+      <a:dk1>
+        <a:sysClr val="windowText" lastClr="000000"/>
+      </a:dk1>
+      <a:lt1>
+        <a:sysClr val="window" lastClr="FFFFFF"/>
+      </a:lt1>
+      <a:dk2>
+        <a:srgbClr val="1f497d"/>
+      </a:dk2>
+      <a:lt2>
+        <a:srgbClr val="eeece1"/>
+      </a:lt2>
+      <a:accent1>
+        <a:srgbClr val="4f81bd"/>
+      </a:accent1>
+      <a:accent2>
+        <a:srgbClr val="c0504d"/>
+      </a:accent2>
+      <a:accent3>
+        <a:srgbClr val="9bbb59"/>
+      </a:accent3>
+      <a:accent4>
+        <a:srgbClr val="8064a2"/>
+      </a:accent4>
+      <a:accent5>
+        <a:srgbClr val="4bacc6"/>
+      </a:accent5>
+      <a:accent6>
+        <a:srgbClr val="f79646"/>
+      </a:accent6>
+      <a:hlink>
+        <a:srgbClr val="0000ff"/>
+      </a:hlink>
+      <a:folHlink>
+        <a:srgbClr val="800080"/>
+      </a:folHlink>
+    </a:clrScheme>
+    <a:fontScheme name="Office">
+      <a:majorFont>
+        <a:latin typeface="Arial"/>
+        <a:ea typeface="DejaVu Sans"/>
+        <a:cs typeface="DejaVu Sans"/>
+      </a:majorFont>
+      <a:minorFont>
+        <a:latin typeface="Arial"/>
+        <a:ea typeface="DejaVu Sans"/>
+        <a:cs typeface="DejaVu Sans"/>
+      </a:minorFont>
+    </a:fontScheme>
+    <a:fmtScheme name="Office">
+      <a:fillStyleLst>
+        <a:solidFill>
+          <a:schemeClr val="phClr"/>
+        </a:solidFill>
+        <a:gradFill rotWithShape="1">
+          <a:gsLst>
+            <a:gs pos="0">
+              <a:schemeClr val="phClr">
+                <a:tint val="50000"/>
+                <a:satMod val="300000"/>
+              </a:schemeClr>
+            </a:gs>
+            <a:gs pos="35000">
+              <a:schemeClr val="phClr">
+                <a:tint val="37000"/>
+                <a:satMod val="300000"/>
+              </a:schemeClr>
+            </a:gs>
+            <a:gs pos="100000">
+              <a:schemeClr val="phClr">
+                <a:tint val="15000"/>
+                <a:satMod val="350000"/>
+              </a:schemeClr>
+            </a:gs>
+          </a:gsLst>
+          <a:lin ang="16200000" scaled="1"/>
+        </a:gradFill>
+        <a:gradFill rotWithShape="1">
+          <a:gsLst>
+            <a:gs pos="0">
+              <a:schemeClr val="phClr">
+                <a:shade val="51000"/>
+                <a:satMod val="130000"/>
+              </a:schemeClr>
+            </a:gs>
+            <a:gs pos="80000">
+              <a:schemeClr val="phClr">
+                <a:shade val="93000"/>
+                <a:satMod val="130000"/>
+              </a:schemeClr>
+            </a:gs>
+            <a:gs pos="100000">
+              <a:schemeClr val="phClr">
+                <a:shade val="94000"/>
+                <a:satMod val="135000"/>
+              </a:schemeClr>
+            </a:gs>
+          </a:gsLst>
+          <a:lin ang="16200000" scaled="0"/>
+        </a:gradFill>
+      </a:fillStyleLst>
+      <a:lnStyleLst>
+        <a:ln w="9525" cap="flat" cmpd="sng" algn="ctr">
+          <a:solidFill>
+            <a:schemeClr val="phClr">
+              <a:shade val="95000"/>
+              <a:satMod val="105000"/>
+            </a:schemeClr>
+          </a:solidFill>
+          <a:prstDash val="solid"/>
+          <a:miter/>
+        </a:ln>
+        <a:ln w="25400" cap="flat" cmpd="sng" algn="ctr">
+          <a:solidFill>
+            <a:schemeClr val="phClr"/>
+          </a:solidFill>
+          <a:prstDash val="solid"/>
+          <a:miter/>
+        </a:ln>
+        <a:ln w="38100" cap="flat" cmpd="sng" algn="ctr">
+          <a:solidFill>
+            <a:schemeClr val="phClr"/>
+          </a:solidFill>
+          <a:prstDash val="solid"/>
+          <a:miter/>
+        </a:ln>
+      </a:lnStyleLst>
+      <a:effectStyleLst>
+        <a:effectStyle>
+          <a:effectLst>
+            <a:outerShdw blurRad="40000" dist="20000" dir="5400000" rotWithShape="0">
+              <a:srgbClr val="000000">
+                <a:alpha val="38000"/>
+              </a:srgbClr>
+            </a:outerShdw>
+          </a:effectLst>
+        </a:effectStyle>
+        <a:effectStyle>
+          <a:effectLst>
+            <a:outerShdw blurRad="40000" dist="23000" dir="5400000" rotWithShape="0">
+              <a:srgbClr val="000000">
+                <a:alpha val="35000"/>
+              </a:srgbClr>
+            </a:outerShdw>
+          </a:effectLst>
+        </a:effectStyle>
+        <a:effectStyle>
+          <a:effectLst>
+            <a:outerShdw blurRad="40000" dist="23000" dir="5400000" rotWithShape="0">
+              <a:srgbClr val="000000">
+                <a:alpha val="35000"/>
+              </a:srgbClr>
+            </a:outerShdw>
+          </a:effectLst>
+          <a:scene3d>
+            <a:camera prst="orthographicFront">
+              <a:rot lat="0" lon="0" rev="0"/>
+            </a:camera>
+            <a:lightRig rig="threePt" dir="t">
+              <a:rot lat="0" lon="0" rev="1200000"/>
+            </a:lightRig>
+          </a:scene3d>
+          <a:sp3d>
+            <a:bevelT w="63500" h="25400"/>
+          </a:sp3d>
+        </a:effectStyle>
+      </a:effectStyleLst>
+      <a:bgFillStyleLst>
+        <a:solidFill>
+          <a:schemeClr val="phClr"/>
+        </a:solidFill>
+        <a:gradFill rotWithShape="1">
+          <a:gsLst>
+            <a:gs pos="0">
+              <a:schemeClr val="phClr">
+                <a:tint val="40000"/>
+                <a:satMod val="350000"/>
+              </a:schemeClr>
+            </a:gs>
+            <a:gs pos="40000">
+              <a:schemeClr val="phClr">
+                <a:tint val="45000"/>
+                <a:shade val="99000"/>
+                <a:satMod val="350000"/>
+              </a:schemeClr>
+            </a:gs>
+            <a:gs pos="100000">
+              <a:schemeClr val="phClr">
+                <a:shade val="20000"/>
+                <a:satMod val="255000"/>
+              </a:schemeClr>
+            </a:gs>
+          </a:gsLst>
+          <a:path path="circle">
+            <a:fillToRect l="50000" t="-80000" r="50000" b="180000"/>
+          </a:path>
+        </a:gradFill>
+        <a:gradFill rotWithShape="1">
+          <a:gsLst>
+            <a:gs pos="0">
+              <a:schemeClr val="phClr">
+                <a:tint val="80000"/>
+                <a:satMod val="300000"/>
+              </a:schemeClr>
+            </a:gs>
+            <a:gs pos="100000">
+              <a:schemeClr val="phClr">
+                <a:shade val="30000"/>
+                <a:satMod val="200000"/>
+              </a:schemeClr>
+            </a:gs>
+          </a:gsLst>
+          <a:path path="circle">
+            <a:fillToRect l="50000" t="50000" r="50000" b="50000"/>
+          </a:path>
+        </a:gradFill>
+      </a:bgFillStyleLst>
+    </a:fmtScheme>
+  </a:themeElements>
+</a:theme>
 </file>